--- a/FW/Thanh/RESTAPI/RESTAPI.pptx
+++ b/FW/Thanh/RESTAPI/RESTAPI.pptx
@@ -218,7 +218,7 @@
           <a:p>
             <a:fld id="{BE921E71-55FB-4F70-BA64-7E87629B9540}" type="datetimeFigureOut">
               <a:rPr lang="en-US" smtClean="0"/>
-              <a:t>7/31/2020</a:t>
+              <a:t>8/23/2020</a:t>
             </a:fld>
             <a:endParaRPr lang="en-US"/>
           </a:p>
@@ -3225,7 +3225,7 @@
           <a:p>
             <a:fld id="{6D9FEF56-C5D4-4D87-B961-211842A8ECEA}" type="datetime1">
               <a:rPr lang="en-US" smtClean="0"/>
-              <a:t>7/31/2020</a:t>
+              <a:t>8/23/2020</a:t>
             </a:fld>
             <a:endParaRPr lang="en-US"/>
           </a:p>
@@ -3679,7 +3679,7 @@
         </p:nvSpPr>
         <p:spPr>
           <a:xfrm>
-            <a:off x="1971676" y="905228"/>
+            <a:off x="1971676" y="913617"/>
             <a:ext cx="9382124" cy="533046"/>
           </a:xfrm>
         </p:spPr>
@@ -3688,8 +3688,9 @@
           <a:lstStyle/>
           <a:p>
             <a:r>
-              <a:rPr lang="en-US" b="1">
-                <a:latin typeface="Times New Roman" panose="02020603050405020304" pitchFamily="18" charset="0"/>
+              <a:rPr lang="en-US" sz="3000" b="1" dirty="0">
+                <a:latin typeface="Segoe UI Black" panose="020B0A02040204020203" pitchFamily="34" charset="0"/>
+                <a:ea typeface="Segoe UI Black" panose="020B0A02040204020203" pitchFamily="34" charset="0"/>
                 <a:cs typeface="Times New Roman" panose="02020603050405020304" pitchFamily="18" charset="0"/>
               </a:rPr>
               <a:t>NGUYÊN TẮC THIẾT KẾ </a:t>
@@ -3720,89 +3721,143 @@
           <a:lstStyle/>
           <a:p>
             <a:r>
-              <a:rPr lang="vi-VN" sz="2200">
-                <a:latin typeface="+mj-lt"/>
+              <a:rPr lang="vi-VN" dirty="0">
+                <a:latin typeface="Segoe UI Black" panose="020B0A02040204020203" pitchFamily="34" charset="0"/>
+                <a:ea typeface="Segoe UI Black" panose="020B0A02040204020203" pitchFamily="34" charset="0"/>
               </a:rPr>
               <a:t>404 NOT FOUND</a:t>
             </a:r>
             <a:r>
-              <a:rPr lang="en-US" sz="2200">
-                <a:latin typeface="+mj-lt"/>
+              <a:rPr lang="en-US" dirty="0">
+                <a:latin typeface="Segoe UI Black" panose="020B0A02040204020203" pitchFamily="34" charset="0"/>
+                <a:ea typeface="Segoe UI Black" panose="020B0A02040204020203" pitchFamily="34" charset="0"/>
               </a:rPr>
               <a:t>: </a:t>
             </a:r>
             <a:r>
-              <a:rPr lang="en-US" sz="2200">
-                <a:latin typeface="Times New Roman" panose="02020603050405020304" pitchFamily="18" charset="0"/>
+              <a:rPr lang="en-US" dirty="0">
+                <a:latin typeface="Segoe UI Black" panose="020B0A02040204020203" pitchFamily="34" charset="0"/>
+                <a:ea typeface="Segoe UI Black" panose="020B0A02040204020203" pitchFamily="34" charset="0"/>
                 <a:cs typeface="Times New Roman" panose="02020603050405020304" pitchFamily="18" charset="0"/>
               </a:rPr>
               <a:t>b</a:t>
             </a:r>
             <a:r>
-              <a:rPr lang="vi-VN" sz="2200">
-                <a:latin typeface="Times New Roman" panose="02020603050405020304" pitchFamily="18" charset="0"/>
+              <a:rPr lang="vi-VN" dirty="0">
+                <a:latin typeface="Segoe UI Black" panose="020B0A02040204020203" pitchFamily="34" charset="0"/>
+                <a:ea typeface="Segoe UI Black" panose="020B0A02040204020203" pitchFamily="34" charset="0"/>
                 <a:cs typeface="Times New Roman" panose="02020603050405020304" pitchFamily="18" charset="0"/>
               </a:rPr>
               <a:t>ạn </a:t>
             </a:r>
             <a:r>
-              <a:rPr lang="vi-VN" sz="2200">
-                <a:latin typeface="+mj-lt"/>
+              <a:rPr lang="vi-VN" dirty="0">
+                <a:latin typeface="Segoe UI Black" panose="020B0A02040204020203" pitchFamily="34" charset="0"/>
+                <a:ea typeface="Segoe UI Black" panose="020B0A02040204020203" pitchFamily="34" charset="0"/>
               </a:rPr>
               <a:t>đang tìm kiếm một số tài nguyên </a:t>
             </a:r>
             <a:r>
-              <a:rPr lang="en-US" sz="2200">
-                <a:latin typeface="Times New Roman" panose="02020603050405020304" pitchFamily="18" charset="0"/>
-                <a:cs typeface="Times New Roman" panose="02020603050405020304" pitchFamily="18" charset="0"/>
-              </a:rPr>
-              <a:t>nào đó nhưng </a:t>
-            </a:r>
-            <a:r>
-              <a:rPr lang="vi-VN" sz="2200">
-                <a:latin typeface="+mj-lt"/>
+              <a:rPr lang="en-US" dirty="0" err="1">
+                <a:latin typeface="Segoe UI Black" panose="020B0A02040204020203" pitchFamily="34" charset="0"/>
+                <a:ea typeface="Segoe UI Black" panose="020B0A02040204020203" pitchFamily="34" charset="0"/>
+                <a:cs typeface="Times New Roman" panose="02020603050405020304" pitchFamily="18" charset="0"/>
+              </a:rPr>
+              <a:t>nào</a:t>
+            </a:r>
+            <a:r>
+              <a:rPr lang="en-US" dirty="0">
+                <a:latin typeface="Segoe UI Black" panose="020B0A02040204020203" pitchFamily="34" charset="0"/>
+                <a:ea typeface="Segoe UI Black" panose="020B0A02040204020203" pitchFamily="34" charset="0"/>
+                <a:cs typeface="Times New Roman" panose="02020603050405020304" pitchFamily="18" charset="0"/>
+              </a:rPr>
+              <a:t> </a:t>
+            </a:r>
+            <a:r>
+              <a:rPr lang="en-US" dirty="0" err="1">
+                <a:latin typeface="Segoe UI Black" panose="020B0A02040204020203" pitchFamily="34" charset="0"/>
+                <a:ea typeface="Segoe UI Black" panose="020B0A02040204020203" pitchFamily="34" charset="0"/>
+                <a:cs typeface="Times New Roman" panose="02020603050405020304" pitchFamily="18" charset="0"/>
+              </a:rPr>
+              <a:t>đó</a:t>
+            </a:r>
+            <a:r>
+              <a:rPr lang="en-US" dirty="0">
+                <a:latin typeface="Segoe UI Black" panose="020B0A02040204020203" pitchFamily="34" charset="0"/>
+                <a:ea typeface="Segoe UI Black" panose="020B0A02040204020203" pitchFamily="34" charset="0"/>
+                <a:cs typeface="Times New Roman" panose="02020603050405020304" pitchFamily="18" charset="0"/>
+              </a:rPr>
+              <a:t> </a:t>
+            </a:r>
+            <a:r>
+              <a:rPr lang="en-US" dirty="0" err="1">
+                <a:latin typeface="Segoe UI Black" panose="020B0A02040204020203" pitchFamily="34" charset="0"/>
+                <a:ea typeface="Segoe UI Black" panose="020B0A02040204020203" pitchFamily="34" charset="0"/>
+                <a:cs typeface="Times New Roman" panose="02020603050405020304" pitchFamily="18" charset="0"/>
+              </a:rPr>
+              <a:t>nhưng</a:t>
+            </a:r>
+            <a:r>
+              <a:rPr lang="en-US" dirty="0">
+                <a:latin typeface="Segoe UI Black" panose="020B0A02040204020203" pitchFamily="34" charset="0"/>
+                <a:ea typeface="Segoe UI Black" panose="020B0A02040204020203" pitchFamily="34" charset="0"/>
+                <a:cs typeface="Times New Roman" panose="02020603050405020304" pitchFamily="18" charset="0"/>
+              </a:rPr>
+              <a:t> </a:t>
+            </a:r>
+            <a:r>
+              <a:rPr lang="vi-VN" dirty="0">
+                <a:latin typeface="Segoe UI Black" panose="020B0A02040204020203" pitchFamily="34" charset="0"/>
+                <a:ea typeface="Segoe UI Black" panose="020B0A02040204020203" pitchFamily="34" charset="0"/>
               </a:rPr>
               <a:t>không có sẵn trong hệ thống</a:t>
             </a:r>
-            <a:endParaRPr lang="en-US" sz="2200">
-              <a:latin typeface="+mj-lt"/>
+            <a:endParaRPr lang="en-US" dirty="0">
+              <a:latin typeface="Segoe UI Black" panose="020B0A02040204020203" pitchFamily="34" charset="0"/>
+              <a:ea typeface="Segoe UI Black" panose="020B0A02040204020203" pitchFamily="34" charset="0"/>
             </a:endParaRPr>
           </a:p>
           <a:p>
             <a:r>
-              <a:rPr lang="vi-VN" sz="2200">
-                <a:latin typeface="+mj-lt"/>
+              <a:rPr lang="vi-VN" dirty="0">
+                <a:latin typeface="Segoe UI Black" panose="020B0A02040204020203" pitchFamily="34" charset="0"/>
+                <a:ea typeface="Segoe UI Black" panose="020B0A02040204020203" pitchFamily="34" charset="0"/>
               </a:rPr>
               <a:t>502 BAD GATEWAY</a:t>
             </a:r>
             <a:r>
-              <a:rPr lang="en-US" sz="2200">
-                <a:latin typeface="+mj-lt"/>
+              <a:rPr lang="en-US" dirty="0">
+                <a:latin typeface="Segoe UI Black" panose="020B0A02040204020203" pitchFamily="34" charset="0"/>
+                <a:ea typeface="Segoe UI Black" panose="020B0A02040204020203" pitchFamily="34" charset="0"/>
               </a:rPr>
               <a:t>: </a:t>
             </a:r>
             <a:r>
-              <a:rPr lang="en-US" sz="2200">
-                <a:latin typeface="Times New Roman" panose="02020603050405020304" pitchFamily="18" charset="0"/>
+              <a:rPr lang="en-US" dirty="0">
+                <a:latin typeface="Segoe UI Black" panose="020B0A02040204020203" pitchFamily="34" charset="0"/>
+                <a:ea typeface="Segoe UI Black" panose="020B0A02040204020203" pitchFamily="34" charset="0"/>
                 <a:cs typeface="Times New Roman" panose="02020603050405020304" pitchFamily="18" charset="0"/>
               </a:rPr>
               <a:t>đ</a:t>
             </a:r>
             <a:r>
-              <a:rPr lang="vi-VN" sz="2200">
-                <a:latin typeface="Times New Roman" panose="02020603050405020304" pitchFamily="18" charset="0"/>
+              <a:rPr lang="vi-VN" dirty="0">
+                <a:latin typeface="Segoe UI Black" panose="020B0A02040204020203" pitchFamily="34" charset="0"/>
+                <a:ea typeface="Segoe UI Black" panose="020B0A02040204020203" pitchFamily="34" charset="0"/>
                 <a:cs typeface="Times New Roman" panose="02020603050405020304" pitchFamily="18" charset="0"/>
               </a:rPr>
               <a:t>ược </a:t>
             </a:r>
             <a:r>
-              <a:rPr lang="vi-VN" sz="2200">
-                <a:latin typeface="+mj-lt"/>
+              <a:rPr lang="vi-VN" dirty="0">
+                <a:latin typeface="Segoe UI Black" panose="020B0A02040204020203" pitchFamily="34" charset="0"/>
+                <a:ea typeface="Segoe UI Black" panose="020B0A02040204020203" pitchFamily="34" charset="0"/>
               </a:rPr>
               <a:t>sử dụng nếu máy chủ nhận được phản hồi không hợp lệ từ máy chủ ngược dòng</a:t>
             </a:r>
-            <a:endParaRPr lang="fr-FR" sz="2200">
-              <a:latin typeface="+mj-lt"/>
+            <a:endParaRPr lang="fr-FR" dirty="0">
+              <a:latin typeface="Segoe UI Black" panose="020B0A02040204020203" pitchFamily="34" charset="0"/>
+              <a:ea typeface="Segoe UI Black" panose="020B0A02040204020203" pitchFamily="34" charset="0"/>
               <a:cs typeface="Times New Roman" panose="02020603050405020304" pitchFamily="18" charset="0"/>
             </a:endParaRPr>
           </a:p>
@@ -3853,7 +3908,10 @@
           <a:bodyPr/>
           <a:lstStyle/>
           <a:p>
-            <a:endParaRPr lang="en-US"/>
+            <a:endParaRPr lang="en-US" sz="4800" dirty="0">
+              <a:latin typeface="Segoe UI Black" panose="020B0A02040204020203" pitchFamily="34" charset="0"/>
+              <a:ea typeface="Segoe UI Black" panose="020B0A02040204020203" pitchFamily="34" charset="0"/>
+            </a:endParaRPr>
           </a:p>
         </p:txBody>
       </p:sp>
@@ -3935,50 +3993,37 @@
       </p:sp>
       <p:sp>
         <p:nvSpPr>
-          <p:cNvPr id="9" name="Rectangle 8">
+          <p:cNvPr id="4" name="Title 1">
             <a:extLst>
               <a:ext uri="{FF2B5EF4-FFF2-40B4-BE49-F238E27FC236}">
-                <a16:creationId xmlns:a16="http://schemas.microsoft.com/office/drawing/2014/main" id="{F56889FF-12BD-4755-AE06-653F9EC0663E}"/>
+                <a16:creationId xmlns:a16="http://schemas.microsoft.com/office/drawing/2014/main" id="{31D139F6-CF5B-4033-A704-7CE16D10BFAE}"/>
               </a:ext>
             </a:extLst>
           </p:cNvPr>
-          <p:cNvSpPr/>
-          <p:nvPr/>
+          <p:cNvSpPr>
+            <a:spLocks noGrp="1"/>
+          </p:cNvSpPr>
+          <p:nvPr>
+            <p:ph type="title"/>
+          </p:nvPr>
         </p:nvSpPr>
         <p:spPr>
           <a:xfrm>
-            <a:off x="742121" y="2821561"/>
-            <a:ext cx="6202017" cy="923330"/>
+            <a:off x="2942001" y="2610612"/>
+            <a:ext cx="3153999" cy="915623"/>
           </a:xfrm>
-          <a:prstGeom prst="rect">
-            <a:avLst/>
-          </a:prstGeom>
-          <a:noFill/>
         </p:spPr>
         <p:txBody>
-          <a:bodyPr wrap="square" lIns="91440" tIns="45720" rIns="91440" bIns="45720">
-            <a:spAutoFit/>
-          </a:bodyPr>
+          <a:bodyPr/>
           <a:lstStyle/>
           <a:p>
-            <a:pPr algn="ctr"/>
-            <a:r>
-              <a:rPr lang="en-US" sz="5400" b="1" cap="none" spc="0">
-                <a:ln w="22225">
-                  <a:solidFill>
-                    <a:schemeClr val="accent2"/>
-                  </a:solidFill>
-                  <a:prstDash val="solid"/>
-                </a:ln>
-                <a:solidFill>
-                  <a:schemeClr val="accent2">
-                    <a:lumMod val="40000"/>
-                    <a:lumOff val="60000"/>
-                  </a:schemeClr>
-                </a:solidFill>
-                <a:effectLst/>
-              </a:rPr>
-              <a:t>RESTAPI</a:t>
+            <a:r>
+              <a:rPr lang="en-US" sz="4800" b="1" dirty="0">
+                <a:latin typeface="Segoe UI Black" panose="020B0A02040204020203" pitchFamily="34" charset="0"/>
+                <a:ea typeface="Segoe UI Black" panose="020B0A02040204020203" pitchFamily="34" charset="0"/>
+                <a:cs typeface="Times New Roman" panose="02020603050405020304" pitchFamily="18" charset="0"/>
+              </a:rPr>
+              <a:t>RESTAPI?</a:t>
             </a:r>
           </a:p>
         </p:txBody>
@@ -4034,8 +4079,9 @@
           <a:lstStyle/>
           <a:p>
             <a:r>
-              <a:rPr lang="en-US" b="1">
-                <a:latin typeface="Times New Roman" panose="02020603050405020304" pitchFamily="18" charset="0"/>
+              <a:rPr lang="en-US" sz="3000" b="1" dirty="0">
+                <a:latin typeface="Segoe UI Black" panose="020B0A02040204020203" pitchFamily="34" charset="0"/>
+                <a:ea typeface="Segoe UI Black" panose="020B0A02040204020203" pitchFamily="34" charset="0"/>
                 <a:cs typeface="Times New Roman" panose="02020603050405020304" pitchFamily="18" charset="0"/>
               </a:rPr>
               <a:t>RESTAPI LÀ GÌ?</a:t>
@@ -4070,8 +4116,9 @@
               <a:buChar char="q"/>
             </a:pPr>
             <a:r>
-              <a:rPr lang="en-US" sz="2200" b="1">
-                <a:latin typeface="Times New Roman" panose="02020603050405020304" pitchFamily="18" charset="0"/>
+              <a:rPr lang="en-US" b="1" dirty="0">
+                <a:latin typeface="Segoe UI Black" panose="020B0A02040204020203" pitchFamily="34" charset="0"/>
+                <a:ea typeface="Segoe UI Black" panose="020B0A02040204020203" pitchFamily="34" charset="0"/>
                 <a:cs typeface="Times New Roman" panose="02020603050405020304" pitchFamily="18" charset="0"/>
               </a:rPr>
               <a:t>API</a:t>
@@ -4079,30 +4126,944 @@
           </a:p>
           <a:p>
             <a:r>
-              <a:rPr lang="en-US" sz="2200">
-                <a:latin typeface="Times New Roman" panose="02020603050405020304" pitchFamily="18" charset="0"/>
-                <a:cs typeface="Times New Roman" panose="02020603050405020304" pitchFamily="18" charset="0"/>
-              </a:rPr>
-              <a:t>Là các phương thức, giao thức kết nối với các thư viện và ứng dụng khác</a:t>
-            </a:r>
-          </a:p>
-          <a:p>
-            <a:r>
-              <a:rPr lang="en-US" sz="2200">
-                <a:latin typeface="Times New Roman" panose="02020603050405020304" pitchFamily="18" charset="0"/>
-                <a:cs typeface="Times New Roman" panose="02020603050405020304" pitchFamily="18" charset="0"/>
-              </a:rPr>
-              <a:t>Cung cấp khả năng truy xuất đến một tập các hàm hay dùng, từ đó có thể trao đổi dữ liệu giữa các ứng dụng</a:t>
-            </a:r>
-          </a:p>
-          <a:p>
-            <a:r>
-              <a:rPr lang="en-US" sz="2200">
-                <a:latin typeface="Times New Roman" panose="02020603050405020304" pitchFamily="18" charset="0"/>
-                <a:cs typeface="Times New Roman" panose="02020603050405020304" pitchFamily="18" charset="0"/>
-              </a:rPr>
-              <a:t>Mỗi khi sử dụng các ứng dụng, chẳng hạn như facebook, thời tiết thì bạn đang sử dụng api</a:t>
-            </a:r>
+              <a:rPr lang="en-US" dirty="0" err="1">
+                <a:latin typeface="Segoe UI Black" panose="020B0A02040204020203" pitchFamily="34" charset="0"/>
+                <a:ea typeface="Segoe UI Black" panose="020B0A02040204020203" pitchFamily="34" charset="0"/>
+                <a:cs typeface="Times New Roman" panose="02020603050405020304" pitchFamily="18" charset="0"/>
+              </a:rPr>
+              <a:t>Là</a:t>
+            </a:r>
+            <a:r>
+              <a:rPr lang="en-US" dirty="0">
+                <a:latin typeface="Segoe UI Black" panose="020B0A02040204020203" pitchFamily="34" charset="0"/>
+                <a:ea typeface="Segoe UI Black" panose="020B0A02040204020203" pitchFamily="34" charset="0"/>
+                <a:cs typeface="Times New Roman" panose="02020603050405020304" pitchFamily="18" charset="0"/>
+              </a:rPr>
+              <a:t> </a:t>
+            </a:r>
+            <a:r>
+              <a:rPr lang="en-US" dirty="0" err="1">
+                <a:latin typeface="Segoe UI Black" panose="020B0A02040204020203" pitchFamily="34" charset="0"/>
+                <a:ea typeface="Segoe UI Black" panose="020B0A02040204020203" pitchFamily="34" charset="0"/>
+                <a:cs typeface="Times New Roman" panose="02020603050405020304" pitchFamily="18" charset="0"/>
+              </a:rPr>
+              <a:t>các</a:t>
+            </a:r>
+            <a:r>
+              <a:rPr lang="en-US" dirty="0">
+                <a:latin typeface="Segoe UI Black" panose="020B0A02040204020203" pitchFamily="34" charset="0"/>
+                <a:ea typeface="Segoe UI Black" panose="020B0A02040204020203" pitchFamily="34" charset="0"/>
+                <a:cs typeface="Times New Roman" panose="02020603050405020304" pitchFamily="18" charset="0"/>
+              </a:rPr>
+              <a:t> </a:t>
+            </a:r>
+            <a:r>
+              <a:rPr lang="en-US" dirty="0" err="1">
+                <a:latin typeface="Segoe UI Black" panose="020B0A02040204020203" pitchFamily="34" charset="0"/>
+                <a:ea typeface="Segoe UI Black" panose="020B0A02040204020203" pitchFamily="34" charset="0"/>
+                <a:cs typeface="Times New Roman" panose="02020603050405020304" pitchFamily="18" charset="0"/>
+              </a:rPr>
+              <a:t>phương</a:t>
+            </a:r>
+            <a:r>
+              <a:rPr lang="en-US" dirty="0">
+                <a:latin typeface="Segoe UI Black" panose="020B0A02040204020203" pitchFamily="34" charset="0"/>
+                <a:ea typeface="Segoe UI Black" panose="020B0A02040204020203" pitchFamily="34" charset="0"/>
+                <a:cs typeface="Times New Roman" panose="02020603050405020304" pitchFamily="18" charset="0"/>
+              </a:rPr>
+              <a:t> </a:t>
+            </a:r>
+            <a:r>
+              <a:rPr lang="en-US" dirty="0" err="1">
+                <a:latin typeface="Segoe UI Black" panose="020B0A02040204020203" pitchFamily="34" charset="0"/>
+                <a:ea typeface="Segoe UI Black" panose="020B0A02040204020203" pitchFamily="34" charset="0"/>
+                <a:cs typeface="Times New Roman" panose="02020603050405020304" pitchFamily="18" charset="0"/>
+              </a:rPr>
+              <a:t>thức</a:t>
+            </a:r>
+            <a:r>
+              <a:rPr lang="en-US" dirty="0">
+                <a:latin typeface="Segoe UI Black" panose="020B0A02040204020203" pitchFamily="34" charset="0"/>
+                <a:ea typeface="Segoe UI Black" panose="020B0A02040204020203" pitchFamily="34" charset="0"/>
+                <a:cs typeface="Times New Roman" panose="02020603050405020304" pitchFamily="18" charset="0"/>
+              </a:rPr>
+              <a:t>, </a:t>
+            </a:r>
+            <a:r>
+              <a:rPr lang="en-US" dirty="0" err="1">
+                <a:latin typeface="Segoe UI Black" panose="020B0A02040204020203" pitchFamily="34" charset="0"/>
+                <a:ea typeface="Segoe UI Black" panose="020B0A02040204020203" pitchFamily="34" charset="0"/>
+                <a:cs typeface="Times New Roman" panose="02020603050405020304" pitchFamily="18" charset="0"/>
+              </a:rPr>
+              <a:t>giao</a:t>
+            </a:r>
+            <a:r>
+              <a:rPr lang="en-US" dirty="0">
+                <a:latin typeface="Segoe UI Black" panose="020B0A02040204020203" pitchFamily="34" charset="0"/>
+                <a:ea typeface="Segoe UI Black" panose="020B0A02040204020203" pitchFamily="34" charset="0"/>
+                <a:cs typeface="Times New Roman" panose="02020603050405020304" pitchFamily="18" charset="0"/>
+              </a:rPr>
+              <a:t> </a:t>
+            </a:r>
+            <a:r>
+              <a:rPr lang="en-US" dirty="0" err="1">
+                <a:latin typeface="Segoe UI Black" panose="020B0A02040204020203" pitchFamily="34" charset="0"/>
+                <a:ea typeface="Segoe UI Black" panose="020B0A02040204020203" pitchFamily="34" charset="0"/>
+                <a:cs typeface="Times New Roman" panose="02020603050405020304" pitchFamily="18" charset="0"/>
+              </a:rPr>
+              <a:t>thức</a:t>
+            </a:r>
+            <a:r>
+              <a:rPr lang="en-US" dirty="0">
+                <a:latin typeface="Segoe UI Black" panose="020B0A02040204020203" pitchFamily="34" charset="0"/>
+                <a:ea typeface="Segoe UI Black" panose="020B0A02040204020203" pitchFamily="34" charset="0"/>
+                <a:cs typeface="Times New Roman" panose="02020603050405020304" pitchFamily="18" charset="0"/>
+              </a:rPr>
+              <a:t> </a:t>
+            </a:r>
+            <a:r>
+              <a:rPr lang="en-US" dirty="0" err="1">
+                <a:latin typeface="Segoe UI Black" panose="020B0A02040204020203" pitchFamily="34" charset="0"/>
+                <a:ea typeface="Segoe UI Black" panose="020B0A02040204020203" pitchFamily="34" charset="0"/>
+                <a:cs typeface="Times New Roman" panose="02020603050405020304" pitchFamily="18" charset="0"/>
+              </a:rPr>
+              <a:t>kết</a:t>
+            </a:r>
+            <a:r>
+              <a:rPr lang="en-US" dirty="0">
+                <a:latin typeface="Segoe UI Black" panose="020B0A02040204020203" pitchFamily="34" charset="0"/>
+                <a:ea typeface="Segoe UI Black" panose="020B0A02040204020203" pitchFamily="34" charset="0"/>
+                <a:cs typeface="Times New Roman" panose="02020603050405020304" pitchFamily="18" charset="0"/>
+              </a:rPr>
+              <a:t> </a:t>
+            </a:r>
+            <a:r>
+              <a:rPr lang="en-US" dirty="0" err="1">
+                <a:latin typeface="Segoe UI Black" panose="020B0A02040204020203" pitchFamily="34" charset="0"/>
+                <a:ea typeface="Segoe UI Black" panose="020B0A02040204020203" pitchFamily="34" charset="0"/>
+                <a:cs typeface="Times New Roman" panose="02020603050405020304" pitchFamily="18" charset="0"/>
+              </a:rPr>
+              <a:t>nối</a:t>
+            </a:r>
+            <a:r>
+              <a:rPr lang="en-US" dirty="0">
+                <a:latin typeface="Segoe UI Black" panose="020B0A02040204020203" pitchFamily="34" charset="0"/>
+                <a:ea typeface="Segoe UI Black" panose="020B0A02040204020203" pitchFamily="34" charset="0"/>
+                <a:cs typeface="Times New Roman" panose="02020603050405020304" pitchFamily="18" charset="0"/>
+              </a:rPr>
+              <a:t> </a:t>
+            </a:r>
+            <a:r>
+              <a:rPr lang="en-US" dirty="0" err="1">
+                <a:latin typeface="Segoe UI Black" panose="020B0A02040204020203" pitchFamily="34" charset="0"/>
+                <a:ea typeface="Segoe UI Black" panose="020B0A02040204020203" pitchFamily="34" charset="0"/>
+                <a:cs typeface="Times New Roman" panose="02020603050405020304" pitchFamily="18" charset="0"/>
+              </a:rPr>
+              <a:t>với</a:t>
+            </a:r>
+            <a:r>
+              <a:rPr lang="en-US" dirty="0">
+                <a:latin typeface="Segoe UI Black" panose="020B0A02040204020203" pitchFamily="34" charset="0"/>
+                <a:ea typeface="Segoe UI Black" panose="020B0A02040204020203" pitchFamily="34" charset="0"/>
+                <a:cs typeface="Times New Roman" panose="02020603050405020304" pitchFamily="18" charset="0"/>
+              </a:rPr>
+              <a:t> </a:t>
+            </a:r>
+            <a:r>
+              <a:rPr lang="en-US" dirty="0" err="1">
+                <a:latin typeface="Segoe UI Black" panose="020B0A02040204020203" pitchFamily="34" charset="0"/>
+                <a:ea typeface="Segoe UI Black" panose="020B0A02040204020203" pitchFamily="34" charset="0"/>
+                <a:cs typeface="Times New Roman" panose="02020603050405020304" pitchFamily="18" charset="0"/>
+              </a:rPr>
+              <a:t>các</a:t>
+            </a:r>
+            <a:r>
+              <a:rPr lang="en-US" dirty="0">
+                <a:latin typeface="Segoe UI Black" panose="020B0A02040204020203" pitchFamily="34" charset="0"/>
+                <a:ea typeface="Segoe UI Black" panose="020B0A02040204020203" pitchFamily="34" charset="0"/>
+                <a:cs typeface="Times New Roman" panose="02020603050405020304" pitchFamily="18" charset="0"/>
+              </a:rPr>
+              <a:t> </a:t>
+            </a:r>
+            <a:r>
+              <a:rPr lang="en-US" dirty="0" err="1">
+                <a:latin typeface="Segoe UI Black" panose="020B0A02040204020203" pitchFamily="34" charset="0"/>
+                <a:ea typeface="Segoe UI Black" panose="020B0A02040204020203" pitchFamily="34" charset="0"/>
+                <a:cs typeface="Times New Roman" panose="02020603050405020304" pitchFamily="18" charset="0"/>
+              </a:rPr>
+              <a:t>thư</a:t>
+            </a:r>
+            <a:r>
+              <a:rPr lang="en-US" dirty="0">
+                <a:latin typeface="Segoe UI Black" panose="020B0A02040204020203" pitchFamily="34" charset="0"/>
+                <a:ea typeface="Segoe UI Black" panose="020B0A02040204020203" pitchFamily="34" charset="0"/>
+                <a:cs typeface="Times New Roman" panose="02020603050405020304" pitchFamily="18" charset="0"/>
+              </a:rPr>
+              <a:t> </a:t>
+            </a:r>
+            <a:r>
+              <a:rPr lang="en-US" dirty="0" err="1">
+                <a:latin typeface="Segoe UI Black" panose="020B0A02040204020203" pitchFamily="34" charset="0"/>
+                <a:ea typeface="Segoe UI Black" panose="020B0A02040204020203" pitchFamily="34" charset="0"/>
+                <a:cs typeface="Times New Roman" panose="02020603050405020304" pitchFamily="18" charset="0"/>
+              </a:rPr>
+              <a:t>viện</a:t>
+            </a:r>
+            <a:r>
+              <a:rPr lang="en-US" dirty="0">
+                <a:latin typeface="Segoe UI Black" panose="020B0A02040204020203" pitchFamily="34" charset="0"/>
+                <a:ea typeface="Segoe UI Black" panose="020B0A02040204020203" pitchFamily="34" charset="0"/>
+                <a:cs typeface="Times New Roman" panose="02020603050405020304" pitchFamily="18" charset="0"/>
+              </a:rPr>
+              <a:t> </a:t>
+            </a:r>
+            <a:r>
+              <a:rPr lang="en-US" dirty="0" err="1">
+                <a:latin typeface="Segoe UI Black" panose="020B0A02040204020203" pitchFamily="34" charset="0"/>
+                <a:ea typeface="Segoe UI Black" panose="020B0A02040204020203" pitchFamily="34" charset="0"/>
+                <a:cs typeface="Times New Roman" panose="02020603050405020304" pitchFamily="18" charset="0"/>
+              </a:rPr>
+              <a:t>và</a:t>
+            </a:r>
+            <a:r>
+              <a:rPr lang="en-US" dirty="0">
+                <a:latin typeface="Segoe UI Black" panose="020B0A02040204020203" pitchFamily="34" charset="0"/>
+                <a:ea typeface="Segoe UI Black" panose="020B0A02040204020203" pitchFamily="34" charset="0"/>
+                <a:cs typeface="Times New Roman" panose="02020603050405020304" pitchFamily="18" charset="0"/>
+              </a:rPr>
+              <a:t> </a:t>
+            </a:r>
+            <a:r>
+              <a:rPr lang="en-US" dirty="0" err="1">
+                <a:latin typeface="Segoe UI Black" panose="020B0A02040204020203" pitchFamily="34" charset="0"/>
+                <a:ea typeface="Segoe UI Black" panose="020B0A02040204020203" pitchFamily="34" charset="0"/>
+                <a:cs typeface="Times New Roman" panose="02020603050405020304" pitchFamily="18" charset="0"/>
+              </a:rPr>
+              <a:t>ứng</a:t>
+            </a:r>
+            <a:r>
+              <a:rPr lang="en-US" dirty="0">
+                <a:latin typeface="Segoe UI Black" panose="020B0A02040204020203" pitchFamily="34" charset="0"/>
+                <a:ea typeface="Segoe UI Black" panose="020B0A02040204020203" pitchFamily="34" charset="0"/>
+                <a:cs typeface="Times New Roman" panose="02020603050405020304" pitchFamily="18" charset="0"/>
+              </a:rPr>
+              <a:t> </a:t>
+            </a:r>
+            <a:r>
+              <a:rPr lang="en-US" dirty="0" err="1">
+                <a:latin typeface="Segoe UI Black" panose="020B0A02040204020203" pitchFamily="34" charset="0"/>
+                <a:ea typeface="Segoe UI Black" panose="020B0A02040204020203" pitchFamily="34" charset="0"/>
+                <a:cs typeface="Times New Roman" panose="02020603050405020304" pitchFamily="18" charset="0"/>
+              </a:rPr>
+              <a:t>dụng</a:t>
+            </a:r>
+            <a:r>
+              <a:rPr lang="en-US" dirty="0">
+                <a:latin typeface="Segoe UI Black" panose="020B0A02040204020203" pitchFamily="34" charset="0"/>
+                <a:ea typeface="Segoe UI Black" panose="020B0A02040204020203" pitchFamily="34" charset="0"/>
+                <a:cs typeface="Times New Roman" panose="02020603050405020304" pitchFamily="18" charset="0"/>
+              </a:rPr>
+              <a:t> </a:t>
+            </a:r>
+            <a:r>
+              <a:rPr lang="en-US" dirty="0" err="1">
+                <a:latin typeface="Segoe UI Black" panose="020B0A02040204020203" pitchFamily="34" charset="0"/>
+                <a:ea typeface="Segoe UI Black" panose="020B0A02040204020203" pitchFamily="34" charset="0"/>
+                <a:cs typeface="Times New Roman" panose="02020603050405020304" pitchFamily="18" charset="0"/>
+              </a:rPr>
+              <a:t>khác</a:t>
+            </a:r>
+            <a:endParaRPr lang="en-US" dirty="0">
+              <a:latin typeface="Segoe UI Black" panose="020B0A02040204020203" pitchFamily="34" charset="0"/>
+              <a:ea typeface="Segoe UI Black" panose="020B0A02040204020203" pitchFamily="34" charset="0"/>
+              <a:cs typeface="Times New Roman" panose="02020603050405020304" pitchFamily="18" charset="0"/>
+            </a:endParaRPr>
+          </a:p>
+          <a:p>
+            <a:r>
+              <a:rPr lang="en-US" dirty="0" err="1">
+                <a:latin typeface="Segoe UI Black" panose="020B0A02040204020203" pitchFamily="34" charset="0"/>
+                <a:ea typeface="Segoe UI Black" panose="020B0A02040204020203" pitchFamily="34" charset="0"/>
+                <a:cs typeface="Times New Roman" panose="02020603050405020304" pitchFamily="18" charset="0"/>
+              </a:rPr>
+              <a:t>Cung</a:t>
+            </a:r>
+            <a:r>
+              <a:rPr lang="en-US" dirty="0">
+                <a:latin typeface="Segoe UI Black" panose="020B0A02040204020203" pitchFamily="34" charset="0"/>
+                <a:ea typeface="Segoe UI Black" panose="020B0A02040204020203" pitchFamily="34" charset="0"/>
+                <a:cs typeface="Times New Roman" panose="02020603050405020304" pitchFamily="18" charset="0"/>
+              </a:rPr>
+              <a:t> </a:t>
+            </a:r>
+            <a:r>
+              <a:rPr lang="en-US" dirty="0" err="1">
+                <a:latin typeface="Segoe UI Black" panose="020B0A02040204020203" pitchFamily="34" charset="0"/>
+                <a:ea typeface="Segoe UI Black" panose="020B0A02040204020203" pitchFamily="34" charset="0"/>
+                <a:cs typeface="Times New Roman" panose="02020603050405020304" pitchFamily="18" charset="0"/>
+              </a:rPr>
+              <a:t>cấp</a:t>
+            </a:r>
+            <a:r>
+              <a:rPr lang="en-US" dirty="0">
+                <a:latin typeface="Segoe UI Black" panose="020B0A02040204020203" pitchFamily="34" charset="0"/>
+                <a:ea typeface="Segoe UI Black" panose="020B0A02040204020203" pitchFamily="34" charset="0"/>
+                <a:cs typeface="Times New Roman" panose="02020603050405020304" pitchFamily="18" charset="0"/>
+              </a:rPr>
+              <a:t> </a:t>
+            </a:r>
+            <a:r>
+              <a:rPr lang="en-US" dirty="0" err="1">
+                <a:latin typeface="Segoe UI Black" panose="020B0A02040204020203" pitchFamily="34" charset="0"/>
+                <a:ea typeface="Segoe UI Black" panose="020B0A02040204020203" pitchFamily="34" charset="0"/>
+                <a:cs typeface="Times New Roman" panose="02020603050405020304" pitchFamily="18" charset="0"/>
+              </a:rPr>
+              <a:t>khả</a:t>
+            </a:r>
+            <a:r>
+              <a:rPr lang="en-US" dirty="0">
+                <a:latin typeface="Segoe UI Black" panose="020B0A02040204020203" pitchFamily="34" charset="0"/>
+                <a:ea typeface="Segoe UI Black" panose="020B0A02040204020203" pitchFamily="34" charset="0"/>
+                <a:cs typeface="Times New Roman" panose="02020603050405020304" pitchFamily="18" charset="0"/>
+              </a:rPr>
+              <a:t> </a:t>
+            </a:r>
+            <a:r>
+              <a:rPr lang="en-US" dirty="0" err="1">
+                <a:latin typeface="Segoe UI Black" panose="020B0A02040204020203" pitchFamily="34" charset="0"/>
+                <a:ea typeface="Segoe UI Black" panose="020B0A02040204020203" pitchFamily="34" charset="0"/>
+                <a:cs typeface="Times New Roman" panose="02020603050405020304" pitchFamily="18" charset="0"/>
+              </a:rPr>
+              <a:t>năng</a:t>
+            </a:r>
+            <a:r>
+              <a:rPr lang="en-US" dirty="0">
+                <a:latin typeface="Segoe UI Black" panose="020B0A02040204020203" pitchFamily="34" charset="0"/>
+                <a:ea typeface="Segoe UI Black" panose="020B0A02040204020203" pitchFamily="34" charset="0"/>
+                <a:cs typeface="Times New Roman" panose="02020603050405020304" pitchFamily="18" charset="0"/>
+              </a:rPr>
+              <a:t> </a:t>
+            </a:r>
+            <a:r>
+              <a:rPr lang="en-US" dirty="0" err="1">
+                <a:latin typeface="Segoe UI Black" panose="020B0A02040204020203" pitchFamily="34" charset="0"/>
+                <a:ea typeface="Segoe UI Black" panose="020B0A02040204020203" pitchFamily="34" charset="0"/>
+                <a:cs typeface="Times New Roman" panose="02020603050405020304" pitchFamily="18" charset="0"/>
+              </a:rPr>
+              <a:t>truy</a:t>
+            </a:r>
+            <a:r>
+              <a:rPr lang="en-US" dirty="0">
+                <a:latin typeface="Segoe UI Black" panose="020B0A02040204020203" pitchFamily="34" charset="0"/>
+                <a:ea typeface="Segoe UI Black" panose="020B0A02040204020203" pitchFamily="34" charset="0"/>
+                <a:cs typeface="Times New Roman" panose="02020603050405020304" pitchFamily="18" charset="0"/>
+              </a:rPr>
+              <a:t> </a:t>
+            </a:r>
+            <a:r>
+              <a:rPr lang="en-US" dirty="0" err="1">
+                <a:latin typeface="Segoe UI Black" panose="020B0A02040204020203" pitchFamily="34" charset="0"/>
+                <a:ea typeface="Segoe UI Black" panose="020B0A02040204020203" pitchFamily="34" charset="0"/>
+                <a:cs typeface="Times New Roman" panose="02020603050405020304" pitchFamily="18" charset="0"/>
+              </a:rPr>
+              <a:t>xuất</a:t>
+            </a:r>
+            <a:r>
+              <a:rPr lang="en-US" dirty="0">
+                <a:latin typeface="Segoe UI Black" panose="020B0A02040204020203" pitchFamily="34" charset="0"/>
+                <a:ea typeface="Segoe UI Black" panose="020B0A02040204020203" pitchFamily="34" charset="0"/>
+                <a:cs typeface="Times New Roman" panose="02020603050405020304" pitchFamily="18" charset="0"/>
+              </a:rPr>
+              <a:t> </a:t>
+            </a:r>
+            <a:r>
+              <a:rPr lang="en-US" dirty="0" err="1">
+                <a:latin typeface="Segoe UI Black" panose="020B0A02040204020203" pitchFamily="34" charset="0"/>
+                <a:ea typeface="Segoe UI Black" panose="020B0A02040204020203" pitchFamily="34" charset="0"/>
+                <a:cs typeface="Times New Roman" panose="02020603050405020304" pitchFamily="18" charset="0"/>
+              </a:rPr>
+              <a:t>đến</a:t>
+            </a:r>
+            <a:r>
+              <a:rPr lang="en-US" dirty="0">
+                <a:latin typeface="Segoe UI Black" panose="020B0A02040204020203" pitchFamily="34" charset="0"/>
+                <a:ea typeface="Segoe UI Black" panose="020B0A02040204020203" pitchFamily="34" charset="0"/>
+                <a:cs typeface="Times New Roman" panose="02020603050405020304" pitchFamily="18" charset="0"/>
+              </a:rPr>
+              <a:t> </a:t>
+            </a:r>
+            <a:r>
+              <a:rPr lang="en-US" dirty="0" err="1">
+                <a:latin typeface="Segoe UI Black" panose="020B0A02040204020203" pitchFamily="34" charset="0"/>
+                <a:ea typeface="Segoe UI Black" panose="020B0A02040204020203" pitchFamily="34" charset="0"/>
+                <a:cs typeface="Times New Roman" panose="02020603050405020304" pitchFamily="18" charset="0"/>
+              </a:rPr>
+              <a:t>một</a:t>
+            </a:r>
+            <a:r>
+              <a:rPr lang="en-US" dirty="0">
+                <a:latin typeface="Segoe UI Black" panose="020B0A02040204020203" pitchFamily="34" charset="0"/>
+                <a:ea typeface="Segoe UI Black" panose="020B0A02040204020203" pitchFamily="34" charset="0"/>
+                <a:cs typeface="Times New Roman" panose="02020603050405020304" pitchFamily="18" charset="0"/>
+              </a:rPr>
+              <a:t> </a:t>
+            </a:r>
+            <a:r>
+              <a:rPr lang="en-US" dirty="0" err="1">
+                <a:latin typeface="Segoe UI Black" panose="020B0A02040204020203" pitchFamily="34" charset="0"/>
+                <a:ea typeface="Segoe UI Black" panose="020B0A02040204020203" pitchFamily="34" charset="0"/>
+                <a:cs typeface="Times New Roman" panose="02020603050405020304" pitchFamily="18" charset="0"/>
+              </a:rPr>
+              <a:t>tập</a:t>
+            </a:r>
+            <a:r>
+              <a:rPr lang="en-US" dirty="0">
+                <a:latin typeface="Segoe UI Black" panose="020B0A02040204020203" pitchFamily="34" charset="0"/>
+                <a:ea typeface="Segoe UI Black" panose="020B0A02040204020203" pitchFamily="34" charset="0"/>
+                <a:cs typeface="Times New Roman" panose="02020603050405020304" pitchFamily="18" charset="0"/>
+              </a:rPr>
+              <a:t> </a:t>
+            </a:r>
+            <a:r>
+              <a:rPr lang="en-US" dirty="0" err="1">
+                <a:latin typeface="Segoe UI Black" panose="020B0A02040204020203" pitchFamily="34" charset="0"/>
+                <a:ea typeface="Segoe UI Black" panose="020B0A02040204020203" pitchFamily="34" charset="0"/>
+                <a:cs typeface="Times New Roman" panose="02020603050405020304" pitchFamily="18" charset="0"/>
+              </a:rPr>
+              <a:t>các</a:t>
+            </a:r>
+            <a:r>
+              <a:rPr lang="en-US" dirty="0">
+                <a:latin typeface="Segoe UI Black" panose="020B0A02040204020203" pitchFamily="34" charset="0"/>
+                <a:ea typeface="Segoe UI Black" panose="020B0A02040204020203" pitchFamily="34" charset="0"/>
+                <a:cs typeface="Times New Roman" panose="02020603050405020304" pitchFamily="18" charset="0"/>
+              </a:rPr>
+              <a:t> </a:t>
+            </a:r>
+            <a:r>
+              <a:rPr lang="en-US" dirty="0" err="1">
+                <a:latin typeface="Segoe UI Black" panose="020B0A02040204020203" pitchFamily="34" charset="0"/>
+                <a:ea typeface="Segoe UI Black" panose="020B0A02040204020203" pitchFamily="34" charset="0"/>
+                <a:cs typeface="Times New Roman" panose="02020603050405020304" pitchFamily="18" charset="0"/>
+              </a:rPr>
+              <a:t>hàm</a:t>
+            </a:r>
+            <a:r>
+              <a:rPr lang="en-US" dirty="0">
+                <a:latin typeface="Segoe UI Black" panose="020B0A02040204020203" pitchFamily="34" charset="0"/>
+                <a:ea typeface="Segoe UI Black" panose="020B0A02040204020203" pitchFamily="34" charset="0"/>
+                <a:cs typeface="Times New Roman" panose="02020603050405020304" pitchFamily="18" charset="0"/>
+              </a:rPr>
+              <a:t> hay </a:t>
+            </a:r>
+            <a:r>
+              <a:rPr lang="en-US" dirty="0" err="1">
+                <a:latin typeface="Segoe UI Black" panose="020B0A02040204020203" pitchFamily="34" charset="0"/>
+                <a:ea typeface="Segoe UI Black" panose="020B0A02040204020203" pitchFamily="34" charset="0"/>
+                <a:cs typeface="Times New Roman" panose="02020603050405020304" pitchFamily="18" charset="0"/>
+              </a:rPr>
+              <a:t>dùng</a:t>
+            </a:r>
+            <a:r>
+              <a:rPr lang="en-US" dirty="0">
+                <a:latin typeface="Segoe UI Black" panose="020B0A02040204020203" pitchFamily="34" charset="0"/>
+                <a:ea typeface="Segoe UI Black" panose="020B0A02040204020203" pitchFamily="34" charset="0"/>
+                <a:cs typeface="Times New Roman" panose="02020603050405020304" pitchFamily="18" charset="0"/>
+              </a:rPr>
+              <a:t>, </a:t>
+            </a:r>
+            <a:r>
+              <a:rPr lang="en-US" dirty="0" err="1">
+                <a:latin typeface="Segoe UI Black" panose="020B0A02040204020203" pitchFamily="34" charset="0"/>
+                <a:ea typeface="Segoe UI Black" panose="020B0A02040204020203" pitchFamily="34" charset="0"/>
+                <a:cs typeface="Times New Roman" panose="02020603050405020304" pitchFamily="18" charset="0"/>
+              </a:rPr>
+              <a:t>từ</a:t>
+            </a:r>
+            <a:r>
+              <a:rPr lang="en-US" dirty="0">
+                <a:latin typeface="Segoe UI Black" panose="020B0A02040204020203" pitchFamily="34" charset="0"/>
+                <a:ea typeface="Segoe UI Black" panose="020B0A02040204020203" pitchFamily="34" charset="0"/>
+                <a:cs typeface="Times New Roman" panose="02020603050405020304" pitchFamily="18" charset="0"/>
+              </a:rPr>
+              <a:t> </a:t>
+            </a:r>
+            <a:r>
+              <a:rPr lang="en-US" dirty="0" err="1">
+                <a:latin typeface="Segoe UI Black" panose="020B0A02040204020203" pitchFamily="34" charset="0"/>
+                <a:ea typeface="Segoe UI Black" panose="020B0A02040204020203" pitchFamily="34" charset="0"/>
+                <a:cs typeface="Times New Roman" panose="02020603050405020304" pitchFamily="18" charset="0"/>
+              </a:rPr>
+              <a:t>đó</a:t>
+            </a:r>
+            <a:r>
+              <a:rPr lang="en-US" dirty="0">
+                <a:latin typeface="Segoe UI Black" panose="020B0A02040204020203" pitchFamily="34" charset="0"/>
+                <a:ea typeface="Segoe UI Black" panose="020B0A02040204020203" pitchFamily="34" charset="0"/>
+                <a:cs typeface="Times New Roman" panose="02020603050405020304" pitchFamily="18" charset="0"/>
+              </a:rPr>
+              <a:t> </a:t>
+            </a:r>
+            <a:r>
+              <a:rPr lang="en-US" dirty="0" err="1">
+                <a:latin typeface="Segoe UI Black" panose="020B0A02040204020203" pitchFamily="34" charset="0"/>
+                <a:ea typeface="Segoe UI Black" panose="020B0A02040204020203" pitchFamily="34" charset="0"/>
+                <a:cs typeface="Times New Roman" panose="02020603050405020304" pitchFamily="18" charset="0"/>
+              </a:rPr>
+              <a:t>có</a:t>
+            </a:r>
+            <a:r>
+              <a:rPr lang="en-US" dirty="0">
+                <a:latin typeface="Segoe UI Black" panose="020B0A02040204020203" pitchFamily="34" charset="0"/>
+                <a:ea typeface="Segoe UI Black" panose="020B0A02040204020203" pitchFamily="34" charset="0"/>
+                <a:cs typeface="Times New Roman" panose="02020603050405020304" pitchFamily="18" charset="0"/>
+              </a:rPr>
+              <a:t> </a:t>
+            </a:r>
+            <a:r>
+              <a:rPr lang="en-US" dirty="0" err="1">
+                <a:latin typeface="Segoe UI Black" panose="020B0A02040204020203" pitchFamily="34" charset="0"/>
+                <a:ea typeface="Segoe UI Black" panose="020B0A02040204020203" pitchFamily="34" charset="0"/>
+                <a:cs typeface="Times New Roman" panose="02020603050405020304" pitchFamily="18" charset="0"/>
+              </a:rPr>
+              <a:t>thể</a:t>
+            </a:r>
+            <a:r>
+              <a:rPr lang="en-US" dirty="0">
+                <a:latin typeface="Segoe UI Black" panose="020B0A02040204020203" pitchFamily="34" charset="0"/>
+                <a:ea typeface="Segoe UI Black" panose="020B0A02040204020203" pitchFamily="34" charset="0"/>
+                <a:cs typeface="Times New Roman" panose="02020603050405020304" pitchFamily="18" charset="0"/>
+              </a:rPr>
+              <a:t> </a:t>
+            </a:r>
+            <a:r>
+              <a:rPr lang="en-US" dirty="0" err="1">
+                <a:latin typeface="Segoe UI Black" panose="020B0A02040204020203" pitchFamily="34" charset="0"/>
+                <a:ea typeface="Segoe UI Black" panose="020B0A02040204020203" pitchFamily="34" charset="0"/>
+                <a:cs typeface="Times New Roman" panose="02020603050405020304" pitchFamily="18" charset="0"/>
+              </a:rPr>
+              <a:t>trao</a:t>
+            </a:r>
+            <a:r>
+              <a:rPr lang="en-US" dirty="0">
+                <a:latin typeface="Segoe UI Black" panose="020B0A02040204020203" pitchFamily="34" charset="0"/>
+                <a:ea typeface="Segoe UI Black" panose="020B0A02040204020203" pitchFamily="34" charset="0"/>
+                <a:cs typeface="Times New Roman" panose="02020603050405020304" pitchFamily="18" charset="0"/>
+              </a:rPr>
+              <a:t> </a:t>
+            </a:r>
+            <a:r>
+              <a:rPr lang="en-US" dirty="0" err="1">
+                <a:latin typeface="Segoe UI Black" panose="020B0A02040204020203" pitchFamily="34" charset="0"/>
+                <a:ea typeface="Segoe UI Black" panose="020B0A02040204020203" pitchFamily="34" charset="0"/>
+                <a:cs typeface="Times New Roman" panose="02020603050405020304" pitchFamily="18" charset="0"/>
+              </a:rPr>
+              <a:t>đổi</a:t>
+            </a:r>
+            <a:r>
+              <a:rPr lang="en-US" dirty="0">
+                <a:latin typeface="Segoe UI Black" panose="020B0A02040204020203" pitchFamily="34" charset="0"/>
+                <a:ea typeface="Segoe UI Black" panose="020B0A02040204020203" pitchFamily="34" charset="0"/>
+                <a:cs typeface="Times New Roman" panose="02020603050405020304" pitchFamily="18" charset="0"/>
+              </a:rPr>
+              <a:t> </a:t>
+            </a:r>
+            <a:r>
+              <a:rPr lang="en-US" dirty="0" err="1">
+                <a:latin typeface="Segoe UI Black" panose="020B0A02040204020203" pitchFamily="34" charset="0"/>
+                <a:ea typeface="Segoe UI Black" panose="020B0A02040204020203" pitchFamily="34" charset="0"/>
+                <a:cs typeface="Times New Roman" panose="02020603050405020304" pitchFamily="18" charset="0"/>
+              </a:rPr>
+              <a:t>dữ</a:t>
+            </a:r>
+            <a:r>
+              <a:rPr lang="en-US" dirty="0">
+                <a:latin typeface="Segoe UI Black" panose="020B0A02040204020203" pitchFamily="34" charset="0"/>
+                <a:ea typeface="Segoe UI Black" panose="020B0A02040204020203" pitchFamily="34" charset="0"/>
+                <a:cs typeface="Times New Roman" panose="02020603050405020304" pitchFamily="18" charset="0"/>
+              </a:rPr>
+              <a:t> </a:t>
+            </a:r>
+            <a:r>
+              <a:rPr lang="en-US" dirty="0" err="1">
+                <a:latin typeface="Segoe UI Black" panose="020B0A02040204020203" pitchFamily="34" charset="0"/>
+                <a:ea typeface="Segoe UI Black" panose="020B0A02040204020203" pitchFamily="34" charset="0"/>
+                <a:cs typeface="Times New Roman" panose="02020603050405020304" pitchFamily="18" charset="0"/>
+              </a:rPr>
+              <a:t>liệu</a:t>
+            </a:r>
+            <a:r>
+              <a:rPr lang="en-US" dirty="0">
+                <a:latin typeface="Segoe UI Black" panose="020B0A02040204020203" pitchFamily="34" charset="0"/>
+                <a:ea typeface="Segoe UI Black" panose="020B0A02040204020203" pitchFamily="34" charset="0"/>
+                <a:cs typeface="Times New Roman" panose="02020603050405020304" pitchFamily="18" charset="0"/>
+              </a:rPr>
+              <a:t> </a:t>
+            </a:r>
+            <a:r>
+              <a:rPr lang="en-US" dirty="0" err="1">
+                <a:latin typeface="Segoe UI Black" panose="020B0A02040204020203" pitchFamily="34" charset="0"/>
+                <a:ea typeface="Segoe UI Black" panose="020B0A02040204020203" pitchFamily="34" charset="0"/>
+                <a:cs typeface="Times New Roman" panose="02020603050405020304" pitchFamily="18" charset="0"/>
+              </a:rPr>
+              <a:t>giữa</a:t>
+            </a:r>
+            <a:r>
+              <a:rPr lang="en-US" dirty="0">
+                <a:latin typeface="Segoe UI Black" panose="020B0A02040204020203" pitchFamily="34" charset="0"/>
+                <a:ea typeface="Segoe UI Black" panose="020B0A02040204020203" pitchFamily="34" charset="0"/>
+                <a:cs typeface="Times New Roman" panose="02020603050405020304" pitchFamily="18" charset="0"/>
+              </a:rPr>
+              <a:t> </a:t>
+            </a:r>
+            <a:r>
+              <a:rPr lang="en-US" dirty="0" err="1">
+                <a:latin typeface="Segoe UI Black" panose="020B0A02040204020203" pitchFamily="34" charset="0"/>
+                <a:ea typeface="Segoe UI Black" panose="020B0A02040204020203" pitchFamily="34" charset="0"/>
+                <a:cs typeface="Times New Roman" panose="02020603050405020304" pitchFamily="18" charset="0"/>
+              </a:rPr>
+              <a:t>các</a:t>
+            </a:r>
+            <a:r>
+              <a:rPr lang="en-US" dirty="0">
+                <a:latin typeface="Segoe UI Black" panose="020B0A02040204020203" pitchFamily="34" charset="0"/>
+                <a:ea typeface="Segoe UI Black" panose="020B0A02040204020203" pitchFamily="34" charset="0"/>
+                <a:cs typeface="Times New Roman" panose="02020603050405020304" pitchFamily="18" charset="0"/>
+              </a:rPr>
+              <a:t> </a:t>
+            </a:r>
+            <a:r>
+              <a:rPr lang="en-US" dirty="0" err="1">
+                <a:latin typeface="Segoe UI Black" panose="020B0A02040204020203" pitchFamily="34" charset="0"/>
+                <a:ea typeface="Segoe UI Black" panose="020B0A02040204020203" pitchFamily="34" charset="0"/>
+                <a:cs typeface="Times New Roman" panose="02020603050405020304" pitchFamily="18" charset="0"/>
+              </a:rPr>
+              <a:t>ứng</a:t>
+            </a:r>
+            <a:r>
+              <a:rPr lang="en-US" dirty="0">
+                <a:latin typeface="Segoe UI Black" panose="020B0A02040204020203" pitchFamily="34" charset="0"/>
+                <a:ea typeface="Segoe UI Black" panose="020B0A02040204020203" pitchFamily="34" charset="0"/>
+                <a:cs typeface="Times New Roman" panose="02020603050405020304" pitchFamily="18" charset="0"/>
+              </a:rPr>
+              <a:t> </a:t>
+            </a:r>
+            <a:r>
+              <a:rPr lang="en-US" dirty="0" err="1">
+                <a:latin typeface="Segoe UI Black" panose="020B0A02040204020203" pitchFamily="34" charset="0"/>
+                <a:ea typeface="Segoe UI Black" panose="020B0A02040204020203" pitchFamily="34" charset="0"/>
+                <a:cs typeface="Times New Roman" panose="02020603050405020304" pitchFamily="18" charset="0"/>
+              </a:rPr>
+              <a:t>dụng</a:t>
+            </a:r>
+            <a:endParaRPr lang="en-US" dirty="0">
+              <a:latin typeface="Segoe UI Black" panose="020B0A02040204020203" pitchFamily="34" charset="0"/>
+              <a:ea typeface="Segoe UI Black" panose="020B0A02040204020203" pitchFamily="34" charset="0"/>
+              <a:cs typeface="Times New Roman" panose="02020603050405020304" pitchFamily="18" charset="0"/>
+            </a:endParaRPr>
+          </a:p>
+          <a:p>
+            <a:r>
+              <a:rPr lang="en-US" dirty="0" err="1">
+                <a:latin typeface="Segoe UI Black" panose="020B0A02040204020203" pitchFamily="34" charset="0"/>
+                <a:ea typeface="Segoe UI Black" panose="020B0A02040204020203" pitchFamily="34" charset="0"/>
+                <a:cs typeface="Times New Roman" panose="02020603050405020304" pitchFamily="18" charset="0"/>
+              </a:rPr>
+              <a:t>Mỗi</a:t>
+            </a:r>
+            <a:r>
+              <a:rPr lang="en-US" dirty="0">
+                <a:latin typeface="Segoe UI Black" panose="020B0A02040204020203" pitchFamily="34" charset="0"/>
+                <a:ea typeface="Segoe UI Black" panose="020B0A02040204020203" pitchFamily="34" charset="0"/>
+                <a:cs typeface="Times New Roman" panose="02020603050405020304" pitchFamily="18" charset="0"/>
+              </a:rPr>
+              <a:t> </a:t>
+            </a:r>
+            <a:r>
+              <a:rPr lang="en-US" dirty="0" err="1">
+                <a:latin typeface="Segoe UI Black" panose="020B0A02040204020203" pitchFamily="34" charset="0"/>
+                <a:ea typeface="Segoe UI Black" panose="020B0A02040204020203" pitchFamily="34" charset="0"/>
+                <a:cs typeface="Times New Roman" panose="02020603050405020304" pitchFamily="18" charset="0"/>
+              </a:rPr>
+              <a:t>khi</a:t>
+            </a:r>
+            <a:r>
+              <a:rPr lang="en-US" dirty="0">
+                <a:latin typeface="Segoe UI Black" panose="020B0A02040204020203" pitchFamily="34" charset="0"/>
+                <a:ea typeface="Segoe UI Black" panose="020B0A02040204020203" pitchFamily="34" charset="0"/>
+                <a:cs typeface="Times New Roman" panose="02020603050405020304" pitchFamily="18" charset="0"/>
+              </a:rPr>
+              <a:t> </a:t>
+            </a:r>
+            <a:r>
+              <a:rPr lang="en-US" dirty="0" err="1">
+                <a:latin typeface="Segoe UI Black" panose="020B0A02040204020203" pitchFamily="34" charset="0"/>
+                <a:ea typeface="Segoe UI Black" panose="020B0A02040204020203" pitchFamily="34" charset="0"/>
+                <a:cs typeface="Times New Roman" panose="02020603050405020304" pitchFamily="18" charset="0"/>
+              </a:rPr>
+              <a:t>sử</a:t>
+            </a:r>
+            <a:r>
+              <a:rPr lang="en-US" dirty="0">
+                <a:latin typeface="Segoe UI Black" panose="020B0A02040204020203" pitchFamily="34" charset="0"/>
+                <a:ea typeface="Segoe UI Black" panose="020B0A02040204020203" pitchFamily="34" charset="0"/>
+                <a:cs typeface="Times New Roman" panose="02020603050405020304" pitchFamily="18" charset="0"/>
+              </a:rPr>
+              <a:t> </a:t>
+            </a:r>
+            <a:r>
+              <a:rPr lang="en-US" dirty="0" err="1">
+                <a:latin typeface="Segoe UI Black" panose="020B0A02040204020203" pitchFamily="34" charset="0"/>
+                <a:ea typeface="Segoe UI Black" panose="020B0A02040204020203" pitchFamily="34" charset="0"/>
+                <a:cs typeface="Times New Roman" panose="02020603050405020304" pitchFamily="18" charset="0"/>
+              </a:rPr>
+              <a:t>dụng</a:t>
+            </a:r>
+            <a:r>
+              <a:rPr lang="en-US" dirty="0">
+                <a:latin typeface="Segoe UI Black" panose="020B0A02040204020203" pitchFamily="34" charset="0"/>
+                <a:ea typeface="Segoe UI Black" panose="020B0A02040204020203" pitchFamily="34" charset="0"/>
+                <a:cs typeface="Times New Roman" panose="02020603050405020304" pitchFamily="18" charset="0"/>
+              </a:rPr>
+              <a:t> </a:t>
+            </a:r>
+            <a:r>
+              <a:rPr lang="en-US" dirty="0" err="1">
+                <a:latin typeface="Segoe UI Black" panose="020B0A02040204020203" pitchFamily="34" charset="0"/>
+                <a:ea typeface="Segoe UI Black" panose="020B0A02040204020203" pitchFamily="34" charset="0"/>
+                <a:cs typeface="Times New Roman" panose="02020603050405020304" pitchFamily="18" charset="0"/>
+              </a:rPr>
+              <a:t>các</a:t>
+            </a:r>
+            <a:r>
+              <a:rPr lang="en-US" dirty="0">
+                <a:latin typeface="Segoe UI Black" panose="020B0A02040204020203" pitchFamily="34" charset="0"/>
+                <a:ea typeface="Segoe UI Black" panose="020B0A02040204020203" pitchFamily="34" charset="0"/>
+                <a:cs typeface="Times New Roman" panose="02020603050405020304" pitchFamily="18" charset="0"/>
+              </a:rPr>
+              <a:t> </a:t>
+            </a:r>
+            <a:r>
+              <a:rPr lang="en-US" dirty="0" err="1">
+                <a:latin typeface="Segoe UI Black" panose="020B0A02040204020203" pitchFamily="34" charset="0"/>
+                <a:ea typeface="Segoe UI Black" panose="020B0A02040204020203" pitchFamily="34" charset="0"/>
+                <a:cs typeface="Times New Roman" panose="02020603050405020304" pitchFamily="18" charset="0"/>
+              </a:rPr>
+              <a:t>ứng</a:t>
+            </a:r>
+            <a:r>
+              <a:rPr lang="en-US" dirty="0">
+                <a:latin typeface="Segoe UI Black" panose="020B0A02040204020203" pitchFamily="34" charset="0"/>
+                <a:ea typeface="Segoe UI Black" panose="020B0A02040204020203" pitchFamily="34" charset="0"/>
+                <a:cs typeface="Times New Roman" panose="02020603050405020304" pitchFamily="18" charset="0"/>
+              </a:rPr>
+              <a:t> </a:t>
+            </a:r>
+            <a:r>
+              <a:rPr lang="en-US" dirty="0" err="1">
+                <a:latin typeface="Segoe UI Black" panose="020B0A02040204020203" pitchFamily="34" charset="0"/>
+                <a:ea typeface="Segoe UI Black" panose="020B0A02040204020203" pitchFamily="34" charset="0"/>
+                <a:cs typeface="Times New Roman" panose="02020603050405020304" pitchFamily="18" charset="0"/>
+              </a:rPr>
+              <a:t>dụng</a:t>
+            </a:r>
+            <a:r>
+              <a:rPr lang="en-US" dirty="0">
+                <a:latin typeface="Segoe UI Black" panose="020B0A02040204020203" pitchFamily="34" charset="0"/>
+                <a:ea typeface="Segoe UI Black" panose="020B0A02040204020203" pitchFamily="34" charset="0"/>
+                <a:cs typeface="Times New Roman" panose="02020603050405020304" pitchFamily="18" charset="0"/>
+              </a:rPr>
+              <a:t>, </a:t>
+            </a:r>
+            <a:r>
+              <a:rPr lang="en-US" dirty="0" err="1">
+                <a:latin typeface="Segoe UI Black" panose="020B0A02040204020203" pitchFamily="34" charset="0"/>
+                <a:ea typeface="Segoe UI Black" panose="020B0A02040204020203" pitchFamily="34" charset="0"/>
+                <a:cs typeface="Times New Roman" panose="02020603050405020304" pitchFamily="18" charset="0"/>
+              </a:rPr>
+              <a:t>chẳng</a:t>
+            </a:r>
+            <a:r>
+              <a:rPr lang="en-US" dirty="0">
+                <a:latin typeface="Segoe UI Black" panose="020B0A02040204020203" pitchFamily="34" charset="0"/>
+                <a:ea typeface="Segoe UI Black" panose="020B0A02040204020203" pitchFamily="34" charset="0"/>
+                <a:cs typeface="Times New Roman" panose="02020603050405020304" pitchFamily="18" charset="0"/>
+              </a:rPr>
+              <a:t> </a:t>
+            </a:r>
+            <a:r>
+              <a:rPr lang="en-US" dirty="0" err="1">
+                <a:latin typeface="Segoe UI Black" panose="020B0A02040204020203" pitchFamily="34" charset="0"/>
+                <a:ea typeface="Segoe UI Black" panose="020B0A02040204020203" pitchFamily="34" charset="0"/>
+                <a:cs typeface="Times New Roman" panose="02020603050405020304" pitchFamily="18" charset="0"/>
+              </a:rPr>
+              <a:t>hạn</a:t>
+            </a:r>
+            <a:r>
+              <a:rPr lang="en-US" dirty="0">
+                <a:latin typeface="Segoe UI Black" panose="020B0A02040204020203" pitchFamily="34" charset="0"/>
+                <a:ea typeface="Segoe UI Black" panose="020B0A02040204020203" pitchFamily="34" charset="0"/>
+                <a:cs typeface="Times New Roman" panose="02020603050405020304" pitchFamily="18" charset="0"/>
+              </a:rPr>
+              <a:t> </a:t>
+            </a:r>
+            <a:r>
+              <a:rPr lang="en-US" dirty="0" err="1">
+                <a:latin typeface="Segoe UI Black" panose="020B0A02040204020203" pitchFamily="34" charset="0"/>
+                <a:ea typeface="Segoe UI Black" panose="020B0A02040204020203" pitchFamily="34" charset="0"/>
+                <a:cs typeface="Times New Roman" panose="02020603050405020304" pitchFamily="18" charset="0"/>
+              </a:rPr>
+              <a:t>như</a:t>
+            </a:r>
+            <a:r>
+              <a:rPr lang="en-US" dirty="0">
+                <a:latin typeface="Segoe UI Black" panose="020B0A02040204020203" pitchFamily="34" charset="0"/>
+                <a:ea typeface="Segoe UI Black" panose="020B0A02040204020203" pitchFamily="34" charset="0"/>
+                <a:cs typeface="Times New Roman" panose="02020603050405020304" pitchFamily="18" charset="0"/>
+              </a:rPr>
+              <a:t> </a:t>
+            </a:r>
+            <a:r>
+              <a:rPr lang="en-US" dirty="0" err="1">
+                <a:latin typeface="Segoe UI Black" panose="020B0A02040204020203" pitchFamily="34" charset="0"/>
+                <a:ea typeface="Segoe UI Black" panose="020B0A02040204020203" pitchFamily="34" charset="0"/>
+                <a:cs typeface="Times New Roman" panose="02020603050405020304" pitchFamily="18" charset="0"/>
+              </a:rPr>
+              <a:t>facebook</a:t>
+            </a:r>
+            <a:r>
+              <a:rPr lang="en-US" dirty="0">
+                <a:latin typeface="Segoe UI Black" panose="020B0A02040204020203" pitchFamily="34" charset="0"/>
+                <a:ea typeface="Segoe UI Black" panose="020B0A02040204020203" pitchFamily="34" charset="0"/>
+                <a:cs typeface="Times New Roman" panose="02020603050405020304" pitchFamily="18" charset="0"/>
+              </a:rPr>
+              <a:t>, </a:t>
+            </a:r>
+            <a:r>
+              <a:rPr lang="en-US" dirty="0" err="1">
+                <a:latin typeface="Segoe UI Black" panose="020B0A02040204020203" pitchFamily="34" charset="0"/>
+                <a:ea typeface="Segoe UI Black" panose="020B0A02040204020203" pitchFamily="34" charset="0"/>
+                <a:cs typeface="Times New Roman" panose="02020603050405020304" pitchFamily="18" charset="0"/>
+              </a:rPr>
+              <a:t>thời</a:t>
+            </a:r>
+            <a:r>
+              <a:rPr lang="en-US" dirty="0">
+                <a:latin typeface="Segoe UI Black" panose="020B0A02040204020203" pitchFamily="34" charset="0"/>
+                <a:ea typeface="Segoe UI Black" panose="020B0A02040204020203" pitchFamily="34" charset="0"/>
+                <a:cs typeface="Times New Roman" panose="02020603050405020304" pitchFamily="18" charset="0"/>
+              </a:rPr>
+              <a:t> </a:t>
+            </a:r>
+            <a:r>
+              <a:rPr lang="en-US" dirty="0" err="1">
+                <a:latin typeface="Segoe UI Black" panose="020B0A02040204020203" pitchFamily="34" charset="0"/>
+                <a:ea typeface="Segoe UI Black" panose="020B0A02040204020203" pitchFamily="34" charset="0"/>
+                <a:cs typeface="Times New Roman" panose="02020603050405020304" pitchFamily="18" charset="0"/>
+              </a:rPr>
+              <a:t>tiết</a:t>
+            </a:r>
+            <a:r>
+              <a:rPr lang="en-US" dirty="0">
+                <a:latin typeface="Segoe UI Black" panose="020B0A02040204020203" pitchFamily="34" charset="0"/>
+                <a:ea typeface="Segoe UI Black" panose="020B0A02040204020203" pitchFamily="34" charset="0"/>
+                <a:cs typeface="Times New Roman" panose="02020603050405020304" pitchFamily="18" charset="0"/>
+              </a:rPr>
+              <a:t> </a:t>
+            </a:r>
+            <a:r>
+              <a:rPr lang="en-US" dirty="0" err="1">
+                <a:latin typeface="Segoe UI Black" panose="020B0A02040204020203" pitchFamily="34" charset="0"/>
+                <a:ea typeface="Segoe UI Black" panose="020B0A02040204020203" pitchFamily="34" charset="0"/>
+                <a:cs typeface="Times New Roman" panose="02020603050405020304" pitchFamily="18" charset="0"/>
+              </a:rPr>
+              <a:t>thì</a:t>
+            </a:r>
+            <a:r>
+              <a:rPr lang="en-US" dirty="0">
+                <a:latin typeface="Segoe UI Black" panose="020B0A02040204020203" pitchFamily="34" charset="0"/>
+                <a:ea typeface="Segoe UI Black" panose="020B0A02040204020203" pitchFamily="34" charset="0"/>
+                <a:cs typeface="Times New Roman" panose="02020603050405020304" pitchFamily="18" charset="0"/>
+              </a:rPr>
+              <a:t> </a:t>
+            </a:r>
+            <a:r>
+              <a:rPr lang="en-US" dirty="0" err="1">
+                <a:latin typeface="Segoe UI Black" panose="020B0A02040204020203" pitchFamily="34" charset="0"/>
+                <a:ea typeface="Segoe UI Black" panose="020B0A02040204020203" pitchFamily="34" charset="0"/>
+                <a:cs typeface="Times New Roman" panose="02020603050405020304" pitchFamily="18" charset="0"/>
+              </a:rPr>
+              <a:t>bạn</a:t>
+            </a:r>
+            <a:r>
+              <a:rPr lang="en-US" dirty="0">
+                <a:latin typeface="Segoe UI Black" panose="020B0A02040204020203" pitchFamily="34" charset="0"/>
+                <a:ea typeface="Segoe UI Black" panose="020B0A02040204020203" pitchFamily="34" charset="0"/>
+                <a:cs typeface="Times New Roman" panose="02020603050405020304" pitchFamily="18" charset="0"/>
+              </a:rPr>
+              <a:t> </a:t>
+            </a:r>
+            <a:r>
+              <a:rPr lang="en-US" dirty="0" err="1">
+                <a:latin typeface="Segoe UI Black" panose="020B0A02040204020203" pitchFamily="34" charset="0"/>
+                <a:ea typeface="Segoe UI Black" panose="020B0A02040204020203" pitchFamily="34" charset="0"/>
+                <a:cs typeface="Times New Roman" panose="02020603050405020304" pitchFamily="18" charset="0"/>
+              </a:rPr>
+              <a:t>đang</a:t>
+            </a:r>
+            <a:r>
+              <a:rPr lang="en-US" dirty="0">
+                <a:latin typeface="Segoe UI Black" panose="020B0A02040204020203" pitchFamily="34" charset="0"/>
+                <a:ea typeface="Segoe UI Black" panose="020B0A02040204020203" pitchFamily="34" charset="0"/>
+                <a:cs typeface="Times New Roman" panose="02020603050405020304" pitchFamily="18" charset="0"/>
+              </a:rPr>
+              <a:t> </a:t>
+            </a:r>
+            <a:r>
+              <a:rPr lang="en-US" dirty="0" err="1">
+                <a:latin typeface="Segoe UI Black" panose="020B0A02040204020203" pitchFamily="34" charset="0"/>
+                <a:ea typeface="Segoe UI Black" panose="020B0A02040204020203" pitchFamily="34" charset="0"/>
+                <a:cs typeface="Times New Roman" panose="02020603050405020304" pitchFamily="18" charset="0"/>
+              </a:rPr>
+              <a:t>sử</a:t>
+            </a:r>
+            <a:r>
+              <a:rPr lang="en-US" dirty="0">
+                <a:latin typeface="Segoe UI Black" panose="020B0A02040204020203" pitchFamily="34" charset="0"/>
+                <a:ea typeface="Segoe UI Black" panose="020B0A02040204020203" pitchFamily="34" charset="0"/>
+                <a:cs typeface="Times New Roman" panose="02020603050405020304" pitchFamily="18" charset="0"/>
+              </a:rPr>
+              <a:t> </a:t>
+            </a:r>
+            <a:r>
+              <a:rPr lang="en-US" dirty="0" err="1">
+                <a:latin typeface="Segoe UI Black" panose="020B0A02040204020203" pitchFamily="34" charset="0"/>
+                <a:ea typeface="Segoe UI Black" panose="020B0A02040204020203" pitchFamily="34" charset="0"/>
+                <a:cs typeface="Times New Roman" panose="02020603050405020304" pitchFamily="18" charset="0"/>
+              </a:rPr>
+              <a:t>dụng</a:t>
+            </a:r>
+            <a:r>
+              <a:rPr lang="en-US" dirty="0">
+                <a:latin typeface="Segoe UI Black" panose="020B0A02040204020203" pitchFamily="34" charset="0"/>
+                <a:ea typeface="Segoe UI Black" panose="020B0A02040204020203" pitchFamily="34" charset="0"/>
+                <a:cs typeface="Times New Roman" panose="02020603050405020304" pitchFamily="18" charset="0"/>
+              </a:rPr>
+              <a:t> </a:t>
+            </a:r>
+            <a:r>
+              <a:rPr lang="en-US" dirty="0" err="1">
+                <a:latin typeface="Segoe UI Black" panose="020B0A02040204020203" pitchFamily="34" charset="0"/>
+                <a:ea typeface="Segoe UI Black" panose="020B0A02040204020203" pitchFamily="34" charset="0"/>
+                <a:cs typeface="Times New Roman" panose="02020603050405020304" pitchFamily="18" charset="0"/>
+              </a:rPr>
+              <a:t>api</a:t>
+            </a:r>
+            <a:endParaRPr lang="en-US" dirty="0">
+              <a:latin typeface="Segoe UI Black" panose="020B0A02040204020203" pitchFamily="34" charset="0"/>
+              <a:ea typeface="Segoe UI Black" panose="020B0A02040204020203" pitchFamily="34" charset="0"/>
+              <a:cs typeface="Times New Roman" panose="02020603050405020304" pitchFamily="18" charset="0"/>
+            </a:endParaRPr>
           </a:p>
           <a:p>
             <a:pPr marL="342900" indent="-342900">
@@ -4110,8 +5071,9 @@
               <a:buChar char="q"/>
             </a:pPr>
             <a:r>
-              <a:rPr lang="en-US" sz="2200" b="1">
-                <a:latin typeface="Times New Roman" panose="02020603050405020304" pitchFamily="18" charset="0"/>
+              <a:rPr lang="en-US" b="1" dirty="0">
+                <a:latin typeface="Segoe UI Black" panose="020B0A02040204020203" pitchFamily="34" charset="0"/>
+                <a:ea typeface="Segoe UI Black" panose="020B0A02040204020203" pitchFamily="34" charset="0"/>
                 <a:cs typeface="Times New Roman" panose="02020603050405020304" pitchFamily="18" charset="0"/>
               </a:rPr>
               <a:t>REST</a:t>
@@ -4119,46 +5081,620 @@
           </a:p>
           <a:p>
             <a:r>
-              <a:rPr lang="en-US" sz="2200">
-                <a:latin typeface="Times New Roman" panose="02020603050405020304" pitchFamily="18" charset="0"/>
-                <a:cs typeface="Times New Roman" panose="02020603050405020304" pitchFamily="18" charset="0"/>
-              </a:rPr>
-              <a:t>REST không phải là một công nghệ mà là một chuẩn của api</a:t>
-            </a:r>
-          </a:p>
-          <a:p>
-            <a:r>
-              <a:rPr lang="en-US" sz="2200">
-                <a:latin typeface="Times New Roman" panose="02020603050405020304" pitchFamily="18" charset="0"/>
-                <a:cs typeface="Times New Roman" panose="02020603050405020304" pitchFamily="18" charset="0"/>
-              </a:rPr>
-              <a:t>Một dạng chuyển đổi cấu trúc dữ liệu, là một phong cách kiến ​​trúc cho việc thiết kế các ứng dụng có kết nối.</a:t>
-            </a:r>
-            <a:endParaRPr lang="en-US"/>
-          </a:p>
-          <a:p>
-            <a:r>
-              <a:rPr lang="en-US" sz="2200">
-                <a:latin typeface="Times New Roman" panose="02020603050405020304" pitchFamily="18" charset="0"/>
-                <a:cs typeface="Times New Roman" panose="02020603050405020304" pitchFamily="18" charset="0"/>
-              </a:rPr>
-              <a:t>C</a:t>
-            </a:r>
-            <a:r>
-              <a:rPr lang="vi-VN" sz="2200">
-                <a:latin typeface="Times New Roman" panose="02020603050405020304" pitchFamily="18" charset="0"/>
-                <a:cs typeface="Times New Roman" panose="02020603050405020304" pitchFamily="18" charset="0"/>
-              </a:rPr>
-              <a:t>ác ứng dụng sử dụng kiểu thiết kế REST thì được gọi là RESTful</a:t>
-            </a:r>
-            <a:endParaRPr lang="en-US" sz="2200">
-              <a:latin typeface="Times New Roman" panose="02020603050405020304" pitchFamily="18" charset="0"/>
+              <a:rPr lang="en-US" dirty="0">
+                <a:latin typeface="Segoe UI Black" panose="020B0A02040204020203" pitchFamily="34" charset="0"/>
+                <a:ea typeface="Segoe UI Black" panose="020B0A02040204020203" pitchFamily="34" charset="0"/>
+                <a:cs typeface="Times New Roman" panose="02020603050405020304" pitchFamily="18" charset="0"/>
+              </a:rPr>
+              <a:t>REST </a:t>
+            </a:r>
+            <a:r>
+              <a:rPr lang="en-US" dirty="0" err="1">
+                <a:latin typeface="Segoe UI Black" panose="020B0A02040204020203" pitchFamily="34" charset="0"/>
+                <a:ea typeface="Segoe UI Black" panose="020B0A02040204020203" pitchFamily="34" charset="0"/>
+                <a:cs typeface="Times New Roman" panose="02020603050405020304" pitchFamily="18" charset="0"/>
+              </a:rPr>
+              <a:t>không</a:t>
+            </a:r>
+            <a:r>
+              <a:rPr lang="en-US" dirty="0">
+                <a:latin typeface="Segoe UI Black" panose="020B0A02040204020203" pitchFamily="34" charset="0"/>
+                <a:ea typeface="Segoe UI Black" panose="020B0A02040204020203" pitchFamily="34" charset="0"/>
+                <a:cs typeface="Times New Roman" panose="02020603050405020304" pitchFamily="18" charset="0"/>
+              </a:rPr>
+              <a:t> </a:t>
+            </a:r>
+            <a:r>
+              <a:rPr lang="en-US" dirty="0" err="1">
+                <a:latin typeface="Segoe UI Black" panose="020B0A02040204020203" pitchFamily="34" charset="0"/>
+                <a:ea typeface="Segoe UI Black" panose="020B0A02040204020203" pitchFamily="34" charset="0"/>
+                <a:cs typeface="Times New Roman" panose="02020603050405020304" pitchFamily="18" charset="0"/>
+              </a:rPr>
+              <a:t>phải</a:t>
+            </a:r>
+            <a:r>
+              <a:rPr lang="en-US" dirty="0">
+                <a:latin typeface="Segoe UI Black" panose="020B0A02040204020203" pitchFamily="34" charset="0"/>
+                <a:ea typeface="Segoe UI Black" panose="020B0A02040204020203" pitchFamily="34" charset="0"/>
+                <a:cs typeface="Times New Roman" panose="02020603050405020304" pitchFamily="18" charset="0"/>
+              </a:rPr>
+              <a:t> </a:t>
+            </a:r>
+            <a:r>
+              <a:rPr lang="en-US" dirty="0" err="1">
+                <a:latin typeface="Segoe UI Black" panose="020B0A02040204020203" pitchFamily="34" charset="0"/>
+                <a:ea typeface="Segoe UI Black" panose="020B0A02040204020203" pitchFamily="34" charset="0"/>
+                <a:cs typeface="Times New Roman" panose="02020603050405020304" pitchFamily="18" charset="0"/>
+              </a:rPr>
+              <a:t>là</a:t>
+            </a:r>
+            <a:r>
+              <a:rPr lang="en-US" dirty="0">
+                <a:latin typeface="Segoe UI Black" panose="020B0A02040204020203" pitchFamily="34" charset="0"/>
+                <a:ea typeface="Segoe UI Black" panose="020B0A02040204020203" pitchFamily="34" charset="0"/>
+                <a:cs typeface="Times New Roman" panose="02020603050405020304" pitchFamily="18" charset="0"/>
+              </a:rPr>
+              <a:t> </a:t>
+            </a:r>
+            <a:r>
+              <a:rPr lang="en-US" dirty="0" err="1">
+                <a:latin typeface="Segoe UI Black" panose="020B0A02040204020203" pitchFamily="34" charset="0"/>
+                <a:ea typeface="Segoe UI Black" panose="020B0A02040204020203" pitchFamily="34" charset="0"/>
+                <a:cs typeface="Times New Roman" panose="02020603050405020304" pitchFamily="18" charset="0"/>
+              </a:rPr>
+              <a:t>một</a:t>
+            </a:r>
+            <a:r>
+              <a:rPr lang="en-US" dirty="0">
+                <a:latin typeface="Segoe UI Black" panose="020B0A02040204020203" pitchFamily="34" charset="0"/>
+                <a:ea typeface="Segoe UI Black" panose="020B0A02040204020203" pitchFamily="34" charset="0"/>
+                <a:cs typeface="Times New Roman" panose="02020603050405020304" pitchFamily="18" charset="0"/>
+              </a:rPr>
+              <a:t> </a:t>
+            </a:r>
+            <a:r>
+              <a:rPr lang="en-US" dirty="0" err="1">
+                <a:latin typeface="Segoe UI Black" panose="020B0A02040204020203" pitchFamily="34" charset="0"/>
+                <a:ea typeface="Segoe UI Black" panose="020B0A02040204020203" pitchFamily="34" charset="0"/>
+                <a:cs typeface="Times New Roman" panose="02020603050405020304" pitchFamily="18" charset="0"/>
+              </a:rPr>
+              <a:t>công</a:t>
+            </a:r>
+            <a:r>
+              <a:rPr lang="en-US" dirty="0">
+                <a:latin typeface="Segoe UI Black" panose="020B0A02040204020203" pitchFamily="34" charset="0"/>
+                <a:ea typeface="Segoe UI Black" panose="020B0A02040204020203" pitchFamily="34" charset="0"/>
+                <a:cs typeface="Times New Roman" panose="02020603050405020304" pitchFamily="18" charset="0"/>
+              </a:rPr>
+              <a:t> </a:t>
+            </a:r>
+            <a:r>
+              <a:rPr lang="en-US" dirty="0" err="1">
+                <a:latin typeface="Segoe UI Black" panose="020B0A02040204020203" pitchFamily="34" charset="0"/>
+                <a:ea typeface="Segoe UI Black" panose="020B0A02040204020203" pitchFamily="34" charset="0"/>
+                <a:cs typeface="Times New Roman" panose="02020603050405020304" pitchFamily="18" charset="0"/>
+              </a:rPr>
+              <a:t>nghệ</a:t>
+            </a:r>
+            <a:r>
+              <a:rPr lang="en-US" dirty="0">
+                <a:latin typeface="Segoe UI Black" panose="020B0A02040204020203" pitchFamily="34" charset="0"/>
+                <a:ea typeface="Segoe UI Black" panose="020B0A02040204020203" pitchFamily="34" charset="0"/>
+                <a:cs typeface="Times New Roman" panose="02020603050405020304" pitchFamily="18" charset="0"/>
+              </a:rPr>
+              <a:t> </a:t>
+            </a:r>
+            <a:r>
+              <a:rPr lang="en-US" dirty="0" err="1">
+                <a:latin typeface="Segoe UI Black" panose="020B0A02040204020203" pitchFamily="34" charset="0"/>
+                <a:ea typeface="Segoe UI Black" panose="020B0A02040204020203" pitchFamily="34" charset="0"/>
+                <a:cs typeface="Times New Roman" panose="02020603050405020304" pitchFamily="18" charset="0"/>
+              </a:rPr>
+              <a:t>mà</a:t>
+            </a:r>
+            <a:r>
+              <a:rPr lang="en-US" dirty="0">
+                <a:latin typeface="Segoe UI Black" panose="020B0A02040204020203" pitchFamily="34" charset="0"/>
+                <a:ea typeface="Segoe UI Black" panose="020B0A02040204020203" pitchFamily="34" charset="0"/>
+                <a:cs typeface="Times New Roman" panose="02020603050405020304" pitchFamily="18" charset="0"/>
+              </a:rPr>
+              <a:t> </a:t>
+            </a:r>
+            <a:r>
+              <a:rPr lang="en-US" dirty="0" err="1">
+                <a:latin typeface="Segoe UI Black" panose="020B0A02040204020203" pitchFamily="34" charset="0"/>
+                <a:ea typeface="Segoe UI Black" panose="020B0A02040204020203" pitchFamily="34" charset="0"/>
+                <a:cs typeface="Times New Roman" panose="02020603050405020304" pitchFamily="18" charset="0"/>
+              </a:rPr>
+              <a:t>là</a:t>
+            </a:r>
+            <a:r>
+              <a:rPr lang="en-US" dirty="0">
+                <a:latin typeface="Segoe UI Black" panose="020B0A02040204020203" pitchFamily="34" charset="0"/>
+                <a:ea typeface="Segoe UI Black" panose="020B0A02040204020203" pitchFamily="34" charset="0"/>
+                <a:cs typeface="Times New Roman" panose="02020603050405020304" pitchFamily="18" charset="0"/>
+              </a:rPr>
+              <a:t> </a:t>
+            </a:r>
+            <a:r>
+              <a:rPr lang="en-US" dirty="0" err="1">
+                <a:latin typeface="Segoe UI Black" panose="020B0A02040204020203" pitchFamily="34" charset="0"/>
+                <a:ea typeface="Segoe UI Black" panose="020B0A02040204020203" pitchFamily="34" charset="0"/>
+                <a:cs typeface="Times New Roman" panose="02020603050405020304" pitchFamily="18" charset="0"/>
+              </a:rPr>
+              <a:t>một</a:t>
+            </a:r>
+            <a:r>
+              <a:rPr lang="en-US" dirty="0">
+                <a:latin typeface="Segoe UI Black" panose="020B0A02040204020203" pitchFamily="34" charset="0"/>
+                <a:ea typeface="Segoe UI Black" panose="020B0A02040204020203" pitchFamily="34" charset="0"/>
+                <a:cs typeface="Times New Roman" panose="02020603050405020304" pitchFamily="18" charset="0"/>
+              </a:rPr>
+              <a:t> </a:t>
+            </a:r>
+            <a:r>
+              <a:rPr lang="en-US" dirty="0" err="1">
+                <a:latin typeface="Segoe UI Black" panose="020B0A02040204020203" pitchFamily="34" charset="0"/>
+                <a:ea typeface="Segoe UI Black" panose="020B0A02040204020203" pitchFamily="34" charset="0"/>
+                <a:cs typeface="Times New Roman" panose="02020603050405020304" pitchFamily="18" charset="0"/>
+              </a:rPr>
+              <a:t>chuẩn</a:t>
+            </a:r>
+            <a:r>
+              <a:rPr lang="en-US" dirty="0">
+                <a:latin typeface="Segoe UI Black" panose="020B0A02040204020203" pitchFamily="34" charset="0"/>
+                <a:ea typeface="Segoe UI Black" panose="020B0A02040204020203" pitchFamily="34" charset="0"/>
+                <a:cs typeface="Times New Roman" panose="02020603050405020304" pitchFamily="18" charset="0"/>
+              </a:rPr>
+              <a:t> </a:t>
+            </a:r>
+            <a:r>
+              <a:rPr lang="en-US" dirty="0" err="1">
+                <a:latin typeface="Segoe UI Black" panose="020B0A02040204020203" pitchFamily="34" charset="0"/>
+                <a:ea typeface="Segoe UI Black" panose="020B0A02040204020203" pitchFamily="34" charset="0"/>
+                <a:cs typeface="Times New Roman" panose="02020603050405020304" pitchFamily="18" charset="0"/>
+              </a:rPr>
+              <a:t>của</a:t>
+            </a:r>
+            <a:r>
+              <a:rPr lang="en-US" dirty="0">
+                <a:latin typeface="Segoe UI Black" panose="020B0A02040204020203" pitchFamily="34" charset="0"/>
+                <a:ea typeface="Segoe UI Black" panose="020B0A02040204020203" pitchFamily="34" charset="0"/>
+                <a:cs typeface="Times New Roman" panose="02020603050405020304" pitchFamily="18" charset="0"/>
+              </a:rPr>
+              <a:t> </a:t>
+            </a:r>
+            <a:r>
+              <a:rPr lang="en-US" dirty="0" err="1">
+                <a:latin typeface="Segoe UI Black" panose="020B0A02040204020203" pitchFamily="34" charset="0"/>
+                <a:ea typeface="Segoe UI Black" panose="020B0A02040204020203" pitchFamily="34" charset="0"/>
+                <a:cs typeface="Times New Roman" panose="02020603050405020304" pitchFamily="18" charset="0"/>
+              </a:rPr>
+              <a:t>api</a:t>
+            </a:r>
+            <a:endParaRPr lang="en-US" dirty="0">
+              <a:latin typeface="Segoe UI Black" panose="020B0A02040204020203" pitchFamily="34" charset="0"/>
+              <a:ea typeface="Segoe UI Black" panose="020B0A02040204020203" pitchFamily="34" charset="0"/>
               <a:cs typeface="Times New Roman" panose="02020603050405020304" pitchFamily="18" charset="0"/>
             </a:endParaRPr>
           </a:p>
           <a:p>
-            <a:endParaRPr lang="en-US" sz="2200">
-              <a:latin typeface="Times New Roman" panose="02020603050405020304" pitchFamily="18" charset="0"/>
+            <a:r>
+              <a:rPr lang="en-US" dirty="0" err="1">
+                <a:latin typeface="Segoe UI Black" panose="020B0A02040204020203" pitchFamily="34" charset="0"/>
+                <a:ea typeface="Segoe UI Black" panose="020B0A02040204020203" pitchFamily="34" charset="0"/>
+                <a:cs typeface="Times New Roman" panose="02020603050405020304" pitchFamily="18" charset="0"/>
+              </a:rPr>
+              <a:t>Một</a:t>
+            </a:r>
+            <a:r>
+              <a:rPr lang="en-US" dirty="0">
+                <a:latin typeface="Segoe UI Black" panose="020B0A02040204020203" pitchFamily="34" charset="0"/>
+                <a:ea typeface="Segoe UI Black" panose="020B0A02040204020203" pitchFamily="34" charset="0"/>
+                <a:cs typeface="Times New Roman" panose="02020603050405020304" pitchFamily="18" charset="0"/>
+              </a:rPr>
+              <a:t> </a:t>
+            </a:r>
+            <a:r>
+              <a:rPr lang="en-US" dirty="0" err="1">
+                <a:latin typeface="Segoe UI Black" panose="020B0A02040204020203" pitchFamily="34" charset="0"/>
+                <a:ea typeface="Segoe UI Black" panose="020B0A02040204020203" pitchFamily="34" charset="0"/>
+                <a:cs typeface="Times New Roman" panose="02020603050405020304" pitchFamily="18" charset="0"/>
+              </a:rPr>
+              <a:t>dạng</a:t>
+            </a:r>
+            <a:r>
+              <a:rPr lang="en-US" dirty="0">
+                <a:latin typeface="Segoe UI Black" panose="020B0A02040204020203" pitchFamily="34" charset="0"/>
+                <a:ea typeface="Segoe UI Black" panose="020B0A02040204020203" pitchFamily="34" charset="0"/>
+                <a:cs typeface="Times New Roman" panose="02020603050405020304" pitchFamily="18" charset="0"/>
+              </a:rPr>
+              <a:t> </a:t>
+            </a:r>
+            <a:r>
+              <a:rPr lang="en-US" dirty="0" err="1">
+                <a:latin typeface="Segoe UI Black" panose="020B0A02040204020203" pitchFamily="34" charset="0"/>
+                <a:ea typeface="Segoe UI Black" panose="020B0A02040204020203" pitchFamily="34" charset="0"/>
+                <a:cs typeface="Times New Roman" panose="02020603050405020304" pitchFamily="18" charset="0"/>
+              </a:rPr>
+              <a:t>chuyển</a:t>
+            </a:r>
+            <a:r>
+              <a:rPr lang="en-US" dirty="0">
+                <a:latin typeface="Segoe UI Black" panose="020B0A02040204020203" pitchFamily="34" charset="0"/>
+                <a:ea typeface="Segoe UI Black" panose="020B0A02040204020203" pitchFamily="34" charset="0"/>
+                <a:cs typeface="Times New Roman" panose="02020603050405020304" pitchFamily="18" charset="0"/>
+              </a:rPr>
+              <a:t> </a:t>
+            </a:r>
+            <a:r>
+              <a:rPr lang="en-US" dirty="0" err="1">
+                <a:latin typeface="Segoe UI Black" panose="020B0A02040204020203" pitchFamily="34" charset="0"/>
+                <a:ea typeface="Segoe UI Black" panose="020B0A02040204020203" pitchFamily="34" charset="0"/>
+                <a:cs typeface="Times New Roman" panose="02020603050405020304" pitchFamily="18" charset="0"/>
+              </a:rPr>
+              <a:t>đổi</a:t>
+            </a:r>
+            <a:r>
+              <a:rPr lang="en-US" dirty="0">
+                <a:latin typeface="Segoe UI Black" panose="020B0A02040204020203" pitchFamily="34" charset="0"/>
+                <a:ea typeface="Segoe UI Black" panose="020B0A02040204020203" pitchFamily="34" charset="0"/>
+                <a:cs typeface="Times New Roman" panose="02020603050405020304" pitchFamily="18" charset="0"/>
+              </a:rPr>
+              <a:t> </a:t>
+            </a:r>
+            <a:r>
+              <a:rPr lang="en-US" dirty="0" err="1">
+                <a:latin typeface="Segoe UI Black" panose="020B0A02040204020203" pitchFamily="34" charset="0"/>
+                <a:ea typeface="Segoe UI Black" panose="020B0A02040204020203" pitchFamily="34" charset="0"/>
+                <a:cs typeface="Times New Roman" panose="02020603050405020304" pitchFamily="18" charset="0"/>
+              </a:rPr>
+              <a:t>cấu</a:t>
+            </a:r>
+            <a:r>
+              <a:rPr lang="en-US" dirty="0">
+                <a:latin typeface="Segoe UI Black" panose="020B0A02040204020203" pitchFamily="34" charset="0"/>
+                <a:ea typeface="Segoe UI Black" panose="020B0A02040204020203" pitchFamily="34" charset="0"/>
+                <a:cs typeface="Times New Roman" panose="02020603050405020304" pitchFamily="18" charset="0"/>
+              </a:rPr>
+              <a:t> </a:t>
+            </a:r>
+            <a:r>
+              <a:rPr lang="en-US" dirty="0" err="1">
+                <a:latin typeface="Segoe UI Black" panose="020B0A02040204020203" pitchFamily="34" charset="0"/>
+                <a:ea typeface="Segoe UI Black" panose="020B0A02040204020203" pitchFamily="34" charset="0"/>
+                <a:cs typeface="Times New Roman" panose="02020603050405020304" pitchFamily="18" charset="0"/>
+              </a:rPr>
+              <a:t>trúc</a:t>
+            </a:r>
+            <a:r>
+              <a:rPr lang="en-US" dirty="0">
+                <a:latin typeface="Segoe UI Black" panose="020B0A02040204020203" pitchFamily="34" charset="0"/>
+                <a:ea typeface="Segoe UI Black" panose="020B0A02040204020203" pitchFamily="34" charset="0"/>
+                <a:cs typeface="Times New Roman" panose="02020603050405020304" pitchFamily="18" charset="0"/>
+              </a:rPr>
+              <a:t> </a:t>
+            </a:r>
+            <a:r>
+              <a:rPr lang="en-US" dirty="0" err="1">
+                <a:latin typeface="Segoe UI Black" panose="020B0A02040204020203" pitchFamily="34" charset="0"/>
+                <a:ea typeface="Segoe UI Black" panose="020B0A02040204020203" pitchFamily="34" charset="0"/>
+                <a:cs typeface="Times New Roman" panose="02020603050405020304" pitchFamily="18" charset="0"/>
+              </a:rPr>
+              <a:t>dữ</a:t>
+            </a:r>
+            <a:r>
+              <a:rPr lang="en-US" dirty="0">
+                <a:latin typeface="Segoe UI Black" panose="020B0A02040204020203" pitchFamily="34" charset="0"/>
+                <a:ea typeface="Segoe UI Black" panose="020B0A02040204020203" pitchFamily="34" charset="0"/>
+                <a:cs typeface="Times New Roman" panose="02020603050405020304" pitchFamily="18" charset="0"/>
+              </a:rPr>
+              <a:t> </a:t>
+            </a:r>
+            <a:r>
+              <a:rPr lang="en-US" dirty="0" err="1">
+                <a:latin typeface="Segoe UI Black" panose="020B0A02040204020203" pitchFamily="34" charset="0"/>
+                <a:ea typeface="Segoe UI Black" panose="020B0A02040204020203" pitchFamily="34" charset="0"/>
+                <a:cs typeface="Times New Roman" panose="02020603050405020304" pitchFamily="18" charset="0"/>
+              </a:rPr>
+              <a:t>liệu</a:t>
+            </a:r>
+            <a:r>
+              <a:rPr lang="en-US" dirty="0">
+                <a:latin typeface="Segoe UI Black" panose="020B0A02040204020203" pitchFamily="34" charset="0"/>
+                <a:ea typeface="Segoe UI Black" panose="020B0A02040204020203" pitchFamily="34" charset="0"/>
+                <a:cs typeface="Times New Roman" panose="02020603050405020304" pitchFamily="18" charset="0"/>
+              </a:rPr>
+              <a:t>, </a:t>
+            </a:r>
+            <a:r>
+              <a:rPr lang="en-US" dirty="0" err="1">
+                <a:latin typeface="Segoe UI Black" panose="020B0A02040204020203" pitchFamily="34" charset="0"/>
+                <a:ea typeface="Segoe UI Black" panose="020B0A02040204020203" pitchFamily="34" charset="0"/>
+                <a:cs typeface="Times New Roman" panose="02020603050405020304" pitchFamily="18" charset="0"/>
+              </a:rPr>
+              <a:t>là</a:t>
+            </a:r>
+            <a:r>
+              <a:rPr lang="en-US" dirty="0">
+                <a:latin typeface="Segoe UI Black" panose="020B0A02040204020203" pitchFamily="34" charset="0"/>
+                <a:ea typeface="Segoe UI Black" panose="020B0A02040204020203" pitchFamily="34" charset="0"/>
+                <a:cs typeface="Times New Roman" panose="02020603050405020304" pitchFamily="18" charset="0"/>
+              </a:rPr>
+              <a:t> </a:t>
+            </a:r>
+            <a:r>
+              <a:rPr lang="en-US" dirty="0" err="1">
+                <a:latin typeface="Segoe UI Black" panose="020B0A02040204020203" pitchFamily="34" charset="0"/>
+                <a:ea typeface="Segoe UI Black" panose="020B0A02040204020203" pitchFamily="34" charset="0"/>
+                <a:cs typeface="Times New Roman" panose="02020603050405020304" pitchFamily="18" charset="0"/>
+              </a:rPr>
+              <a:t>một</a:t>
+            </a:r>
+            <a:r>
+              <a:rPr lang="en-US" dirty="0">
+                <a:latin typeface="Segoe UI Black" panose="020B0A02040204020203" pitchFamily="34" charset="0"/>
+                <a:ea typeface="Segoe UI Black" panose="020B0A02040204020203" pitchFamily="34" charset="0"/>
+                <a:cs typeface="Times New Roman" panose="02020603050405020304" pitchFamily="18" charset="0"/>
+              </a:rPr>
+              <a:t> </a:t>
+            </a:r>
+            <a:r>
+              <a:rPr lang="en-US" dirty="0" err="1">
+                <a:latin typeface="Segoe UI Black" panose="020B0A02040204020203" pitchFamily="34" charset="0"/>
+                <a:ea typeface="Segoe UI Black" panose="020B0A02040204020203" pitchFamily="34" charset="0"/>
+                <a:cs typeface="Times New Roman" panose="02020603050405020304" pitchFamily="18" charset="0"/>
+              </a:rPr>
+              <a:t>phong</a:t>
+            </a:r>
+            <a:r>
+              <a:rPr lang="en-US" dirty="0">
+                <a:latin typeface="Segoe UI Black" panose="020B0A02040204020203" pitchFamily="34" charset="0"/>
+                <a:ea typeface="Segoe UI Black" panose="020B0A02040204020203" pitchFamily="34" charset="0"/>
+                <a:cs typeface="Times New Roman" panose="02020603050405020304" pitchFamily="18" charset="0"/>
+              </a:rPr>
+              <a:t> </a:t>
+            </a:r>
+            <a:r>
+              <a:rPr lang="en-US" dirty="0" err="1">
+                <a:latin typeface="Segoe UI Black" panose="020B0A02040204020203" pitchFamily="34" charset="0"/>
+                <a:ea typeface="Segoe UI Black" panose="020B0A02040204020203" pitchFamily="34" charset="0"/>
+                <a:cs typeface="Times New Roman" panose="02020603050405020304" pitchFamily="18" charset="0"/>
+              </a:rPr>
+              <a:t>cách</a:t>
+            </a:r>
+            <a:r>
+              <a:rPr lang="en-US" dirty="0">
+                <a:latin typeface="Segoe UI Black" panose="020B0A02040204020203" pitchFamily="34" charset="0"/>
+                <a:ea typeface="Segoe UI Black" panose="020B0A02040204020203" pitchFamily="34" charset="0"/>
+                <a:cs typeface="Times New Roman" panose="02020603050405020304" pitchFamily="18" charset="0"/>
+              </a:rPr>
+              <a:t> </a:t>
+            </a:r>
+            <a:r>
+              <a:rPr lang="en-US" dirty="0" err="1">
+                <a:latin typeface="Segoe UI Black" panose="020B0A02040204020203" pitchFamily="34" charset="0"/>
+                <a:ea typeface="Segoe UI Black" panose="020B0A02040204020203" pitchFamily="34" charset="0"/>
+                <a:cs typeface="Times New Roman" panose="02020603050405020304" pitchFamily="18" charset="0"/>
+              </a:rPr>
+              <a:t>kiến</a:t>
+            </a:r>
+            <a:r>
+              <a:rPr lang="en-US" dirty="0">
+                <a:latin typeface="Segoe UI Black" panose="020B0A02040204020203" pitchFamily="34" charset="0"/>
+                <a:ea typeface="Segoe UI Black" panose="020B0A02040204020203" pitchFamily="34" charset="0"/>
+                <a:cs typeface="Times New Roman" panose="02020603050405020304" pitchFamily="18" charset="0"/>
+              </a:rPr>
+              <a:t> ​​</a:t>
+            </a:r>
+            <a:r>
+              <a:rPr lang="en-US" dirty="0" err="1">
+                <a:latin typeface="Segoe UI Black" panose="020B0A02040204020203" pitchFamily="34" charset="0"/>
+                <a:ea typeface="Segoe UI Black" panose="020B0A02040204020203" pitchFamily="34" charset="0"/>
+                <a:cs typeface="Times New Roman" panose="02020603050405020304" pitchFamily="18" charset="0"/>
+              </a:rPr>
+              <a:t>trúc</a:t>
+            </a:r>
+            <a:r>
+              <a:rPr lang="en-US" dirty="0">
+                <a:latin typeface="Segoe UI Black" panose="020B0A02040204020203" pitchFamily="34" charset="0"/>
+                <a:ea typeface="Segoe UI Black" panose="020B0A02040204020203" pitchFamily="34" charset="0"/>
+                <a:cs typeface="Times New Roman" panose="02020603050405020304" pitchFamily="18" charset="0"/>
+              </a:rPr>
+              <a:t> </a:t>
+            </a:r>
+            <a:r>
+              <a:rPr lang="en-US" dirty="0" err="1">
+                <a:latin typeface="Segoe UI Black" panose="020B0A02040204020203" pitchFamily="34" charset="0"/>
+                <a:ea typeface="Segoe UI Black" panose="020B0A02040204020203" pitchFamily="34" charset="0"/>
+                <a:cs typeface="Times New Roman" panose="02020603050405020304" pitchFamily="18" charset="0"/>
+              </a:rPr>
+              <a:t>cho</a:t>
+            </a:r>
+            <a:r>
+              <a:rPr lang="en-US" dirty="0">
+                <a:latin typeface="Segoe UI Black" panose="020B0A02040204020203" pitchFamily="34" charset="0"/>
+                <a:ea typeface="Segoe UI Black" panose="020B0A02040204020203" pitchFamily="34" charset="0"/>
+                <a:cs typeface="Times New Roman" panose="02020603050405020304" pitchFamily="18" charset="0"/>
+              </a:rPr>
+              <a:t> </a:t>
+            </a:r>
+            <a:r>
+              <a:rPr lang="en-US" dirty="0" err="1">
+                <a:latin typeface="Segoe UI Black" panose="020B0A02040204020203" pitchFamily="34" charset="0"/>
+                <a:ea typeface="Segoe UI Black" panose="020B0A02040204020203" pitchFamily="34" charset="0"/>
+                <a:cs typeface="Times New Roman" panose="02020603050405020304" pitchFamily="18" charset="0"/>
+              </a:rPr>
+              <a:t>việc</a:t>
+            </a:r>
+            <a:r>
+              <a:rPr lang="en-US" dirty="0">
+                <a:latin typeface="Segoe UI Black" panose="020B0A02040204020203" pitchFamily="34" charset="0"/>
+                <a:ea typeface="Segoe UI Black" panose="020B0A02040204020203" pitchFamily="34" charset="0"/>
+                <a:cs typeface="Times New Roman" panose="02020603050405020304" pitchFamily="18" charset="0"/>
+              </a:rPr>
+              <a:t> </a:t>
+            </a:r>
+            <a:r>
+              <a:rPr lang="en-US" dirty="0" err="1">
+                <a:latin typeface="Segoe UI Black" panose="020B0A02040204020203" pitchFamily="34" charset="0"/>
+                <a:ea typeface="Segoe UI Black" panose="020B0A02040204020203" pitchFamily="34" charset="0"/>
+                <a:cs typeface="Times New Roman" panose="02020603050405020304" pitchFamily="18" charset="0"/>
+              </a:rPr>
+              <a:t>thiết</a:t>
+            </a:r>
+            <a:r>
+              <a:rPr lang="en-US" dirty="0">
+                <a:latin typeface="Segoe UI Black" panose="020B0A02040204020203" pitchFamily="34" charset="0"/>
+                <a:ea typeface="Segoe UI Black" panose="020B0A02040204020203" pitchFamily="34" charset="0"/>
+                <a:cs typeface="Times New Roman" panose="02020603050405020304" pitchFamily="18" charset="0"/>
+              </a:rPr>
+              <a:t> </a:t>
+            </a:r>
+            <a:r>
+              <a:rPr lang="en-US" dirty="0" err="1">
+                <a:latin typeface="Segoe UI Black" panose="020B0A02040204020203" pitchFamily="34" charset="0"/>
+                <a:ea typeface="Segoe UI Black" panose="020B0A02040204020203" pitchFamily="34" charset="0"/>
+                <a:cs typeface="Times New Roman" panose="02020603050405020304" pitchFamily="18" charset="0"/>
+              </a:rPr>
+              <a:t>kế</a:t>
+            </a:r>
+            <a:r>
+              <a:rPr lang="en-US" dirty="0">
+                <a:latin typeface="Segoe UI Black" panose="020B0A02040204020203" pitchFamily="34" charset="0"/>
+                <a:ea typeface="Segoe UI Black" panose="020B0A02040204020203" pitchFamily="34" charset="0"/>
+                <a:cs typeface="Times New Roman" panose="02020603050405020304" pitchFamily="18" charset="0"/>
+              </a:rPr>
+              <a:t> </a:t>
+            </a:r>
+            <a:r>
+              <a:rPr lang="en-US" dirty="0" err="1">
+                <a:latin typeface="Segoe UI Black" panose="020B0A02040204020203" pitchFamily="34" charset="0"/>
+                <a:ea typeface="Segoe UI Black" panose="020B0A02040204020203" pitchFamily="34" charset="0"/>
+                <a:cs typeface="Times New Roman" panose="02020603050405020304" pitchFamily="18" charset="0"/>
+              </a:rPr>
+              <a:t>các</a:t>
+            </a:r>
+            <a:r>
+              <a:rPr lang="en-US" dirty="0">
+                <a:latin typeface="Segoe UI Black" panose="020B0A02040204020203" pitchFamily="34" charset="0"/>
+                <a:ea typeface="Segoe UI Black" panose="020B0A02040204020203" pitchFamily="34" charset="0"/>
+                <a:cs typeface="Times New Roman" panose="02020603050405020304" pitchFamily="18" charset="0"/>
+              </a:rPr>
+              <a:t> </a:t>
+            </a:r>
+            <a:r>
+              <a:rPr lang="en-US" dirty="0" err="1">
+                <a:latin typeface="Segoe UI Black" panose="020B0A02040204020203" pitchFamily="34" charset="0"/>
+                <a:ea typeface="Segoe UI Black" panose="020B0A02040204020203" pitchFamily="34" charset="0"/>
+                <a:cs typeface="Times New Roman" panose="02020603050405020304" pitchFamily="18" charset="0"/>
+              </a:rPr>
+              <a:t>ứng</a:t>
+            </a:r>
+            <a:r>
+              <a:rPr lang="en-US" dirty="0">
+                <a:latin typeface="Segoe UI Black" panose="020B0A02040204020203" pitchFamily="34" charset="0"/>
+                <a:ea typeface="Segoe UI Black" panose="020B0A02040204020203" pitchFamily="34" charset="0"/>
+                <a:cs typeface="Times New Roman" panose="02020603050405020304" pitchFamily="18" charset="0"/>
+              </a:rPr>
+              <a:t> </a:t>
+            </a:r>
+            <a:r>
+              <a:rPr lang="en-US" dirty="0" err="1">
+                <a:latin typeface="Segoe UI Black" panose="020B0A02040204020203" pitchFamily="34" charset="0"/>
+                <a:ea typeface="Segoe UI Black" panose="020B0A02040204020203" pitchFamily="34" charset="0"/>
+                <a:cs typeface="Times New Roman" panose="02020603050405020304" pitchFamily="18" charset="0"/>
+              </a:rPr>
+              <a:t>dụng</a:t>
+            </a:r>
+            <a:r>
+              <a:rPr lang="en-US" dirty="0">
+                <a:latin typeface="Segoe UI Black" panose="020B0A02040204020203" pitchFamily="34" charset="0"/>
+                <a:ea typeface="Segoe UI Black" panose="020B0A02040204020203" pitchFamily="34" charset="0"/>
+                <a:cs typeface="Times New Roman" panose="02020603050405020304" pitchFamily="18" charset="0"/>
+              </a:rPr>
+              <a:t> </a:t>
+            </a:r>
+            <a:r>
+              <a:rPr lang="en-US" dirty="0" err="1">
+                <a:latin typeface="Segoe UI Black" panose="020B0A02040204020203" pitchFamily="34" charset="0"/>
+                <a:ea typeface="Segoe UI Black" panose="020B0A02040204020203" pitchFamily="34" charset="0"/>
+                <a:cs typeface="Times New Roman" panose="02020603050405020304" pitchFamily="18" charset="0"/>
+              </a:rPr>
+              <a:t>có</a:t>
+            </a:r>
+            <a:r>
+              <a:rPr lang="en-US" dirty="0">
+                <a:latin typeface="Segoe UI Black" panose="020B0A02040204020203" pitchFamily="34" charset="0"/>
+                <a:ea typeface="Segoe UI Black" panose="020B0A02040204020203" pitchFamily="34" charset="0"/>
+                <a:cs typeface="Times New Roman" panose="02020603050405020304" pitchFamily="18" charset="0"/>
+              </a:rPr>
+              <a:t> </a:t>
+            </a:r>
+            <a:r>
+              <a:rPr lang="en-US" dirty="0" err="1">
+                <a:latin typeface="Segoe UI Black" panose="020B0A02040204020203" pitchFamily="34" charset="0"/>
+                <a:ea typeface="Segoe UI Black" panose="020B0A02040204020203" pitchFamily="34" charset="0"/>
+                <a:cs typeface="Times New Roman" panose="02020603050405020304" pitchFamily="18" charset="0"/>
+              </a:rPr>
+              <a:t>kết</a:t>
+            </a:r>
+            <a:r>
+              <a:rPr lang="en-US" dirty="0">
+                <a:latin typeface="Segoe UI Black" panose="020B0A02040204020203" pitchFamily="34" charset="0"/>
+                <a:ea typeface="Segoe UI Black" panose="020B0A02040204020203" pitchFamily="34" charset="0"/>
+                <a:cs typeface="Times New Roman" panose="02020603050405020304" pitchFamily="18" charset="0"/>
+              </a:rPr>
+              <a:t> </a:t>
+            </a:r>
+            <a:r>
+              <a:rPr lang="en-US" dirty="0" err="1">
+                <a:latin typeface="Segoe UI Black" panose="020B0A02040204020203" pitchFamily="34" charset="0"/>
+                <a:ea typeface="Segoe UI Black" panose="020B0A02040204020203" pitchFamily="34" charset="0"/>
+                <a:cs typeface="Times New Roman" panose="02020603050405020304" pitchFamily="18" charset="0"/>
+              </a:rPr>
+              <a:t>nối</a:t>
+            </a:r>
+            <a:r>
+              <a:rPr lang="en-US" dirty="0">
+                <a:latin typeface="Segoe UI Black" panose="020B0A02040204020203" pitchFamily="34" charset="0"/>
+                <a:ea typeface="Segoe UI Black" panose="020B0A02040204020203" pitchFamily="34" charset="0"/>
+                <a:cs typeface="Times New Roman" panose="02020603050405020304" pitchFamily="18" charset="0"/>
+              </a:rPr>
+              <a:t>.</a:t>
+            </a:r>
+            <a:endParaRPr lang="en-US" dirty="0">
+              <a:latin typeface="Segoe UI Black" panose="020B0A02040204020203" pitchFamily="34" charset="0"/>
+              <a:ea typeface="Segoe UI Black" panose="020B0A02040204020203" pitchFamily="34" charset="0"/>
+            </a:endParaRPr>
+          </a:p>
+          <a:p>
+            <a:r>
+              <a:rPr lang="en-US" dirty="0">
+                <a:latin typeface="Segoe UI Black" panose="020B0A02040204020203" pitchFamily="34" charset="0"/>
+                <a:ea typeface="Segoe UI Black" panose="020B0A02040204020203" pitchFamily="34" charset="0"/>
+                <a:cs typeface="Times New Roman" panose="02020603050405020304" pitchFamily="18" charset="0"/>
+              </a:rPr>
+              <a:t>C</a:t>
+            </a:r>
+            <a:r>
+              <a:rPr lang="vi-VN" dirty="0">
+                <a:latin typeface="Segoe UI Black" panose="020B0A02040204020203" pitchFamily="34" charset="0"/>
+                <a:ea typeface="Segoe UI Black" panose="020B0A02040204020203" pitchFamily="34" charset="0"/>
+                <a:cs typeface="Times New Roman" panose="02020603050405020304" pitchFamily="18" charset="0"/>
+              </a:rPr>
+              <a:t>ác ứng dụng sử dụng kiểu thiết kế REST thì được gọi là RESTful</a:t>
+            </a:r>
+            <a:endParaRPr lang="en-US" dirty="0">
+              <a:latin typeface="Segoe UI Black" panose="020B0A02040204020203" pitchFamily="34" charset="0"/>
+              <a:ea typeface="Segoe UI Black" panose="020B0A02040204020203" pitchFamily="34" charset="0"/>
+              <a:cs typeface="Times New Roman" panose="02020603050405020304" pitchFamily="18" charset="0"/>
+            </a:endParaRPr>
+          </a:p>
+          <a:p>
+            <a:endParaRPr lang="en-US" dirty="0">
+              <a:latin typeface="Segoe UI Black" panose="020B0A02040204020203" pitchFamily="34" charset="0"/>
+              <a:ea typeface="Segoe UI Black" panose="020B0A02040204020203" pitchFamily="34" charset="0"/>
               <a:cs typeface="Times New Roman" panose="02020603050405020304" pitchFamily="18" charset="0"/>
             </a:endParaRPr>
           </a:p>
@@ -4215,8 +5751,9 @@
           <a:lstStyle/>
           <a:p>
             <a:r>
-              <a:rPr lang="en-US" b="1">
-                <a:latin typeface="Times New Roman" panose="02020603050405020304" pitchFamily="18" charset="0"/>
+              <a:rPr lang="en-US" sz="3000" b="1" dirty="0">
+                <a:latin typeface="Segoe UI Black" panose="020B0A02040204020203" pitchFamily="34" charset="0"/>
+                <a:ea typeface="Segoe UI Black" panose="020B0A02040204020203" pitchFamily="34" charset="0"/>
                 <a:cs typeface="Times New Roman" panose="02020603050405020304" pitchFamily="18" charset="0"/>
               </a:rPr>
               <a:t>RESTAPI LÀ GÌ?</a:t>
@@ -4251,8 +5788,9 @@
               <a:buChar char="q"/>
             </a:pPr>
             <a:r>
-              <a:rPr lang="en-US" sz="2200" b="1">
-                <a:latin typeface="Times New Roman" panose="02020603050405020304" pitchFamily="18" charset="0"/>
+              <a:rPr lang="en-US" b="1" dirty="0">
+                <a:latin typeface="Segoe UI Black" panose="020B0A02040204020203" pitchFamily="34" charset="0"/>
+                <a:ea typeface="Segoe UI Black" panose="020B0A02040204020203" pitchFamily="34" charset="0"/>
                 <a:cs typeface="Times New Roman" panose="02020603050405020304" pitchFamily="18" charset="0"/>
               </a:rPr>
               <a:t>RESTAPI </a:t>
@@ -4260,51 +5798,451 @@
           </a:p>
           <a:p>
             <a:r>
-              <a:rPr lang="en-US" sz="2200">
-                <a:latin typeface="Times New Roman" panose="02020603050405020304" pitchFamily="18" charset="0"/>
-                <a:cs typeface="Times New Roman" panose="02020603050405020304" pitchFamily="18" charset="0"/>
-              </a:rPr>
-              <a:t>Là giao diện lập trình ứng dụng giúp tạo ra các phương thức kết nối với các thư viện và ứng dụng khác nhau, sử dụng http</a:t>
-            </a:r>
-          </a:p>
-          <a:p>
-            <a:r>
-              <a:rPr lang="vi-VN" sz="2200">
-                <a:latin typeface="+mj-lt"/>
+              <a:rPr lang="en-US" dirty="0" err="1">
+                <a:latin typeface="Segoe UI Black" panose="020B0A02040204020203" pitchFamily="34" charset="0"/>
+                <a:ea typeface="Segoe UI Black" panose="020B0A02040204020203" pitchFamily="34" charset="0"/>
+                <a:cs typeface="Times New Roman" panose="02020603050405020304" pitchFamily="18" charset="0"/>
+              </a:rPr>
+              <a:t>Là</a:t>
+            </a:r>
+            <a:r>
+              <a:rPr lang="en-US" dirty="0">
+                <a:latin typeface="Segoe UI Black" panose="020B0A02040204020203" pitchFamily="34" charset="0"/>
+                <a:ea typeface="Segoe UI Black" panose="020B0A02040204020203" pitchFamily="34" charset="0"/>
+                <a:cs typeface="Times New Roman" panose="02020603050405020304" pitchFamily="18" charset="0"/>
+              </a:rPr>
+              <a:t> </a:t>
+            </a:r>
+            <a:r>
+              <a:rPr lang="en-US" dirty="0" err="1">
+                <a:latin typeface="Segoe UI Black" panose="020B0A02040204020203" pitchFamily="34" charset="0"/>
+                <a:ea typeface="Segoe UI Black" panose="020B0A02040204020203" pitchFamily="34" charset="0"/>
+                <a:cs typeface="Times New Roman" panose="02020603050405020304" pitchFamily="18" charset="0"/>
+              </a:rPr>
+              <a:t>giao</a:t>
+            </a:r>
+            <a:r>
+              <a:rPr lang="en-US" dirty="0">
+                <a:latin typeface="Segoe UI Black" panose="020B0A02040204020203" pitchFamily="34" charset="0"/>
+                <a:ea typeface="Segoe UI Black" panose="020B0A02040204020203" pitchFamily="34" charset="0"/>
+                <a:cs typeface="Times New Roman" panose="02020603050405020304" pitchFamily="18" charset="0"/>
+              </a:rPr>
+              <a:t> </a:t>
+            </a:r>
+            <a:r>
+              <a:rPr lang="en-US" dirty="0" err="1">
+                <a:latin typeface="Segoe UI Black" panose="020B0A02040204020203" pitchFamily="34" charset="0"/>
+                <a:ea typeface="Segoe UI Black" panose="020B0A02040204020203" pitchFamily="34" charset="0"/>
+                <a:cs typeface="Times New Roman" panose="02020603050405020304" pitchFamily="18" charset="0"/>
+              </a:rPr>
+              <a:t>diện</a:t>
+            </a:r>
+            <a:r>
+              <a:rPr lang="en-US" dirty="0">
+                <a:latin typeface="Segoe UI Black" panose="020B0A02040204020203" pitchFamily="34" charset="0"/>
+                <a:ea typeface="Segoe UI Black" panose="020B0A02040204020203" pitchFamily="34" charset="0"/>
+                <a:cs typeface="Times New Roman" panose="02020603050405020304" pitchFamily="18" charset="0"/>
+              </a:rPr>
+              <a:t> </a:t>
+            </a:r>
+            <a:r>
+              <a:rPr lang="en-US" dirty="0" err="1">
+                <a:latin typeface="Segoe UI Black" panose="020B0A02040204020203" pitchFamily="34" charset="0"/>
+                <a:ea typeface="Segoe UI Black" panose="020B0A02040204020203" pitchFamily="34" charset="0"/>
+                <a:cs typeface="Times New Roman" panose="02020603050405020304" pitchFamily="18" charset="0"/>
+              </a:rPr>
+              <a:t>lập</a:t>
+            </a:r>
+            <a:r>
+              <a:rPr lang="en-US" dirty="0">
+                <a:latin typeface="Segoe UI Black" panose="020B0A02040204020203" pitchFamily="34" charset="0"/>
+                <a:ea typeface="Segoe UI Black" panose="020B0A02040204020203" pitchFamily="34" charset="0"/>
+                <a:cs typeface="Times New Roman" panose="02020603050405020304" pitchFamily="18" charset="0"/>
+              </a:rPr>
+              <a:t> </a:t>
+            </a:r>
+            <a:r>
+              <a:rPr lang="en-US" dirty="0" err="1">
+                <a:latin typeface="Segoe UI Black" panose="020B0A02040204020203" pitchFamily="34" charset="0"/>
+                <a:ea typeface="Segoe UI Black" panose="020B0A02040204020203" pitchFamily="34" charset="0"/>
+                <a:cs typeface="Times New Roman" panose="02020603050405020304" pitchFamily="18" charset="0"/>
+              </a:rPr>
+              <a:t>trình</a:t>
+            </a:r>
+            <a:r>
+              <a:rPr lang="en-US" dirty="0">
+                <a:latin typeface="Segoe UI Black" panose="020B0A02040204020203" pitchFamily="34" charset="0"/>
+                <a:ea typeface="Segoe UI Black" panose="020B0A02040204020203" pitchFamily="34" charset="0"/>
+                <a:cs typeface="Times New Roman" panose="02020603050405020304" pitchFamily="18" charset="0"/>
+              </a:rPr>
+              <a:t> </a:t>
+            </a:r>
+            <a:r>
+              <a:rPr lang="en-US" dirty="0" err="1">
+                <a:latin typeface="Segoe UI Black" panose="020B0A02040204020203" pitchFamily="34" charset="0"/>
+                <a:ea typeface="Segoe UI Black" panose="020B0A02040204020203" pitchFamily="34" charset="0"/>
+                <a:cs typeface="Times New Roman" panose="02020603050405020304" pitchFamily="18" charset="0"/>
+              </a:rPr>
+              <a:t>ứng</a:t>
+            </a:r>
+            <a:r>
+              <a:rPr lang="en-US" dirty="0">
+                <a:latin typeface="Segoe UI Black" panose="020B0A02040204020203" pitchFamily="34" charset="0"/>
+                <a:ea typeface="Segoe UI Black" panose="020B0A02040204020203" pitchFamily="34" charset="0"/>
+                <a:cs typeface="Times New Roman" panose="02020603050405020304" pitchFamily="18" charset="0"/>
+              </a:rPr>
+              <a:t> </a:t>
+            </a:r>
+            <a:r>
+              <a:rPr lang="en-US" dirty="0" err="1">
+                <a:latin typeface="Segoe UI Black" panose="020B0A02040204020203" pitchFamily="34" charset="0"/>
+                <a:ea typeface="Segoe UI Black" panose="020B0A02040204020203" pitchFamily="34" charset="0"/>
+                <a:cs typeface="Times New Roman" panose="02020603050405020304" pitchFamily="18" charset="0"/>
+              </a:rPr>
+              <a:t>dụng</a:t>
+            </a:r>
+            <a:r>
+              <a:rPr lang="en-US" dirty="0">
+                <a:latin typeface="Segoe UI Black" panose="020B0A02040204020203" pitchFamily="34" charset="0"/>
+                <a:ea typeface="Segoe UI Black" panose="020B0A02040204020203" pitchFamily="34" charset="0"/>
+                <a:cs typeface="Times New Roman" panose="02020603050405020304" pitchFamily="18" charset="0"/>
+              </a:rPr>
+              <a:t> </a:t>
+            </a:r>
+            <a:r>
+              <a:rPr lang="en-US" dirty="0" err="1">
+                <a:latin typeface="Segoe UI Black" panose="020B0A02040204020203" pitchFamily="34" charset="0"/>
+                <a:ea typeface="Segoe UI Black" panose="020B0A02040204020203" pitchFamily="34" charset="0"/>
+                <a:cs typeface="Times New Roman" panose="02020603050405020304" pitchFamily="18" charset="0"/>
+              </a:rPr>
+              <a:t>giúp</a:t>
+            </a:r>
+            <a:r>
+              <a:rPr lang="en-US" dirty="0">
+                <a:latin typeface="Segoe UI Black" panose="020B0A02040204020203" pitchFamily="34" charset="0"/>
+                <a:ea typeface="Segoe UI Black" panose="020B0A02040204020203" pitchFamily="34" charset="0"/>
+                <a:cs typeface="Times New Roman" panose="02020603050405020304" pitchFamily="18" charset="0"/>
+              </a:rPr>
+              <a:t> </a:t>
+            </a:r>
+            <a:r>
+              <a:rPr lang="en-US" dirty="0" err="1">
+                <a:latin typeface="Segoe UI Black" panose="020B0A02040204020203" pitchFamily="34" charset="0"/>
+                <a:ea typeface="Segoe UI Black" panose="020B0A02040204020203" pitchFamily="34" charset="0"/>
+                <a:cs typeface="Times New Roman" panose="02020603050405020304" pitchFamily="18" charset="0"/>
+              </a:rPr>
+              <a:t>tạo</a:t>
+            </a:r>
+            <a:r>
+              <a:rPr lang="en-US" dirty="0">
+                <a:latin typeface="Segoe UI Black" panose="020B0A02040204020203" pitchFamily="34" charset="0"/>
+                <a:ea typeface="Segoe UI Black" panose="020B0A02040204020203" pitchFamily="34" charset="0"/>
+                <a:cs typeface="Times New Roman" panose="02020603050405020304" pitchFamily="18" charset="0"/>
+              </a:rPr>
+              <a:t> ra </a:t>
+            </a:r>
+            <a:r>
+              <a:rPr lang="en-US" dirty="0" err="1">
+                <a:latin typeface="Segoe UI Black" panose="020B0A02040204020203" pitchFamily="34" charset="0"/>
+                <a:ea typeface="Segoe UI Black" panose="020B0A02040204020203" pitchFamily="34" charset="0"/>
+                <a:cs typeface="Times New Roman" panose="02020603050405020304" pitchFamily="18" charset="0"/>
+              </a:rPr>
+              <a:t>các</a:t>
+            </a:r>
+            <a:r>
+              <a:rPr lang="en-US" dirty="0">
+                <a:latin typeface="Segoe UI Black" panose="020B0A02040204020203" pitchFamily="34" charset="0"/>
+                <a:ea typeface="Segoe UI Black" panose="020B0A02040204020203" pitchFamily="34" charset="0"/>
+                <a:cs typeface="Times New Roman" panose="02020603050405020304" pitchFamily="18" charset="0"/>
+              </a:rPr>
+              <a:t> </a:t>
+            </a:r>
+            <a:r>
+              <a:rPr lang="en-US" dirty="0" err="1">
+                <a:latin typeface="Segoe UI Black" panose="020B0A02040204020203" pitchFamily="34" charset="0"/>
+                <a:ea typeface="Segoe UI Black" panose="020B0A02040204020203" pitchFamily="34" charset="0"/>
+                <a:cs typeface="Times New Roman" panose="02020603050405020304" pitchFamily="18" charset="0"/>
+              </a:rPr>
+              <a:t>phương</a:t>
+            </a:r>
+            <a:r>
+              <a:rPr lang="en-US" dirty="0">
+                <a:latin typeface="Segoe UI Black" panose="020B0A02040204020203" pitchFamily="34" charset="0"/>
+                <a:ea typeface="Segoe UI Black" panose="020B0A02040204020203" pitchFamily="34" charset="0"/>
+                <a:cs typeface="Times New Roman" panose="02020603050405020304" pitchFamily="18" charset="0"/>
+              </a:rPr>
+              <a:t> </a:t>
+            </a:r>
+            <a:r>
+              <a:rPr lang="en-US" dirty="0" err="1">
+                <a:latin typeface="Segoe UI Black" panose="020B0A02040204020203" pitchFamily="34" charset="0"/>
+                <a:ea typeface="Segoe UI Black" panose="020B0A02040204020203" pitchFamily="34" charset="0"/>
+                <a:cs typeface="Times New Roman" panose="02020603050405020304" pitchFamily="18" charset="0"/>
+              </a:rPr>
+              <a:t>thức</a:t>
+            </a:r>
+            <a:r>
+              <a:rPr lang="en-US" dirty="0">
+                <a:latin typeface="Segoe UI Black" panose="020B0A02040204020203" pitchFamily="34" charset="0"/>
+                <a:ea typeface="Segoe UI Black" panose="020B0A02040204020203" pitchFamily="34" charset="0"/>
+                <a:cs typeface="Times New Roman" panose="02020603050405020304" pitchFamily="18" charset="0"/>
+              </a:rPr>
+              <a:t> </a:t>
+            </a:r>
+            <a:r>
+              <a:rPr lang="en-US" dirty="0" err="1">
+                <a:latin typeface="Segoe UI Black" panose="020B0A02040204020203" pitchFamily="34" charset="0"/>
+                <a:ea typeface="Segoe UI Black" panose="020B0A02040204020203" pitchFamily="34" charset="0"/>
+                <a:cs typeface="Times New Roman" panose="02020603050405020304" pitchFamily="18" charset="0"/>
+              </a:rPr>
+              <a:t>kết</a:t>
+            </a:r>
+            <a:r>
+              <a:rPr lang="en-US" dirty="0">
+                <a:latin typeface="Segoe UI Black" panose="020B0A02040204020203" pitchFamily="34" charset="0"/>
+                <a:ea typeface="Segoe UI Black" panose="020B0A02040204020203" pitchFamily="34" charset="0"/>
+                <a:cs typeface="Times New Roman" panose="02020603050405020304" pitchFamily="18" charset="0"/>
+              </a:rPr>
+              <a:t> </a:t>
+            </a:r>
+            <a:r>
+              <a:rPr lang="en-US" dirty="0" err="1">
+                <a:latin typeface="Segoe UI Black" panose="020B0A02040204020203" pitchFamily="34" charset="0"/>
+                <a:ea typeface="Segoe UI Black" panose="020B0A02040204020203" pitchFamily="34" charset="0"/>
+                <a:cs typeface="Times New Roman" panose="02020603050405020304" pitchFamily="18" charset="0"/>
+              </a:rPr>
+              <a:t>nối</a:t>
+            </a:r>
+            <a:r>
+              <a:rPr lang="en-US" dirty="0">
+                <a:latin typeface="Segoe UI Black" panose="020B0A02040204020203" pitchFamily="34" charset="0"/>
+                <a:ea typeface="Segoe UI Black" panose="020B0A02040204020203" pitchFamily="34" charset="0"/>
+                <a:cs typeface="Times New Roman" panose="02020603050405020304" pitchFamily="18" charset="0"/>
+              </a:rPr>
+              <a:t> </a:t>
+            </a:r>
+            <a:r>
+              <a:rPr lang="en-US" dirty="0" err="1">
+                <a:latin typeface="Segoe UI Black" panose="020B0A02040204020203" pitchFamily="34" charset="0"/>
+                <a:ea typeface="Segoe UI Black" panose="020B0A02040204020203" pitchFamily="34" charset="0"/>
+                <a:cs typeface="Times New Roman" panose="02020603050405020304" pitchFamily="18" charset="0"/>
+              </a:rPr>
+              <a:t>với</a:t>
+            </a:r>
+            <a:r>
+              <a:rPr lang="en-US" dirty="0">
+                <a:latin typeface="Segoe UI Black" panose="020B0A02040204020203" pitchFamily="34" charset="0"/>
+                <a:ea typeface="Segoe UI Black" panose="020B0A02040204020203" pitchFamily="34" charset="0"/>
+                <a:cs typeface="Times New Roman" panose="02020603050405020304" pitchFamily="18" charset="0"/>
+              </a:rPr>
+              <a:t> </a:t>
+            </a:r>
+            <a:r>
+              <a:rPr lang="en-US" dirty="0" err="1">
+                <a:latin typeface="Segoe UI Black" panose="020B0A02040204020203" pitchFamily="34" charset="0"/>
+                <a:ea typeface="Segoe UI Black" panose="020B0A02040204020203" pitchFamily="34" charset="0"/>
+                <a:cs typeface="Times New Roman" panose="02020603050405020304" pitchFamily="18" charset="0"/>
+              </a:rPr>
+              <a:t>các</a:t>
+            </a:r>
+            <a:r>
+              <a:rPr lang="en-US" dirty="0">
+                <a:latin typeface="Segoe UI Black" panose="020B0A02040204020203" pitchFamily="34" charset="0"/>
+                <a:ea typeface="Segoe UI Black" panose="020B0A02040204020203" pitchFamily="34" charset="0"/>
+                <a:cs typeface="Times New Roman" panose="02020603050405020304" pitchFamily="18" charset="0"/>
+              </a:rPr>
+              <a:t> </a:t>
+            </a:r>
+            <a:r>
+              <a:rPr lang="en-US" dirty="0" err="1">
+                <a:latin typeface="Segoe UI Black" panose="020B0A02040204020203" pitchFamily="34" charset="0"/>
+                <a:ea typeface="Segoe UI Black" panose="020B0A02040204020203" pitchFamily="34" charset="0"/>
+                <a:cs typeface="Times New Roman" panose="02020603050405020304" pitchFamily="18" charset="0"/>
+              </a:rPr>
+              <a:t>thư</a:t>
+            </a:r>
+            <a:r>
+              <a:rPr lang="en-US" dirty="0">
+                <a:latin typeface="Segoe UI Black" panose="020B0A02040204020203" pitchFamily="34" charset="0"/>
+                <a:ea typeface="Segoe UI Black" panose="020B0A02040204020203" pitchFamily="34" charset="0"/>
+                <a:cs typeface="Times New Roman" panose="02020603050405020304" pitchFamily="18" charset="0"/>
+              </a:rPr>
+              <a:t> </a:t>
+            </a:r>
+            <a:r>
+              <a:rPr lang="en-US" dirty="0" err="1">
+                <a:latin typeface="Segoe UI Black" panose="020B0A02040204020203" pitchFamily="34" charset="0"/>
+                <a:ea typeface="Segoe UI Black" panose="020B0A02040204020203" pitchFamily="34" charset="0"/>
+                <a:cs typeface="Times New Roman" panose="02020603050405020304" pitchFamily="18" charset="0"/>
+              </a:rPr>
+              <a:t>viện</a:t>
+            </a:r>
+            <a:r>
+              <a:rPr lang="en-US" dirty="0">
+                <a:latin typeface="Segoe UI Black" panose="020B0A02040204020203" pitchFamily="34" charset="0"/>
+                <a:ea typeface="Segoe UI Black" panose="020B0A02040204020203" pitchFamily="34" charset="0"/>
+                <a:cs typeface="Times New Roman" panose="02020603050405020304" pitchFamily="18" charset="0"/>
+              </a:rPr>
+              <a:t> </a:t>
+            </a:r>
+            <a:r>
+              <a:rPr lang="en-US" dirty="0" err="1">
+                <a:latin typeface="Segoe UI Black" panose="020B0A02040204020203" pitchFamily="34" charset="0"/>
+                <a:ea typeface="Segoe UI Black" panose="020B0A02040204020203" pitchFamily="34" charset="0"/>
+                <a:cs typeface="Times New Roman" panose="02020603050405020304" pitchFamily="18" charset="0"/>
+              </a:rPr>
+              <a:t>và</a:t>
+            </a:r>
+            <a:r>
+              <a:rPr lang="en-US" dirty="0">
+                <a:latin typeface="Segoe UI Black" panose="020B0A02040204020203" pitchFamily="34" charset="0"/>
+                <a:ea typeface="Segoe UI Black" panose="020B0A02040204020203" pitchFamily="34" charset="0"/>
+                <a:cs typeface="Times New Roman" panose="02020603050405020304" pitchFamily="18" charset="0"/>
+              </a:rPr>
+              <a:t> </a:t>
+            </a:r>
+            <a:r>
+              <a:rPr lang="en-US" dirty="0" err="1">
+                <a:latin typeface="Segoe UI Black" panose="020B0A02040204020203" pitchFamily="34" charset="0"/>
+                <a:ea typeface="Segoe UI Black" panose="020B0A02040204020203" pitchFamily="34" charset="0"/>
+                <a:cs typeface="Times New Roman" panose="02020603050405020304" pitchFamily="18" charset="0"/>
+              </a:rPr>
+              <a:t>ứng</a:t>
+            </a:r>
+            <a:r>
+              <a:rPr lang="en-US" dirty="0">
+                <a:latin typeface="Segoe UI Black" panose="020B0A02040204020203" pitchFamily="34" charset="0"/>
+                <a:ea typeface="Segoe UI Black" panose="020B0A02040204020203" pitchFamily="34" charset="0"/>
+                <a:cs typeface="Times New Roman" panose="02020603050405020304" pitchFamily="18" charset="0"/>
+              </a:rPr>
+              <a:t> </a:t>
+            </a:r>
+            <a:r>
+              <a:rPr lang="en-US" dirty="0" err="1">
+                <a:latin typeface="Segoe UI Black" panose="020B0A02040204020203" pitchFamily="34" charset="0"/>
+                <a:ea typeface="Segoe UI Black" panose="020B0A02040204020203" pitchFamily="34" charset="0"/>
+                <a:cs typeface="Times New Roman" panose="02020603050405020304" pitchFamily="18" charset="0"/>
+              </a:rPr>
+              <a:t>dụng</a:t>
+            </a:r>
+            <a:r>
+              <a:rPr lang="en-US" dirty="0">
+                <a:latin typeface="Segoe UI Black" panose="020B0A02040204020203" pitchFamily="34" charset="0"/>
+                <a:ea typeface="Segoe UI Black" panose="020B0A02040204020203" pitchFamily="34" charset="0"/>
+                <a:cs typeface="Times New Roman" panose="02020603050405020304" pitchFamily="18" charset="0"/>
+              </a:rPr>
+              <a:t> </a:t>
+            </a:r>
+            <a:r>
+              <a:rPr lang="en-US" dirty="0" err="1">
+                <a:latin typeface="Segoe UI Black" panose="020B0A02040204020203" pitchFamily="34" charset="0"/>
+                <a:ea typeface="Segoe UI Black" panose="020B0A02040204020203" pitchFamily="34" charset="0"/>
+                <a:cs typeface="Times New Roman" panose="02020603050405020304" pitchFamily="18" charset="0"/>
+              </a:rPr>
+              <a:t>khác</a:t>
+            </a:r>
+            <a:r>
+              <a:rPr lang="en-US" dirty="0">
+                <a:latin typeface="Segoe UI Black" panose="020B0A02040204020203" pitchFamily="34" charset="0"/>
+                <a:ea typeface="Segoe UI Black" panose="020B0A02040204020203" pitchFamily="34" charset="0"/>
+                <a:cs typeface="Times New Roman" panose="02020603050405020304" pitchFamily="18" charset="0"/>
+              </a:rPr>
+              <a:t> </a:t>
+            </a:r>
+            <a:r>
+              <a:rPr lang="en-US" dirty="0" err="1">
+                <a:latin typeface="Segoe UI Black" panose="020B0A02040204020203" pitchFamily="34" charset="0"/>
+                <a:ea typeface="Segoe UI Black" panose="020B0A02040204020203" pitchFamily="34" charset="0"/>
+                <a:cs typeface="Times New Roman" panose="02020603050405020304" pitchFamily="18" charset="0"/>
+              </a:rPr>
+              <a:t>nhau</a:t>
+            </a:r>
+            <a:r>
+              <a:rPr lang="en-US" dirty="0">
+                <a:latin typeface="Segoe UI Black" panose="020B0A02040204020203" pitchFamily="34" charset="0"/>
+                <a:ea typeface="Segoe UI Black" panose="020B0A02040204020203" pitchFamily="34" charset="0"/>
+                <a:cs typeface="Times New Roman" panose="02020603050405020304" pitchFamily="18" charset="0"/>
+              </a:rPr>
+              <a:t>, </a:t>
+            </a:r>
+            <a:r>
+              <a:rPr lang="en-US" dirty="0" err="1">
+                <a:latin typeface="Segoe UI Black" panose="020B0A02040204020203" pitchFamily="34" charset="0"/>
+                <a:ea typeface="Segoe UI Black" panose="020B0A02040204020203" pitchFamily="34" charset="0"/>
+                <a:cs typeface="Times New Roman" panose="02020603050405020304" pitchFamily="18" charset="0"/>
+              </a:rPr>
+              <a:t>sử</a:t>
+            </a:r>
+            <a:r>
+              <a:rPr lang="en-US" dirty="0">
+                <a:latin typeface="Segoe UI Black" panose="020B0A02040204020203" pitchFamily="34" charset="0"/>
+                <a:ea typeface="Segoe UI Black" panose="020B0A02040204020203" pitchFamily="34" charset="0"/>
+                <a:cs typeface="Times New Roman" panose="02020603050405020304" pitchFamily="18" charset="0"/>
+              </a:rPr>
+              <a:t> </a:t>
+            </a:r>
+            <a:r>
+              <a:rPr lang="en-US" dirty="0" err="1">
+                <a:latin typeface="Segoe UI Black" panose="020B0A02040204020203" pitchFamily="34" charset="0"/>
+                <a:ea typeface="Segoe UI Black" panose="020B0A02040204020203" pitchFamily="34" charset="0"/>
+                <a:cs typeface="Times New Roman" panose="02020603050405020304" pitchFamily="18" charset="0"/>
+              </a:rPr>
+              <a:t>dụng</a:t>
+            </a:r>
+            <a:r>
+              <a:rPr lang="en-US" dirty="0">
+                <a:latin typeface="Segoe UI Black" panose="020B0A02040204020203" pitchFamily="34" charset="0"/>
+                <a:ea typeface="Segoe UI Black" panose="020B0A02040204020203" pitchFamily="34" charset="0"/>
+                <a:cs typeface="Times New Roman" panose="02020603050405020304" pitchFamily="18" charset="0"/>
+              </a:rPr>
+              <a:t> http</a:t>
+            </a:r>
+          </a:p>
+          <a:p>
+            <a:r>
+              <a:rPr lang="vi-VN" dirty="0">
+                <a:latin typeface="Segoe UI Black" panose="020B0A02040204020203" pitchFamily="34" charset="0"/>
+                <a:ea typeface="Segoe UI Black" panose="020B0A02040204020203" pitchFamily="34" charset="0"/>
               </a:rPr>
               <a:t>RESTful API là một tiêu chuẩn dùng trong việc th</a:t>
             </a:r>
             <a:r>
-              <a:rPr lang="en-US" sz="2200">
-                <a:latin typeface="+mj-lt"/>
+              <a:rPr lang="en-US" dirty="0">
+                <a:latin typeface="Segoe UI Black" panose="020B0A02040204020203" pitchFamily="34" charset="0"/>
+                <a:ea typeface="Segoe UI Black" panose="020B0A02040204020203" pitchFamily="34" charset="0"/>
               </a:rPr>
               <a:t>I</a:t>
             </a:r>
             <a:r>
-              <a:rPr lang="vi-VN" sz="2200">
-                <a:latin typeface="+mj-lt"/>
+              <a:rPr lang="vi-VN" dirty="0">
+                <a:latin typeface="Segoe UI Black" panose="020B0A02040204020203" pitchFamily="34" charset="0"/>
+                <a:ea typeface="Segoe UI Black" panose="020B0A02040204020203" pitchFamily="34" charset="0"/>
               </a:rPr>
               <a:t>ết kế các thiết kế API cho các ứng dụng web để quản lý các resource. RESTful là một trong những kiểu thiết kế API được sử dụng phổ biến nhất ngày nay</a:t>
             </a:r>
-            <a:endParaRPr lang="en-US" sz="2200">
-              <a:latin typeface="+mj-lt"/>
+            <a:endParaRPr lang="en-US" dirty="0">
+              <a:latin typeface="Segoe UI Black" panose="020B0A02040204020203" pitchFamily="34" charset="0"/>
+              <a:ea typeface="Segoe UI Black" panose="020B0A02040204020203" pitchFamily="34" charset="0"/>
             </a:endParaRPr>
           </a:p>
           <a:p>
-            <a:endParaRPr lang="en-US" sz="2200">
-              <a:latin typeface="+mj-lt"/>
+            <a:endParaRPr lang="en-US" dirty="0">
+              <a:latin typeface="Segoe UI Black" panose="020B0A02040204020203" pitchFamily="34" charset="0"/>
+              <a:ea typeface="Segoe UI Black" panose="020B0A02040204020203" pitchFamily="34" charset="0"/>
               <a:cs typeface="Times New Roman" panose="02020603050405020304" pitchFamily="18" charset="0"/>
             </a:endParaRPr>
           </a:p>
           <a:p>
-            <a:endParaRPr lang="en-US" sz="2200" b="1">
-              <a:latin typeface="Times New Roman" panose="02020603050405020304" pitchFamily="18" charset="0"/>
+            <a:endParaRPr lang="en-US" b="1" dirty="0">
+              <a:latin typeface="Segoe UI Black" panose="020B0A02040204020203" pitchFamily="34" charset="0"/>
+              <a:ea typeface="Segoe UI Black" panose="020B0A02040204020203" pitchFamily="34" charset="0"/>
               <a:cs typeface="Times New Roman" panose="02020603050405020304" pitchFamily="18" charset="0"/>
             </a:endParaRPr>
           </a:p>
           <a:p>
-            <a:endParaRPr lang="en-US" sz="2200">
-              <a:latin typeface="Times New Roman" panose="02020603050405020304" pitchFamily="18" charset="0"/>
+            <a:endParaRPr lang="en-US" dirty="0">
+              <a:latin typeface="Segoe UI Black" panose="020B0A02040204020203" pitchFamily="34" charset="0"/>
+              <a:ea typeface="Segoe UI Black" panose="020B0A02040204020203" pitchFamily="34" charset="0"/>
               <a:cs typeface="Times New Roman" panose="02020603050405020304" pitchFamily="18" charset="0"/>
             </a:endParaRPr>
           </a:p>
@@ -4361,11 +6299,20 @@
           <a:lstStyle/>
           <a:p>
             <a:r>
-              <a:rPr lang="en-US" b="1">
-                <a:latin typeface="Times New Roman" panose="02020603050405020304" pitchFamily="18" charset="0"/>
-                <a:cs typeface="Times New Roman" panose="02020603050405020304" pitchFamily="18" charset="0"/>
-              </a:rPr>
-              <a:t>RESTfull API HOẠT ĐỘNG</a:t>
+              <a:rPr lang="en-US" sz="3000" b="1" dirty="0" err="1">
+                <a:latin typeface="Segoe UI Black" panose="020B0A02040204020203" pitchFamily="34" charset="0"/>
+                <a:ea typeface="Segoe UI Black" panose="020B0A02040204020203" pitchFamily="34" charset="0"/>
+                <a:cs typeface="Times New Roman" panose="02020603050405020304" pitchFamily="18" charset="0"/>
+              </a:rPr>
+              <a:t>RESTfull</a:t>
+            </a:r>
+            <a:r>
+              <a:rPr lang="en-US" sz="3000" b="1" dirty="0">
+                <a:latin typeface="Segoe UI Black" panose="020B0A02040204020203" pitchFamily="34" charset="0"/>
+                <a:ea typeface="Segoe UI Black" panose="020B0A02040204020203" pitchFamily="34" charset="0"/>
+                <a:cs typeface="Times New Roman" panose="02020603050405020304" pitchFamily="18" charset="0"/>
+              </a:rPr>
+              <a:t> API HOẠT ĐỘNG</a:t>
             </a:r>
           </a:p>
         </p:txBody>
@@ -4393,12 +6340,330 @@
           <a:lstStyle/>
           <a:p>
             <a:r>
-              <a:rPr lang="en-US" sz="2200">
-                <a:latin typeface="Times New Roman" panose="02020603050405020304" pitchFamily="18" charset="0"/>
-                <a:cs typeface="Times New Roman" panose="02020603050405020304" pitchFamily="18" charset="0"/>
-              </a:rPr>
-              <a:t>REST hoạt động chủ yếu dựa trên giao thức http. Các hoạt động cơ bản sẽ sử dụng những phương thức http riêng</a:t>
-            </a:r>
+              <a:rPr lang="en-US" dirty="0">
+                <a:latin typeface="Segoe UI Black" panose="020B0A02040204020203" pitchFamily="34" charset="0"/>
+                <a:ea typeface="Segoe UI Black" panose="020B0A02040204020203" pitchFamily="34" charset="0"/>
+                <a:cs typeface="Times New Roman" panose="02020603050405020304" pitchFamily="18" charset="0"/>
+              </a:rPr>
+              <a:t>REST </a:t>
+            </a:r>
+            <a:r>
+              <a:rPr lang="en-US" dirty="0" err="1">
+                <a:latin typeface="Segoe UI Black" panose="020B0A02040204020203" pitchFamily="34" charset="0"/>
+                <a:ea typeface="Segoe UI Black" panose="020B0A02040204020203" pitchFamily="34" charset="0"/>
+                <a:cs typeface="Times New Roman" panose="02020603050405020304" pitchFamily="18" charset="0"/>
+              </a:rPr>
+              <a:t>hoạt</a:t>
+            </a:r>
+            <a:r>
+              <a:rPr lang="en-US" dirty="0">
+                <a:latin typeface="Segoe UI Black" panose="020B0A02040204020203" pitchFamily="34" charset="0"/>
+                <a:ea typeface="Segoe UI Black" panose="020B0A02040204020203" pitchFamily="34" charset="0"/>
+                <a:cs typeface="Times New Roman" panose="02020603050405020304" pitchFamily="18" charset="0"/>
+              </a:rPr>
+              <a:t> </a:t>
+            </a:r>
+            <a:r>
+              <a:rPr lang="en-US" dirty="0" err="1">
+                <a:latin typeface="Segoe UI Black" panose="020B0A02040204020203" pitchFamily="34" charset="0"/>
+                <a:ea typeface="Segoe UI Black" panose="020B0A02040204020203" pitchFamily="34" charset="0"/>
+                <a:cs typeface="Times New Roman" panose="02020603050405020304" pitchFamily="18" charset="0"/>
+              </a:rPr>
+              <a:t>động</a:t>
+            </a:r>
+            <a:r>
+              <a:rPr lang="en-US" dirty="0">
+                <a:latin typeface="Segoe UI Black" panose="020B0A02040204020203" pitchFamily="34" charset="0"/>
+                <a:ea typeface="Segoe UI Black" panose="020B0A02040204020203" pitchFamily="34" charset="0"/>
+                <a:cs typeface="Times New Roman" panose="02020603050405020304" pitchFamily="18" charset="0"/>
+              </a:rPr>
+              <a:t> </a:t>
+            </a:r>
+            <a:r>
+              <a:rPr lang="en-US" dirty="0" err="1">
+                <a:latin typeface="Segoe UI Black" panose="020B0A02040204020203" pitchFamily="34" charset="0"/>
+                <a:ea typeface="Segoe UI Black" panose="020B0A02040204020203" pitchFamily="34" charset="0"/>
+                <a:cs typeface="Times New Roman" panose="02020603050405020304" pitchFamily="18" charset="0"/>
+              </a:rPr>
+              <a:t>chủ</a:t>
+            </a:r>
+            <a:r>
+              <a:rPr lang="en-US" dirty="0">
+                <a:latin typeface="Segoe UI Black" panose="020B0A02040204020203" pitchFamily="34" charset="0"/>
+                <a:ea typeface="Segoe UI Black" panose="020B0A02040204020203" pitchFamily="34" charset="0"/>
+                <a:cs typeface="Times New Roman" panose="02020603050405020304" pitchFamily="18" charset="0"/>
+              </a:rPr>
+              <a:t> </a:t>
+            </a:r>
+            <a:r>
+              <a:rPr lang="en-US" dirty="0" err="1">
+                <a:latin typeface="Segoe UI Black" panose="020B0A02040204020203" pitchFamily="34" charset="0"/>
+                <a:ea typeface="Segoe UI Black" panose="020B0A02040204020203" pitchFamily="34" charset="0"/>
+                <a:cs typeface="Times New Roman" panose="02020603050405020304" pitchFamily="18" charset="0"/>
+              </a:rPr>
+              <a:t>yếu</a:t>
+            </a:r>
+            <a:r>
+              <a:rPr lang="en-US" dirty="0">
+                <a:latin typeface="Segoe UI Black" panose="020B0A02040204020203" pitchFamily="34" charset="0"/>
+                <a:ea typeface="Segoe UI Black" panose="020B0A02040204020203" pitchFamily="34" charset="0"/>
+                <a:cs typeface="Times New Roman" panose="02020603050405020304" pitchFamily="18" charset="0"/>
+              </a:rPr>
+              <a:t> </a:t>
+            </a:r>
+            <a:r>
+              <a:rPr lang="en-US" dirty="0" err="1">
+                <a:latin typeface="Segoe UI Black" panose="020B0A02040204020203" pitchFamily="34" charset="0"/>
+                <a:ea typeface="Segoe UI Black" panose="020B0A02040204020203" pitchFamily="34" charset="0"/>
+                <a:cs typeface="Times New Roman" panose="02020603050405020304" pitchFamily="18" charset="0"/>
+              </a:rPr>
+              <a:t>dựa</a:t>
+            </a:r>
+            <a:r>
+              <a:rPr lang="en-US" dirty="0">
+                <a:latin typeface="Segoe UI Black" panose="020B0A02040204020203" pitchFamily="34" charset="0"/>
+                <a:ea typeface="Segoe UI Black" panose="020B0A02040204020203" pitchFamily="34" charset="0"/>
+                <a:cs typeface="Times New Roman" panose="02020603050405020304" pitchFamily="18" charset="0"/>
+              </a:rPr>
+              <a:t> </a:t>
+            </a:r>
+            <a:r>
+              <a:rPr lang="en-US" dirty="0" err="1">
+                <a:latin typeface="Segoe UI Black" panose="020B0A02040204020203" pitchFamily="34" charset="0"/>
+                <a:ea typeface="Segoe UI Black" panose="020B0A02040204020203" pitchFamily="34" charset="0"/>
+                <a:cs typeface="Times New Roman" panose="02020603050405020304" pitchFamily="18" charset="0"/>
+              </a:rPr>
+              <a:t>trên</a:t>
+            </a:r>
+            <a:r>
+              <a:rPr lang="en-US" dirty="0">
+                <a:latin typeface="Segoe UI Black" panose="020B0A02040204020203" pitchFamily="34" charset="0"/>
+                <a:ea typeface="Segoe UI Black" panose="020B0A02040204020203" pitchFamily="34" charset="0"/>
+                <a:cs typeface="Times New Roman" panose="02020603050405020304" pitchFamily="18" charset="0"/>
+              </a:rPr>
+              <a:t> </a:t>
+            </a:r>
+            <a:r>
+              <a:rPr lang="en-US" dirty="0" err="1">
+                <a:latin typeface="Segoe UI Black" panose="020B0A02040204020203" pitchFamily="34" charset="0"/>
+                <a:ea typeface="Segoe UI Black" panose="020B0A02040204020203" pitchFamily="34" charset="0"/>
+                <a:cs typeface="Times New Roman" panose="02020603050405020304" pitchFamily="18" charset="0"/>
+              </a:rPr>
+              <a:t>giao</a:t>
+            </a:r>
+            <a:r>
+              <a:rPr lang="en-US" dirty="0">
+                <a:latin typeface="Segoe UI Black" panose="020B0A02040204020203" pitchFamily="34" charset="0"/>
+                <a:ea typeface="Segoe UI Black" panose="020B0A02040204020203" pitchFamily="34" charset="0"/>
+                <a:cs typeface="Times New Roman" panose="02020603050405020304" pitchFamily="18" charset="0"/>
+              </a:rPr>
+              <a:t> </a:t>
+            </a:r>
+            <a:r>
+              <a:rPr lang="en-US" dirty="0" err="1">
+                <a:latin typeface="Segoe UI Black" panose="020B0A02040204020203" pitchFamily="34" charset="0"/>
+                <a:ea typeface="Segoe UI Black" panose="020B0A02040204020203" pitchFamily="34" charset="0"/>
+                <a:cs typeface="Times New Roman" panose="02020603050405020304" pitchFamily="18" charset="0"/>
+              </a:rPr>
+              <a:t>thức</a:t>
+            </a:r>
+            <a:r>
+              <a:rPr lang="en-US" dirty="0">
+                <a:latin typeface="Segoe UI Black" panose="020B0A02040204020203" pitchFamily="34" charset="0"/>
+                <a:ea typeface="Segoe UI Black" panose="020B0A02040204020203" pitchFamily="34" charset="0"/>
+                <a:cs typeface="Times New Roman" panose="02020603050405020304" pitchFamily="18" charset="0"/>
+              </a:rPr>
+              <a:t> http. </a:t>
+            </a:r>
+            <a:r>
+              <a:rPr lang="en-US" dirty="0" err="1">
+                <a:latin typeface="Segoe UI Black" panose="020B0A02040204020203" pitchFamily="34" charset="0"/>
+                <a:ea typeface="Segoe UI Black" panose="020B0A02040204020203" pitchFamily="34" charset="0"/>
+                <a:cs typeface="Times New Roman" panose="02020603050405020304" pitchFamily="18" charset="0"/>
+              </a:rPr>
+              <a:t>Các</a:t>
+            </a:r>
+            <a:r>
+              <a:rPr lang="en-US" dirty="0">
+                <a:latin typeface="Segoe UI Black" panose="020B0A02040204020203" pitchFamily="34" charset="0"/>
+                <a:ea typeface="Segoe UI Black" panose="020B0A02040204020203" pitchFamily="34" charset="0"/>
+                <a:cs typeface="Times New Roman" panose="02020603050405020304" pitchFamily="18" charset="0"/>
+              </a:rPr>
+              <a:t> </a:t>
+            </a:r>
+            <a:r>
+              <a:rPr lang="en-US" dirty="0" err="1">
+                <a:latin typeface="Segoe UI Black" panose="020B0A02040204020203" pitchFamily="34" charset="0"/>
+                <a:ea typeface="Segoe UI Black" panose="020B0A02040204020203" pitchFamily="34" charset="0"/>
+                <a:cs typeface="Times New Roman" panose="02020603050405020304" pitchFamily="18" charset="0"/>
+              </a:rPr>
+              <a:t>hoạt</a:t>
+            </a:r>
+            <a:r>
+              <a:rPr lang="en-US" dirty="0">
+                <a:latin typeface="Segoe UI Black" panose="020B0A02040204020203" pitchFamily="34" charset="0"/>
+                <a:ea typeface="Segoe UI Black" panose="020B0A02040204020203" pitchFamily="34" charset="0"/>
+                <a:cs typeface="Times New Roman" panose="02020603050405020304" pitchFamily="18" charset="0"/>
+              </a:rPr>
+              <a:t> </a:t>
+            </a:r>
+            <a:r>
+              <a:rPr lang="en-US" dirty="0" err="1">
+                <a:latin typeface="Segoe UI Black" panose="020B0A02040204020203" pitchFamily="34" charset="0"/>
+                <a:ea typeface="Segoe UI Black" panose="020B0A02040204020203" pitchFamily="34" charset="0"/>
+                <a:cs typeface="Times New Roman" panose="02020603050405020304" pitchFamily="18" charset="0"/>
+              </a:rPr>
+              <a:t>động</a:t>
+            </a:r>
+            <a:r>
+              <a:rPr lang="en-US" dirty="0">
+                <a:latin typeface="Segoe UI Black" panose="020B0A02040204020203" pitchFamily="34" charset="0"/>
+                <a:ea typeface="Segoe UI Black" panose="020B0A02040204020203" pitchFamily="34" charset="0"/>
+                <a:cs typeface="Times New Roman" panose="02020603050405020304" pitchFamily="18" charset="0"/>
+              </a:rPr>
+              <a:t> </a:t>
+            </a:r>
+            <a:r>
+              <a:rPr lang="en-US" dirty="0" err="1">
+                <a:latin typeface="Segoe UI Black" panose="020B0A02040204020203" pitchFamily="34" charset="0"/>
+                <a:ea typeface="Segoe UI Black" panose="020B0A02040204020203" pitchFamily="34" charset="0"/>
+                <a:cs typeface="Times New Roman" panose="02020603050405020304" pitchFamily="18" charset="0"/>
+              </a:rPr>
+              <a:t>cơ</a:t>
+            </a:r>
+            <a:r>
+              <a:rPr lang="en-US" dirty="0">
+                <a:latin typeface="Segoe UI Black" panose="020B0A02040204020203" pitchFamily="34" charset="0"/>
+                <a:ea typeface="Segoe UI Black" panose="020B0A02040204020203" pitchFamily="34" charset="0"/>
+                <a:cs typeface="Times New Roman" panose="02020603050405020304" pitchFamily="18" charset="0"/>
+              </a:rPr>
+              <a:t> </a:t>
+            </a:r>
+            <a:r>
+              <a:rPr lang="en-US" dirty="0" err="1">
+                <a:latin typeface="Segoe UI Black" panose="020B0A02040204020203" pitchFamily="34" charset="0"/>
+                <a:ea typeface="Segoe UI Black" panose="020B0A02040204020203" pitchFamily="34" charset="0"/>
+                <a:cs typeface="Times New Roman" panose="02020603050405020304" pitchFamily="18" charset="0"/>
+              </a:rPr>
+              <a:t>bản</a:t>
+            </a:r>
+            <a:r>
+              <a:rPr lang="en-US" dirty="0">
+                <a:latin typeface="Segoe UI Black" panose="020B0A02040204020203" pitchFamily="34" charset="0"/>
+                <a:ea typeface="Segoe UI Black" panose="020B0A02040204020203" pitchFamily="34" charset="0"/>
+                <a:cs typeface="Times New Roman" panose="02020603050405020304" pitchFamily="18" charset="0"/>
+              </a:rPr>
+              <a:t> </a:t>
+            </a:r>
+            <a:r>
+              <a:rPr lang="en-US" dirty="0" err="1">
+                <a:latin typeface="Segoe UI Black" panose="020B0A02040204020203" pitchFamily="34" charset="0"/>
+                <a:ea typeface="Segoe UI Black" panose="020B0A02040204020203" pitchFamily="34" charset="0"/>
+                <a:cs typeface="Times New Roman" panose="02020603050405020304" pitchFamily="18" charset="0"/>
+              </a:rPr>
+              <a:t>sẽ</a:t>
+            </a:r>
+            <a:r>
+              <a:rPr lang="en-US" dirty="0">
+                <a:latin typeface="Segoe UI Black" panose="020B0A02040204020203" pitchFamily="34" charset="0"/>
+                <a:ea typeface="Segoe UI Black" panose="020B0A02040204020203" pitchFamily="34" charset="0"/>
+                <a:cs typeface="Times New Roman" panose="02020603050405020304" pitchFamily="18" charset="0"/>
+              </a:rPr>
+              <a:t> </a:t>
+            </a:r>
+            <a:r>
+              <a:rPr lang="en-US" dirty="0" err="1">
+                <a:latin typeface="Segoe UI Black" panose="020B0A02040204020203" pitchFamily="34" charset="0"/>
+                <a:ea typeface="Segoe UI Black" panose="020B0A02040204020203" pitchFamily="34" charset="0"/>
+                <a:cs typeface="Times New Roman" panose="02020603050405020304" pitchFamily="18" charset="0"/>
+              </a:rPr>
+              <a:t>sử</a:t>
+            </a:r>
+            <a:r>
+              <a:rPr lang="en-US" dirty="0">
+                <a:latin typeface="Segoe UI Black" panose="020B0A02040204020203" pitchFamily="34" charset="0"/>
+                <a:ea typeface="Segoe UI Black" panose="020B0A02040204020203" pitchFamily="34" charset="0"/>
+                <a:cs typeface="Times New Roman" panose="02020603050405020304" pitchFamily="18" charset="0"/>
+              </a:rPr>
+              <a:t> </a:t>
+            </a:r>
+            <a:r>
+              <a:rPr lang="en-US" dirty="0" err="1">
+                <a:latin typeface="Segoe UI Black" panose="020B0A02040204020203" pitchFamily="34" charset="0"/>
+                <a:ea typeface="Segoe UI Black" panose="020B0A02040204020203" pitchFamily="34" charset="0"/>
+                <a:cs typeface="Times New Roman" panose="02020603050405020304" pitchFamily="18" charset="0"/>
+              </a:rPr>
+              <a:t>dụng</a:t>
+            </a:r>
+            <a:r>
+              <a:rPr lang="en-US" dirty="0">
+                <a:latin typeface="Segoe UI Black" panose="020B0A02040204020203" pitchFamily="34" charset="0"/>
+                <a:ea typeface="Segoe UI Black" panose="020B0A02040204020203" pitchFamily="34" charset="0"/>
+                <a:cs typeface="Times New Roman" panose="02020603050405020304" pitchFamily="18" charset="0"/>
+              </a:rPr>
+              <a:t> </a:t>
+            </a:r>
+            <a:r>
+              <a:rPr lang="en-US" dirty="0" err="1">
+                <a:latin typeface="Segoe UI Black" panose="020B0A02040204020203" pitchFamily="34" charset="0"/>
+                <a:ea typeface="Segoe UI Black" panose="020B0A02040204020203" pitchFamily="34" charset="0"/>
+                <a:cs typeface="Times New Roman" panose="02020603050405020304" pitchFamily="18" charset="0"/>
+              </a:rPr>
+              <a:t>những</a:t>
+            </a:r>
+            <a:r>
+              <a:rPr lang="en-US" dirty="0">
+                <a:latin typeface="Segoe UI Black" panose="020B0A02040204020203" pitchFamily="34" charset="0"/>
+                <a:ea typeface="Segoe UI Black" panose="020B0A02040204020203" pitchFamily="34" charset="0"/>
+                <a:cs typeface="Times New Roman" panose="02020603050405020304" pitchFamily="18" charset="0"/>
+              </a:rPr>
+              <a:t> </a:t>
+            </a:r>
+            <a:r>
+              <a:rPr lang="en-US" dirty="0" err="1">
+                <a:latin typeface="Segoe UI Black" panose="020B0A02040204020203" pitchFamily="34" charset="0"/>
+                <a:ea typeface="Segoe UI Black" panose="020B0A02040204020203" pitchFamily="34" charset="0"/>
+                <a:cs typeface="Times New Roman" panose="02020603050405020304" pitchFamily="18" charset="0"/>
+              </a:rPr>
+              <a:t>phương</a:t>
+            </a:r>
+            <a:r>
+              <a:rPr lang="en-US" dirty="0">
+                <a:latin typeface="Segoe UI Black" panose="020B0A02040204020203" pitchFamily="34" charset="0"/>
+                <a:ea typeface="Segoe UI Black" panose="020B0A02040204020203" pitchFamily="34" charset="0"/>
+                <a:cs typeface="Times New Roman" panose="02020603050405020304" pitchFamily="18" charset="0"/>
+              </a:rPr>
+              <a:t> </a:t>
+            </a:r>
+            <a:r>
+              <a:rPr lang="en-US" dirty="0" err="1">
+                <a:latin typeface="Segoe UI Black" panose="020B0A02040204020203" pitchFamily="34" charset="0"/>
+                <a:ea typeface="Segoe UI Black" panose="020B0A02040204020203" pitchFamily="34" charset="0"/>
+                <a:cs typeface="Times New Roman" panose="02020603050405020304" pitchFamily="18" charset="0"/>
+              </a:rPr>
+              <a:t>thức</a:t>
+            </a:r>
+            <a:r>
+              <a:rPr lang="en-US" dirty="0">
+                <a:latin typeface="Segoe UI Black" panose="020B0A02040204020203" pitchFamily="34" charset="0"/>
+                <a:ea typeface="Segoe UI Black" panose="020B0A02040204020203" pitchFamily="34" charset="0"/>
+                <a:cs typeface="Times New Roman" panose="02020603050405020304" pitchFamily="18" charset="0"/>
+              </a:rPr>
+              <a:t> http </a:t>
+            </a:r>
+            <a:r>
+              <a:rPr lang="en-US" dirty="0" err="1">
+                <a:latin typeface="Segoe UI Black" panose="020B0A02040204020203" pitchFamily="34" charset="0"/>
+                <a:ea typeface="Segoe UI Black" panose="020B0A02040204020203" pitchFamily="34" charset="0"/>
+                <a:cs typeface="Times New Roman" panose="02020603050405020304" pitchFamily="18" charset="0"/>
+              </a:rPr>
+              <a:t>riêng</a:t>
+            </a:r>
+            <a:endParaRPr lang="en-US" dirty="0">
+              <a:latin typeface="Segoe UI Black" panose="020B0A02040204020203" pitchFamily="34" charset="0"/>
+              <a:ea typeface="Segoe UI Black" panose="020B0A02040204020203" pitchFamily="34" charset="0"/>
+              <a:cs typeface="Times New Roman" panose="02020603050405020304" pitchFamily="18" charset="0"/>
+            </a:endParaRPr>
           </a:p>
           <a:p>
             <a:pPr marL="342900" indent="-342900">
@@ -4406,11 +6671,124 @@
               <a:buChar char="•"/>
             </a:pPr>
             <a:r>
-              <a:rPr lang="en-US" sz="2200">
-                <a:latin typeface="Times New Roman" panose="02020603050405020304" pitchFamily="18" charset="0"/>
-                <a:cs typeface="Times New Roman" panose="02020603050405020304" pitchFamily="18" charset="0"/>
-              </a:rPr>
-              <a:t>GET (SELECT): Trả về một Resource hoặc một danh sách Resource</a:t>
+              <a:rPr lang="en-US" dirty="0">
+                <a:latin typeface="Segoe UI Black" panose="020B0A02040204020203" pitchFamily="34" charset="0"/>
+                <a:ea typeface="Segoe UI Black" panose="020B0A02040204020203" pitchFamily="34" charset="0"/>
+                <a:cs typeface="Times New Roman" panose="02020603050405020304" pitchFamily="18" charset="0"/>
+              </a:rPr>
+              <a:t>GET (SELECT): </a:t>
+            </a:r>
+            <a:r>
+              <a:rPr lang="en-US" dirty="0" err="1">
+                <a:latin typeface="Segoe UI Black" panose="020B0A02040204020203" pitchFamily="34" charset="0"/>
+                <a:ea typeface="Segoe UI Black" panose="020B0A02040204020203" pitchFamily="34" charset="0"/>
+                <a:cs typeface="Times New Roman" panose="02020603050405020304" pitchFamily="18" charset="0"/>
+              </a:rPr>
+              <a:t>Trả</a:t>
+            </a:r>
+            <a:r>
+              <a:rPr lang="en-US" dirty="0">
+                <a:latin typeface="Segoe UI Black" panose="020B0A02040204020203" pitchFamily="34" charset="0"/>
+                <a:ea typeface="Segoe UI Black" panose="020B0A02040204020203" pitchFamily="34" charset="0"/>
+                <a:cs typeface="Times New Roman" panose="02020603050405020304" pitchFamily="18" charset="0"/>
+              </a:rPr>
+              <a:t> </a:t>
+            </a:r>
+            <a:r>
+              <a:rPr lang="en-US" dirty="0" err="1">
+                <a:latin typeface="Segoe UI Black" panose="020B0A02040204020203" pitchFamily="34" charset="0"/>
+                <a:ea typeface="Segoe UI Black" panose="020B0A02040204020203" pitchFamily="34" charset="0"/>
+                <a:cs typeface="Times New Roman" panose="02020603050405020304" pitchFamily="18" charset="0"/>
+              </a:rPr>
+              <a:t>về</a:t>
+            </a:r>
+            <a:r>
+              <a:rPr lang="en-US" dirty="0">
+                <a:latin typeface="Segoe UI Black" panose="020B0A02040204020203" pitchFamily="34" charset="0"/>
+                <a:ea typeface="Segoe UI Black" panose="020B0A02040204020203" pitchFamily="34" charset="0"/>
+                <a:cs typeface="Times New Roman" panose="02020603050405020304" pitchFamily="18" charset="0"/>
+              </a:rPr>
+              <a:t> </a:t>
+            </a:r>
+            <a:r>
+              <a:rPr lang="en-US" dirty="0" err="1">
+                <a:latin typeface="Segoe UI Black" panose="020B0A02040204020203" pitchFamily="34" charset="0"/>
+                <a:ea typeface="Segoe UI Black" panose="020B0A02040204020203" pitchFamily="34" charset="0"/>
+                <a:cs typeface="Times New Roman" panose="02020603050405020304" pitchFamily="18" charset="0"/>
+              </a:rPr>
+              <a:t>một</a:t>
+            </a:r>
+            <a:r>
+              <a:rPr lang="en-US" dirty="0">
+                <a:latin typeface="Segoe UI Black" panose="020B0A02040204020203" pitchFamily="34" charset="0"/>
+                <a:ea typeface="Segoe UI Black" panose="020B0A02040204020203" pitchFamily="34" charset="0"/>
+                <a:cs typeface="Times New Roman" panose="02020603050405020304" pitchFamily="18" charset="0"/>
+              </a:rPr>
+              <a:t> Resource </a:t>
+            </a:r>
+            <a:r>
+              <a:rPr lang="en-US" dirty="0" err="1">
+                <a:latin typeface="Segoe UI Black" panose="020B0A02040204020203" pitchFamily="34" charset="0"/>
+                <a:ea typeface="Segoe UI Black" panose="020B0A02040204020203" pitchFamily="34" charset="0"/>
+                <a:cs typeface="Times New Roman" panose="02020603050405020304" pitchFamily="18" charset="0"/>
+              </a:rPr>
+              <a:t>hoặc</a:t>
+            </a:r>
+            <a:r>
+              <a:rPr lang="en-US" dirty="0">
+                <a:latin typeface="Segoe UI Black" panose="020B0A02040204020203" pitchFamily="34" charset="0"/>
+                <a:ea typeface="Segoe UI Black" panose="020B0A02040204020203" pitchFamily="34" charset="0"/>
+                <a:cs typeface="Times New Roman" panose="02020603050405020304" pitchFamily="18" charset="0"/>
+              </a:rPr>
+              <a:t> </a:t>
+            </a:r>
+            <a:r>
+              <a:rPr lang="en-US" dirty="0" err="1">
+                <a:latin typeface="Segoe UI Black" panose="020B0A02040204020203" pitchFamily="34" charset="0"/>
+                <a:ea typeface="Segoe UI Black" panose="020B0A02040204020203" pitchFamily="34" charset="0"/>
+                <a:cs typeface="Times New Roman" panose="02020603050405020304" pitchFamily="18" charset="0"/>
+              </a:rPr>
+              <a:t>một</a:t>
+            </a:r>
+            <a:r>
+              <a:rPr lang="en-US" dirty="0">
+                <a:latin typeface="Segoe UI Black" panose="020B0A02040204020203" pitchFamily="34" charset="0"/>
+                <a:ea typeface="Segoe UI Black" panose="020B0A02040204020203" pitchFamily="34" charset="0"/>
+                <a:cs typeface="Times New Roman" panose="02020603050405020304" pitchFamily="18" charset="0"/>
+              </a:rPr>
+              <a:t> </a:t>
+            </a:r>
+            <a:r>
+              <a:rPr lang="en-US" dirty="0" err="1">
+                <a:latin typeface="Segoe UI Black" panose="020B0A02040204020203" pitchFamily="34" charset="0"/>
+                <a:ea typeface="Segoe UI Black" panose="020B0A02040204020203" pitchFamily="34" charset="0"/>
+                <a:cs typeface="Times New Roman" panose="02020603050405020304" pitchFamily="18" charset="0"/>
+              </a:rPr>
+              <a:t>danh</a:t>
+            </a:r>
+            <a:r>
+              <a:rPr lang="en-US" dirty="0">
+                <a:latin typeface="Segoe UI Black" panose="020B0A02040204020203" pitchFamily="34" charset="0"/>
+                <a:ea typeface="Segoe UI Black" panose="020B0A02040204020203" pitchFamily="34" charset="0"/>
+                <a:cs typeface="Times New Roman" panose="02020603050405020304" pitchFamily="18" charset="0"/>
+              </a:rPr>
+              <a:t> </a:t>
+            </a:r>
+            <a:r>
+              <a:rPr lang="en-US" dirty="0" err="1">
+                <a:latin typeface="Segoe UI Black" panose="020B0A02040204020203" pitchFamily="34" charset="0"/>
+                <a:ea typeface="Segoe UI Black" panose="020B0A02040204020203" pitchFamily="34" charset="0"/>
+                <a:cs typeface="Times New Roman" panose="02020603050405020304" pitchFamily="18" charset="0"/>
+              </a:rPr>
+              <a:t>sách</a:t>
+            </a:r>
+            <a:r>
+              <a:rPr lang="en-US" dirty="0">
+                <a:latin typeface="Segoe UI Black" panose="020B0A02040204020203" pitchFamily="34" charset="0"/>
+                <a:ea typeface="Segoe UI Black" panose="020B0A02040204020203" pitchFamily="34" charset="0"/>
+                <a:cs typeface="Times New Roman" panose="02020603050405020304" pitchFamily="18" charset="0"/>
+              </a:rPr>
+              <a:t> Resource</a:t>
             </a:r>
           </a:p>
           <a:p>
@@ -4419,11 +6797,60 @@
               <a:buChar char="•"/>
             </a:pPr>
             <a:r>
-              <a:rPr lang="en-US" sz="2200">
-                <a:latin typeface="Times New Roman" panose="02020603050405020304" pitchFamily="18" charset="0"/>
-                <a:cs typeface="Times New Roman" panose="02020603050405020304" pitchFamily="18" charset="0"/>
-              </a:rPr>
-              <a:t>POST (CREATE): Tạo mới một Resource</a:t>
+              <a:rPr lang="en-US" dirty="0">
+                <a:latin typeface="Segoe UI Black" panose="020B0A02040204020203" pitchFamily="34" charset="0"/>
+                <a:ea typeface="Segoe UI Black" panose="020B0A02040204020203" pitchFamily="34" charset="0"/>
+                <a:cs typeface="Times New Roman" panose="02020603050405020304" pitchFamily="18" charset="0"/>
+              </a:rPr>
+              <a:t>POST (CREATE): </a:t>
+            </a:r>
+            <a:r>
+              <a:rPr lang="en-US" dirty="0" err="1">
+                <a:latin typeface="Segoe UI Black" panose="020B0A02040204020203" pitchFamily="34" charset="0"/>
+                <a:ea typeface="Segoe UI Black" panose="020B0A02040204020203" pitchFamily="34" charset="0"/>
+                <a:cs typeface="Times New Roman" panose="02020603050405020304" pitchFamily="18" charset="0"/>
+              </a:rPr>
+              <a:t>Tạo</a:t>
+            </a:r>
+            <a:r>
+              <a:rPr lang="en-US" dirty="0">
+                <a:latin typeface="Segoe UI Black" panose="020B0A02040204020203" pitchFamily="34" charset="0"/>
+                <a:ea typeface="Segoe UI Black" panose="020B0A02040204020203" pitchFamily="34" charset="0"/>
+                <a:cs typeface="Times New Roman" panose="02020603050405020304" pitchFamily="18" charset="0"/>
+              </a:rPr>
+              <a:t> </a:t>
+            </a:r>
+            <a:r>
+              <a:rPr lang="en-US" dirty="0" err="1">
+                <a:latin typeface="Segoe UI Black" panose="020B0A02040204020203" pitchFamily="34" charset="0"/>
+                <a:ea typeface="Segoe UI Black" panose="020B0A02040204020203" pitchFamily="34" charset="0"/>
+                <a:cs typeface="Times New Roman" panose="02020603050405020304" pitchFamily="18" charset="0"/>
+              </a:rPr>
+              <a:t>mới</a:t>
+            </a:r>
+            <a:r>
+              <a:rPr lang="en-US" dirty="0">
+                <a:latin typeface="Segoe UI Black" panose="020B0A02040204020203" pitchFamily="34" charset="0"/>
+                <a:ea typeface="Segoe UI Black" panose="020B0A02040204020203" pitchFamily="34" charset="0"/>
+                <a:cs typeface="Times New Roman" panose="02020603050405020304" pitchFamily="18" charset="0"/>
+              </a:rPr>
+              <a:t> </a:t>
+            </a:r>
+            <a:r>
+              <a:rPr lang="en-US" dirty="0" err="1">
+                <a:latin typeface="Segoe UI Black" panose="020B0A02040204020203" pitchFamily="34" charset="0"/>
+                <a:ea typeface="Segoe UI Black" panose="020B0A02040204020203" pitchFamily="34" charset="0"/>
+                <a:cs typeface="Times New Roman" panose="02020603050405020304" pitchFamily="18" charset="0"/>
+              </a:rPr>
+              <a:t>một</a:t>
+            </a:r>
+            <a:r>
+              <a:rPr lang="en-US" dirty="0">
+                <a:latin typeface="Segoe UI Black" panose="020B0A02040204020203" pitchFamily="34" charset="0"/>
+                <a:ea typeface="Segoe UI Black" panose="020B0A02040204020203" pitchFamily="34" charset="0"/>
+                <a:cs typeface="Times New Roman" panose="02020603050405020304" pitchFamily="18" charset="0"/>
+              </a:rPr>
+              <a:t> Resource</a:t>
             </a:r>
           </a:p>
           <a:p>
@@ -4432,11 +6859,76 @@
               <a:buChar char="•"/>
             </a:pPr>
             <a:r>
-              <a:rPr lang="en-US" sz="2200">
-                <a:latin typeface="Times New Roman" panose="02020603050405020304" pitchFamily="18" charset="0"/>
-                <a:cs typeface="Times New Roman" panose="02020603050405020304" pitchFamily="18" charset="0"/>
-              </a:rPr>
-              <a:t>PUT (UPDATE): Cập nhật thông tin cho Resource</a:t>
+              <a:rPr lang="en-US" dirty="0">
+                <a:latin typeface="Segoe UI Black" panose="020B0A02040204020203" pitchFamily="34" charset="0"/>
+                <a:ea typeface="Segoe UI Black" panose="020B0A02040204020203" pitchFamily="34" charset="0"/>
+                <a:cs typeface="Times New Roman" panose="02020603050405020304" pitchFamily="18" charset="0"/>
+              </a:rPr>
+              <a:t>PUT (UPDATE): </a:t>
+            </a:r>
+            <a:r>
+              <a:rPr lang="en-US" dirty="0" err="1">
+                <a:latin typeface="Segoe UI Black" panose="020B0A02040204020203" pitchFamily="34" charset="0"/>
+                <a:ea typeface="Segoe UI Black" panose="020B0A02040204020203" pitchFamily="34" charset="0"/>
+                <a:cs typeface="Times New Roman" panose="02020603050405020304" pitchFamily="18" charset="0"/>
+              </a:rPr>
+              <a:t>Cập</a:t>
+            </a:r>
+            <a:r>
+              <a:rPr lang="en-US" dirty="0">
+                <a:latin typeface="Segoe UI Black" panose="020B0A02040204020203" pitchFamily="34" charset="0"/>
+                <a:ea typeface="Segoe UI Black" panose="020B0A02040204020203" pitchFamily="34" charset="0"/>
+                <a:cs typeface="Times New Roman" panose="02020603050405020304" pitchFamily="18" charset="0"/>
+              </a:rPr>
+              <a:t> </a:t>
+            </a:r>
+            <a:r>
+              <a:rPr lang="en-US" dirty="0" err="1">
+                <a:latin typeface="Segoe UI Black" panose="020B0A02040204020203" pitchFamily="34" charset="0"/>
+                <a:ea typeface="Segoe UI Black" panose="020B0A02040204020203" pitchFamily="34" charset="0"/>
+                <a:cs typeface="Times New Roman" panose="02020603050405020304" pitchFamily="18" charset="0"/>
+              </a:rPr>
+              <a:t>nhật</a:t>
+            </a:r>
+            <a:r>
+              <a:rPr lang="en-US" dirty="0">
+                <a:latin typeface="Segoe UI Black" panose="020B0A02040204020203" pitchFamily="34" charset="0"/>
+                <a:ea typeface="Segoe UI Black" panose="020B0A02040204020203" pitchFamily="34" charset="0"/>
+                <a:cs typeface="Times New Roman" panose="02020603050405020304" pitchFamily="18" charset="0"/>
+              </a:rPr>
+              <a:t> </a:t>
+            </a:r>
+            <a:r>
+              <a:rPr lang="en-US" dirty="0" err="1">
+                <a:latin typeface="Segoe UI Black" panose="020B0A02040204020203" pitchFamily="34" charset="0"/>
+                <a:ea typeface="Segoe UI Black" panose="020B0A02040204020203" pitchFamily="34" charset="0"/>
+                <a:cs typeface="Times New Roman" panose="02020603050405020304" pitchFamily="18" charset="0"/>
+              </a:rPr>
+              <a:t>thông</a:t>
+            </a:r>
+            <a:r>
+              <a:rPr lang="en-US" dirty="0">
+                <a:latin typeface="Segoe UI Black" panose="020B0A02040204020203" pitchFamily="34" charset="0"/>
+                <a:ea typeface="Segoe UI Black" panose="020B0A02040204020203" pitchFamily="34" charset="0"/>
+                <a:cs typeface="Times New Roman" panose="02020603050405020304" pitchFamily="18" charset="0"/>
+              </a:rPr>
+              <a:t> tin </a:t>
+            </a:r>
+            <a:r>
+              <a:rPr lang="en-US" dirty="0" err="1">
+                <a:latin typeface="Segoe UI Black" panose="020B0A02040204020203" pitchFamily="34" charset="0"/>
+                <a:ea typeface="Segoe UI Black" panose="020B0A02040204020203" pitchFamily="34" charset="0"/>
+                <a:cs typeface="Times New Roman" panose="02020603050405020304" pitchFamily="18" charset="0"/>
+              </a:rPr>
+              <a:t>cho</a:t>
+            </a:r>
+            <a:r>
+              <a:rPr lang="en-US" dirty="0">
+                <a:latin typeface="Segoe UI Black" panose="020B0A02040204020203" pitchFamily="34" charset="0"/>
+                <a:ea typeface="Segoe UI Black" panose="020B0A02040204020203" pitchFamily="34" charset="0"/>
+                <a:cs typeface="Times New Roman" panose="02020603050405020304" pitchFamily="18" charset="0"/>
+              </a:rPr>
+              <a:t> Resource</a:t>
             </a:r>
           </a:p>
           <a:p>
@@ -4445,25 +6937,180 @@
               <a:buChar char="•"/>
             </a:pPr>
             <a:r>
-              <a:rPr lang="en-US" sz="2200">
-                <a:latin typeface="Times New Roman" panose="02020603050405020304" pitchFamily="18" charset="0"/>
-                <a:cs typeface="Times New Roman" panose="02020603050405020304" pitchFamily="18" charset="0"/>
-              </a:rPr>
-              <a:t>DELETE (DELETE): Xoá một Resource</a:t>
-            </a:r>
-          </a:p>
-          <a:p>
-            <a:r>
-              <a:rPr lang="en-US" sz="2200">
-                <a:latin typeface="Times New Roman" panose="02020603050405020304" pitchFamily="18" charset="0"/>
-                <a:cs typeface="Times New Roman" panose="02020603050405020304" pitchFamily="18" charset="0"/>
-              </a:rPr>
-              <a:t>Những phương thức này thường được gọi là CRUD</a:t>
-            </a:r>
-          </a:p>
-          <a:p>
-            <a:endParaRPr lang="en-US" sz="2200">
-              <a:latin typeface="Times New Roman" panose="02020603050405020304" pitchFamily="18" charset="0"/>
+              <a:rPr lang="en-US" dirty="0">
+                <a:latin typeface="Segoe UI Black" panose="020B0A02040204020203" pitchFamily="34" charset="0"/>
+                <a:ea typeface="Segoe UI Black" panose="020B0A02040204020203" pitchFamily="34" charset="0"/>
+                <a:cs typeface="Times New Roman" panose="02020603050405020304" pitchFamily="18" charset="0"/>
+              </a:rPr>
+              <a:t>DELETE (DELETE): </a:t>
+            </a:r>
+            <a:r>
+              <a:rPr lang="en-US" dirty="0" err="1">
+                <a:latin typeface="Segoe UI Black" panose="020B0A02040204020203" pitchFamily="34" charset="0"/>
+                <a:ea typeface="Segoe UI Black" panose="020B0A02040204020203" pitchFamily="34" charset="0"/>
+                <a:cs typeface="Times New Roman" panose="02020603050405020304" pitchFamily="18" charset="0"/>
+              </a:rPr>
+              <a:t>Xoá</a:t>
+            </a:r>
+            <a:r>
+              <a:rPr lang="en-US" dirty="0">
+                <a:latin typeface="Segoe UI Black" panose="020B0A02040204020203" pitchFamily="34" charset="0"/>
+                <a:ea typeface="Segoe UI Black" panose="020B0A02040204020203" pitchFamily="34" charset="0"/>
+                <a:cs typeface="Times New Roman" panose="02020603050405020304" pitchFamily="18" charset="0"/>
+              </a:rPr>
+              <a:t> </a:t>
+            </a:r>
+            <a:r>
+              <a:rPr lang="en-US" dirty="0" err="1">
+                <a:latin typeface="Segoe UI Black" panose="020B0A02040204020203" pitchFamily="34" charset="0"/>
+                <a:ea typeface="Segoe UI Black" panose="020B0A02040204020203" pitchFamily="34" charset="0"/>
+                <a:cs typeface="Times New Roman" panose="02020603050405020304" pitchFamily="18" charset="0"/>
+              </a:rPr>
+              <a:t>một</a:t>
+            </a:r>
+            <a:r>
+              <a:rPr lang="en-US" dirty="0">
+                <a:latin typeface="Segoe UI Black" panose="020B0A02040204020203" pitchFamily="34" charset="0"/>
+                <a:ea typeface="Segoe UI Black" panose="020B0A02040204020203" pitchFamily="34" charset="0"/>
+                <a:cs typeface="Times New Roman" panose="02020603050405020304" pitchFamily="18" charset="0"/>
+              </a:rPr>
+              <a:t> Resource</a:t>
+            </a:r>
+          </a:p>
+          <a:p>
+            <a:r>
+              <a:rPr lang="en-US" dirty="0" err="1">
+                <a:latin typeface="Segoe UI Black" panose="020B0A02040204020203" pitchFamily="34" charset="0"/>
+                <a:ea typeface="Segoe UI Black" panose="020B0A02040204020203" pitchFamily="34" charset="0"/>
+                <a:cs typeface="Times New Roman" panose="02020603050405020304" pitchFamily="18" charset="0"/>
+              </a:rPr>
+              <a:t>Những</a:t>
+            </a:r>
+            <a:r>
+              <a:rPr lang="en-US" dirty="0">
+                <a:latin typeface="Segoe UI Black" panose="020B0A02040204020203" pitchFamily="34" charset="0"/>
+                <a:ea typeface="Segoe UI Black" panose="020B0A02040204020203" pitchFamily="34" charset="0"/>
+                <a:cs typeface="Times New Roman" panose="02020603050405020304" pitchFamily="18" charset="0"/>
+              </a:rPr>
+              <a:t> </a:t>
+            </a:r>
+            <a:r>
+              <a:rPr lang="en-US" dirty="0" err="1">
+                <a:latin typeface="Segoe UI Black" panose="020B0A02040204020203" pitchFamily="34" charset="0"/>
+                <a:ea typeface="Segoe UI Black" panose="020B0A02040204020203" pitchFamily="34" charset="0"/>
+                <a:cs typeface="Times New Roman" panose="02020603050405020304" pitchFamily="18" charset="0"/>
+              </a:rPr>
+              <a:t>phương</a:t>
+            </a:r>
+            <a:r>
+              <a:rPr lang="en-US" dirty="0">
+                <a:latin typeface="Segoe UI Black" panose="020B0A02040204020203" pitchFamily="34" charset="0"/>
+                <a:ea typeface="Segoe UI Black" panose="020B0A02040204020203" pitchFamily="34" charset="0"/>
+                <a:cs typeface="Times New Roman" panose="02020603050405020304" pitchFamily="18" charset="0"/>
+              </a:rPr>
+              <a:t> </a:t>
+            </a:r>
+            <a:r>
+              <a:rPr lang="en-US" dirty="0" err="1">
+                <a:latin typeface="Segoe UI Black" panose="020B0A02040204020203" pitchFamily="34" charset="0"/>
+                <a:ea typeface="Segoe UI Black" panose="020B0A02040204020203" pitchFamily="34" charset="0"/>
+                <a:cs typeface="Times New Roman" panose="02020603050405020304" pitchFamily="18" charset="0"/>
+              </a:rPr>
+              <a:t>thức</a:t>
+            </a:r>
+            <a:r>
+              <a:rPr lang="en-US" dirty="0">
+                <a:latin typeface="Segoe UI Black" panose="020B0A02040204020203" pitchFamily="34" charset="0"/>
+                <a:ea typeface="Segoe UI Black" panose="020B0A02040204020203" pitchFamily="34" charset="0"/>
+                <a:cs typeface="Times New Roman" panose="02020603050405020304" pitchFamily="18" charset="0"/>
+              </a:rPr>
+              <a:t> </a:t>
+            </a:r>
+            <a:r>
+              <a:rPr lang="en-US" dirty="0" err="1">
+                <a:latin typeface="Segoe UI Black" panose="020B0A02040204020203" pitchFamily="34" charset="0"/>
+                <a:ea typeface="Segoe UI Black" panose="020B0A02040204020203" pitchFamily="34" charset="0"/>
+                <a:cs typeface="Times New Roman" panose="02020603050405020304" pitchFamily="18" charset="0"/>
+              </a:rPr>
+              <a:t>này</a:t>
+            </a:r>
+            <a:r>
+              <a:rPr lang="en-US" dirty="0">
+                <a:latin typeface="Segoe UI Black" panose="020B0A02040204020203" pitchFamily="34" charset="0"/>
+                <a:ea typeface="Segoe UI Black" panose="020B0A02040204020203" pitchFamily="34" charset="0"/>
+                <a:cs typeface="Times New Roman" panose="02020603050405020304" pitchFamily="18" charset="0"/>
+              </a:rPr>
+              <a:t> </a:t>
+            </a:r>
+            <a:r>
+              <a:rPr lang="en-US" dirty="0" err="1">
+                <a:latin typeface="Segoe UI Black" panose="020B0A02040204020203" pitchFamily="34" charset="0"/>
+                <a:ea typeface="Segoe UI Black" panose="020B0A02040204020203" pitchFamily="34" charset="0"/>
+                <a:cs typeface="Times New Roman" panose="02020603050405020304" pitchFamily="18" charset="0"/>
+              </a:rPr>
+              <a:t>thường</a:t>
+            </a:r>
+            <a:r>
+              <a:rPr lang="en-US" dirty="0">
+                <a:latin typeface="Segoe UI Black" panose="020B0A02040204020203" pitchFamily="34" charset="0"/>
+                <a:ea typeface="Segoe UI Black" panose="020B0A02040204020203" pitchFamily="34" charset="0"/>
+                <a:cs typeface="Times New Roman" panose="02020603050405020304" pitchFamily="18" charset="0"/>
+              </a:rPr>
+              <a:t> </a:t>
+            </a:r>
+            <a:r>
+              <a:rPr lang="en-US" dirty="0" err="1">
+                <a:latin typeface="Segoe UI Black" panose="020B0A02040204020203" pitchFamily="34" charset="0"/>
+                <a:ea typeface="Segoe UI Black" panose="020B0A02040204020203" pitchFamily="34" charset="0"/>
+                <a:cs typeface="Times New Roman" panose="02020603050405020304" pitchFamily="18" charset="0"/>
+              </a:rPr>
+              <a:t>được</a:t>
+            </a:r>
+            <a:r>
+              <a:rPr lang="en-US" dirty="0">
+                <a:latin typeface="Segoe UI Black" panose="020B0A02040204020203" pitchFamily="34" charset="0"/>
+                <a:ea typeface="Segoe UI Black" panose="020B0A02040204020203" pitchFamily="34" charset="0"/>
+                <a:cs typeface="Times New Roman" panose="02020603050405020304" pitchFamily="18" charset="0"/>
+              </a:rPr>
+              <a:t> </a:t>
+            </a:r>
+            <a:r>
+              <a:rPr lang="en-US" dirty="0" err="1">
+                <a:latin typeface="Segoe UI Black" panose="020B0A02040204020203" pitchFamily="34" charset="0"/>
+                <a:ea typeface="Segoe UI Black" panose="020B0A02040204020203" pitchFamily="34" charset="0"/>
+                <a:cs typeface="Times New Roman" panose="02020603050405020304" pitchFamily="18" charset="0"/>
+              </a:rPr>
+              <a:t>gọi</a:t>
+            </a:r>
+            <a:r>
+              <a:rPr lang="en-US" dirty="0">
+                <a:latin typeface="Segoe UI Black" panose="020B0A02040204020203" pitchFamily="34" charset="0"/>
+                <a:ea typeface="Segoe UI Black" panose="020B0A02040204020203" pitchFamily="34" charset="0"/>
+                <a:cs typeface="Times New Roman" panose="02020603050405020304" pitchFamily="18" charset="0"/>
+              </a:rPr>
+              <a:t> </a:t>
+            </a:r>
+            <a:r>
+              <a:rPr lang="en-US" dirty="0" err="1">
+                <a:latin typeface="Segoe UI Black" panose="020B0A02040204020203" pitchFamily="34" charset="0"/>
+                <a:ea typeface="Segoe UI Black" panose="020B0A02040204020203" pitchFamily="34" charset="0"/>
+                <a:cs typeface="Times New Roman" panose="02020603050405020304" pitchFamily="18" charset="0"/>
+              </a:rPr>
+              <a:t>là</a:t>
+            </a:r>
+            <a:r>
+              <a:rPr lang="en-US" dirty="0">
+                <a:latin typeface="Segoe UI Black" panose="020B0A02040204020203" pitchFamily="34" charset="0"/>
+                <a:ea typeface="Segoe UI Black" panose="020B0A02040204020203" pitchFamily="34" charset="0"/>
+                <a:cs typeface="Times New Roman" panose="02020603050405020304" pitchFamily="18" charset="0"/>
+              </a:rPr>
+              <a:t> CRUD</a:t>
+            </a:r>
+          </a:p>
+          <a:p>
+            <a:endParaRPr lang="en-US" dirty="0">
+              <a:latin typeface="Segoe UI Black" panose="020B0A02040204020203" pitchFamily="34" charset="0"/>
+              <a:ea typeface="Segoe UI Black" panose="020B0A02040204020203" pitchFamily="34" charset="0"/>
               <a:cs typeface="Times New Roman" panose="02020603050405020304" pitchFamily="18" charset="0"/>
             </a:endParaRPr>
           </a:p>
@@ -4520,8 +7167,9 @@
           <a:lstStyle/>
           <a:p>
             <a:r>
-              <a:rPr lang="en-US" b="1">
-                <a:latin typeface="Times New Roman" panose="02020603050405020304" pitchFamily="18" charset="0"/>
+              <a:rPr lang="en-US" sz="3000" b="1" dirty="0">
+                <a:latin typeface="Segoe UI Black" panose="020B0A02040204020203" pitchFamily="34" charset="0"/>
+                <a:ea typeface="Segoe UI Black" panose="020B0A02040204020203" pitchFamily="34" charset="0"/>
                 <a:cs typeface="Times New Roman" panose="02020603050405020304" pitchFamily="18" charset="0"/>
               </a:rPr>
               <a:t>ƯU ĐIỂM </a:t>
@@ -4552,47 +7200,53 @@
           <a:lstStyle/>
           <a:p>
             <a:r>
-              <a:rPr lang="vi-VN" sz="2200">
-                <a:latin typeface="+mj-lt"/>
+              <a:rPr lang="vi-VN" dirty="0">
+                <a:latin typeface="Segoe UI Black" panose="020B0A02040204020203" pitchFamily="34" charset="0"/>
+                <a:ea typeface="Segoe UI Black" panose="020B0A02040204020203" pitchFamily="34" charset="0"/>
               </a:rPr>
               <a:t>Giúp cho ứng dụng rõ ràng hơn</a:t>
             </a:r>
           </a:p>
           <a:p>
             <a:r>
-              <a:rPr lang="vi-VN" sz="2200">
-                <a:latin typeface="+mj-lt"/>
+              <a:rPr lang="vi-VN" dirty="0">
+                <a:latin typeface="Segoe UI Black" panose="020B0A02040204020203" pitchFamily="34" charset="0"/>
+                <a:ea typeface="Segoe UI Black" panose="020B0A02040204020203" pitchFamily="34" charset="0"/>
               </a:rPr>
               <a:t>REST URL đại diện cho resource chứ không phải hành động</a:t>
             </a:r>
           </a:p>
           <a:p>
             <a:r>
-              <a:rPr lang="vi-VN" sz="2200">
-                <a:latin typeface="+mj-lt"/>
+              <a:rPr lang="vi-VN" dirty="0">
+                <a:latin typeface="Segoe UI Black" panose="020B0A02040204020203" pitchFamily="34" charset="0"/>
+                <a:ea typeface="Segoe UI Black" panose="020B0A02040204020203" pitchFamily="34" charset="0"/>
               </a:rPr>
               <a:t>Dữ liệu được trả về với nhiều định dạng khác nhau như: xml, html, json….</a:t>
             </a:r>
           </a:p>
           <a:p>
             <a:r>
-              <a:rPr lang="vi-VN" sz="2200">
-                <a:latin typeface="+mj-lt"/>
+              <a:rPr lang="vi-VN" dirty="0">
+                <a:latin typeface="Segoe UI Black" panose="020B0A02040204020203" pitchFamily="34" charset="0"/>
+                <a:ea typeface="Segoe UI Black" panose="020B0A02040204020203" pitchFamily="34" charset="0"/>
               </a:rPr>
               <a:t>Code đơn giản và ngắn gọn</a:t>
             </a:r>
           </a:p>
           <a:p>
             <a:r>
-              <a:rPr lang="vi-VN" sz="2200">
-                <a:latin typeface="+mj-lt"/>
+              <a:rPr lang="vi-VN" dirty="0">
+                <a:latin typeface="Segoe UI Black" panose="020B0A02040204020203" pitchFamily="34" charset="0"/>
+                <a:ea typeface="Segoe UI Black" panose="020B0A02040204020203" pitchFamily="34" charset="0"/>
               </a:rPr>
               <a:t>REST chú trọng vào tài nguyên của hệ thống</a:t>
             </a:r>
           </a:p>
           <a:p>
-            <a:endParaRPr lang="en-US" sz="2200">
-              <a:latin typeface="Times New Roman" panose="02020603050405020304" pitchFamily="18" charset="0"/>
+            <a:endParaRPr lang="en-US" dirty="0">
+              <a:latin typeface="Segoe UI Black" panose="020B0A02040204020203" pitchFamily="34" charset="0"/>
+              <a:ea typeface="Segoe UI Black" panose="020B0A02040204020203" pitchFamily="34" charset="0"/>
               <a:cs typeface="Times New Roman" panose="02020603050405020304" pitchFamily="18" charset="0"/>
             </a:endParaRPr>
           </a:p>
@@ -4649,8 +7303,9 @@
           <a:lstStyle/>
           <a:p>
             <a:r>
-              <a:rPr lang="en-US" b="1">
-                <a:latin typeface="Times New Roman" panose="02020603050405020304" pitchFamily="18" charset="0"/>
+              <a:rPr lang="en-US" sz="3000" b="1" dirty="0">
+                <a:latin typeface="Segoe UI Black" panose="020B0A02040204020203" pitchFamily="34" charset="0"/>
+                <a:ea typeface="Segoe UI Black" panose="020B0A02040204020203" pitchFamily="34" charset="0"/>
                 <a:cs typeface="Times New Roman" panose="02020603050405020304" pitchFamily="18" charset="0"/>
               </a:rPr>
               <a:t>NGUYÊN TẮC THIẾT KẾ </a:t>
@@ -4685,24 +7340,147 @@
               <a:buChar char="•"/>
             </a:pPr>
             <a:r>
-              <a:rPr lang="en-US" sz="2200" b="1">
-                <a:latin typeface="Times New Roman" panose="02020603050405020304" pitchFamily="18" charset="0"/>
-                <a:cs typeface="Times New Roman" panose="02020603050405020304" pitchFamily="18" charset="0"/>
-              </a:rPr>
-              <a:t>Sử dụng HTTP Method để mô tả chức năng của resource</a:t>
+              <a:rPr lang="en-US" b="1" dirty="0" err="1">
+                <a:latin typeface="Segoe UI Black" panose="020B0A02040204020203" pitchFamily="34" charset="0"/>
+                <a:ea typeface="Segoe UI Black" panose="020B0A02040204020203" pitchFamily="34" charset="0"/>
+                <a:cs typeface="Times New Roman" panose="02020603050405020304" pitchFamily="18" charset="0"/>
+              </a:rPr>
+              <a:t>Sử</a:t>
+            </a:r>
+            <a:r>
+              <a:rPr lang="en-US" b="1" dirty="0">
+                <a:latin typeface="Segoe UI Black" panose="020B0A02040204020203" pitchFamily="34" charset="0"/>
+                <a:ea typeface="Segoe UI Black" panose="020B0A02040204020203" pitchFamily="34" charset="0"/>
+                <a:cs typeface="Times New Roman" panose="02020603050405020304" pitchFamily="18" charset="0"/>
+              </a:rPr>
+              <a:t> </a:t>
+            </a:r>
+            <a:r>
+              <a:rPr lang="en-US" b="1" dirty="0" err="1">
+                <a:latin typeface="Segoe UI Black" panose="020B0A02040204020203" pitchFamily="34" charset="0"/>
+                <a:ea typeface="Segoe UI Black" panose="020B0A02040204020203" pitchFamily="34" charset="0"/>
+                <a:cs typeface="Times New Roman" panose="02020603050405020304" pitchFamily="18" charset="0"/>
+              </a:rPr>
+              <a:t>dụng</a:t>
+            </a:r>
+            <a:r>
+              <a:rPr lang="en-US" b="1" dirty="0">
+                <a:latin typeface="Segoe UI Black" panose="020B0A02040204020203" pitchFamily="34" charset="0"/>
+                <a:ea typeface="Segoe UI Black" panose="020B0A02040204020203" pitchFamily="34" charset="0"/>
+                <a:cs typeface="Times New Roman" panose="02020603050405020304" pitchFamily="18" charset="0"/>
+              </a:rPr>
+              <a:t> HTTP Method </a:t>
+            </a:r>
+            <a:r>
+              <a:rPr lang="en-US" b="1" dirty="0" err="1">
+                <a:latin typeface="Segoe UI Black" panose="020B0A02040204020203" pitchFamily="34" charset="0"/>
+                <a:ea typeface="Segoe UI Black" panose="020B0A02040204020203" pitchFamily="34" charset="0"/>
+                <a:cs typeface="Times New Roman" panose="02020603050405020304" pitchFamily="18" charset="0"/>
+              </a:rPr>
+              <a:t>để</a:t>
+            </a:r>
+            <a:r>
+              <a:rPr lang="en-US" b="1" dirty="0">
+                <a:latin typeface="Segoe UI Black" panose="020B0A02040204020203" pitchFamily="34" charset="0"/>
+                <a:ea typeface="Segoe UI Black" panose="020B0A02040204020203" pitchFamily="34" charset="0"/>
+                <a:cs typeface="Times New Roman" panose="02020603050405020304" pitchFamily="18" charset="0"/>
+              </a:rPr>
+              <a:t> </a:t>
+            </a:r>
+            <a:r>
+              <a:rPr lang="en-US" b="1" dirty="0" err="1">
+                <a:latin typeface="Segoe UI Black" panose="020B0A02040204020203" pitchFamily="34" charset="0"/>
+                <a:ea typeface="Segoe UI Black" panose="020B0A02040204020203" pitchFamily="34" charset="0"/>
+                <a:cs typeface="Times New Roman" panose="02020603050405020304" pitchFamily="18" charset="0"/>
+              </a:rPr>
+              <a:t>mô</a:t>
+            </a:r>
+            <a:r>
+              <a:rPr lang="en-US" b="1" dirty="0">
+                <a:latin typeface="Segoe UI Black" panose="020B0A02040204020203" pitchFamily="34" charset="0"/>
+                <a:ea typeface="Segoe UI Black" panose="020B0A02040204020203" pitchFamily="34" charset="0"/>
+                <a:cs typeface="Times New Roman" panose="02020603050405020304" pitchFamily="18" charset="0"/>
+              </a:rPr>
+              <a:t> </a:t>
+            </a:r>
+            <a:r>
+              <a:rPr lang="en-US" b="1" dirty="0" err="1">
+                <a:latin typeface="Segoe UI Black" panose="020B0A02040204020203" pitchFamily="34" charset="0"/>
+                <a:ea typeface="Segoe UI Black" panose="020B0A02040204020203" pitchFamily="34" charset="0"/>
+                <a:cs typeface="Times New Roman" panose="02020603050405020304" pitchFamily="18" charset="0"/>
+              </a:rPr>
+              <a:t>tả</a:t>
+            </a:r>
+            <a:r>
+              <a:rPr lang="en-US" b="1" dirty="0">
+                <a:latin typeface="Segoe UI Black" panose="020B0A02040204020203" pitchFamily="34" charset="0"/>
+                <a:ea typeface="Segoe UI Black" panose="020B0A02040204020203" pitchFamily="34" charset="0"/>
+                <a:cs typeface="Times New Roman" panose="02020603050405020304" pitchFamily="18" charset="0"/>
+              </a:rPr>
+              <a:t> </a:t>
+            </a:r>
+            <a:r>
+              <a:rPr lang="en-US" b="1" dirty="0" err="1">
+                <a:latin typeface="Segoe UI Black" panose="020B0A02040204020203" pitchFamily="34" charset="0"/>
+                <a:ea typeface="Segoe UI Black" panose="020B0A02040204020203" pitchFamily="34" charset="0"/>
+                <a:cs typeface="Times New Roman" panose="02020603050405020304" pitchFamily="18" charset="0"/>
+              </a:rPr>
+              <a:t>chức</a:t>
+            </a:r>
+            <a:r>
+              <a:rPr lang="en-US" b="1" dirty="0">
+                <a:latin typeface="Segoe UI Black" panose="020B0A02040204020203" pitchFamily="34" charset="0"/>
+                <a:ea typeface="Segoe UI Black" panose="020B0A02040204020203" pitchFamily="34" charset="0"/>
+                <a:cs typeface="Times New Roman" panose="02020603050405020304" pitchFamily="18" charset="0"/>
+              </a:rPr>
+              <a:t> </a:t>
+            </a:r>
+            <a:r>
+              <a:rPr lang="en-US" b="1" dirty="0" err="1">
+                <a:latin typeface="Segoe UI Black" panose="020B0A02040204020203" pitchFamily="34" charset="0"/>
+                <a:ea typeface="Segoe UI Black" panose="020B0A02040204020203" pitchFamily="34" charset="0"/>
+                <a:cs typeface="Times New Roman" panose="02020603050405020304" pitchFamily="18" charset="0"/>
+              </a:rPr>
+              <a:t>năng</a:t>
+            </a:r>
+            <a:r>
+              <a:rPr lang="en-US" b="1" dirty="0">
+                <a:latin typeface="Segoe UI Black" panose="020B0A02040204020203" pitchFamily="34" charset="0"/>
+                <a:ea typeface="Segoe UI Black" panose="020B0A02040204020203" pitchFamily="34" charset="0"/>
+                <a:cs typeface="Times New Roman" panose="02020603050405020304" pitchFamily="18" charset="0"/>
+              </a:rPr>
+              <a:t> </a:t>
+            </a:r>
+            <a:r>
+              <a:rPr lang="en-US" b="1" dirty="0" err="1">
+                <a:latin typeface="Segoe UI Black" panose="020B0A02040204020203" pitchFamily="34" charset="0"/>
+                <a:ea typeface="Segoe UI Black" panose="020B0A02040204020203" pitchFamily="34" charset="0"/>
+                <a:cs typeface="Times New Roman" panose="02020603050405020304" pitchFamily="18" charset="0"/>
+              </a:rPr>
+              <a:t>của</a:t>
+            </a:r>
+            <a:r>
+              <a:rPr lang="en-US" b="1" dirty="0">
+                <a:latin typeface="Segoe UI Black" panose="020B0A02040204020203" pitchFamily="34" charset="0"/>
+                <a:ea typeface="Segoe UI Black" panose="020B0A02040204020203" pitchFamily="34" charset="0"/>
+                <a:cs typeface="Times New Roman" panose="02020603050405020304" pitchFamily="18" charset="0"/>
+              </a:rPr>
+              <a:t> resource</a:t>
             </a:r>
           </a:p>
           <a:p>
             <a:pPr algn="just"/>
             <a:r>
-              <a:rPr lang="vi-VN" sz="2200">
-                <a:latin typeface="Times New Roman" panose="02020603050405020304" pitchFamily="18" charset="0"/>
+              <a:rPr lang="vi-VN" dirty="0">
+                <a:latin typeface="Segoe UI Black" panose="020B0A02040204020203" pitchFamily="34" charset="0"/>
+                <a:ea typeface="Segoe UI Black" panose="020B0A02040204020203" pitchFamily="34" charset="0"/>
                 <a:cs typeface="Times New Roman" panose="02020603050405020304" pitchFamily="18" charset="0"/>
               </a:rPr>
               <a:t>Chúng ta thường sử dụng 4 chức năng như: GET, POST, PUT, DELETE tương đương với các chức năng là đọc, tạo, sửa, xóa</a:t>
             </a:r>
-            <a:endParaRPr lang="en-US" sz="2200">
-              <a:latin typeface="Times New Roman" panose="02020603050405020304" pitchFamily="18" charset="0"/>
+            <a:endParaRPr lang="en-US" dirty="0">
+              <a:latin typeface="Segoe UI Black" panose="020B0A02040204020203" pitchFamily="34" charset="0"/>
+              <a:ea typeface="Segoe UI Black" panose="020B0A02040204020203" pitchFamily="34" charset="0"/>
               <a:cs typeface="Times New Roman" panose="02020603050405020304" pitchFamily="18" charset="0"/>
             </a:endParaRPr>
           </a:p>
@@ -4712,24 +7490,296 @@
               <a:buChar char="•"/>
             </a:pPr>
             <a:r>
-              <a:rPr lang="en-US" sz="2200" b="1">
-                <a:latin typeface="Times New Roman" panose="02020603050405020304" pitchFamily="18" charset="0"/>
-                <a:cs typeface="Times New Roman" panose="02020603050405020304" pitchFamily="18" charset="0"/>
-              </a:rPr>
-              <a:t>Sử dụng danh từ số nhiều, không sử dụng động từ</a:t>
-            </a:r>
+              <a:rPr lang="en-US" b="1" dirty="0" err="1">
+                <a:latin typeface="Segoe UI Black" panose="020B0A02040204020203" pitchFamily="34" charset="0"/>
+                <a:ea typeface="Segoe UI Black" panose="020B0A02040204020203" pitchFamily="34" charset="0"/>
+                <a:cs typeface="Times New Roman" panose="02020603050405020304" pitchFamily="18" charset="0"/>
+              </a:rPr>
+              <a:t>Sử</a:t>
+            </a:r>
+            <a:r>
+              <a:rPr lang="en-US" b="1" dirty="0">
+                <a:latin typeface="Segoe UI Black" panose="020B0A02040204020203" pitchFamily="34" charset="0"/>
+                <a:ea typeface="Segoe UI Black" panose="020B0A02040204020203" pitchFamily="34" charset="0"/>
+                <a:cs typeface="Times New Roman" panose="02020603050405020304" pitchFamily="18" charset="0"/>
+              </a:rPr>
+              <a:t> </a:t>
+            </a:r>
+            <a:r>
+              <a:rPr lang="en-US" b="1" dirty="0" err="1">
+                <a:latin typeface="Segoe UI Black" panose="020B0A02040204020203" pitchFamily="34" charset="0"/>
+                <a:ea typeface="Segoe UI Black" panose="020B0A02040204020203" pitchFamily="34" charset="0"/>
+                <a:cs typeface="Times New Roman" panose="02020603050405020304" pitchFamily="18" charset="0"/>
+              </a:rPr>
+              <a:t>dụng</a:t>
+            </a:r>
+            <a:r>
+              <a:rPr lang="en-US" b="1" dirty="0">
+                <a:latin typeface="Segoe UI Black" panose="020B0A02040204020203" pitchFamily="34" charset="0"/>
+                <a:ea typeface="Segoe UI Black" panose="020B0A02040204020203" pitchFamily="34" charset="0"/>
+                <a:cs typeface="Times New Roman" panose="02020603050405020304" pitchFamily="18" charset="0"/>
+              </a:rPr>
+              <a:t> </a:t>
+            </a:r>
+            <a:r>
+              <a:rPr lang="en-US" b="1" dirty="0" err="1">
+                <a:latin typeface="Segoe UI Black" panose="020B0A02040204020203" pitchFamily="34" charset="0"/>
+                <a:ea typeface="Segoe UI Black" panose="020B0A02040204020203" pitchFamily="34" charset="0"/>
+                <a:cs typeface="Times New Roman" panose="02020603050405020304" pitchFamily="18" charset="0"/>
+              </a:rPr>
+              <a:t>danh</a:t>
+            </a:r>
+            <a:r>
+              <a:rPr lang="en-US" b="1" dirty="0">
+                <a:latin typeface="Segoe UI Black" panose="020B0A02040204020203" pitchFamily="34" charset="0"/>
+                <a:ea typeface="Segoe UI Black" panose="020B0A02040204020203" pitchFamily="34" charset="0"/>
+                <a:cs typeface="Times New Roman" panose="02020603050405020304" pitchFamily="18" charset="0"/>
+              </a:rPr>
+              <a:t> </a:t>
+            </a:r>
+            <a:r>
+              <a:rPr lang="en-US" b="1" dirty="0" err="1">
+                <a:latin typeface="Segoe UI Black" panose="020B0A02040204020203" pitchFamily="34" charset="0"/>
+                <a:ea typeface="Segoe UI Black" panose="020B0A02040204020203" pitchFamily="34" charset="0"/>
+                <a:cs typeface="Times New Roman" panose="02020603050405020304" pitchFamily="18" charset="0"/>
+              </a:rPr>
+              <a:t>từ</a:t>
+            </a:r>
+            <a:r>
+              <a:rPr lang="en-US" b="1" dirty="0">
+                <a:latin typeface="Segoe UI Black" panose="020B0A02040204020203" pitchFamily="34" charset="0"/>
+                <a:ea typeface="Segoe UI Black" panose="020B0A02040204020203" pitchFamily="34" charset="0"/>
+                <a:cs typeface="Times New Roman" panose="02020603050405020304" pitchFamily="18" charset="0"/>
+              </a:rPr>
+              <a:t> </a:t>
+            </a:r>
+            <a:r>
+              <a:rPr lang="en-US" b="1" dirty="0" err="1">
+                <a:latin typeface="Segoe UI Black" panose="020B0A02040204020203" pitchFamily="34" charset="0"/>
+                <a:ea typeface="Segoe UI Black" panose="020B0A02040204020203" pitchFamily="34" charset="0"/>
+                <a:cs typeface="Times New Roman" panose="02020603050405020304" pitchFamily="18" charset="0"/>
+              </a:rPr>
+              <a:t>số</a:t>
+            </a:r>
+            <a:r>
+              <a:rPr lang="en-US" b="1" dirty="0">
+                <a:latin typeface="Segoe UI Black" panose="020B0A02040204020203" pitchFamily="34" charset="0"/>
+                <a:ea typeface="Segoe UI Black" panose="020B0A02040204020203" pitchFamily="34" charset="0"/>
+                <a:cs typeface="Times New Roman" panose="02020603050405020304" pitchFamily="18" charset="0"/>
+              </a:rPr>
+              <a:t> </a:t>
+            </a:r>
+            <a:r>
+              <a:rPr lang="en-US" b="1" dirty="0" err="1">
+                <a:latin typeface="Segoe UI Black" panose="020B0A02040204020203" pitchFamily="34" charset="0"/>
+                <a:ea typeface="Segoe UI Black" panose="020B0A02040204020203" pitchFamily="34" charset="0"/>
+                <a:cs typeface="Times New Roman" panose="02020603050405020304" pitchFamily="18" charset="0"/>
+              </a:rPr>
+              <a:t>nhiều</a:t>
+            </a:r>
+            <a:r>
+              <a:rPr lang="en-US" b="1" dirty="0">
+                <a:latin typeface="Segoe UI Black" panose="020B0A02040204020203" pitchFamily="34" charset="0"/>
+                <a:ea typeface="Segoe UI Black" panose="020B0A02040204020203" pitchFamily="34" charset="0"/>
+                <a:cs typeface="Times New Roman" panose="02020603050405020304" pitchFamily="18" charset="0"/>
+              </a:rPr>
+              <a:t>, </a:t>
+            </a:r>
+            <a:r>
+              <a:rPr lang="en-US" b="1" dirty="0" err="1">
+                <a:latin typeface="Segoe UI Black" panose="020B0A02040204020203" pitchFamily="34" charset="0"/>
+                <a:ea typeface="Segoe UI Black" panose="020B0A02040204020203" pitchFamily="34" charset="0"/>
+                <a:cs typeface="Times New Roman" panose="02020603050405020304" pitchFamily="18" charset="0"/>
+              </a:rPr>
+              <a:t>không</a:t>
+            </a:r>
+            <a:r>
+              <a:rPr lang="en-US" b="1" dirty="0">
+                <a:latin typeface="Segoe UI Black" panose="020B0A02040204020203" pitchFamily="34" charset="0"/>
+                <a:ea typeface="Segoe UI Black" panose="020B0A02040204020203" pitchFamily="34" charset="0"/>
+                <a:cs typeface="Times New Roman" panose="02020603050405020304" pitchFamily="18" charset="0"/>
+              </a:rPr>
+              <a:t> </a:t>
+            </a:r>
+            <a:r>
+              <a:rPr lang="en-US" b="1" dirty="0" err="1">
+                <a:latin typeface="Segoe UI Black" panose="020B0A02040204020203" pitchFamily="34" charset="0"/>
+                <a:ea typeface="Segoe UI Black" panose="020B0A02040204020203" pitchFamily="34" charset="0"/>
+                <a:cs typeface="Times New Roman" panose="02020603050405020304" pitchFamily="18" charset="0"/>
+              </a:rPr>
+              <a:t>sử</a:t>
+            </a:r>
+            <a:r>
+              <a:rPr lang="en-US" b="1" dirty="0">
+                <a:latin typeface="Segoe UI Black" panose="020B0A02040204020203" pitchFamily="34" charset="0"/>
+                <a:ea typeface="Segoe UI Black" panose="020B0A02040204020203" pitchFamily="34" charset="0"/>
+                <a:cs typeface="Times New Roman" panose="02020603050405020304" pitchFamily="18" charset="0"/>
+              </a:rPr>
+              <a:t> </a:t>
+            </a:r>
+            <a:r>
+              <a:rPr lang="en-US" b="1" dirty="0" err="1">
+                <a:latin typeface="Segoe UI Black" panose="020B0A02040204020203" pitchFamily="34" charset="0"/>
+                <a:ea typeface="Segoe UI Black" panose="020B0A02040204020203" pitchFamily="34" charset="0"/>
+                <a:cs typeface="Times New Roman" panose="02020603050405020304" pitchFamily="18" charset="0"/>
+              </a:rPr>
+              <a:t>dụng</a:t>
+            </a:r>
+            <a:r>
+              <a:rPr lang="en-US" b="1" dirty="0">
+                <a:latin typeface="Segoe UI Black" panose="020B0A02040204020203" pitchFamily="34" charset="0"/>
+                <a:ea typeface="Segoe UI Black" panose="020B0A02040204020203" pitchFamily="34" charset="0"/>
+                <a:cs typeface="Times New Roman" panose="02020603050405020304" pitchFamily="18" charset="0"/>
+              </a:rPr>
+              <a:t> </a:t>
+            </a:r>
+            <a:r>
+              <a:rPr lang="en-US" b="1" dirty="0" err="1">
+                <a:latin typeface="Segoe UI Black" panose="020B0A02040204020203" pitchFamily="34" charset="0"/>
+                <a:ea typeface="Segoe UI Black" panose="020B0A02040204020203" pitchFamily="34" charset="0"/>
+                <a:cs typeface="Times New Roman" panose="02020603050405020304" pitchFamily="18" charset="0"/>
+              </a:rPr>
+              <a:t>động</a:t>
+            </a:r>
+            <a:r>
+              <a:rPr lang="en-US" b="1" dirty="0">
+                <a:latin typeface="Segoe UI Black" panose="020B0A02040204020203" pitchFamily="34" charset="0"/>
+                <a:ea typeface="Segoe UI Black" panose="020B0A02040204020203" pitchFamily="34" charset="0"/>
+                <a:cs typeface="Times New Roman" panose="02020603050405020304" pitchFamily="18" charset="0"/>
+              </a:rPr>
+              <a:t> </a:t>
+            </a:r>
+            <a:r>
+              <a:rPr lang="en-US" b="1" dirty="0" err="1">
+                <a:latin typeface="Segoe UI Black" panose="020B0A02040204020203" pitchFamily="34" charset="0"/>
+                <a:ea typeface="Segoe UI Black" panose="020B0A02040204020203" pitchFamily="34" charset="0"/>
+                <a:cs typeface="Times New Roman" panose="02020603050405020304" pitchFamily="18" charset="0"/>
+              </a:rPr>
+              <a:t>từ</a:t>
+            </a:r>
+            <a:endParaRPr lang="en-US" b="1" dirty="0">
+              <a:latin typeface="Segoe UI Black" panose="020B0A02040204020203" pitchFamily="34" charset="0"/>
+              <a:ea typeface="Segoe UI Black" panose="020B0A02040204020203" pitchFamily="34" charset="0"/>
+              <a:cs typeface="Times New Roman" panose="02020603050405020304" pitchFamily="18" charset="0"/>
+            </a:endParaRPr>
           </a:p>
           <a:p>
             <a:pPr algn="just"/>
             <a:r>
-              <a:rPr lang="en-US" sz="2200">
-                <a:latin typeface="Times New Roman" panose="02020603050405020304" pitchFamily="18" charset="0"/>
-                <a:cs typeface="Times New Roman" panose="02020603050405020304" pitchFamily="18" charset="0"/>
-              </a:rPr>
-              <a:t>GET/homes: sử dụng đúng-/getHomes: sử dụng sai</a:t>
-            </a:r>
-            <a:endParaRPr lang="en-US" sz="2200" b="1">
-              <a:latin typeface="Times New Roman" panose="02020603050405020304" pitchFamily="18" charset="0"/>
+              <a:rPr lang="en-US" dirty="0">
+                <a:latin typeface="Segoe UI Black" panose="020B0A02040204020203" pitchFamily="34" charset="0"/>
+                <a:ea typeface="Segoe UI Black" panose="020B0A02040204020203" pitchFamily="34" charset="0"/>
+                <a:cs typeface="Times New Roman" panose="02020603050405020304" pitchFamily="18" charset="0"/>
+              </a:rPr>
+              <a:t>GET/homes: </a:t>
+            </a:r>
+            <a:r>
+              <a:rPr lang="en-US" dirty="0" err="1">
+                <a:latin typeface="Segoe UI Black" panose="020B0A02040204020203" pitchFamily="34" charset="0"/>
+                <a:ea typeface="Segoe UI Black" panose="020B0A02040204020203" pitchFamily="34" charset="0"/>
+                <a:cs typeface="Times New Roman" panose="02020603050405020304" pitchFamily="18" charset="0"/>
+              </a:rPr>
+              <a:t>sử</a:t>
+            </a:r>
+            <a:r>
+              <a:rPr lang="en-US" dirty="0">
+                <a:latin typeface="Segoe UI Black" panose="020B0A02040204020203" pitchFamily="34" charset="0"/>
+                <a:ea typeface="Segoe UI Black" panose="020B0A02040204020203" pitchFamily="34" charset="0"/>
+                <a:cs typeface="Times New Roman" panose="02020603050405020304" pitchFamily="18" charset="0"/>
+              </a:rPr>
+              <a:t> </a:t>
+            </a:r>
+            <a:r>
+              <a:rPr lang="en-US" dirty="0" err="1">
+                <a:latin typeface="Segoe UI Black" panose="020B0A02040204020203" pitchFamily="34" charset="0"/>
+                <a:ea typeface="Segoe UI Black" panose="020B0A02040204020203" pitchFamily="34" charset="0"/>
+                <a:cs typeface="Times New Roman" panose="02020603050405020304" pitchFamily="18" charset="0"/>
+              </a:rPr>
+              <a:t>dụng</a:t>
+            </a:r>
+            <a:r>
+              <a:rPr lang="en-US" dirty="0">
+                <a:latin typeface="Segoe UI Black" panose="020B0A02040204020203" pitchFamily="34" charset="0"/>
+                <a:ea typeface="Segoe UI Black" panose="020B0A02040204020203" pitchFamily="34" charset="0"/>
+                <a:cs typeface="Times New Roman" panose="02020603050405020304" pitchFamily="18" charset="0"/>
+              </a:rPr>
+              <a:t> </a:t>
+            </a:r>
+            <a:r>
+              <a:rPr lang="en-US" dirty="0" err="1">
+                <a:latin typeface="Segoe UI Black" panose="020B0A02040204020203" pitchFamily="34" charset="0"/>
+                <a:ea typeface="Segoe UI Black" panose="020B0A02040204020203" pitchFamily="34" charset="0"/>
+                <a:cs typeface="Times New Roman" panose="02020603050405020304" pitchFamily="18" charset="0"/>
+              </a:rPr>
+              <a:t>đúng</a:t>
+            </a:r>
+            <a:r>
+              <a:rPr lang="en-US" dirty="0">
+                <a:latin typeface="Segoe UI Black" panose="020B0A02040204020203" pitchFamily="34" charset="0"/>
+                <a:ea typeface="Segoe UI Black" panose="020B0A02040204020203" pitchFamily="34" charset="0"/>
+                <a:cs typeface="Times New Roman" panose="02020603050405020304" pitchFamily="18" charset="0"/>
+              </a:rPr>
+              <a:t>-/</a:t>
+            </a:r>
+            <a:r>
+              <a:rPr lang="en-US" dirty="0" err="1">
+                <a:latin typeface="Segoe UI Black" panose="020B0A02040204020203" pitchFamily="34" charset="0"/>
+                <a:ea typeface="Segoe UI Black" panose="020B0A02040204020203" pitchFamily="34" charset="0"/>
+                <a:cs typeface="Times New Roman" panose="02020603050405020304" pitchFamily="18" charset="0"/>
+              </a:rPr>
+              <a:t>getHomes</a:t>
+            </a:r>
+            <a:r>
+              <a:rPr lang="en-US" dirty="0">
+                <a:latin typeface="Segoe UI Black" panose="020B0A02040204020203" pitchFamily="34" charset="0"/>
+                <a:ea typeface="Segoe UI Black" panose="020B0A02040204020203" pitchFamily="34" charset="0"/>
+                <a:cs typeface="Times New Roman" panose="02020603050405020304" pitchFamily="18" charset="0"/>
+              </a:rPr>
+              <a:t>: </a:t>
+            </a:r>
+            <a:r>
+              <a:rPr lang="en-US" dirty="0" err="1">
+                <a:latin typeface="Segoe UI Black" panose="020B0A02040204020203" pitchFamily="34" charset="0"/>
+                <a:ea typeface="Segoe UI Black" panose="020B0A02040204020203" pitchFamily="34" charset="0"/>
+                <a:cs typeface="Times New Roman" panose="02020603050405020304" pitchFamily="18" charset="0"/>
+              </a:rPr>
+              <a:t>sử</a:t>
+            </a:r>
+            <a:r>
+              <a:rPr lang="en-US" dirty="0">
+                <a:latin typeface="Segoe UI Black" panose="020B0A02040204020203" pitchFamily="34" charset="0"/>
+                <a:ea typeface="Segoe UI Black" panose="020B0A02040204020203" pitchFamily="34" charset="0"/>
+                <a:cs typeface="Times New Roman" panose="02020603050405020304" pitchFamily="18" charset="0"/>
+              </a:rPr>
+              <a:t> </a:t>
+            </a:r>
+            <a:r>
+              <a:rPr lang="en-US" dirty="0" err="1">
+                <a:latin typeface="Segoe UI Black" panose="020B0A02040204020203" pitchFamily="34" charset="0"/>
+                <a:ea typeface="Segoe UI Black" panose="020B0A02040204020203" pitchFamily="34" charset="0"/>
+                <a:cs typeface="Times New Roman" panose="02020603050405020304" pitchFamily="18" charset="0"/>
+              </a:rPr>
+              <a:t>dụng</a:t>
+            </a:r>
+            <a:r>
+              <a:rPr lang="en-US" dirty="0">
+                <a:latin typeface="Segoe UI Black" panose="020B0A02040204020203" pitchFamily="34" charset="0"/>
+                <a:ea typeface="Segoe UI Black" panose="020B0A02040204020203" pitchFamily="34" charset="0"/>
+                <a:cs typeface="Times New Roman" panose="02020603050405020304" pitchFamily="18" charset="0"/>
+              </a:rPr>
+              <a:t> </a:t>
+            </a:r>
+            <a:r>
+              <a:rPr lang="en-US" dirty="0" err="1">
+                <a:latin typeface="Segoe UI Black" panose="020B0A02040204020203" pitchFamily="34" charset="0"/>
+                <a:ea typeface="Segoe UI Black" panose="020B0A02040204020203" pitchFamily="34" charset="0"/>
+                <a:cs typeface="Times New Roman" panose="02020603050405020304" pitchFamily="18" charset="0"/>
+              </a:rPr>
+              <a:t>sai</a:t>
+            </a:r>
+            <a:endParaRPr lang="en-US" b="1" dirty="0">
+              <a:latin typeface="Segoe UI Black" panose="020B0A02040204020203" pitchFamily="34" charset="0"/>
+              <a:ea typeface="Segoe UI Black" panose="020B0A02040204020203" pitchFamily="34" charset="0"/>
               <a:cs typeface="Times New Roman" panose="02020603050405020304" pitchFamily="18" charset="0"/>
             </a:endParaRPr>
           </a:p>
@@ -4739,18 +7789,204 @@
               <a:buChar char="•"/>
             </a:pPr>
             <a:r>
-              <a:rPr lang="en-US" sz="2200" b="1">
-                <a:latin typeface="Times New Roman" panose="02020603050405020304" pitchFamily="18" charset="0"/>
-                <a:cs typeface="Times New Roman" panose="02020603050405020304" pitchFamily="18" charset="0"/>
-              </a:rPr>
-              <a:t>Chỉ sử dụng danh từ số nhiều s</a:t>
-            </a:r>
-            <a:r>
-              <a:rPr lang="en-US" sz="2200">
-                <a:latin typeface="Times New Roman" panose="02020603050405020304" pitchFamily="18" charset="0"/>
-                <a:cs typeface="Times New Roman" panose="02020603050405020304" pitchFamily="18" charset="0"/>
-              </a:rPr>
-              <a:t>ử dụng /cars thay vì cho /car</a:t>
+              <a:rPr lang="en-US" b="1" dirty="0" err="1">
+                <a:latin typeface="Segoe UI Black" panose="020B0A02040204020203" pitchFamily="34" charset="0"/>
+                <a:ea typeface="Segoe UI Black" panose="020B0A02040204020203" pitchFamily="34" charset="0"/>
+                <a:cs typeface="Times New Roman" panose="02020603050405020304" pitchFamily="18" charset="0"/>
+              </a:rPr>
+              <a:t>Chỉ</a:t>
+            </a:r>
+            <a:r>
+              <a:rPr lang="en-US" b="1" dirty="0">
+                <a:latin typeface="Segoe UI Black" panose="020B0A02040204020203" pitchFamily="34" charset="0"/>
+                <a:ea typeface="Segoe UI Black" panose="020B0A02040204020203" pitchFamily="34" charset="0"/>
+                <a:cs typeface="Times New Roman" panose="02020603050405020304" pitchFamily="18" charset="0"/>
+              </a:rPr>
+              <a:t> </a:t>
+            </a:r>
+            <a:r>
+              <a:rPr lang="en-US" b="1" dirty="0" err="1">
+                <a:latin typeface="Segoe UI Black" panose="020B0A02040204020203" pitchFamily="34" charset="0"/>
+                <a:ea typeface="Segoe UI Black" panose="020B0A02040204020203" pitchFamily="34" charset="0"/>
+                <a:cs typeface="Times New Roman" panose="02020603050405020304" pitchFamily="18" charset="0"/>
+              </a:rPr>
+              <a:t>sử</a:t>
+            </a:r>
+            <a:r>
+              <a:rPr lang="en-US" b="1" dirty="0">
+                <a:latin typeface="Segoe UI Black" panose="020B0A02040204020203" pitchFamily="34" charset="0"/>
+                <a:ea typeface="Segoe UI Black" panose="020B0A02040204020203" pitchFamily="34" charset="0"/>
+                <a:cs typeface="Times New Roman" panose="02020603050405020304" pitchFamily="18" charset="0"/>
+              </a:rPr>
+              <a:t> </a:t>
+            </a:r>
+            <a:r>
+              <a:rPr lang="en-US" b="1" dirty="0" err="1">
+                <a:latin typeface="Segoe UI Black" panose="020B0A02040204020203" pitchFamily="34" charset="0"/>
+                <a:ea typeface="Segoe UI Black" panose="020B0A02040204020203" pitchFamily="34" charset="0"/>
+                <a:cs typeface="Times New Roman" panose="02020603050405020304" pitchFamily="18" charset="0"/>
+              </a:rPr>
+              <a:t>dụng</a:t>
+            </a:r>
+            <a:r>
+              <a:rPr lang="en-US" b="1" dirty="0">
+                <a:latin typeface="Segoe UI Black" panose="020B0A02040204020203" pitchFamily="34" charset="0"/>
+                <a:ea typeface="Segoe UI Black" panose="020B0A02040204020203" pitchFamily="34" charset="0"/>
+                <a:cs typeface="Times New Roman" panose="02020603050405020304" pitchFamily="18" charset="0"/>
+              </a:rPr>
+              <a:t> </a:t>
+            </a:r>
+            <a:r>
+              <a:rPr lang="en-US" b="1" dirty="0" err="1">
+                <a:latin typeface="Segoe UI Black" panose="020B0A02040204020203" pitchFamily="34" charset="0"/>
+                <a:ea typeface="Segoe UI Black" panose="020B0A02040204020203" pitchFamily="34" charset="0"/>
+                <a:cs typeface="Times New Roman" panose="02020603050405020304" pitchFamily="18" charset="0"/>
+              </a:rPr>
+              <a:t>danh</a:t>
+            </a:r>
+            <a:r>
+              <a:rPr lang="en-US" b="1" dirty="0">
+                <a:latin typeface="Segoe UI Black" panose="020B0A02040204020203" pitchFamily="34" charset="0"/>
+                <a:ea typeface="Segoe UI Black" panose="020B0A02040204020203" pitchFamily="34" charset="0"/>
+                <a:cs typeface="Times New Roman" panose="02020603050405020304" pitchFamily="18" charset="0"/>
+              </a:rPr>
+              <a:t> </a:t>
+            </a:r>
+            <a:r>
+              <a:rPr lang="en-US" b="1" dirty="0" err="1">
+                <a:latin typeface="Segoe UI Black" panose="020B0A02040204020203" pitchFamily="34" charset="0"/>
+                <a:ea typeface="Segoe UI Black" panose="020B0A02040204020203" pitchFamily="34" charset="0"/>
+                <a:cs typeface="Times New Roman" panose="02020603050405020304" pitchFamily="18" charset="0"/>
+              </a:rPr>
+              <a:t>từ</a:t>
+            </a:r>
+            <a:r>
+              <a:rPr lang="en-US" b="1" dirty="0">
+                <a:latin typeface="Segoe UI Black" panose="020B0A02040204020203" pitchFamily="34" charset="0"/>
+                <a:ea typeface="Segoe UI Black" panose="020B0A02040204020203" pitchFamily="34" charset="0"/>
+                <a:cs typeface="Times New Roman" panose="02020603050405020304" pitchFamily="18" charset="0"/>
+              </a:rPr>
+              <a:t> </a:t>
+            </a:r>
+            <a:r>
+              <a:rPr lang="en-US" b="1" dirty="0" err="1">
+                <a:latin typeface="Segoe UI Black" panose="020B0A02040204020203" pitchFamily="34" charset="0"/>
+                <a:ea typeface="Segoe UI Black" panose="020B0A02040204020203" pitchFamily="34" charset="0"/>
+                <a:cs typeface="Times New Roman" panose="02020603050405020304" pitchFamily="18" charset="0"/>
+              </a:rPr>
+              <a:t>số</a:t>
+            </a:r>
+            <a:r>
+              <a:rPr lang="en-US" b="1" dirty="0">
+                <a:latin typeface="Segoe UI Black" panose="020B0A02040204020203" pitchFamily="34" charset="0"/>
+                <a:ea typeface="Segoe UI Black" panose="020B0A02040204020203" pitchFamily="34" charset="0"/>
+                <a:cs typeface="Times New Roman" panose="02020603050405020304" pitchFamily="18" charset="0"/>
+              </a:rPr>
+              <a:t> </a:t>
+            </a:r>
+            <a:r>
+              <a:rPr lang="en-US" b="1" dirty="0" err="1">
+                <a:latin typeface="Segoe UI Black" panose="020B0A02040204020203" pitchFamily="34" charset="0"/>
+                <a:ea typeface="Segoe UI Black" panose="020B0A02040204020203" pitchFamily="34" charset="0"/>
+                <a:cs typeface="Times New Roman" panose="02020603050405020304" pitchFamily="18" charset="0"/>
+              </a:rPr>
+              <a:t>nhiều</a:t>
+            </a:r>
+            <a:r>
+              <a:rPr lang="en-US" b="1" dirty="0">
+                <a:latin typeface="Segoe UI Black" panose="020B0A02040204020203" pitchFamily="34" charset="0"/>
+                <a:ea typeface="Segoe UI Black" panose="020B0A02040204020203" pitchFamily="34" charset="0"/>
+                <a:cs typeface="Times New Roman" panose="02020603050405020304" pitchFamily="18" charset="0"/>
+              </a:rPr>
+              <a:t> </a:t>
+            </a:r>
+            <a:r>
+              <a:rPr lang="en-US" b="1" dirty="0" err="1">
+                <a:latin typeface="Segoe UI Black" panose="020B0A02040204020203" pitchFamily="34" charset="0"/>
+                <a:ea typeface="Segoe UI Black" panose="020B0A02040204020203" pitchFamily="34" charset="0"/>
+                <a:cs typeface="Times New Roman" panose="02020603050405020304" pitchFamily="18" charset="0"/>
+              </a:rPr>
+              <a:t>s</a:t>
+            </a:r>
+            <a:r>
+              <a:rPr lang="en-US" dirty="0" err="1">
+                <a:latin typeface="Segoe UI Black" panose="020B0A02040204020203" pitchFamily="34" charset="0"/>
+                <a:ea typeface="Segoe UI Black" panose="020B0A02040204020203" pitchFamily="34" charset="0"/>
+                <a:cs typeface="Times New Roman" panose="02020603050405020304" pitchFamily="18" charset="0"/>
+              </a:rPr>
+              <a:t>ử</a:t>
+            </a:r>
+            <a:r>
+              <a:rPr lang="en-US" dirty="0">
+                <a:latin typeface="Segoe UI Black" panose="020B0A02040204020203" pitchFamily="34" charset="0"/>
+                <a:ea typeface="Segoe UI Black" panose="020B0A02040204020203" pitchFamily="34" charset="0"/>
+                <a:cs typeface="Times New Roman" panose="02020603050405020304" pitchFamily="18" charset="0"/>
+              </a:rPr>
+              <a:t> </a:t>
+            </a:r>
+            <a:r>
+              <a:rPr lang="en-US" dirty="0" err="1">
+                <a:latin typeface="Segoe UI Black" panose="020B0A02040204020203" pitchFamily="34" charset="0"/>
+                <a:ea typeface="Segoe UI Black" panose="020B0A02040204020203" pitchFamily="34" charset="0"/>
+                <a:cs typeface="Times New Roman" panose="02020603050405020304" pitchFamily="18" charset="0"/>
+              </a:rPr>
+              <a:t>dụng</a:t>
+            </a:r>
+            <a:r>
+              <a:rPr lang="en-US" dirty="0">
+                <a:latin typeface="Segoe UI Black" panose="020B0A02040204020203" pitchFamily="34" charset="0"/>
+                <a:ea typeface="Segoe UI Black" panose="020B0A02040204020203" pitchFamily="34" charset="0"/>
+                <a:cs typeface="Times New Roman" panose="02020603050405020304" pitchFamily="18" charset="0"/>
+              </a:rPr>
+              <a:t> /cars </a:t>
+            </a:r>
+            <a:r>
+              <a:rPr lang="en-US" dirty="0" err="1">
+                <a:latin typeface="Segoe UI Black" panose="020B0A02040204020203" pitchFamily="34" charset="0"/>
+                <a:ea typeface="Segoe UI Black" panose="020B0A02040204020203" pitchFamily="34" charset="0"/>
+                <a:cs typeface="Times New Roman" panose="02020603050405020304" pitchFamily="18" charset="0"/>
+              </a:rPr>
+              <a:t>thay</a:t>
+            </a:r>
+            <a:r>
+              <a:rPr lang="en-US" dirty="0">
+                <a:latin typeface="Segoe UI Black" panose="020B0A02040204020203" pitchFamily="34" charset="0"/>
+                <a:ea typeface="Segoe UI Black" panose="020B0A02040204020203" pitchFamily="34" charset="0"/>
+                <a:cs typeface="Times New Roman" panose="02020603050405020304" pitchFamily="18" charset="0"/>
+              </a:rPr>
+              <a:t> </a:t>
+            </a:r>
+            <a:r>
+              <a:rPr lang="en-US" dirty="0" err="1">
+                <a:latin typeface="Segoe UI Black" panose="020B0A02040204020203" pitchFamily="34" charset="0"/>
+                <a:ea typeface="Segoe UI Black" panose="020B0A02040204020203" pitchFamily="34" charset="0"/>
+                <a:cs typeface="Times New Roman" panose="02020603050405020304" pitchFamily="18" charset="0"/>
+              </a:rPr>
+              <a:t>vì</a:t>
+            </a:r>
+            <a:r>
+              <a:rPr lang="en-US" dirty="0">
+                <a:latin typeface="Segoe UI Black" panose="020B0A02040204020203" pitchFamily="34" charset="0"/>
+                <a:ea typeface="Segoe UI Black" panose="020B0A02040204020203" pitchFamily="34" charset="0"/>
+                <a:cs typeface="Times New Roman" panose="02020603050405020304" pitchFamily="18" charset="0"/>
+              </a:rPr>
+              <a:t> </a:t>
+            </a:r>
+            <a:r>
+              <a:rPr lang="en-US" dirty="0" err="1">
+                <a:latin typeface="Segoe UI Black" panose="020B0A02040204020203" pitchFamily="34" charset="0"/>
+                <a:ea typeface="Segoe UI Black" panose="020B0A02040204020203" pitchFamily="34" charset="0"/>
+                <a:cs typeface="Times New Roman" panose="02020603050405020304" pitchFamily="18" charset="0"/>
+              </a:rPr>
+              <a:t>cho</a:t>
+            </a:r>
+            <a:r>
+              <a:rPr lang="en-US" dirty="0">
+                <a:latin typeface="Segoe UI Black" panose="020B0A02040204020203" pitchFamily="34" charset="0"/>
+                <a:ea typeface="Segoe UI Black" panose="020B0A02040204020203" pitchFamily="34" charset="0"/>
+                <a:cs typeface="Times New Roman" panose="02020603050405020304" pitchFamily="18" charset="0"/>
+              </a:rPr>
+              <a:t> /car</a:t>
             </a:r>
           </a:p>
           <a:p>
@@ -4759,50 +7995,449 @@
               <a:buChar char="•"/>
             </a:pPr>
             <a:r>
-              <a:rPr lang="en-US" sz="2200" b="1">
-                <a:latin typeface="Times New Roman" panose="02020603050405020304" pitchFamily="18" charset="0"/>
-                <a:cs typeface="Times New Roman" panose="02020603050405020304" pitchFamily="18" charset="0"/>
-              </a:rPr>
-              <a:t>Liên kết trong resource</a:t>
-            </a:r>
-            <a:endParaRPr lang="en-US" sz="2200">
-              <a:latin typeface="Times New Roman" panose="02020603050405020304" pitchFamily="18" charset="0"/>
+              <a:rPr lang="en-US" b="1" dirty="0" err="1">
+                <a:latin typeface="Segoe UI Black" panose="020B0A02040204020203" pitchFamily="34" charset="0"/>
+                <a:ea typeface="Segoe UI Black" panose="020B0A02040204020203" pitchFamily="34" charset="0"/>
+                <a:cs typeface="Times New Roman" panose="02020603050405020304" pitchFamily="18" charset="0"/>
+              </a:rPr>
+              <a:t>Liên</a:t>
+            </a:r>
+            <a:r>
+              <a:rPr lang="en-US" b="1" dirty="0">
+                <a:latin typeface="Segoe UI Black" panose="020B0A02040204020203" pitchFamily="34" charset="0"/>
+                <a:ea typeface="Segoe UI Black" panose="020B0A02040204020203" pitchFamily="34" charset="0"/>
+                <a:cs typeface="Times New Roman" panose="02020603050405020304" pitchFamily="18" charset="0"/>
+              </a:rPr>
+              <a:t> </a:t>
+            </a:r>
+            <a:r>
+              <a:rPr lang="en-US" b="1" dirty="0" err="1">
+                <a:latin typeface="Segoe UI Black" panose="020B0A02040204020203" pitchFamily="34" charset="0"/>
+                <a:ea typeface="Segoe UI Black" panose="020B0A02040204020203" pitchFamily="34" charset="0"/>
+                <a:cs typeface="Times New Roman" panose="02020603050405020304" pitchFamily="18" charset="0"/>
+              </a:rPr>
+              <a:t>kết</a:t>
+            </a:r>
+            <a:r>
+              <a:rPr lang="en-US" b="1" dirty="0">
+                <a:latin typeface="Segoe UI Black" panose="020B0A02040204020203" pitchFamily="34" charset="0"/>
+                <a:ea typeface="Segoe UI Black" panose="020B0A02040204020203" pitchFamily="34" charset="0"/>
+                <a:cs typeface="Times New Roman" panose="02020603050405020304" pitchFamily="18" charset="0"/>
+              </a:rPr>
+              <a:t> </a:t>
+            </a:r>
+            <a:r>
+              <a:rPr lang="en-US" b="1" dirty="0" err="1">
+                <a:latin typeface="Segoe UI Black" panose="020B0A02040204020203" pitchFamily="34" charset="0"/>
+                <a:ea typeface="Segoe UI Black" panose="020B0A02040204020203" pitchFamily="34" charset="0"/>
+                <a:cs typeface="Times New Roman" panose="02020603050405020304" pitchFamily="18" charset="0"/>
+              </a:rPr>
+              <a:t>trong</a:t>
+            </a:r>
+            <a:r>
+              <a:rPr lang="en-US" b="1" dirty="0">
+                <a:latin typeface="Segoe UI Black" panose="020B0A02040204020203" pitchFamily="34" charset="0"/>
+                <a:ea typeface="Segoe UI Black" panose="020B0A02040204020203" pitchFamily="34" charset="0"/>
+                <a:cs typeface="Times New Roman" panose="02020603050405020304" pitchFamily="18" charset="0"/>
+              </a:rPr>
+              <a:t> resource</a:t>
+            </a:r>
+            <a:endParaRPr lang="en-US" dirty="0">
+              <a:latin typeface="Segoe UI Black" panose="020B0A02040204020203" pitchFamily="34" charset="0"/>
+              <a:ea typeface="Segoe UI Black" panose="020B0A02040204020203" pitchFamily="34" charset="0"/>
               <a:cs typeface="Times New Roman" panose="02020603050405020304" pitchFamily="18" charset="0"/>
             </a:endParaRPr>
           </a:p>
           <a:p>
             <a:pPr algn="just"/>
             <a:r>
-              <a:rPr lang="en-US" sz="2200">
-                <a:latin typeface="Times New Roman" panose="02020603050405020304" pitchFamily="18" charset="0"/>
-                <a:cs typeface="Times New Roman" panose="02020603050405020304" pitchFamily="18" charset="0"/>
-              </a:rPr>
-              <a:t>Trong các resource có rất nhiều các quan hệ, chúng ta cần phải chia các quan hệ theo các cấp độ của quan hệ. Ví dụ:</a:t>
-            </a:r>
-            <a:r>
-              <a:rPr lang="vi-VN">
-                <a:latin typeface="Times New Roman" panose="02020603050405020304" pitchFamily="18" charset="0"/>
-                <a:cs typeface="Times New Roman" panose="02020603050405020304" pitchFamily="18" charset="0"/>
-              </a:rPr>
-              <a:t> </a:t>
-            </a:r>
-            <a:r>
-              <a:rPr lang="vi-VN" sz="2400">
-                <a:latin typeface="Times New Roman" panose="02020603050405020304" pitchFamily="18" charset="0"/>
-                <a:cs typeface="Times New Roman" panose="02020603050405020304" pitchFamily="18" charset="0"/>
-              </a:rPr>
-              <a:t>chúng ta cần lấy thông tin của comment trong 1 bài đăng của 1 user</a:t>
-            </a:r>
-            <a:r>
-              <a:rPr lang="en-US" sz="2400">
-                <a:latin typeface="Times New Roman" panose="02020603050405020304" pitchFamily="18" charset="0"/>
+              <a:rPr lang="en-US" dirty="0" err="1">
+                <a:latin typeface="Segoe UI Black" panose="020B0A02040204020203" pitchFamily="34" charset="0"/>
+                <a:ea typeface="Segoe UI Black" panose="020B0A02040204020203" pitchFamily="34" charset="0"/>
+                <a:cs typeface="Times New Roman" panose="02020603050405020304" pitchFamily="18" charset="0"/>
+              </a:rPr>
+              <a:t>Trong</a:t>
+            </a:r>
+            <a:r>
+              <a:rPr lang="en-US" dirty="0">
+                <a:latin typeface="Segoe UI Black" panose="020B0A02040204020203" pitchFamily="34" charset="0"/>
+                <a:ea typeface="Segoe UI Black" panose="020B0A02040204020203" pitchFamily="34" charset="0"/>
+                <a:cs typeface="Times New Roman" panose="02020603050405020304" pitchFamily="18" charset="0"/>
+              </a:rPr>
+              <a:t> </a:t>
+            </a:r>
+            <a:r>
+              <a:rPr lang="en-US" dirty="0" err="1">
+                <a:latin typeface="Segoe UI Black" panose="020B0A02040204020203" pitchFamily="34" charset="0"/>
+                <a:ea typeface="Segoe UI Black" panose="020B0A02040204020203" pitchFamily="34" charset="0"/>
+                <a:cs typeface="Times New Roman" panose="02020603050405020304" pitchFamily="18" charset="0"/>
+              </a:rPr>
+              <a:t>các</a:t>
+            </a:r>
+            <a:r>
+              <a:rPr lang="en-US" dirty="0">
+                <a:latin typeface="Segoe UI Black" panose="020B0A02040204020203" pitchFamily="34" charset="0"/>
+                <a:ea typeface="Segoe UI Black" panose="020B0A02040204020203" pitchFamily="34" charset="0"/>
+                <a:cs typeface="Times New Roman" panose="02020603050405020304" pitchFamily="18" charset="0"/>
+              </a:rPr>
+              <a:t> resource </a:t>
+            </a:r>
+            <a:r>
+              <a:rPr lang="en-US" dirty="0" err="1">
+                <a:latin typeface="Segoe UI Black" panose="020B0A02040204020203" pitchFamily="34" charset="0"/>
+                <a:ea typeface="Segoe UI Black" panose="020B0A02040204020203" pitchFamily="34" charset="0"/>
+                <a:cs typeface="Times New Roman" panose="02020603050405020304" pitchFamily="18" charset="0"/>
+              </a:rPr>
+              <a:t>có</a:t>
+            </a:r>
+            <a:r>
+              <a:rPr lang="en-US" dirty="0">
+                <a:latin typeface="Segoe UI Black" panose="020B0A02040204020203" pitchFamily="34" charset="0"/>
+                <a:ea typeface="Segoe UI Black" panose="020B0A02040204020203" pitchFamily="34" charset="0"/>
+                <a:cs typeface="Times New Roman" panose="02020603050405020304" pitchFamily="18" charset="0"/>
+              </a:rPr>
+              <a:t> </a:t>
+            </a:r>
+            <a:r>
+              <a:rPr lang="en-US" dirty="0" err="1">
+                <a:latin typeface="Segoe UI Black" panose="020B0A02040204020203" pitchFamily="34" charset="0"/>
+                <a:ea typeface="Segoe UI Black" panose="020B0A02040204020203" pitchFamily="34" charset="0"/>
+                <a:cs typeface="Times New Roman" panose="02020603050405020304" pitchFamily="18" charset="0"/>
+              </a:rPr>
+              <a:t>rất</a:t>
+            </a:r>
+            <a:r>
+              <a:rPr lang="en-US" dirty="0">
+                <a:latin typeface="Segoe UI Black" panose="020B0A02040204020203" pitchFamily="34" charset="0"/>
+                <a:ea typeface="Segoe UI Black" panose="020B0A02040204020203" pitchFamily="34" charset="0"/>
+                <a:cs typeface="Times New Roman" panose="02020603050405020304" pitchFamily="18" charset="0"/>
+              </a:rPr>
+              <a:t> </a:t>
+            </a:r>
+            <a:r>
+              <a:rPr lang="en-US" dirty="0" err="1">
+                <a:latin typeface="Segoe UI Black" panose="020B0A02040204020203" pitchFamily="34" charset="0"/>
+                <a:ea typeface="Segoe UI Black" panose="020B0A02040204020203" pitchFamily="34" charset="0"/>
+                <a:cs typeface="Times New Roman" panose="02020603050405020304" pitchFamily="18" charset="0"/>
+              </a:rPr>
+              <a:t>nhiều</a:t>
+            </a:r>
+            <a:r>
+              <a:rPr lang="en-US" dirty="0">
+                <a:latin typeface="Segoe UI Black" panose="020B0A02040204020203" pitchFamily="34" charset="0"/>
+                <a:ea typeface="Segoe UI Black" panose="020B0A02040204020203" pitchFamily="34" charset="0"/>
+                <a:cs typeface="Times New Roman" panose="02020603050405020304" pitchFamily="18" charset="0"/>
+              </a:rPr>
+              <a:t> </a:t>
+            </a:r>
+            <a:r>
+              <a:rPr lang="en-US" dirty="0" err="1">
+                <a:latin typeface="Segoe UI Black" panose="020B0A02040204020203" pitchFamily="34" charset="0"/>
+                <a:ea typeface="Segoe UI Black" panose="020B0A02040204020203" pitchFamily="34" charset="0"/>
+                <a:cs typeface="Times New Roman" panose="02020603050405020304" pitchFamily="18" charset="0"/>
+              </a:rPr>
+              <a:t>các</a:t>
+            </a:r>
+            <a:r>
+              <a:rPr lang="en-US" dirty="0">
+                <a:latin typeface="Segoe UI Black" panose="020B0A02040204020203" pitchFamily="34" charset="0"/>
+                <a:ea typeface="Segoe UI Black" panose="020B0A02040204020203" pitchFamily="34" charset="0"/>
+                <a:cs typeface="Times New Roman" panose="02020603050405020304" pitchFamily="18" charset="0"/>
+              </a:rPr>
+              <a:t> </a:t>
+            </a:r>
+            <a:r>
+              <a:rPr lang="en-US" dirty="0" err="1">
+                <a:latin typeface="Segoe UI Black" panose="020B0A02040204020203" pitchFamily="34" charset="0"/>
+                <a:ea typeface="Segoe UI Black" panose="020B0A02040204020203" pitchFamily="34" charset="0"/>
+                <a:cs typeface="Times New Roman" panose="02020603050405020304" pitchFamily="18" charset="0"/>
+              </a:rPr>
+              <a:t>quan</a:t>
+            </a:r>
+            <a:r>
+              <a:rPr lang="en-US" dirty="0">
+                <a:latin typeface="Segoe UI Black" panose="020B0A02040204020203" pitchFamily="34" charset="0"/>
+                <a:ea typeface="Segoe UI Black" panose="020B0A02040204020203" pitchFamily="34" charset="0"/>
+                <a:cs typeface="Times New Roman" panose="02020603050405020304" pitchFamily="18" charset="0"/>
+              </a:rPr>
+              <a:t> </a:t>
+            </a:r>
+            <a:r>
+              <a:rPr lang="en-US" dirty="0" err="1">
+                <a:latin typeface="Segoe UI Black" panose="020B0A02040204020203" pitchFamily="34" charset="0"/>
+                <a:ea typeface="Segoe UI Black" panose="020B0A02040204020203" pitchFamily="34" charset="0"/>
+                <a:cs typeface="Times New Roman" panose="02020603050405020304" pitchFamily="18" charset="0"/>
+              </a:rPr>
+              <a:t>hệ</a:t>
+            </a:r>
+            <a:r>
+              <a:rPr lang="en-US" dirty="0">
+                <a:latin typeface="Segoe UI Black" panose="020B0A02040204020203" pitchFamily="34" charset="0"/>
+                <a:ea typeface="Segoe UI Black" panose="020B0A02040204020203" pitchFamily="34" charset="0"/>
+                <a:cs typeface="Times New Roman" panose="02020603050405020304" pitchFamily="18" charset="0"/>
+              </a:rPr>
+              <a:t>, </a:t>
+            </a:r>
+            <a:r>
+              <a:rPr lang="en-US" dirty="0" err="1">
+                <a:latin typeface="Segoe UI Black" panose="020B0A02040204020203" pitchFamily="34" charset="0"/>
+                <a:ea typeface="Segoe UI Black" panose="020B0A02040204020203" pitchFamily="34" charset="0"/>
+                <a:cs typeface="Times New Roman" panose="02020603050405020304" pitchFamily="18" charset="0"/>
+              </a:rPr>
+              <a:t>chúng</a:t>
+            </a:r>
+            <a:r>
+              <a:rPr lang="en-US" dirty="0">
+                <a:latin typeface="Segoe UI Black" panose="020B0A02040204020203" pitchFamily="34" charset="0"/>
+                <a:ea typeface="Segoe UI Black" panose="020B0A02040204020203" pitchFamily="34" charset="0"/>
+                <a:cs typeface="Times New Roman" panose="02020603050405020304" pitchFamily="18" charset="0"/>
+              </a:rPr>
+              <a:t> ta </a:t>
+            </a:r>
+            <a:r>
+              <a:rPr lang="en-US" dirty="0" err="1">
+                <a:latin typeface="Segoe UI Black" panose="020B0A02040204020203" pitchFamily="34" charset="0"/>
+                <a:ea typeface="Segoe UI Black" panose="020B0A02040204020203" pitchFamily="34" charset="0"/>
+                <a:cs typeface="Times New Roman" panose="02020603050405020304" pitchFamily="18" charset="0"/>
+              </a:rPr>
+              <a:t>cần</a:t>
+            </a:r>
+            <a:r>
+              <a:rPr lang="en-US" dirty="0">
+                <a:latin typeface="Segoe UI Black" panose="020B0A02040204020203" pitchFamily="34" charset="0"/>
+                <a:ea typeface="Segoe UI Black" panose="020B0A02040204020203" pitchFamily="34" charset="0"/>
+                <a:cs typeface="Times New Roman" panose="02020603050405020304" pitchFamily="18" charset="0"/>
+              </a:rPr>
+              <a:t> </a:t>
+            </a:r>
+            <a:r>
+              <a:rPr lang="en-US" dirty="0" err="1">
+                <a:latin typeface="Segoe UI Black" panose="020B0A02040204020203" pitchFamily="34" charset="0"/>
+                <a:ea typeface="Segoe UI Black" panose="020B0A02040204020203" pitchFamily="34" charset="0"/>
+                <a:cs typeface="Times New Roman" panose="02020603050405020304" pitchFamily="18" charset="0"/>
+              </a:rPr>
+              <a:t>phải</a:t>
+            </a:r>
+            <a:r>
+              <a:rPr lang="en-US" dirty="0">
+                <a:latin typeface="Segoe UI Black" panose="020B0A02040204020203" pitchFamily="34" charset="0"/>
+                <a:ea typeface="Segoe UI Black" panose="020B0A02040204020203" pitchFamily="34" charset="0"/>
+                <a:cs typeface="Times New Roman" panose="02020603050405020304" pitchFamily="18" charset="0"/>
+              </a:rPr>
+              <a:t> chia </a:t>
+            </a:r>
+            <a:r>
+              <a:rPr lang="en-US" dirty="0" err="1">
+                <a:latin typeface="Segoe UI Black" panose="020B0A02040204020203" pitchFamily="34" charset="0"/>
+                <a:ea typeface="Segoe UI Black" panose="020B0A02040204020203" pitchFamily="34" charset="0"/>
+                <a:cs typeface="Times New Roman" panose="02020603050405020304" pitchFamily="18" charset="0"/>
+              </a:rPr>
+              <a:t>các</a:t>
+            </a:r>
+            <a:r>
+              <a:rPr lang="en-US" dirty="0">
+                <a:latin typeface="Segoe UI Black" panose="020B0A02040204020203" pitchFamily="34" charset="0"/>
+                <a:ea typeface="Segoe UI Black" panose="020B0A02040204020203" pitchFamily="34" charset="0"/>
+                <a:cs typeface="Times New Roman" panose="02020603050405020304" pitchFamily="18" charset="0"/>
+              </a:rPr>
+              <a:t> </a:t>
+            </a:r>
+            <a:r>
+              <a:rPr lang="en-US" dirty="0" err="1">
+                <a:latin typeface="Segoe UI Black" panose="020B0A02040204020203" pitchFamily="34" charset="0"/>
+                <a:ea typeface="Segoe UI Black" panose="020B0A02040204020203" pitchFamily="34" charset="0"/>
+                <a:cs typeface="Times New Roman" panose="02020603050405020304" pitchFamily="18" charset="0"/>
+              </a:rPr>
+              <a:t>quan</a:t>
+            </a:r>
+            <a:r>
+              <a:rPr lang="en-US" dirty="0">
+                <a:latin typeface="Segoe UI Black" panose="020B0A02040204020203" pitchFamily="34" charset="0"/>
+                <a:ea typeface="Segoe UI Black" panose="020B0A02040204020203" pitchFamily="34" charset="0"/>
+                <a:cs typeface="Times New Roman" panose="02020603050405020304" pitchFamily="18" charset="0"/>
+              </a:rPr>
+              <a:t> </a:t>
+            </a:r>
+            <a:r>
+              <a:rPr lang="en-US" dirty="0" err="1">
+                <a:latin typeface="Segoe UI Black" panose="020B0A02040204020203" pitchFamily="34" charset="0"/>
+                <a:ea typeface="Segoe UI Black" panose="020B0A02040204020203" pitchFamily="34" charset="0"/>
+                <a:cs typeface="Times New Roman" panose="02020603050405020304" pitchFamily="18" charset="0"/>
+              </a:rPr>
+              <a:t>hệ</a:t>
+            </a:r>
+            <a:r>
+              <a:rPr lang="en-US" dirty="0">
+                <a:latin typeface="Segoe UI Black" panose="020B0A02040204020203" pitchFamily="34" charset="0"/>
+                <a:ea typeface="Segoe UI Black" panose="020B0A02040204020203" pitchFamily="34" charset="0"/>
+                <a:cs typeface="Times New Roman" panose="02020603050405020304" pitchFamily="18" charset="0"/>
+              </a:rPr>
+              <a:t> </a:t>
+            </a:r>
+            <a:r>
+              <a:rPr lang="en-US" dirty="0" err="1">
+                <a:latin typeface="Segoe UI Black" panose="020B0A02040204020203" pitchFamily="34" charset="0"/>
+                <a:ea typeface="Segoe UI Black" panose="020B0A02040204020203" pitchFamily="34" charset="0"/>
+                <a:cs typeface="Times New Roman" panose="02020603050405020304" pitchFamily="18" charset="0"/>
+              </a:rPr>
+              <a:t>theo</a:t>
+            </a:r>
+            <a:r>
+              <a:rPr lang="en-US" dirty="0">
+                <a:latin typeface="Segoe UI Black" panose="020B0A02040204020203" pitchFamily="34" charset="0"/>
+                <a:ea typeface="Segoe UI Black" panose="020B0A02040204020203" pitchFamily="34" charset="0"/>
+                <a:cs typeface="Times New Roman" panose="02020603050405020304" pitchFamily="18" charset="0"/>
+              </a:rPr>
+              <a:t> </a:t>
+            </a:r>
+            <a:r>
+              <a:rPr lang="en-US" dirty="0" err="1">
+                <a:latin typeface="Segoe UI Black" panose="020B0A02040204020203" pitchFamily="34" charset="0"/>
+                <a:ea typeface="Segoe UI Black" panose="020B0A02040204020203" pitchFamily="34" charset="0"/>
+                <a:cs typeface="Times New Roman" panose="02020603050405020304" pitchFamily="18" charset="0"/>
+              </a:rPr>
+              <a:t>các</a:t>
+            </a:r>
+            <a:r>
+              <a:rPr lang="en-US" dirty="0">
+                <a:latin typeface="Segoe UI Black" panose="020B0A02040204020203" pitchFamily="34" charset="0"/>
+                <a:ea typeface="Segoe UI Black" panose="020B0A02040204020203" pitchFamily="34" charset="0"/>
+                <a:cs typeface="Times New Roman" panose="02020603050405020304" pitchFamily="18" charset="0"/>
+              </a:rPr>
+              <a:t> </a:t>
+            </a:r>
+            <a:r>
+              <a:rPr lang="en-US" dirty="0" err="1">
+                <a:latin typeface="Segoe UI Black" panose="020B0A02040204020203" pitchFamily="34" charset="0"/>
+                <a:ea typeface="Segoe UI Black" panose="020B0A02040204020203" pitchFamily="34" charset="0"/>
+                <a:cs typeface="Times New Roman" panose="02020603050405020304" pitchFamily="18" charset="0"/>
+              </a:rPr>
+              <a:t>cấp</a:t>
+            </a:r>
+            <a:r>
+              <a:rPr lang="en-US" dirty="0">
+                <a:latin typeface="Segoe UI Black" panose="020B0A02040204020203" pitchFamily="34" charset="0"/>
+                <a:ea typeface="Segoe UI Black" panose="020B0A02040204020203" pitchFamily="34" charset="0"/>
+                <a:cs typeface="Times New Roman" panose="02020603050405020304" pitchFamily="18" charset="0"/>
+              </a:rPr>
+              <a:t> </a:t>
+            </a:r>
+            <a:r>
+              <a:rPr lang="en-US" dirty="0" err="1">
+                <a:latin typeface="Segoe UI Black" panose="020B0A02040204020203" pitchFamily="34" charset="0"/>
+                <a:ea typeface="Segoe UI Black" panose="020B0A02040204020203" pitchFamily="34" charset="0"/>
+                <a:cs typeface="Times New Roman" panose="02020603050405020304" pitchFamily="18" charset="0"/>
+              </a:rPr>
+              <a:t>độ</a:t>
+            </a:r>
+            <a:r>
+              <a:rPr lang="en-US" dirty="0">
+                <a:latin typeface="Segoe UI Black" panose="020B0A02040204020203" pitchFamily="34" charset="0"/>
+                <a:ea typeface="Segoe UI Black" panose="020B0A02040204020203" pitchFamily="34" charset="0"/>
+                <a:cs typeface="Times New Roman" panose="02020603050405020304" pitchFamily="18" charset="0"/>
+              </a:rPr>
+              <a:t> </a:t>
+            </a:r>
+            <a:r>
+              <a:rPr lang="en-US" dirty="0" err="1">
+                <a:latin typeface="Segoe UI Black" panose="020B0A02040204020203" pitchFamily="34" charset="0"/>
+                <a:ea typeface="Segoe UI Black" panose="020B0A02040204020203" pitchFamily="34" charset="0"/>
+                <a:cs typeface="Times New Roman" panose="02020603050405020304" pitchFamily="18" charset="0"/>
+              </a:rPr>
+              <a:t>của</a:t>
+            </a:r>
+            <a:r>
+              <a:rPr lang="en-US" dirty="0">
+                <a:latin typeface="Segoe UI Black" panose="020B0A02040204020203" pitchFamily="34" charset="0"/>
+                <a:ea typeface="Segoe UI Black" panose="020B0A02040204020203" pitchFamily="34" charset="0"/>
+                <a:cs typeface="Times New Roman" panose="02020603050405020304" pitchFamily="18" charset="0"/>
+              </a:rPr>
+              <a:t> </a:t>
+            </a:r>
+            <a:r>
+              <a:rPr lang="en-US" dirty="0" err="1">
+                <a:latin typeface="Segoe UI Black" panose="020B0A02040204020203" pitchFamily="34" charset="0"/>
+                <a:ea typeface="Segoe UI Black" panose="020B0A02040204020203" pitchFamily="34" charset="0"/>
+                <a:cs typeface="Times New Roman" panose="02020603050405020304" pitchFamily="18" charset="0"/>
+              </a:rPr>
+              <a:t>quan</a:t>
+            </a:r>
+            <a:r>
+              <a:rPr lang="en-US" dirty="0">
+                <a:latin typeface="Segoe UI Black" panose="020B0A02040204020203" pitchFamily="34" charset="0"/>
+                <a:ea typeface="Segoe UI Black" panose="020B0A02040204020203" pitchFamily="34" charset="0"/>
+                <a:cs typeface="Times New Roman" panose="02020603050405020304" pitchFamily="18" charset="0"/>
+              </a:rPr>
+              <a:t> </a:t>
+            </a:r>
+            <a:r>
+              <a:rPr lang="en-US" dirty="0" err="1">
+                <a:latin typeface="Segoe UI Black" panose="020B0A02040204020203" pitchFamily="34" charset="0"/>
+                <a:ea typeface="Segoe UI Black" panose="020B0A02040204020203" pitchFamily="34" charset="0"/>
+                <a:cs typeface="Times New Roman" panose="02020603050405020304" pitchFamily="18" charset="0"/>
+              </a:rPr>
+              <a:t>hệ</a:t>
+            </a:r>
+            <a:r>
+              <a:rPr lang="en-US" dirty="0">
+                <a:latin typeface="Segoe UI Black" panose="020B0A02040204020203" pitchFamily="34" charset="0"/>
+                <a:ea typeface="Segoe UI Black" panose="020B0A02040204020203" pitchFamily="34" charset="0"/>
+                <a:cs typeface="Times New Roman" panose="02020603050405020304" pitchFamily="18" charset="0"/>
+              </a:rPr>
+              <a:t>. </a:t>
+            </a:r>
+            <a:r>
+              <a:rPr lang="en-US" dirty="0" err="1">
+                <a:latin typeface="Segoe UI Black" panose="020B0A02040204020203" pitchFamily="34" charset="0"/>
+                <a:ea typeface="Segoe UI Black" panose="020B0A02040204020203" pitchFamily="34" charset="0"/>
+                <a:cs typeface="Times New Roman" panose="02020603050405020304" pitchFamily="18" charset="0"/>
+              </a:rPr>
+              <a:t>Ví</a:t>
+            </a:r>
+            <a:r>
+              <a:rPr lang="en-US" dirty="0">
+                <a:latin typeface="Segoe UI Black" panose="020B0A02040204020203" pitchFamily="34" charset="0"/>
+                <a:ea typeface="Segoe UI Black" panose="020B0A02040204020203" pitchFamily="34" charset="0"/>
+                <a:cs typeface="Times New Roman" panose="02020603050405020304" pitchFamily="18" charset="0"/>
+              </a:rPr>
+              <a:t> </a:t>
+            </a:r>
+            <a:r>
+              <a:rPr lang="en-US" dirty="0" err="1">
+                <a:latin typeface="Segoe UI Black" panose="020B0A02040204020203" pitchFamily="34" charset="0"/>
+                <a:ea typeface="Segoe UI Black" panose="020B0A02040204020203" pitchFamily="34" charset="0"/>
+                <a:cs typeface="Times New Roman" panose="02020603050405020304" pitchFamily="18" charset="0"/>
+              </a:rPr>
+              <a:t>dụ</a:t>
+            </a:r>
+            <a:r>
+              <a:rPr lang="en-US" dirty="0">
+                <a:latin typeface="Segoe UI Black" panose="020B0A02040204020203" pitchFamily="34" charset="0"/>
+                <a:ea typeface="Segoe UI Black" panose="020B0A02040204020203" pitchFamily="34" charset="0"/>
+                <a:cs typeface="Times New Roman" panose="02020603050405020304" pitchFamily="18" charset="0"/>
+              </a:rPr>
+              <a:t>:</a:t>
+            </a:r>
+            <a:r>
+              <a:rPr lang="vi-VN" dirty="0">
+                <a:latin typeface="Segoe UI Black" panose="020B0A02040204020203" pitchFamily="34" charset="0"/>
+                <a:ea typeface="Segoe UI Black" panose="020B0A02040204020203" pitchFamily="34" charset="0"/>
+                <a:cs typeface="Times New Roman" panose="02020603050405020304" pitchFamily="18" charset="0"/>
+              </a:rPr>
+              <a:t> chúng ta cần lấy thông tin của comment trong 1 bài đăng của 1 user</a:t>
+            </a:r>
+            <a:r>
+              <a:rPr lang="en-US" dirty="0">
+                <a:latin typeface="Segoe UI Black" panose="020B0A02040204020203" pitchFamily="34" charset="0"/>
+                <a:ea typeface="Segoe UI Black" panose="020B0A02040204020203" pitchFamily="34" charset="0"/>
                 <a:cs typeface="Times New Roman" panose="02020603050405020304" pitchFamily="18" charset="0"/>
               </a:rPr>
               <a:t>. C</a:t>
             </a:r>
             <a:r>
-              <a:rPr lang="vi-VN" sz="2400">
-                <a:latin typeface="Times New Roman" panose="02020603050405020304" pitchFamily="18" charset="0"/>
+              <a:rPr lang="vi-VN" dirty="0">
+                <a:latin typeface="Segoe UI Black" panose="020B0A02040204020203" pitchFamily="34" charset="0"/>
+                <a:ea typeface="Segoe UI Black" panose="020B0A02040204020203" pitchFamily="34" charset="0"/>
                 <a:cs typeface="Times New Roman" panose="02020603050405020304" pitchFamily="18" charset="0"/>
               </a:rPr>
               <a:t>húng ta thấy user là đối tượng lớn nhất, sau đó đến bài đăng và cuối cùng là comment.</a:t>
@@ -4811,16 +8446,18 @@
           <a:p>
             <a:pPr algn="just"/>
             <a:r>
-              <a:rPr lang="vi-VN" sz="2400">
-                <a:latin typeface="Times New Roman" panose="02020603050405020304" pitchFamily="18" charset="0"/>
+              <a:rPr lang="vi-VN" dirty="0">
+                <a:latin typeface="Segoe UI Black" panose="020B0A02040204020203" pitchFamily="34" charset="0"/>
+                <a:ea typeface="Segoe UI Black" panose="020B0A02040204020203" pitchFamily="34" charset="0"/>
                 <a:cs typeface="Times New Roman" panose="02020603050405020304" pitchFamily="18" charset="0"/>
               </a:rPr>
               <a:t>Ta sẽ có 1 API như sau: GET/users/1/posts/3/comments/10</a:t>
             </a:r>
           </a:p>
           <a:p>
-            <a:endParaRPr lang="en-US" sz="2200">
-              <a:latin typeface="Times New Roman" panose="02020603050405020304" pitchFamily="18" charset="0"/>
+            <a:endParaRPr lang="en-US" dirty="0">
+              <a:latin typeface="Segoe UI Black" panose="020B0A02040204020203" pitchFamily="34" charset="0"/>
+              <a:ea typeface="Segoe UI Black" panose="020B0A02040204020203" pitchFamily="34" charset="0"/>
               <a:cs typeface="Times New Roman" panose="02020603050405020304" pitchFamily="18" charset="0"/>
             </a:endParaRPr>
           </a:p>
@@ -4877,8 +8514,9 @@
           <a:lstStyle/>
           <a:p>
             <a:r>
-              <a:rPr lang="en-US" b="1">
-                <a:latin typeface="Times New Roman" panose="02020603050405020304" pitchFamily="18" charset="0"/>
+              <a:rPr lang="en-US" sz="3000" b="1" dirty="0">
+                <a:latin typeface="Segoe UI Black" panose="020B0A02040204020203" pitchFamily="34" charset="0"/>
+                <a:ea typeface="Segoe UI Black" panose="020B0A02040204020203" pitchFamily="34" charset="0"/>
                 <a:cs typeface="Times New Roman" panose="02020603050405020304" pitchFamily="18" charset="0"/>
               </a:rPr>
               <a:t>NGUYÊN TẮC THIẾT KẾ </a:t>
@@ -4904,7 +8542,7 @@
         </p:spPr>
         <p:txBody>
           <a:bodyPr>
-            <a:normAutofit lnSpcReduction="10000"/>
+            <a:normAutofit/>
           </a:bodyPr>
           <a:lstStyle/>
           <a:p>
@@ -4913,8 +8551,9 @@
               <a:buChar char="•"/>
             </a:pPr>
             <a:r>
-              <a:rPr lang="en-US" sz="2200" b="1">
-                <a:latin typeface="Times New Roman" panose="02020603050405020304" pitchFamily="18" charset="0"/>
+              <a:rPr lang="en-US" b="1" dirty="0">
+                <a:latin typeface="Segoe UI Black" panose="020B0A02040204020203" pitchFamily="34" charset="0"/>
+                <a:ea typeface="Segoe UI Black" panose="020B0A02040204020203" pitchFamily="34" charset="0"/>
                 <a:cs typeface="Times New Roman" panose="02020603050405020304" pitchFamily="18" charset="0"/>
               </a:rPr>
               <a:t>Versioning</a:t>
@@ -4922,11 +8561,260 @@
           </a:p>
           <a:p>
             <a:r>
-              <a:rPr lang="en-US" sz="2200">
-                <a:latin typeface="Times New Roman" panose="02020603050405020304" pitchFamily="18" charset="0"/>
-                <a:cs typeface="Times New Roman" panose="02020603050405020304" pitchFamily="18" charset="0"/>
-              </a:rPr>
-              <a:t>Là một điều bắt buộc với tất cả các resource, việc đánh version tuân thủ các nguyên tắc:</a:t>
+              <a:rPr lang="en-US" dirty="0" err="1">
+                <a:latin typeface="Segoe UI Black" panose="020B0A02040204020203" pitchFamily="34" charset="0"/>
+                <a:ea typeface="Segoe UI Black" panose="020B0A02040204020203" pitchFamily="34" charset="0"/>
+                <a:cs typeface="Times New Roman" panose="02020603050405020304" pitchFamily="18" charset="0"/>
+              </a:rPr>
+              <a:t>Là</a:t>
+            </a:r>
+            <a:r>
+              <a:rPr lang="en-US" dirty="0">
+                <a:latin typeface="Segoe UI Black" panose="020B0A02040204020203" pitchFamily="34" charset="0"/>
+                <a:ea typeface="Segoe UI Black" panose="020B0A02040204020203" pitchFamily="34" charset="0"/>
+                <a:cs typeface="Times New Roman" panose="02020603050405020304" pitchFamily="18" charset="0"/>
+              </a:rPr>
+              <a:t> </a:t>
+            </a:r>
+            <a:r>
+              <a:rPr lang="en-US" dirty="0" err="1">
+                <a:latin typeface="Segoe UI Black" panose="020B0A02040204020203" pitchFamily="34" charset="0"/>
+                <a:ea typeface="Segoe UI Black" panose="020B0A02040204020203" pitchFamily="34" charset="0"/>
+                <a:cs typeface="Times New Roman" panose="02020603050405020304" pitchFamily="18" charset="0"/>
+              </a:rPr>
+              <a:t>một</a:t>
+            </a:r>
+            <a:r>
+              <a:rPr lang="en-US" dirty="0">
+                <a:latin typeface="Segoe UI Black" panose="020B0A02040204020203" pitchFamily="34" charset="0"/>
+                <a:ea typeface="Segoe UI Black" panose="020B0A02040204020203" pitchFamily="34" charset="0"/>
+                <a:cs typeface="Times New Roman" panose="02020603050405020304" pitchFamily="18" charset="0"/>
+              </a:rPr>
+              <a:t> </a:t>
+            </a:r>
+            <a:r>
+              <a:rPr lang="en-US" dirty="0" err="1">
+                <a:latin typeface="Segoe UI Black" panose="020B0A02040204020203" pitchFamily="34" charset="0"/>
+                <a:ea typeface="Segoe UI Black" panose="020B0A02040204020203" pitchFamily="34" charset="0"/>
+                <a:cs typeface="Times New Roman" panose="02020603050405020304" pitchFamily="18" charset="0"/>
+              </a:rPr>
+              <a:t>điều</a:t>
+            </a:r>
+            <a:r>
+              <a:rPr lang="en-US" dirty="0">
+                <a:latin typeface="Segoe UI Black" panose="020B0A02040204020203" pitchFamily="34" charset="0"/>
+                <a:ea typeface="Segoe UI Black" panose="020B0A02040204020203" pitchFamily="34" charset="0"/>
+                <a:cs typeface="Times New Roman" panose="02020603050405020304" pitchFamily="18" charset="0"/>
+              </a:rPr>
+              <a:t> </a:t>
+            </a:r>
+            <a:r>
+              <a:rPr lang="en-US" dirty="0" err="1">
+                <a:latin typeface="Segoe UI Black" panose="020B0A02040204020203" pitchFamily="34" charset="0"/>
+                <a:ea typeface="Segoe UI Black" panose="020B0A02040204020203" pitchFamily="34" charset="0"/>
+                <a:cs typeface="Times New Roman" panose="02020603050405020304" pitchFamily="18" charset="0"/>
+              </a:rPr>
+              <a:t>bắt</a:t>
+            </a:r>
+            <a:r>
+              <a:rPr lang="en-US" dirty="0">
+                <a:latin typeface="Segoe UI Black" panose="020B0A02040204020203" pitchFamily="34" charset="0"/>
+                <a:ea typeface="Segoe UI Black" panose="020B0A02040204020203" pitchFamily="34" charset="0"/>
+                <a:cs typeface="Times New Roman" panose="02020603050405020304" pitchFamily="18" charset="0"/>
+              </a:rPr>
+              <a:t> </a:t>
+            </a:r>
+            <a:r>
+              <a:rPr lang="en-US" dirty="0" err="1">
+                <a:latin typeface="Segoe UI Black" panose="020B0A02040204020203" pitchFamily="34" charset="0"/>
+                <a:ea typeface="Segoe UI Black" panose="020B0A02040204020203" pitchFamily="34" charset="0"/>
+                <a:cs typeface="Times New Roman" panose="02020603050405020304" pitchFamily="18" charset="0"/>
+              </a:rPr>
+              <a:t>buộc</a:t>
+            </a:r>
+            <a:r>
+              <a:rPr lang="en-US" dirty="0">
+                <a:latin typeface="Segoe UI Black" panose="020B0A02040204020203" pitchFamily="34" charset="0"/>
+                <a:ea typeface="Segoe UI Black" panose="020B0A02040204020203" pitchFamily="34" charset="0"/>
+                <a:cs typeface="Times New Roman" panose="02020603050405020304" pitchFamily="18" charset="0"/>
+              </a:rPr>
+              <a:t> </a:t>
+            </a:r>
+            <a:r>
+              <a:rPr lang="en-US" dirty="0" err="1">
+                <a:latin typeface="Segoe UI Black" panose="020B0A02040204020203" pitchFamily="34" charset="0"/>
+                <a:ea typeface="Segoe UI Black" panose="020B0A02040204020203" pitchFamily="34" charset="0"/>
+                <a:cs typeface="Times New Roman" panose="02020603050405020304" pitchFamily="18" charset="0"/>
+              </a:rPr>
+              <a:t>với</a:t>
+            </a:r>
+            <a:r>
+              <a:rPr lang="en-US" dirty="0">
+                <a:latin typeface="Segoe UI Black" panose="020B0A02040204020203" pitchFamily="34" charset="0"/>
+                <a:ea typeface="Segoe UI Black" panose="020B0A02040204020203" pitchFamily="34" charset="0"/>
+                <a:cs typeface="Times New Roman" panose="02020603050405020304" pitchFamily="18" charset="0"/>
+              </a:rPr>
+              <a:t> </a:t>
+            </a:r>
+            <a:r>
+              <a:rPr lang="en-US" dirty="0" err="1">
+                <a:latin typeface="Segoe UI Black" panose="020B0A02040204020203" pitchFamily="34" charset="0"/>
+                <a:ea typeface="Segoe UI Black" panose="020B0A02040204020203" pitchFamily="34" charset="0"/>
+                <a:cs typeface="Times New Roman" panose="02020603050405020304" pitchFamily="18" charset="0"/>
+              </a:rPr>
+              <a:t>tất</a:t>
+            </a:r>
+            <a:r>
+              <a:rPr lang="en-US" dirty="0">
+                <a:latin typeface="Segoe UI Black" panose="020B0A02040204020203" pitchFamily="34" charset="0"/>
+                <a:ea typeface="Segoe UI Black" panose="020B0A02040204020203" pitchFamily="34" charset="0"/>
+                <a:cs typeface="Times New Roman" panose="02020603050405020304" pitchFamily="18" charset="0"/>
+              </a:rPr>
+              <a:t> </a:t>
+            </a:r>
+            <a:r>
+              <a:rPr lang="en-US" dirty="0" err="1">
+                <a:latin typeface="Segoe UI Black" panose="020B0A02040204020203" pitchFamily="34" charset="0"/>
+                <a:ea typeface="Segoe UI Black" panose="020B0A02040204020203" pitchFamily="34" charset="0"/>
+                <a:cs typeface="Times New Roman" panose="02020603050405020304" pitchFamily="18" charset="0"/>
+              </a:rPr>
+              <a:t>cả</a:t>
+            </a:r>
+            <a:r>
+              <a:rPr lang="en-US" dirty="0">
+                <a:latin typeface="Segoe UI Black" panose="020B0A02040204020203" pitchFamily="34" charset="0"/>
+                <a:ea typeface="Segoe UI Black" panose="020B0A02040204020203" pitchFamily="34" charset="0"/>
+                <a:cs typeface="Times New Roman" panose="02020603050405020304" pitchFamily="18" charset="0"/>
+              </a:rPr>
+              <a:t> </a:t>
+            </a:r>
+            <a:r>
+              <a:rPr lang="en-US" dirty="0" err="1">
+                <a:latin typeface="Segoe UI Black" panose="020B0A02040204020203" pitchFamily="34" charset="0"/>
+                <a:ea typeface="Segoe UI Black" panose="020B0A02040204020203" pitchFamily="34" charset="0"/>
+                <a:cs typeface="Times New Roman" panose="02020603050405020304" pitchFamily="18" charset="0"/>
+              </a:rPr>
+              <a:t>các</a:t>
+            </a:r>
+            <a:r>
+              <a:rPr lang="en-US" dirty="0">
+                <a:latin typeface="Segoe UI Black" panose="020B0A02040204020203" pitchFamily="34" charset="0"/>
+                <a:ea typeface="Segoe UI Black" panose="020B0A02040204020203" pitchFamily="34" charset="0"/>
+                <a:cs typeface="Times New Roman" panose="02020603050405020304" pitchFamily="18" charset="0"/>
+              </a:rPr>
+              <a:t> resource, </a:t>
+            </a:r>
+            <a:r>
+              <a:rPr lang="en-US" dirty="0" err="1">
+                <a:latin typeface="Segoe UI Black" panose="020B0A02040204020203" pitchFamily="34" charset="0"/>
+                <a:ea typeface="Segoe UI Black" panose="020B0A02040204020203" pitchFamily="34" charset="0"/>
+                <a:cs typeface="Times New Roman" panose="02020603050405020304" pitchFamily="18" charset="0"/>
+              </a:rPr>
+              <a:t>việc</a:t>
+            </a:r>
+            <a:r>
+              <a:rPr lang="en-US" dirty="0">
+                <a:latin typeface="Segoe UI Black" panose="020B0A02040204020203" pitchFamily="34" charset="0"/>
+                <a:ea typeface="Segoe UI Black" panose="020B0A02040204020203" pitchFamily="34" charset="0"/>
+                <a:cs typeface="Times New Roman" panose="02020603050405020304" pitchFamily="18" charset="0"/>
+              </a:rPr>
+              <a:t> </a:t>
+            </a:r>
+            <a:r>
+              <a:rPr lang="en-US" dirty="0" err="1">
+                <a:latin typeface="Segoe UI Black" panose="020B0A02040204020203" pitchFamily="34" charset="0"/>
+                <a:ea typeface="Segoe UI Black" panose="020B0A02040204020203" pitchFamily="34" charset="0"/>
+                <a:cs typeface="Times New Roman" panose="02020603050405020304" pitchFamily="18" charset="0"/>
+              </a:rPr>
+              <a:t>đánh</a:t>
+            </a:r>
+            <a:r>
+              <a:rPr lang="en-US" dirty="0">
+                <a:latin typeface="Segoe UI Black" panose="020B0A02040204020203" pitchFamily="34" charset="0"/>
+                <a:ea typeface="Segoe UI Black" panose="020B0A02040204020203" pitchFamily="34" charset="0"/>
+                <a:cs typeface="Times New Roman" panose="02020603050405020304" pitchFamily="18" charset="0"/>
+              </a:rPr>
+              <a:t> version </a:t>
+            </a:r>
+            <a:r>
+              <a:rPr lang="en-US" dirty="0" err="1">
+                <a:latin typeface="Segoe UI Black" panose="020B0A02040204020203" pitchFamily="34" charset="0"/>
+                <a:ea typeface="Segoe UI Black" panose="020B0A02040204020203" pitchFamily="34" charset="0"/>
+                <a:cs typeface="Times New Roman" panose="02020603050405020304" pitchFamily="18" charset="0"/>
+              </a:rPr>
+              <a:t>tuân</a:t>
+            </a:r>
+            <a:r>
+              <a:rPr lang="en-US" dirty="0">
+                <a:latin typeface="Segoe UI Black" panose="020B0A02040204020203" pitchFamily="34" charset="0"/>
+                <a:ea typeface="Segoe UI Black" panose="020B0A02040204020203" pitchFamily="34" charset="0"/>
+                <a:cs typeface="Times New Roman" panose="02020603050405020304" pitchFamily="18" charset="0"/>
+              </a:rPr>
+              <a:t> </a:t>
+            </a:r>
+            <a:r>
+              <a:rPr lang="en-US" dirty="0" err="1">
+                <a:latin typeface="Segoe UI Black" panose="020B0A02040204020203" pitchFamily="34" charset="0"/>
+                <a:ea typeface="Segoe UI Black" panose="020B0A02040204020203" pitchFamily="34" charset="0"/>
+                <a:cs typeface="Times New Roman" panose="02020603050405020304" pitchFamily="18" charset="0"/>
+              </a:rPr>
+              <a:t>thủ</a:t>
+            </a:r>
+            <a:r>
+              <a:rPr lang="en-US" dirty="0">
+                <a:latin typeface="Segoe UI Black" panose="020B0A02040204020203" pitchFamily="34" charset="0"/>
+                <a:ea typeface="Segoe UI Black" panose="020B0A02040204020203" pitchFamily="34" charset="0"/>
+                <a:cs typeface="Times New Roman" panose="02020603050405020304" pitchFamily="18" charset="0"/>
+              </a:rPr>
+              <a:t> </a:t>
+            </a:r>
+            <a:r>
+              <a:rPr lang="en-US" dirty="0" err="1">
+                <a:latin typeface="Segoe UI Black" panose="020B0A02040204020203" pitchFamily="34" charset="0"/>
+                <a:ea typeface="Segoe UI Black" panose="020B0A02040204020203" pitchFamily="34" charset="0"/>
+                <a:cs typeface="Times New Roman" panose="02020603050405020304" pitchFamily="18" charset="0"/>
+              </a:rPr>
+              <a:t>các</a:t>
+            </a:r>
+            <a:r>
+              <a:rPr lang="en-US" dirty="0">
+                <a:latin typeface="Segoe UI Black" panose="020B0A02040204020203" pitchFamily="34" charset="0"/>
+                <a:ea typeface="Segoe UI Black" panose="020B0A02040204020203" pitchFamily="34" charset="0"/>
+                <a:cs typeface="Times New Roman" panose="02020603050405020304" pitchFamily="18" charset="0"/>
+              </a:rPr>
+              <a:t> </a:t>
+            </a:r>
+            <a:r>
+              <a:rPr lang="en-US" dirty="0" err="1">
+                <a:latin typeface="Segoe UI Black" panose="020B0A02040204020203" pitchFamily="34" charset="0"/>
+                <a:ea typeface="Segoe UI Black" panose="020B0A02040204020203" pitchFamily="34" charset="0"/>
+                <a:cs typeface="Times New Roman" panose="02020603050405020304" pitchFamily="18" charset="0"/>
+              </a:rPr>
+              <a:t>nguyên</a:t>
+            </a:r>
+            <a:r>
+              <a:rPr lang="en-US" dirty="0">
+                <a:latin typeface="Segoe UI Black" panose="020B0A02040204020203" pitchFamily="34" charset="0"/>
+                <a:ea typeface="Segoe UI Black" panose="020B0A02040204020203" pitchFamily="34" charset="0"/>
+                <a:cs typeface="Times New Roman" panose="02020603050405020304" pitchFamily="18" charset="0"/>
+              </a:rPr>
+              <a:t> </a:t>
+            </a:r>
+            <a:r>
+              <a:rPr lang="en-US" dirty="0" err="1">
+                <a:latin typeface="Segoe UI Black" panose="020B0A02040204020203" pitchFamily="34" charset="0"/>
+                <a:ea typeface="Segoe UI Black" panose="020B0A02040204020203" pitchFamily="34" charset="0"/>
+                <a:cs typeface="Times New Roman" panose="02020603050405020304" pitchFamily="18" charset="0"/>
+              </a:rPr>
+              <a:t>tắc</a:t>
+            </a:r>
+            <a:r>
+              <a:rPr lang="en-US" dirty="0">
+                <a:latin typeface="Segoe UI Black" panose="020B0A02040204020203" pitchFamily="34" charset="0"/>
+                <a:ea typeface="Segoe UI Black" panose="020B0A02040204020203" pitchFamily="34" charset="0"/>
+                <a:cs typeface="Times New Roman" panose="02020603050405020304" pitchFamily="18" charset="0"/>
+              </a:rPr>
+              <a:t>:</a:t>
             </a:r>
           </a:p>
           <a:p>
@@ -4935,12 +8823,162 @@
               <a:buChar char="Ø"/>
             </a:pPr>
             <a:r>
-              <a:rPr lang="en-US" sz="2200">
-                <a:latin typeface="Times New Roman" panose="02020603050405020304" pitchFamily="18" charset="0"/>
-                <a:cs typeface="Times New Roman" panose="02020603050405020304" pitchFamily="18" charset="0"/>
-              </a:rPr>
-              <a:t>Đánh dấu bằng “v” và kết thúc bằng một số dương</a:t>
-            </a:r>
+              <a:rPr lang="en-US" dirty="0" err="1">
+                <a:latin typeface="Segoe UI Black" panose="020B0A02040204020203" pitchFamily="34" charset="0"/>
+                <a:ea typeface="Segoe UI Black" panose="020B0A02040204020203" pitchFamily="34" charset="0"/>
+                <a:cs typeface="Times New Roman" panose="02020603050405020304" pitchFamily="18" charset="0"/>
+              </a:rPr>
+              <a:t>Đánh</a:t>
+            </a:r>
+            <a:r>
+              <a:rPr lang="en-US" dirty="0">
+                <a:latin typeface="Segoe UI Black" panose="020B0A02040204020203" pitchFamily="34" charset="0"/>
+                <a:ea typeface="Segoe UI Black" panose="020B0A02040204020203" pitchFamily="34" charset="0"/>
+                <a:cs typeface="Times New Roman" panose="02020603050405020304" pitchFamily="18" charset="0"/>
+              </a:rPr>
+              <a:t> </a:t>
+            </a:r>
+            <a:r>
+              <a:rPr lang="en-US" dirty="0" err="1">
+                <a:latin typeface="Segoe UI Black" panose="020B0A02040204020203" pitchFamily="34" charset="0"/>
+                <a:ea typeface="Segoe UI Black" panose="020B0A02040204020203" pitchFamily="34" charset="0"/>
+                <a:cs typeface="Times New Roman" panose="02020603050405020304" pitchFamily="18" charset="0"/>
+              </a:rPr>
+              <a:t>dấu</a:t>
+            </a:r>
+            <a:r>
+              <a:rPr lang="en-US" dirty="0">
+                <a:latin typeface="Segoe UI Black" panose="020B0A02040204020203" pitchFamily="34" charset="0"/>
+                <a:ea typeface="Segoe UI Black" panose="020B0A02040204020203" pitchFamily="34" charset="0"/>
+                <a:cs typeface="Times New Roman" panose="02020603050405020304" pitchFamily="18" charset="0"/>
+              </a:rPr>
+              <a:t> </a:t>
+            </a:r>
+            <a:r>
+              <a:rPr lang="en-US" dirty="0" err="1">
+                <a:latin typeface="Segoe UI Black" panose="020B0A02040204020203" pitchFamily="34" charset="0"/>
+                <a:ea typeface="Segoe UI Black" panose="020B0A02040204020203" pitchFamily="34" charset="0"/>
+                <a:cs typeface="Times New Roman" panose="02020603050405020304" pitchFamily="18" charset="0"/>
+              </a:rPr>
+              <a:t>bằng</a:t>
+            </a:r>
+            <a:r>
+              <a:rPr lang="en-US" dirty="0">
+                <a:latin typeface="Segoe UI Black" panose="020B0A02040204020203" pitchFamily="34" charset="0"/>
+                <a:ea typeface="Segoe UI Black" panose="020B0A02040204020203" pitchFamily="34" charset="0"/>
+                <a:cs typeface="Times New Roman" panose="02020603050405020304" pitchFamily="18" charset="0"/>
+              </a:rPr>
+              <a:t> “v” </a:t>
+            </a:r>
+            <a:r>
+              <a:rPr lang="en-US" dirty="0" err="1">
+                <a:latin typeface="Segoe UI Black" panose="020B0A02040204020203" pitchFamily="34" charset="0"/>
+                <a:ea typeface="Segoe UI Black" panose="020B0A02040204020203" pitchFamily="34" charset="0"/>
+                <a:cs typeface="Times New Roman" panose="02020603050405020304" pitchFamily="18" charset="0"/>
+              </a:rPr>
+              <a:t>và</a:t>
+            </a:r>
+            <a:r>
+              <a:rPr lang="en-US" dirty="0">
+                <a:latin typeface="Segoe UI Black" panose="020B0A02040204020203" pitchFamily="34" charset="0"/>
+                <a:ea typeface="Segoe UI Black" panose="020B0A02040204020203" pitchFamily="34" charset="0"/>
+                <a:cs typeface="Times New Roman" panose="02020603050405020304" pitchFamily="18" charset="0"/>
+              </a:rPr>
+              <a:t> </a:t>
+            </a:r>
+            <a:r>
+              <a:rPr lang="en-US" dirty="0" err="1">
+                <a:latin typeface="Segoe UI Black" panose="020B0A02040204020203" pitchFamily="34" charset="0"/>
+                <a:ea typeface="Segoe UI Black" panose="020B0A02040204020203" pitchFamily="34" charset="0"/>
+                <a:cs typeface="Times New Roman" panose="02020603050405020304" pitchFamily="18" charset="0"/>
+              </a:rPr>
+              <a:t>kết</a:t>
+            </a:r>
+            <a:r>
+              <a:rPr lang="en-US" dirty="0">
+                <a:latin typeface="Segoe UI Black" panose="020B0A02040204020203" pitchFamily="34" charset="0"/>
+                <a:ea typeface="Segoe UI Black" panose="020B0A02040204020203" pitchFamily="34" charset="0"/>
+                <a:cs typeface="Times New Roman" panose="02020603050405020304" pitchFamily="18" charset="0"/>
+              </a:rPr>
+              <a:t> </a:t>
+            </a:r>
+            <a:r>
+              <a:rPr lang="en-US" dirty="0" err="1">
+                <a:latin typeface="Segoe UI Black" panose="020B0A02040204020203" pitchFamily="34" charset="0"/>
+                <a:ea typeface="Segoe UI Black" panose="020B0A02040204020203" pitchFamily="34" charset="0"/>
+                <a:cs typeface="Times New Roman" panose="02020603050405020304" pitchFamily="18" charset="0"/>
+              </a:rPr>
+              <a:t>thúc</a:t>
+            </a:r>
+            <a:r>
+              <a:rPr lang="en-US" dirty="0">
+                <a:latin typeface="Segoe UI Black" panose="020B0A02040204020203" pitchFamily="34" charset="0"/>
+                <a:ea typeface="Segoe UI Black" panose="020B0A02040204020203" pitchFamily="34" charset="0"/>
+                <a:cs typeface="Times New Roman" panose="02020603050405020304" pitchFamily="18" charset="0"/>
+              </a:rPr>
+              <a:t> </a:t>
+            </a:r>
+            <a:r>
+              <a:rPr lang="en-US" dirty="0" err="1">
+                <a:latin typeface="Segoe UI Black" panose="020B0A02040204020203" pitchFamily="34" charset="0"/>
+                <a:ea typeface="Segoe UI Black" panose="020B0A02040204020203" pitchFamily="34" charset="0"/>
+                <a:cs typeface="Times New Roman" panose="02020603050405020304" pitchFamily="18" charset="0"/>
+              </a:rPr>
+              <a:t>bằng</a:t>
+            </a:r>
+            <a:r>
+              <a:rPr lang="en-US" dirty="0">
+                <a:latin typeface="Segoe UI Black" panose="020B0A02040204020203" pitchFamily="34" charset="0"/>
+                <a:ea typeface="Segoe UI Black" panose="020B0A02040204020203" pitchFamily="34" charset="0"/>
+                <a:cs typeface="Times New Roman" panose="02020603050405020304" pitchFamily="18" charset="0"/>
+              </a:rPr>
+              <a:t> </a:t>
+            </a:r>
+            <a:r>
+              <a:rPr lang="en-US" dirty="0" err="1">
+                <a:latin typeface="Segoe UI Black" panose="020B0A02040204020203" pitchFamily="34" charset="0"/>
+                <a:ea typeface="Segoe UI Black" panose="020B0A02040204020203" pitchFamily="34" charset="0"/>
+                <a:cs typeface="Times New Roman" panose="02020603050405020304" pitchFamily="18" charset="0"/>
+              </a:rPr>
+              <a:t>một</a:t>
+            </a:r>
+            <a:r>
+              <a:rPr lang="en-US" dirty="0">
+                <a:latin typeface="Segoe UI Black" panose="020B0A02040204020203" pitchFamily="34" charset="0"/>
+                <a:ea typeface="Segoe UI Black" panose="020B0A02040204020203" pitchFamily="34" charset="0"/>
+                <a:cs typeface="Times New Roman" panose="02020603050405020304" pitchFamily="18" charset="0"/>
+              </a:rPr>
+              <a:t> </a:t>
+            </a:r>
+            <a:r>
+              <a:rPr lang="en-US" dirty="0" err="1">
+                <a:latin typeface="Segoe UI Black" panose="020B0A02040204020203" pitchFamily="34" charset="0"/>
+                <a:ea typeface="Segoe UI Black" panose="020B0A02040204020203" pitchFamily="34" charset="0"/>
+                <a:cs typeface="Times New Roman" panose="02020603050405020304" pitchFamily="18" charset="0"/>
+              </a:rPr>
+              <a:t>số</a:t>
+            </a:r>
+            <a:r>
+              <a:rPr lang="en-US" dirty="0">
+                <a:latin typeface="Segoe UI Black" panose="020B0A02040204020203" pitchFamily="34" charset="0"/>
+                <a:ea typeface="Segoe UI Black" panose="020B0A02040204020203" pitchFamily="34" charset="0"/>
+                <a:cs typeface="Times New Roman" panose="02020603050405020304" pitchFamily="18" charset="0"/>
+              </a:rPr>
+              <a:t> </a:t>
+            </a:r>
+            <a:r>
+              <a:rPr lang="en-US" dirty="0" err="1">
+                <a:latin typeface="Segoe UI Black" panose="020B0A02040204020203" pitchFamily="34" charset="0"/>
+                <a:ea typeface="Segoe UI Black" panose="020B0A02040204020203" pitchFamily="34" charset="0"/>
+                <a:cs typeface="Times New Roman" panose="02020603050405020304" pitchFamily="18" charset="0"/>
+              </a:rPr>
+              <a:t>dương</a:t>
+            </a:r>
+            <a:endParaRPr lang="en-US" dirty="0">
+              <a:latin typeface="Segoe UI Black" panose="020B0A02040204020203" pitchFamily="34" charset="0"/>
+              <a:ea typeface="Segoe UI Black" panose="020B0A02040204020203" pitchFamily="34" charset="0"/>
+              <a:cs typeface="Times New Roman" panose="02020603050405020304" pitchFamily="18" charset="0"/>
+            </a:endParaRPr>
           </a:p>
           <a:p>
             <a:pPr marL="342900" indent="-342900">
@@ -4948,20 +8986,142 @@
               <a:buChar char="Ø"/>
             </a:pPr>
             <a:r>
-              <a:rPr lang="en-US" sz="2200">
-                <a:latin typeface="Times New Roman" panose="02020603050405020304" pitchFamily="18" charset="0"/>
-                <a:cs typeface="Times New Roman" panose="02020603050405020304" pitchFamily="18" charset="0"/>
-              </a:rPr>
-              <a:t>Đặt vị trí đầu tiên của resource</a:t>
-            </a:r>
-          </a:p>
-          <a:p>
-            <a:r>
-              <a:rPr lang="en-US" sz="2200">
-                <a:latin typeface="Times New Roman" panose="02020603050405020304" pitchFamily="18" charset="0"/>
-                <a:cs typeface="Times New Roman" panose="02020603050405020304" pitchFamily="18" charset="0"/>
-              </a:rPr>
-              <a:t>GET /v1/users/1 thay vì GET /users/v1.5/1</a:t>
+              <a:rPr lang="en-US" dirty="0" err="1">
+                <a:latin typeface="Segoe UI Black" panose="020B0A02040204020203" pitchFamily="34" charset="0"/>
+                <a:ea typeface="Segoe UI Black" panose="020B0A02040204020203" pitchFamily="34" charset="0"/>
+                <a:cs typeface="Times New Roman" panose="02020603050405020304" pitchFamily="18" charset="0"/>
+              </a:rPr>
+              <a:t>Đặt</a:t>
+            </a:r>
+            <a:r>
+              <a:rPr lang="en-US" dirty="0">
+                <a:latin typeface="Segoe UI Black" panose="020B0A02040204020203" pitchFamily="34" charset="0"/>
+                <a:ea typeface="Segoe UI Black" panose="020B0A02040204020203" pitchFamily="34" charset="0"/>
+                <a:cs typeface="Times New Roman" panose="02020603050405020304" pitchFamily="18" charset="0"/>
+              </a:rPr>
+              <a:t> </a:t>
+            </a:r>
+            <a:r>
+              <a:rPr lang="en-US" dirty="0" err="1">
+                <a:latin typeface="Segoe UI Black" panose="020B0A02040204020203" pitchFamily="34" charset="0"/>
+                <a:ea typeface="Segoe UI Black" panose="020B0A02040204020203" pitchFamily="34" charset="0"/>
+                <a:cs typeface="Times New Roman" panose="02020603050405020304" pitchFamily="18" charset="0"/>
+              </a:rPr>
+              <a:t>vị</a:t>
+            </a:r>
+            <a:r>
+              <a:rPr lang="en-US" dirty="0">
+                <a:latin typeface="Segoe UI Black" panose="020B0A02040204020203" pitchFamily="34" charset="0"/>
+                <a:ea typeface="Segoe UI Black" panose="020B0A02040204020203" pitchFamily="34" charset="0"/>
+                <a:cs typeface="Times New Roman" panose="02020603050405020304" pitchFamily="18" charset="0"/>
+              </a:rPr>
+              <a:t> </a:t>
+            </a:r>
+            <a:r>
+              <a:rPr lang="en-US" dirty="0" err="1">
+                <a:latin typeface="Segoe UI Black" panose="020B0A02040204020203" pitchFamily="34" charset="0"/>
+                <a:ea typeface="Segoe UI Black" panose="020B0A02040204020203" pitchFamily="34" charset="0"/>
+                <a:cs typeface="Times New Roman" panose="02020603050405020304" pitchFamily="18" charset="0"/>
+              </a:rPr>
+              <a:t>trí</a:t>
+            </a:r>
+            <a:r>
+              <a:rPr lang="en-US" dirty="0">
+                <a:latin typeface="Segoe UI Black" panose="020B0A02040204020203" pitchFamily="34" charset="0"/>
+                <a:ea typeface="Segoe UI Black" panose="020B0A02040204020203" pitchFamily="34" charset="0"/>
+                <a:cs typeface="Times New Roman" panose="02020603050405020304" pitchFamily="18" charset="0"/>
+              </a:rPr>
+              <a:t> </a:t>
+            </a:r>
+            <a:r>
+              <a:rPr lang="en-US" dirty="0" err="1">
+                <a:latin typeface="Segoe UI Black" panose="020B0A02040204020203" pitchFamily="34" charset="0"/>
+                <a:ea typeface="Segoe UI Black" panose="020B0A02040204020203" pitchFamily="34" charset="0"/>
+                <a:cs typeface="Times New Roman" panose="02020603050405020304" pitchFamily="18" charset="0"/>
+              </a:rPr>
+              <a:t>đầu</a:t>
+            </a:r>
+            <a:r>
+              <a:rPr lang="en-US" dirty="0">
+                <a:latin typeface="Segoe UI Black" panose="020B0A02040204020203" pitchFamily="34" charset="0"/>
+                <a:ea typeface="Segoe UI Black" panose="020B0A02040204020203" pitchFamily="34" charset="0"/>
+                <a:cs typeface="Times New Roman" panose="02020603050405020304" pitchFamily="18" charset="0"/>
+              </a:rPr>
+              <a:t> </a:t>
+            </a:r>
+            <a:r>
+              <a:rPr lang="en-US" dirty="0" err="1">
+                <a:latin typeface="Segoe UI Black" panose="020B0A02040204020203" pitchFamily="34" charset="0"/>
+                <a:ea typeface="Segoe UI Black" panose="020B0A02040204020203" pitchFamily="34" charset="0"/>
+                <a:cs typeface="Times New Roman" panose="02020603050405020304" pitchFamily="18" charset="0"/>
+              </a:rPr>
+              <a:t>tiên</a:t>
+            </a:r>
+            <a:r>
+              <a:rPr lang="en-US" dirty="0">
+                <a:latin typeface="Segoe UI Black" panose="020B0A02040204020203" pitchFamily="34" charset="0"/>
+                <a:ea typeface="Segoe UI Black" panose="020B0A02040204020203" pitchFamily="34" charset="0"/>
+                <a:cs typeface="Times New Roman" panose="02020603050405020304" pitchFamily="18" charset="0"/>
+              </a:rPr>
+              <a:t> </a:t>
+            </a:r>
+            <a:r>
+              <a:rPr lang="en-US" dirty="0" err="1">
+                <a:latin typeface="Segoe UI Black" panose="020B0A02040204020203" pitchFamily="34" charset="0"/>
+                <a:ea typeface="Segoe UI Black" panose="020B0A02040204020203" pitchFamily="34" charset="0"/>
+                <a:cs typeface="Times New Roman" panose="02020603050405020304" pitchFamily="18" charset="0"/>
+              </a:rPr>
+              <a:t>của</a:t>
+            </a:r>
+            <a:r>
+              <a:rPr lang="en-US" dirty="0">
+                <a:latin typeface="Segoe UI Black" panose="020B0A02040204020203" pitchFamily="34" charset="0"/>
+                <a:ea typeface="Segoe UI Black" panose="020B0A02040204020203" pitchFamily="34" charset="0"/>
+                <a:cs typeface="Times New Roman" panose="02020603050405020304" pitchFamily="18" charset="0"/>
+              </a:rPr>
+              <a:t> resource</a:t>
+            </a:r>
+          </a:p>
+          <a:p>
+            <a:r>
+              <a:rPr lang="en-US" dirty="0">
+                <a:latin typeface="Segoe UI Black" panose="020B0A02040204020203" pitchFamily="34" charset="0"/>
+                <a:ea typeface="Segoe UI Black" panose="020B0A02040204020203" pitchFamily="34" charset="0"/>
+                <a:cs typeface="Times New Roman" panose="02020603050405020304" pitchFamily="18" charset="0"/>
+              </a:rPr>
+              <a:t>GET /v1/users/1 </a:t>
+            </a:r>
+            <a:r>
+              <a:rPr lang="en-US" dirty="0" err="1">
+                <a:latin typeface="Segoe UI Black" panose="020B0A02040204020203" pitchFamily="34" charset="0"/>
+                <a:ea typeface="Segoe UI Black" panose="020B0A02040204020203" pitchFamily="34" charset="0"/>
+                <a:cs typeface="Times New Roman" panose="02020603050405020304" pitchFamily="18" charset="0"/>
+              </a:rPr>
+              <a:t>thay</a:t>
+            </a:r>
+            <a:r>
+              <a:rPr lang="en-US" dirty="0">
+                <a:latin typeface="Segoe UI Black" panose="020B0A02040204020203" pitchFamily="34" charset="0"/>
+                <a:ea typeface="Segoe UI Black" panose="020B0A02040204020203" pitchFamily="34" charset="0"/>
+                <a:cs typeface="Times New Roman" panose="02020603050405020304" pitchFamily="18" charset="0"/>
+              </a:rPr>
+              <a:t> </a:t>
+            </a:r>
+            <a:r>
+              <a:rPr lang="en-US" dirty="0" err="1">
+                <a:latin typeface="Segoe UI Black" panose="020B0A02040204020203" pitchFamily="34" charset="0"/>
+                <a:ea typeface="Segoe UI Black" panose="020B0A02040204020203" pitchFamily="34" charset="0"/>
+                <a:cs typeface="Times New Roman" panose="02020603050405020304" pitchFamily="18" charset="0"/>
+              </a:rPr>
+              <a:t>vì</a:t>
+            </a:r>
+            <a:r>
+              <a:rPr lang="en-US" dirty="0">
+                <a:latin typeface="Segoe UI Black" panose="020B0A02040204020203" pitchFamily="34" charset="0"/>
+                <a:ea typeface="Segoe UI Black" panose="020B0A02040204020203" pitchFamily="34" charset="0"/>
+                <a:cs typeface="Times New Roman" panose="02020603050405020304" pitchFamily="18" charset="0"/>
+              </a:rPr>
+              <a:t> GET /users/v1.5/1</a:t>
             </a:r>
           </a:p>
           <a:p>
@@ -4970,20 +9130,150 @@
               <a:buChar char="•"/>
             </a:pPr>
             <a:r>
-              <a:rPr lang="en-US" sz="2200" b="1">
-                <a:latin typeface="Times New Roman" panose="02020603050405020304" pitchFamily="18" charset="0"/>
-                <a:cs typeface="Times New Roman" panose="02020603050405020304" pitchFamily="18" charset="0"/>
-              </a:rPr>
-              <a:t>Đặt tên cho các attribute</a:t>
-            </a:r>
-          </a:p>
-          <a:p>
-            <a:r>
-              <a:rPr lang="en-US" sz="2200">
-                <a:latin typeface="Times New Roman" panose="02020603050405020304" pitchFamily="18" charset="0"/>
-                <a:cs typeface="Times New Roman" panose="02020603050405020304" pitchFamily="18" charset="0"/>
-              </a:rPr>
-              <a:t>Thống nhất 1 loại convention, naming cho 1 loại attribute</a:t>
+              <a:rPr lang="en-US" b="1" dirty="0" err="1">
+                <a:latin typeface="Segoe UI Black" panose="020B0A02040204020203" pitchFamily="34" charset="0"/>
+                <a:ea typeface="Segoe UI Black" panose="020B0A02040204020203" pitchFamily="34" charset="0"/>
+                <a:cs typeface="Times New Roman" panose="02020603050405020304" pitchFamily="18" charset="0"/>
+              </a:rPr>
+              <a:t>Đặt</a:t>
+            </a:r>
+            <a:r>
+              <a:rPr lang="en-US" b="1" dirty="0">
+                <a:latin typeface="Segoe UI Black" panose="020B0A02040204020203" pitchFamily="34" charset="0"/>
+                <a:ea typeface="Segoe UI Black" panose="020B0A02040204020203" pitchFamily="34" charset="0"/>
+                <a:cs typeface="Times New Roman" panose="02020603050405020304" pitchFamily="18" charset="0"/>
+              </a:rPr>
+              <a:t> </a:t>
+            </a:r>
+            <a:r>
+              <a:rPr lang="en-US" b="1" dirty="0" err="1">
+                <a:latin typeface="Segoe UI Black" panose="020B0A02040204020203" pitchFamily="34" charset="0"/>
+                <a:ea typeface="Segoe UI Black" panose="020B0A02040204020203" pitchFamily="34" charset="0"/>
+                <a:cs typeface="Times New Roman" panose="02020603050405020304" pitchFamily="18" charset="0"/>
+              </a:rPr>
+              <a:t>tên</a:t>
+            </a:r>
+            <a:r>
+              <a:rPr lang="en-US" b="1" dirty="0">
+                <a:latin typeface="Segoe UI Black" panose="020B0A02040204020203" pitchFamily="34" charset="0"/>
+                <a:ea typeface="Segoe UI Black" panose="020B0A02040204020203" pitchFamily="34" charset="0"/>
+                <a:cs typeface="Times New Roman" panose="02020603050405020304" pitchFamily="18" charset="0"/>
+              </a:rPr>
+              <a:t> </a:t>
+            </a:r>
+            <a:r>
+              <a:rPr lang="en-US" b="1" dirty="0" err="1">
+                <a:latin typeface="Segoe UI Black" panose="020B0A02040204020203" pitchFamily="34" charset="0"/>
+                <a:ea typeface="Segoe UI Black" panose="020B0A02040204020203" pitchFamily="34" charset="0"/>
+                <a:cs typeface="Times New Roman" panose="02020603050405020304" pitchFamily="18" charset="0"/>
+              </a:rPr>
+              <a:t>cho</a:t>
+            </a:r>
+            <a:r>
+              <a:rPr lang="en-US" b="1" dirty="0">
+                <a:latin typeface="Segoe UI Black" panose="020B0A02040204020203" pitchFamily="34" charset="0"/>
+                <a:ea typeface="Segoe UI Black" panose="020B0A02040204020203" pitchFamily="34" charset="0"/>
+                <a:cs typeface="Times New Roman" panose="02020603050405020304" pitchFamily="18" charset="0"/>
+              </a:rPr>
+              <a:t> </a:t>
+            </a:r>
+            <a:r>
+              <a:rPr lang="en-US" b="1" dirty="0" err="1">
+                <a:latin typeface="Segoe UI Black" panose="020B0A02040204020203" pitchFamily="34" charset="0"/>
+                <a:ea typeface="Segoe UI Black" panose="020B0A02040204020203" pitchFamily="34" charset="0"/>
+                <a:cs typeface="Times New Roman" panose="02020603050405020304" pitchFamily="18" charset="0"/>
+              </a:rPr>
+              <a:t>các</a:t>
+            </a:r>
+            <a:r>
+              <a:rPr lang="en-US" b="1" dirty="0">
+                <a:latin typeface="Segoe UI Black" panose="020B0A02040204020203" pitchFamily="34" charset="0"/>
+                <a:ea typeface="Segoe UI Black" panose="020B0A02040204020203" pitchFamily="34" charset="0"/>
+                <a:cs typeface="Times New Roman" panose="02020603050405020304" pitchFamily="18" charset="0"/>
+              </a:rPr>
+              <a:t> attribute</a:t>
+            </a:r>
+          </a:p>
+          <a:p>
+            <a:r>
+              <a:rPr lang="en-US" dirty="0" err="1">
+                <a:latin typeface="Segoe UI Black" panose="020B0A02040204020203" pitchFamily="34" charset="0"/>
+                <a:ea typeface="Segoe UI Black" panose="020B0A02040204020203" pitchFamily="34" charset="0"/>
+                <a:cs typeface="Times New Roman" panose="02020603050405020304" pitchFamily="18" charset="0"/>
+              </a:rPr>
+              <a:t>Thống</a:t>
+            </a:r>
+            <a:r>
+              <a:rPr lang="en-US" dirty="0">
+                <a:latin typeface="Segoe UI Black" panose="020B0A02040204020203" pitchFamily="34" charset="0"/>
+                <a:ea typeface="Segoe UI Black" panose="020B0A02040204020203" pitchFamily="34" charset="0"/>
+                <a:cs typeface="Times New Roman" panose="02020603050405020304" pitchFamily="18" charset="0"/>
+              </a:rPr>
+              <a:t> </a:t>
+            </a:r>
+            <a:r>
+              <a:rPr lang="en-US" dirty="0" err="1">
+                <a:latin typeface="Segoe UI Black" panose="020B0A02040204020203" pitchFamily="34" charset="0"/>
+                <a:ea typeface="Segoe UI Black" panose="020B0A02040204020203" pitchFamily="34" charset="0"/>
+                <a:cs typeface="Times New Roman" panose="02020603050405020304" pitchFamily="18" charset="0"/>
+              </a:rPr>
+              <a:t>nhất</a:t>
+            </a:r>
+            <a:r>
+              <a:rPr lang="en-US" dirty="0">
+                <a:latin typeface="Segoe UI Black" panose="020B0A02040204020203" pitchFamily="34" charset="0"/>
+                <a:ea typeface="Segoe UI Black" panose="020B0A02040204020203" pitchFamily="34" charset="0"/>
+                <a:cs typeface="Times New Roman" panose="02020603050405020304" pitchFamily="18" charset="0"/>
+              </a:rPr>
+              <a:t> 1 </a:t>
+            </a:r>
+            <a:r>
+              <a:rPr lang="en-US" dirty="0" err="1">
+                <a:latin typeface="Segoe UI Black" panose="020B0A02040204020203" pitchFamily="34" charset="0"/>
+                <a:ea typeface="Segoe UI Black" panose="020B0A02040204020203" pitchFamily="34" charset="0"/>
+                <a:cs typeface="Times New Roman" panose="02020603050405020304" pitchFamily="18" charset="0"/>
+              </a:rPr>
+              <a:t>loại</a:t>
+            </a:r>
+            <a:r>
+              <a:rPr lang="en-US" dirty="0">
+                <a:latin typeface="Segoe UI Black" panose="020B0A02040204020203" pitchFamily="34" charset="0"/>
+                <a:ea typeface="Segoe UI Black" panose="020B0A02040204020203" pitchFamily="34" charset="0"/>
+                <a:cs typeface="Times New Roman" panose="02020603050405020304" pitchFamily="18" charset="0"/>
+              </a:rPr>
+              <a:t> convention, naming </a:t>
+            </a:r>
+            <a:r>
+              <a:rPr lang="en-US" dirty="0" err="1">
+                <a:latin typeface="Segoe UI Black" panose="020B0A02040204020203" pitchFamily="34" charset="0"/>
+                <a:ea typeface="Segoe UI Black" panose="020B0A02040204020203" pitchFamily="34" charset="0"/>
+                <a:cs typeface="Times New Roman" panose="02020603050405020304" pitchFamily="18" charset="0"/>
+              </a:rPr>
+              <a:t>cho</a:t>
+            </a:r>
+            <a:r>
+              <a:rPr lang="en-US" dirty="0">
+                <a:latin typeface="Segoe UI Black" panose="020B0A02040204020203" pitchFamily="34" charset="0"/>
+                <a:ea typeface="Segoe UI Black" panose="020B0A02040204020203" pitchFamily="34" charset="0"/>
+                <a:cs typeface="Times New Roman" panose="02020603050405020304" pitchFamily="18" charset="0"/>
+              </a:rPr>
+              <a:t> 1 </a:t>
+            </a:r>
+            <a:r>
+              <a:rPr lang="en-US" dirty="0" err="1">
+                <a:latin typeface="Segoe UI Black" panose="020B0A02040204020203" pitchFamily="34" charset="0"/>
+                <a:ea typeface="Segoe UI Black" panose="020B0A02040204020203" pitchFamily="34" charset="0"/>
+                <a:cs typeface="Times New Roman" panose="02020603050405020304" pitchFamily="18" charset="0"/>
+              </a:rPr>
+              <a:t>loại</a:t>
+            </a:r>
+            <a:r>
+              <a:rPr lang="en-US" dirty="0">
+                <a:latin typeface="Segoe UI Black" panose="020B0A02040204020203" pitchFamily="34" charset="0"/>
+                <a:ea typeface="Segoe UI Black" panose="020B0A02040204020203" pitchFamily="34" charset="0"/>
+                <a:cs typeface="Times New Roman" panose="02020603050405020304" pitchFamily="18" charset="0"/>
+              </a:rPr>
+              <a:t> attribute</a:t>
             </a:r>
           </a:p>
           <a:p>
@@ -4992,58 +9282,350 @@
               <a:buChar char="•"/>
             </a:pPr>
             <a:r>
-              <a:rPr lang="en-US" sz="2200" b="1">
-                <a:latin typeface="Times New Roman" panose="02020603050405020304" pitchFamily="18" charset="0"/>
-                <a:cs typeface="Times New Roman" panose="02020603050405020304" pitchFamily="18" charset="0"/>
-              </a:rPr>
-              <a:t>Phân trang</a:t>
-            </a:r>
-          </a:p>
-          <a:p>
-            <a:r>
-              <a:rPr lang="en-US" sz="2200">
-                <a:latin typeface="Times New Roman" panose="02020603050405020304" pitchFamily="18" charset="0"/>
-                <a:cs typeface="Times New Roman" panose="02020603050405020304" pitchFamily="18" charset="0"/>
-              </a:rPr>
-              <a:t>Có các loại phân trang từ 3 hệ thống sau: lấy 25 phần tử từ vị trí thứ 50</a:t>
-            </a:r>
-          </a:p>
-          <a:p>
-            <a:r>
-              <a:rPr lang="en-US" sz="2200">
-                <a:latin typeface="Times New Roman" panose="02020603050405020304" pitchFamily="18" charset="0"/>
-                <a:cs typeface="Times New Roman" panose="02020603050405020304" pitchFamily="18" charset="0"/>
-              </a:rPr>
-              <a:t>Facebook: offset 50 and limit 25</a:t>
-            </a:r>
-          </a:p>
-          <a:p>
-            <a:r>
-              <a:rPr lang="en-US" sz="2200">
-                <a:latin typeface="Times New Roman" panose="02020603050405020304" pitchFamily="18" charset="0"/>
-                <a:cs typeface="Times New Roman" panose="02020603050405020304" pitchFamily="18" charset="0"/>
-              </a:rPr>
-              <a:t>Twitter: page 3 and rpp 25 (records per page)</a:t>
-            </a:r>
-          </a:p>
-          <a:p>
-            <a:r>
-              <a:rPr lang="en-US" sz="2200">
-                <a:latin typeface="Times New Roman" panose="02020603050405020304" pitchFamily="18" charset="0"/>
-                <a:cs typeface="Times New Roman" panose="02020603050405020304" pitchFamily="18" charset="0"/>
-              </a:rPr>
-              <a:t>LinkedIn: start 50 and count 25</a:t>
-            </a:r>
-          </a:p>
-          <a:p>
-            <a:endParaRPr lang="en-US" sz="2200">
-              <a:latin typeface="Times New Roman" panose="02020603050405020304" pitchFamily="18" charset="0"/>
+              <a:rPr lang="en-US" b="1" dirty="0" err="1">
+                <a:latin typeface="Segoe UI Black" panose="020B0A02040204020203" pitchFamily="34" charset="0"/>
+                <a:ea typeface="Segoe UI Black" panose="020B0A02040204020203" pitchFamily="34" charset="0"/>
+                <a:cs typeface="Times New Roman" panose="02020603050405020304" pitchFamily="18" charset="0"/>
+              </a:rPr>
+              <a:t>Phân</a:t>
+            </a:r>
+            <a:r>
+              <a:rPr lang="en-US" b="1" dirty="0">
+                <a:latin typeface="Segoe UI Black" panose="020B0A02040204020203" pitchFamily="34" charset="0"/>
+                <a:ea typeface="Segoe UI Black" panose="020B0A02040204020203" pitchFamily="34" charset="0"/>
+                <a:cs typeface="Times New Roman" panose="02020603050405020304" pitchFamily="18" charset="0"/>
+              </a:rPr>
+              <a:t> </a:t>
+            </a:r>
+            <a:r>
+              <a:rPr lang="en-US" b="1" dirty="0" err="1">
+                <a:latin typeface="Segoe UI Black" panose="020B0A02040204020203" pitchFamily="34" charset="0"/>
+                <a:ea typeface="Segoe UI Black" panose="020B0A02040204020203" pitchFamily="34" charset="0"/>
+                <a:cs typeface="Times New Roman" panose="02020603050405020304" pitchFamily="18" charset="0"/>
+              </a:rPr>
+              <a:t>trang</a:t>
+            </a:r>
+            <a:endParaRPr lang="en-US" b="1" dirty="0">
+              <a:latin typeface="Segoe UI Black" panose="020B0A02040204020203" pitchFamily="34" charset="0"/>
+              <a:ea typeface="Segoe UI Black" panose="020B0A02040204020203" pitchFamily="34" charset="0"/>
               <a:cs typeface="Times New Roman" panose="02020603050405020304" pitchFamily="18" charset="0"/>
             </a:endParaRPr>
           </a:p>
           <a:p>
-            <a:endParaRPr lang="en-US" sz="2200">
-              <a:latin typeface="Times New Roman" panose="02020603050405020304" pitchFamily="18" charset="0"/>
+            <a:r>
+              <a:rPr lang="en-US" dirty="0" err="1">
+                <a:latin typeface="Segoe UI Black" panose="020B0A02040204020203" pitchFamily="34" charset="0"/>
+                <a:ea typeface="Segoe UI Black" panose="020B0A02040204020203" pitchFamily="34" charset="0"/>
+                <a:cs typeface="Times New Roman" panose="02020603050405020304" pitchFamily="18" charset="0"/>
+              </a:rPr>
+              <a:t>Có</a:t>
+            </a:r>
+            <a:r>
+              <a:rPr lang="en-US" dirty="0">
+                <a:latin typeface="Segoe UI Black" panose="020B0A02040204020203" pitchFamily="34" charset="0"/>
+                <a:ea typeface="Segoe UI Black" panose="020B0A02040204020203" pitchFamily="34" charset="0"/>
+                <a:cs typeface="Times New Roman" panose="02020603050405020304" pitchFamily="18" charset="0"/>
+              </a:rPr>
+              <a:t> </a:t>
+            </a:r>
+            <a:r>
+              <a:rPr lang="en-US" dirty="0" err="1">
+                <a:latin typeface="Segoe UI Black" panose="020B0A02040204020203" pitchFamily="34" charset="0"/>
+                <a:ea typeface="Segoe UI Black" panose="020B0A02040204020203" pitchFamily="34" charset="0"/>
+                <a:cs typeface="Times New Roman" panose="02020603050405020304" pitchFamily="18" charset="0"/>
+              </a:rPr>
+              <a:t>các</a:t>
+            </a:r>
+            <a:r>
+              <a:rPr lang="en-US" dirty="0">
+                <a:latin typeface="Segoe UI Black" panose="020B0A02040204020203" pitchFamily="34" charset="0"/>
+                <a:ea typeface="Segoe UI Black" panose="020B0A02040204020203" pitchFamily="34" charset="0"/>
+                <a:cs typeface="Times New Roman" panose="02020603050405020304" pitchFamily="18" charset="0"/>
+              </a:rPr>
+              <a:t> </a:t>
+            </a:r>
+            <a:r>
+              <a:rPr lang="en-US" dirty="0" err="1">
+                <a:latin typeface="Segoe UI Black" panose="020B0A02040204020203" pitchFamily="34" charset="0"/>
+                <a:ea typeface="Segoe UI Black" panose="020B0A02040204020203" pitchFamily="34" charset="0"/>
+                <a:cs typeface="Times New Roman" panose="02020603050405020304" pitchFamily="18" charset="0"/>
+              </a:rPr>
+              <a:t>loại</a:t>
+            </a:r>
+            <a:r>
+              <a:rPr lang="en-US" dirty="0">
+                <a:latin typeface="Segoe UI Black" panose="020B0A02040204020203" pitchFamily="34" charset="0"/>
+                <a:ea typeface="Segoe UI Black" panose="020B0A02040204020203" pitchFamily="34" charset="0"/>
+                <a:cs typeface="Times New Roman" panose="02020603050405020304" pitchFamily="18" charset="0"/>
+              </a:rPr>
+              <a:t> </a:t>
+            </a:r>
+            <a:r>
+              <a:rPr lang="en-US" dirty="0" err="1">
+                <a:latin typeface="Segoe UI Black" panose="020B0A02040204020203" pitchFamily="34" charset="0"/>
+                <a:ea typeface="Segoe UI Black" panose="020B0A02040204020203" pitchFamily="34" charset="0"/>
+                <a:cs typeface="Times New Roman" panose="02020603050405020304" pitchFamily="18" charset="0"/>
+              </a:rPr>
+              <a:t>phân</a:t>
+            </a:r>
+            <a:r>
+              <a:rPr lang="en-US" dirty="0">
+                <a:latin typeface="Segoe UI Black" panose="020B0A02040204020203" pitchFamily="34" charset="0"/>
+                <a:ea typeface="Segoe UI Black" panose="020B0A02040204020203" pitchFamily="34" charset="0"/>
+                <a:cs typeface="Times New Roman" panose="02020603050405020304" pitchFamily="18" charset="0"/>
+              </a:rPr>
+              <a:t> </a:t>
+            </a:r>
+            <a:r>
+              <a:rPr lang="en-US" dirty="0" err="1">
+                <a:latin typeface="Segoe UI Black" panose="020B0A02040204020203" pitchFamily="34" charset="0"/>
+                <a:ea typeface="Segoe UI Black" panose="020B0A02040204020203" pitchFamily="34" charset="0"/>
+                <a:cs typeface="Times New Roman" panose="02020603050405020304" pitchFamily="18" charset="0"/>
+              </a:rPr>
+              <a:t>trang</a:t>
+            </a:r>
+            <a:r>
+              <a:rPr lang="en-US" dirty="0">
+                <a:latin typeface="Segoe UI Black" panose="020B0A02040204020203" pitchFamily="34" charset="0"/>
+                <a:ea typeface="Segoe UI Black" panose="020B0A02040204020203" pitchFamily="34" charset="0"/>
+                <a:cs typeface="Times New Roman" panose="02020603050405020304" pitchFamily="18" charset="0"/>
+              </a:rPr>
+              <a:t> </a:t>
+            </a:r>
+            <a:r>
+              <a:rPr lang="en-US" dirty="0" err="1">
+                <a:latin typeface="Segoe UI Black" panose="020B0A02040204020203" pitchFamily="34" charset="0"/>
+                <a:ea typeface="Segoe UI Black" panose="020B0A02040204020203" pitchFamily="34" charset="0"/>
+                <a:cs typeface="Times New Roman" panose="02020603050405020304" pitchFamily="18" charset="0"/>
+              </a:rPr>
+              <a:t>từ</a:t>
+            </a:r>
+            <a:r>
+              <a:rPr lang="en-US" dirty="0">
+                <a:latin typeface="Segoe UI Black" panose="020B0A02040204020203" pitchFamily="34" charset="0"/>
+                <a:ea typeface="Segoe UI Black" panose="020B0A02040204020203" pitchFamily="34" charset="0"/>
+                <a:cs typeface="Times New Roman" panose="02020603050405020304" pitchFamily="18" charset="0"/>
+              </a:rPr>
+              <a:t> 3 </a:t>
+            </a:r>
+            <a:r>
+              <a:rPr lang="en-US" dirty="0" err="1">
+                <a:latin typeface="Segoe UI Black" panose="020B0A02040204020203" pitchFamily="34" charset="0"/>
+                <a:ea typeface="Segoe UI Black" panose="020B0A02040204020203" pitchFamily="34" charset="0"/>
+                <a:cs typeface="Times New Roman" panose="02020603050405020304" pitchFamily="18" charset="0"/>
+              </a:rPr>
+              <a:t>hệ</a:t>
+            </a:r>
+            <a:r>
+              <a:rPr lang="en-US" dirty="0">
+                <a:latin typeface="Segoe UI Black" panose="020B0A02040204020203" pitchFamily="34" charset="0"/>
+                <a:ea typeface="Segoe UI Black" panose="020B0A02040204020203" pitchFamily="34" charset="0"/>
+                <a:cs typeface="Times New Roman" panose="02020603050405020304" pitchFamily="18" charset="0"/>
+              </a:rPr>
+              <a:t> </a:t>
+            </a:r>
+            <a:r>
+              <a:rPr lang="en-US" dirty="0" err="1">
+                <a:latin typeface="Segoe UI Black" panose="020B0A02040204020203" pitchFamily="34" charset="0"/>
+                <a:ea typeface="Segoe UI Black" panose="020B0A02040204020203" pitchFamily="34" charset="0"/>
+                <a:cs typeface="Times New Roman" panose="02020603050405020304" pitchFamily="18" charset="0"/>
+              </a:rPr>
+              <a:t>thống</a:t>
+            </a:r>
+            <a:r>
+              <a:rPr lang="en-US" dirty="0">
+                <a:latin typeface="Segoe UI Black" panose="020B0A02040204020203" pitchFamily="34" charset="0"/>
+                <a:ea typeface="Segoe UI Black" panose="020B0A02040204020203" pitchFamily="34" charset="0"/>
+                <a:cs typeface="Times New Roman" panose="02020603050405020304" pitchFamily="18" charset="0"/>
+              </a:rPr>
+              <a:t> </a:t>
+            </a:r>
+            <a:r>
+              <a:rPr lang="en-US" dirty="0" err="1">
+                <a:latin typeface="Segoe UI Black" panose="020B0A02040204020203" pitchFamily="34" charset="0"/>
+                <a:ea typeface="Segoe UI Black" panose="020B0A02040204020203" pitchFamily="34" charset="0"/>
+                <a:cs typeface="Times New Roman" panose="02020603050405020304" pitchFamily="18" charset="0"/>
+              </a:rPr>
+              <a:t>sau</a:t>
+            </a:r>
+            <a:r>
+              <a:rPr lang="en-US" dirty="0">
+                <a:latin typeface="Segoe UI Black" panose="020B0A02040204020203" pitchFamily="34" charset="0"/>
+                <a:ea typeface="Segoe UI Black" panose="020B0A02040204020203" pitchFamily="34" charset="0"/>
+                <a:cs typeface="Times New Roman" panose="02020603050405020304" pitchFamily="18" charset="0"/>
+              </a:rPr>
+              <a:t>: </a:t>
+            </a:r>
+            <a:r>
+              <a:rPr lang="en-US" dirty="0" err="1">
+                <a:latin typeface="Segoe UI Black" panose="020B0A02040204020203" pitchFamily="34" charset="0"/>
+                <a:ea typeface="Segoe UI Black" panose="020B0A02040204020203" pitchFamily="34" charset="0"/>
+                <a:cs typeface="Times New Roman" panose="02020603050405020304" pitchFamily="18" charset="0"/>
+              </a:rPr>
+              <a:t>lấy</a:t>
+            </a:r>
+            <a:r>
+              <a:rPr lang="en-US" dirty="0">
+                <a:latin typeface="Segoe UI Black" panose="020B0A02040204020203" pitchFamily="34" charset="0"/>
+                <a:ea typeface="Segoe UI Black" panose="020B0A02040204020203" pitchFamily="34" charset="0"/>
+                <a:cs typeface="Times New Roman" panose="02020603050405020304" pitchFamily="18" charset="0"/>
+              </a:rPr>
+              <a:t> 25 </a:t>
+            </a:r>
+            <a:r>
+              <a:rPr lang="en-US" dirty="0" err="1">
+                <a:latin typeface="Segoe UI Black" panose="020B0A02040204020203" pitchFamily="34" charset="0"/>
+                <a:ea typeface="Segoe UI Black" panose="020B0A02040204020203" pitchFamily="34" charset="0"/>
+                <a:cs typeface="Times New Roman" panose="02020603050405020304" pitchFamily="18" charset="0"/>
+              </a:rPr>
+              <a:t>phần</a:t>
+            </a:r>
+            <a:r>
+              <a:rPr lang="en-US" dirty="0">
+                <a:latin typeface="Segoe UI Black" panose="020B0A02040204020203" pitchFamily="34" charset="0"/>
+                <a:ea typeface="Segoe UI Black" panose="020B0A02040204020203" pitchFamily="34" charset="0"/>
+                <a:cs typeface="Times New Roman" panose="02020603050405020304" pitchFamily="18" charset="0"/>
+              </a:rPr>
+              <a:t> </a:t>
+            </a:r>
+            <a:r>
+              <a:rPr lang="en-US" dirty="0" err="1">
+                <a:latin typeface="Segoe UI Black" panose="020B0A02040204020203" pitchFamily="34" charset="0"/>
+                <a:ea typeface="Segoe UI Black" panose="020B0A02040204020203" pitchFamily="34" charset="0"/>
+                <a:cs typeface="Times New Roman" panose="02020603050405020304" pitchFamily="18" charset="0"/>
+              </a:rPr>
+              <a:t>tử</a:t>
+            </a:r>
+            <a:r>
+              <a:rPr lang="en-US" dirty="0">
+                <a:latin typeface="Segoe UI Black" panose="020B0A02040204020203" pitchFamily="34" charset="0"/>
+                <a:ea typeface="Segoe UI Black" panose="020B0A02040204020203" pitchFamily="34" charset="0"/>
+                <a:cs typeface="Times New Roman" panose="02020603050405020304" pitchFamily="18" charset="0"/>
+              </a:rPr>
+              <a:t> </a:t>
+            </a:r>
+            <a:r>
+              <a:rPr lang="en-US" dirty="0" err="1">
+                <a:latin typeface="Segoe UI Black" panose="020B0A02040204020203" pitchFamily="34" charset="0"/>
+                <a:ea typeface="Segoe UI Black" panose="020B0A02040204020203" pitchFamily="34" charset="0"/>
+                <a:cs typeface="Times New Roman" panose="02020603050405020304" pitchFamily="18" charset="0"/>
+              </a:rPr>
+              <a:t>từ</a:t>
+            </a:r>
+            <a:r>
+              <a:rPr lang="en-US" dirty="0">
+                <a:latin typeface="Segoe UI Black" panose="020B0A02040204020203" pitchFamily="34" charset="0"/>
+                <a:ea typeface="Segoe UI Black" panose="020B0A02040204020203" pitchFamily="34" charset="0"/>
+                <a:cs typeface="Times New Roman" panose="02020603050405020304" pitchFamily="18" charset="0"/>
+              </a:rPr>
+              <a:t> </a:t>
+            </a:r>
+            <a:r>
+              <a:rPr lang="en-US" dirty="0" err="1">
+                <a:latin typeface="Segoe UI Black" panose="020B0A02040204020203" pitchFamily="34" charset="0"/>
+                <a:ea typeface="Segoe UI Black" panose="020B0A02040204020203" pitchFamily="34" charset="0"/>
+                <a:cs typeface="Times New Roman" panose="02020603050405020304" pitchFamily="18" charset="0"/>
+              </a:rPr>
+              <a:t>vị</a:t>
+            </a:r>
+            <a:r>
+              <a:rPr lang="en-US" dirty="0">
+                <a:latin typeface="Segoe UI Black" panose="020B0A02040204020203" pitchFamily="34" charset="0"/>
+                <a:ea typeface="Segoe UI Black" panose="020B0A02040204020203" pitchFamily="34" charset="0"/>
+                <a:cs typeface="Times New Roman" panose="02020603050405020304" pitchFamily="18" charset="0"/>
+              </a:rPr>
+              <a:t> </a:t>
+            </a:r>
+            <a:r>
+              <a:rPr lang="en-US" dirty="0" err="1">
+                <a:latin typeface="Segoe UI Black" panose="020B0A02040204020203" pitchFamily="34" charset="0"/>
+                <a:ea typeface="Segoe UI Black" panose="020B0A02040204020203" pitchFamily="34" charset="0"/>
+                <a:cs typeface="Times New Roman" panose="02020603050405020304" pitchFamily="18" charset="0"/>
+              </a:rPr>
+              <a:t>trí</a:t>
+            </a:r>
+            <a:r>
+              <a:rPr lang="en-US" dirty="0">
+                <a:latin typeface="Segoe UI Black" panose="020B0A02040204020203" pitchFamily="34" charset="0"/>
+                <a:ea typeface="Segoe UI Black" panose="020B0A02040204020203" pitchFamily="34" charset="0"/>
+                <a:cs typeface="Times New Roman" panose="02020603050405020304" pitchFamily="18" charset="0"/>
+              </a:rPr>
+              <a:t> </a:t>
+            </a:r>
+            <a:r>
+              <a:rPr lang="en-US" dirty="0" err="1">
+                <a:latin typeface="Segoe UI Black" panose="020B0A02040204020203" pitchFamily="34" charset="0"/>
+                <a:ea typeface="Segoe UI Black" panose="020B0A02040204020203" pitchFamily="34" charset="0"/>
+                <a:cs typeface="Times New Roman" panose="02020603050405020304" pitchFamily="18" charset="0"/>
+              </a:rPr>
+              <a:t>thứ</a:t>
+            </a:r>
+            <a:r>
+              <a:rPr lang="en-US" dirty="0">
+                <a:latin typeface="Segoe UI Black" panose="020B0A02040204020203" pitchFamily="34" charset="0"/>
+                <a:ea typeface="Segoe UI Black" panose="020B0A02040204020203" pitchFamily="34" charset="0"/>
+                <a:cs typeface="Times New Roman" panose="02020603050405020304" pitchFamily="18" charset="0"/>
+              </a:rPr>
+              <a:t> 50</a:t>
+            </a:r>
+          </a:p>
+          <a:p>
+            <a:r>
+              <a:rPr lang="en-US" dirty="0">
+                <a:latin typeface="Segoe UI Black" panose="020B0A02040204020203" pitchFamily="34" charset="0"/>
+                <a:ea typeface="Segoe UI Black" panose="020B0A02040204020203" pitchFamily="34" charset="0"/>
+                <a:cs typeface="Times New Roman" panose="02020603050405020304" pitchFamily="18" charset="0"/>
+              </a:rPr>
+              <a:t>Facebook: offset 50 and limit 25</a:t>
+            </a:r>
+          </a:p>
+          <a:p>
+            <a:r>
+              <a:rPr lang="en-US" dirty="0">
+                <a:latin typeface="Segoe UI Black" panose="020B0A02040204020203" pitchFamily="34" charset="0"/>
+                <a:ea typeface="Segoe UI Black" panose="020B0A02040204020203" pitchFamily="34" charset="0"/>
+                <a:cs typeface="Times New Roman" panose="02020603050405020304" pitchFamily="18" charset="0"/>
+              </a:rPr>
+              <a:t>Twitter: page 3 and </a:t>
+            </a:r>
+            <a:r>
+              <a:rPr lang="en-US" dirty="0" err="1">
+                <a:latin typeface="Segoe UI Black" panose="020B0A02040204020203" pitchFamily="34" charset="0"/>
+                <a:ea typeface="Segoe UI Black" panose="020B0A02040204020203" pitchFamily="34" charset="0"/>
+                <a:cs typeface="Times New Roman" panose="02020603050405020304" pitchFamily="18" charset="0"/>
+              </a:rPr>
+              <a:t>rpp</a:t>
+            </a:r>
+            <a:r>
+              <a:rPr lang="en-US" dirty="0">
+                <a:latin typeface="Segoe UI Black" panose="020B0A02040204020203" pitchFamily="34" charset="0"/>
+                <a:ea typeface="Segoe UI Black" panose="020B0A02040204020203" pitchFamily="34" charset="0"/>
+                <a:cs typeface="Times New Roman" panose="02020603050405020304" pitchFamily="18" charset="0"/>
+              </a:rPr>
+              <a:t> 25 (records per page)</a:t>
+            </a:r>
+          </a:p>
+          <a:p>
+            <a:r>
+              <a:rPr lang="en-US" dirty="0">
+                <a:latin typeface="Segoe UI Black" panose="020B0A02040204020203" pitchFamily="34" charset="0"/>
+                <a:ea typeface="Segoe UI Black" panose="020B0A02040204020203" pitchFamily="34" charset="0"/>
+                <a:cs typeface="Times New Roman" panose="02020603050405020304" pitchFamily="18" charset="0"/>
+              </a:rPr>
+              <a:t>LinkedIn: start 50 and count 25</a:t>
+            </a:r>
+          </a:p>
+          <a:p>
+            <a:endParaRPr lang="en-US" dirty="0">
+              <a:latin typeface="Segoe UI Black" panose="020B0A02040204020203" pitchFamily="34" charset="0"/>
+              <a:ea typeface="Segoe UI Black" panose="020B0A02040204020203" pitchFamily="34" charset="0"/>
+              <a:cs typeface="Times New Roman" panose="02020603050405020304" pitchFamily="18" charset="0"/>
+            </a:endParaRPr>
+          </a:p>
+          <a:p>
+            <a:endParaRPr lang="en-US" dirty="0">
+              <a:latin typeface="Segoe UI Black" panose="020B0A02040204020203" pitchFamily="34" charset="0"/>
+              <a:ea typeface="Segoe UI Black" panose="020B0A02040204020203" pitchFamily="34" charset="0"/>
               <a:cs typeface="Times New Roman" panose="02020603050405020304" pitchFamily="18" charset="0"/>
             </a:endParaRPr>
           </a:p>
@@ -5100,8 +9682,9 @@
           <a:lstStyle/>
           <a:p>
             <a:r>
-              <a:rPr lang="en-US" b="1">
-                <a:latin typeface="Times New Roman" panose="02020603050405020304" pitchFamily="18" charset="0"/>
+              <a:rPr lang="en-US" sz="3000" b="1" dirty="0">
+                <a:latin typeface="Segoe UI Black" panose="020B0A02040204020203" pitchFamily="34" charset="0"/>
+                <a:ea typeface="Segoe UI Black" panose="020B0A02040204020203" pitchFamily="34" charset="0"/>
                 <a:cs typeface="Times New Roman" panose="02020603050405020304" pitchFamily="18" charset="0"/>
               </a:rPr>
               <a:t>NGUYÊN TẮC THIẾT KẾ </a:t>
@@ -5136,35 +9719,260 @@
               <a:buChar char="•"/>
             </a:pPr>
             <a:r>
-              <a:rPr lang="en-US" sz="2200" b="1">
-                <a:latin typeface="Times New Roman" panose="02020603050405020304" pitchFamily="18" charset="0"/>
-                <a:cs typeface="Times New Roman" panose="02020603050405020304" pitchFamily="18" charset="0"/>
-              </a:rPr>
-              <a:t>Tìm kiếm </a:t>
-            </a:r>
-            <a:r>
-              <a:rPr lang="fr-FR" sz="2200" b="1">
-                <a:latin typeface="Times New Roman" panose="02020603050405020304" pitchFamily="18" charset="0"/>
+              <a:rPr lang="en-US" b="1" dirty="0" err="1">
+                <a:latin typeface="Segoe UI Black" panose="020B0A02040204020203" pitchFamily="34" charset="0"/>
+                <a:ea typeface="Segoe UI Black" panose="020B0A02040204020203" pitchFamily="34" charset="0"/>
+                <a:cs typeface="Times New Roman" panose="02020603050405020304" pitchFamily="18" charset="0"/>
+              </a:rPr>
+              <a:t>Tìm</a:t>
+            </a:r>
+            <a:r>
+              <a:rPr lang="en-US" b="1" dirty="0">
+                <a:latin typeface="Segoe UI Black" panose="020B0A02040204020203" pitchFamily="34" charset="0"/>
+                <a:ea typeface="Segoe UI Black" panose="020B0A02040204020203" pitchFamily="34" charset="0"/>
+                <a:cs typeface="Times New Roman" panose="02020603050405020304" pitchFamily="18" charset="0"/>
+              </a:rPr>
+              <a:t> </a:t>
+            </a:r>
+            <a:r>
+              <a:rPr lang="en-US" b="1" dirty="0" err="1">
+                <a:latin typeface="Segoe UI Black" panose="020B0A02040204020203" pitchFamily="34" charset="0"/>
+                <a:ea typeface="Segoe UI Black" panose="020B0A02040204020203" pitchFamily="34" charset="0"/>
+                <a:cs typeface="Times New Roman" panose="02020603050405020304" pitchFamily="18" charset="0"/>
+              </a:rPr>
+              <a:t>kiếm</a:t>
+            </a:r>
+            <a:r>
+              <a:rPr lang="en-US" b="1" dirty="0">
+                <a:latin typeface="Segoe UI Black" panose="020B0A02040204020203" pitchFamily="34" charset="0"/>
+                <a:ea typeface="Segoe UI Black" panose="020B0A02040204020203" pitchFamily="34" charset="0"/>
+                <a:cs typeface="Times New Roman" panose="02020603050405020304" pitchFamily="18" charset="0"/>
+              </a:rPr>
+              <a:t> </a:t>
+            </a:r>
+            <a:r>
+              <a:rPr lang="fr-FR" b="1" dirty="0" err="1">
+                <a:latin typeface="Segoe UI Black" panose="020B0A02040204020203" pitchFamily="34" charset="0"/>
+                <a:ea typeface="Segoe UI Black" panose="020B0A02040204020203" pitchFamily="34" charset="0"/>
                 <a:cs typeface="Times New Roman" panose="02020603050405020304" pitchFamily="18" charset="0"/>
               </a:rPr>
               <a:t>s</a:t>
             </a:r>
             <a:r>
-              <a:rPr lang="fr-FR" sz="2200">
-                <a:latin typeface="Times New Roman" panose="02020603050405020304" pitchFamily="18" charset="0"/>
-                <a:cs typeface="Times New Roman" panose="02020603050405020304" pitchFamily="18" charset="0"/>
-              </a:rPr>
-              <a:t>ử dụng attribute là “q” (query)</a:t>
-            </a:r>
-          </a:p>
-          <a:p>
-            <a:r>
-              <a:rPr lang="en-US" sz="2200">
-                <a:latin typeface="Times New Roman" panose="02020603050405020304" pitchFamily="18" charset="0"/>
-                <a:cs typeface="Times New Roman" panose="02020603050405020304" pitchFamily="18" charset="0"/>
-              </a:rPr>
-              <a:t>GET/cars?q=Mercedes:tìm tất cả ô tô có tên là mercedes</a:t>
-            </a:r>
+              <a:rPr lang="fr-FR" dirty="0" err="1">
+                <a:latin typeface="Segoe UI Black" panose="020B0A02040204020203" pitchFamily="34" charset="0"/>
+                <a:ea typeface="Segoe UI Black" panose="020B0A02040204020203" pitchFamily="34" charset="0"/>
+                <a:cs typeface="Times New Roman" panose="02020603050405020304" pitchFamily="18" charset="0"/>
+              </a:rPr>
+              <a:t>ử</a:t>
+            </a:r>
+            <a:r>
+              <a:rPr lang="fr-FR" dirty="0">
+                <a:latin typeface="Segoe UI Black" panose="020B0A02040204020203" pitchFamily="34" charset="0"/>
+                <a:ea typeface="Segoe UI Black" panose="020B0A02040204020203" pitchFamily="34" charset="0"/>
+                <a:cs typeface="Times New Roman" panose="02020603050405020304" pitchFamily="18" charset="0"/>
+              </a:rPr>
+              <a:t> </a:t>
+            </a:r>
+            <a:r>
+              <a:rPr lang="fr-FR" dirty="0" err="1">
+                <a:latin typeface="Segoe UI Black" panose="020B0A02040204020203" pitchFamily="34" charset="0"/>
+                <a:ea typeface="Segoe UI Black" panose="020B0A02040204020203" pitchFamily="34" charset="0"/>
+                <a:cs typeface="Times New Roman" panose="02020603050405020304" pitchFamily="18" charset="0"/>
+              </a:rPr>
+              <a:t>dụng</a:t>
+            </a:r>
+            <a:r>
+              <a:rPr lang="fr-FR" dirty="0">
+                <a:latin typeface="Segoe UI Black" panose="020B0A02040204020203" pitchFamily="34" charset="0"/>
+                <a:ea typeface="Segoe UI Black" panose="020B0A02040204020203" pitchFamily="34" charset="0"/>
+                <a:cs typeface="Times New Roman" panose="02020603050405020304" pitchFamily="18" charset="0"/>
+              </a:rPr>
+              <a:t> </a:t>
+            </a:r>
+            <a:r>
+              <a:rPr lang="fr-FR" dirty="0" err="1">
+                <a:latin typeface="Segoe UI Black" panose="020B0A02040204020203" pitchFamily="34" charset="0"/>
+                <a:ea typeface="Segoe UI Black" panose="020B0A02040204020203" pitchFamily="34" charset="0"/>
+                <a:cs typeface="Times New Roman" panose="02020603050405020304" pitchFamily="18" charset="0"/>
+              </a:rPr>
+              <a:t>attribute</a:t>
+            </a:r>
+            <a:r>
+              <a:rPr lang="fr-FR" dirty="0">
+                <a:latin typeface="Segoe UI Black" panose="020B0A02040204020203" pitchFamily="34" charset="0"/>
+                <a:ea typeface="Segoe UI Black" panose="020B0A02040204020203" pitchFamily="34" charset="0"/>
+                <a:cs typeface="Times New Roman" panose="02020603050405020304" pitchFamily="18" charset="0"/>
+              </a:rPr>
+              <a:t> là “q” (</a:t>
+            </a:r>
+            <a:r>
+              <a:rPr lang="fr-FR" dirty="0" err="1">
+                <a:latin typeface="Segoe UI Black" panose="020B0A02040204020203" pitchFamily="34" charset="0"/>
+                <a:ea typeface="Segoe UI Black" panose="020B0A02040204020203" pitchFamily="34" charset="0"/>
+                <a:cs typeface="Times New Roman" panose="02020603050405020304" pitchFamily="18" charset="0"/>
+              </a:rPr>
+              <a:t>query</a:t>
+            </a:r>
+            <a:r>
+              <a:rPr lang="fr-FR" dirty="0">
+                <a:latin typeface="Segoe UI Black" panose="020B0A02040204020203" pitchFamily="34" charset="0"/>
+                <a:ea typeface="Segoe UI Black" panose="020B0A02040204020203" pitchFamily="34" charset="0"/>
+                <a:cs typeface="Times New Roman" panose="02020603050405020304" pitchFamily="18" charset="0"/>
+              </a:rPr>
+              <a:t>)</a:t>
+            </a:r>
+          </a:p>
+          <a:p>
+            <a:r>
+              <a:rPr lang="en-US" dirty="0">
+                <a:latin typeface="Segoe UI Black" panose="020B0A02040204020203" pitchFamily="34" charset="0"/>
+                <a:ea typeface="Segoe UI Black" panose="020B0A02040204020203" pitchFamily="34" charset="0"/>
+                <a:cs typeface="Times New Roman" panose="02020603050405020304" pitchFamily="18" charset="0"/>
+              </a:rPr>
+              <a:t>GET/</a:t>
+            </a:r>
+            <a:r>
+              <a:rPr lang="en-US" dirty="0" err="1">
+                <a:latin typeface="Segoe UI Black" panose="020B0A02040204020203" pitchFamily="34" charset="0"/>
+                <a:ea typeface="Segoe UI Black" panose="020B0A02040204020203" pitchFamily="34" charset="0"/>
+                <a:cs typeface="Times New Roman" panose="02020603050405020304" pitchFamily="18" charset="0"/>
+              </a:rPr>
+              <a:t>cars?q</a:t>
+            </a:r>
+            <a:r>
+              <a:rPr lang="en-US" dirty="0">
+                <a:latin typeface="Segoe UI Black" panose="020B0A02040204020203" pitchFamily="34" charset="0"/>
+                <a:ea typeface="Segoe UI Black" panose="020B0A02040204020203" pitchFamily="34" charset="0"/>
+                <a:cs typeface="Times New Roman" panose="02020603050405020304" pitchFamily="18" charset="0"/>
+              </a:rPr>
+              <a:t>=</a:t>
+            </a:r>
+            <a:r>
+              <a:rPr lang="en-US" dirty="0" err="1">
+                <a:latin typeface="Segoe UI Black" panose="020B0A02040204020203" pitchFamily="34" charset="0"/>
+                <a:ea typeface="Segoe UI Black" panose="020B0A02040204020203" pitchFamily="34" charset="0"/>
+                <a:cs typeface="Times New Roman" panose="02020603050405020304" pitchFamily="18" charset="0"/>
+              </a:rPr>
+              <a:t>Mercedes:tìm</a:t>
+            </a:r>
+            <a:r>
+              <a:rPr lang="en-US" dirty="0">
+                <a:latin typeface="Segoe UI Black" panose="020B0A02040204020203" pitchFamily="34" charset="0"/>
+                <a:ea typeface="Segoe UI Black" panose="020B0A02040204020203" pitchFamily="34" charset="0"/>
+                <a:cs typeface="Times New Roman" panose="02020603050405020304" pitchFamily="18" charset="0"/>
+              </a:rPr>
+              <a:t> </a:t>
+            </a:r>
+            <a:r>
+              <a:rPr lang="en-US" dirty="0" err="1">
+                <a:latin typeface="Segoe UI Black" panose="020B0A02040204020203" pitchFamily="34" charset="0"/>
+                <a:ea typeface="Segoe UI Black" panose="020B0A02040204020203" pitchFamily="34" charset="0"/>
+                <a:cs typeface="Times New Roman" panose="02020603050405020304" pitchFamily="18" charset="0"/>
+              </a:rPr>
+              <a:t>tất</a:t>
+            </a:r>
+            <a:r>
+              <a:rPr lang="en-US" dirty="0">
+                <a:latin typeface="Segoe UI Black" panose="020B0A02040204020203" pitchFamily="34" charset="0"/>
+                <a:ea typeface="Segoe UI Black" panose="020B0A02040204020203" pitchFamily="34" charset="0"/>
+                <a:cs typeface="Times New Roman" panose="02020603050405020304" pitchFamily="18" charset="0"/>
+              </a:rPr>
+              <a:t> </a:t>
+            </a:r>
+            <a:r>
+              <a:rPr lang="en-US" dirty="0" err="1">
+                <a:latin typeface="Segoe UI Black" panose="020B0A02040204020203" pitchFamily="34" charset="0"/>
+                <a:ea typeface="Segoe UI Black" panose="020B0A02040204020203" pitchFamily="34" charset="0"/>
+                <a:cs typeface="Times New Roman" panose="02020603050405020304" pitchFamily="18" charset="0"/>
+              </a:rPr>
+              <a:t>cả</a:t>
+            </a:r>
+            <a:r>
+              <a:rPr lang="en-US" dirty="0">
+                <a:latin typeface="Segoe UI Black" panose="020B0A02040204020203" pitchFamily="34" charset="0"/>
+                <a:ea typeface="Segoe UI Black" panose="020B0A02040204020203" pitchFamily="34" charset="0"/>
+                <a:cs typeface="Times New Roman" panose="02020603050405020304" pitchFamily="18" charset="0"/>
+              </a:rPr>
+              <a:t> ô </a:t>
+            </a:r>
+            <a:r>
+              <a:rPr lang="en-US" dirty="0" err="1">
+                <a:latin typeface="Segoe UI Black" panose="020B0A02040204020203" pitchFamily="34" charset="0"/>
+                <a:ea typeface="Segoe UI Black" panose="020B0A02040204020203" pitchFamily="34" charset="0"/>
+                <a:cs typeface="Times New Roman" panose="02020603050405020304" pitchFamily="18" charset="0"/>
+              </a:rPr>
+              <a:t>tô</a:t>
+            </a:r>
+            <a:r>
+              <a:rPr lang="en-US" dirty="0">
+                <a:latin typeface="Segoe UI Black" panose="020B0A02040204020203" pitchFamily="34" charset="0"/>
+                <a:ea typeface="Segoe UI Black" panose="020B0A02040204020203" pitchFamily="34" charset="0"/>
+                <a:cs typeface="Times New Roman" panose="02020603050405020304" pitchFamily="18" charset="0"/>
+              </a:rPr>
+              <a:t> </a:t>
+            </a:r>
+            <a:r>
+              <a:rPr lang="en-US" dirty="0" err="1">
+                <a:latin typeface="Segoe UI Black" panose="020B0A02040204020203" pitchFamily="34" charset="0"/>
+                <a:ea typeface="Segoe UI Black" panose="020B0A02040204020203" pitchFamily="34" charset="0"/>
+                <a:cs typeface="Times New Roman" panose="02020603050405020304" pitchFamily="18" charset="0"/>
+              </a:rPr>
+              <a:t>có</a:t>
+            </a:r>
+            <a:r>
+              <a:rPr lang="en-US" dirty="0">
+                <a:latin typeface="Segoe UI Black" panose="020B0A02040204020203" pitchFamily="34" charset="0"/>
+                <a:ea typeface="Segoe UI Black" panose="020B0A02040204020203" pitchFamily="34" charset="0"/>
+                <a:cs typeface="Times New Roman" panose="02020603050405020304" pitchFamily="18" charset="0"/>
+              </a:rPr>
+              <a:t> </a:t>
+            </a:r>
+            <a:r>
+              <a:rPr lang="en-US" dirty="0" err="1">
+                <a:latin typeface="Segoe UI Black" panose="020B0A02040204020203" pitchFamily="34" charset="0"/>
+                <a:ea typeface="Segoe UI Black" panose="020B0A02040204020203" pitchFamily="34" charset="0"/>
+                <a:cs typeface="Times New Roman" panose="02020603050405020304" pitchFamily="18" charset="0"/>
+              </a:rPr>
+              <a:t>tên</a:t>
+            </a:r>
+            <a:r>
+              <a:rPr lang="en-US" dirty="0">
+                <a:latin typeface="Segoe UI Black" panose="020B0A02040204020203" pitchFamily="34" charset="0"/>
+                <a:ea typeface="Segoe UI Black" panose="020B0A02040204020203" pitchFamily="34" charset="0"/>
+                <a:cs typeface="Times New Roman" panose="02020603050405020304" pitchFamily="18" charset="0"/>
+              </a:rPr>
+              <a:t> </a:t>
+            </a:r>
+            <a:r>
+              <a:rPr lang="en-US" dirty="0" err="1">
+                <a:latin typeface="Segoe UI Black" panose="020B0A02040204020203" pitchFamily="34" charset="0"/>
+                <a:ea typeface="Segoe UI Black" panose="020B0A02040204020203" pitchFamily="34" charset="0"/>
+                <a:cs typeface="Times New Roman" panose="02020603050405020304" pitchFamily="18" charset="0"/>
+              </a:rPr>
+              <a:t>là</a:t>
+            </a:r>
+            <a:r>
+              <a:rPr lang="en-US" dirty="0">
+                <a:latin typeface="Segoe UI Black" panose="020B0A02040204020203" pitchFamily="34" charset="0"/>
+                <a:ea typeface="Segoe UI Black" panose="020B0A02040204020203" pitchFamily="34" charset="0"/>
+                <a:cs typeface="Times New Roman" panose="02020603050405020304" pitchFamily="18" charset="0"/>
+              </a:rPr>
+              <a:t> </a:t>
+            </a:r>
+            <a:r>
+              <a:rPr lang="en-US" dirty="0" err="1">
+                <a:latin typeface="Segoe UI Black" panose="020B0A02040204020203" pitchFamily="34" charset="0"/>
+                <a:ea typeface="Segoe UI Black" panose="020B0A02040204020203" pitchFamily="34" charset="0"/>
+                <a:cs typeface="Times New Roman" panose="02020603050405020304" pitchFamily="18" charset="0"/>
+              </a:rPr>
+              <a:t>mercedes</a:t>
+            </a:r>
+            <a:endParaRPr lang="en-US" dirty="0">
+              <a:latin typeface="Segoe UI Black" panose="020B0A02040204020203" pitchFamily="34" charset="0"/>
+              <a:ea typeface="Segoe UI Black" panose="020B0A02040204020203" pitchFamily="34" charset="0"/>
+              <a:cs typeface="Times New Roman" panose="02020603050405020304" pitchFamily="18" charset="0"/>
+            </a:endParaRPr>
           </a:p>
           <a:p>
             <a:pPr marL="342900" indent="-342900">
@@ -5172,31 +9980,323 @@
               <a:buChar char="•"/>
             </a:pPr>
             <a:r>
-              <a:rPr lang="en-US" sz="2200" b="1">
-                <a:latin typeface="Times New Roman" panose="02020603050405020304" pitchFamily="18" charset="0"/>
-                <a:cs typeface="Times New Roman" panose="02020603050405020304" pitchFamily="18" charset="0"/>
-              </a:rPr>
-              <a:t>Lựa chon trường trả về </a:t>
-            </a:r>
-            <a:r>
-              <a:rPr lang="fr-FR" sz="2200">
-                <a:latin typeface="Times New Roman" panose="02020603050405020304" pitchFamily="18" charset="0"/>
-                <a:cs typeface="Times New Roman" panose="02020603050405020304" pitchFamily="18" charset="0"/>
-              </a:rPr>
-              <a:t>sử dụng attribute là “field”</a:t>
-            </a:r>
-            <a:endParaRPr lang="en-US" sz="2200">
-              <a:latin typeface="Times New Roman" panose="02020603050405020304" pitchFamily="18" charset="0"/>
+              <a:rPr lang="en-US" b="1" dirty="0" err="1">
+                <a:latin typeface="Segoe UI Black" panose="020B0A02040204020203" pitchFamily="34" charset="0"/>
+                <a:ea typeface="Segoe UI Black" panose="020B0A02040204020203" pitchFamily="34" charset="0"/>
+                <a:cs typeface="Times New Roman" panose="02020603050405020304" pitchFamily="18" charset="0"/>
+              </a:rPr>
+              <a:t>Lựa</a:t>
+            </a:r>
+            <a:r>
+              <a:rPr lang="en-US" b="1" dirty="0">
+                <a:latin typeface="Segoe UI Black" panose="020B0A02040204020203" pitchFamily="34" charset="0"/>
+                <a:ea typeface="Segoe UI Black" panose="020B0A02040204020203" pitchFamily="34" charset="0"/>
+                <a:cs typeface="Times New Roman" panose="02020603050405020304" pitchFamily="18" charset="0"/>
+              </a:rPr>
+              <a:t> chon </a:t>
+            </a:r>
+            <a:r>
+              <a:rPr lang="en-US" b="1" dirty="0" err="1">
+                <a:latin typeface="Segoe UI Black" panose="020B0A02040204020203" pitchFamily="34" charset="0"/>
+                <a:ea typeface="Segoe UI Black" panose="020B0A02040204020203" pitchFamily="34" charset="0"/>
+                <a:cs typeface="Times New Roman" panose="02020603050405020304" pitchFamily="18" charset="0"/>
+              </a:rPr>
+              <a:t>trường</a:t>
+            </a:r>
+            <a:r>
+              <a:rPr lang="en-US" b="1" dirty="0">
+                <a:latin typeface="Segoe UI Black" panose="020B0A02040204020203" pitchFamily="34" charset="0"/>
+                <a:ea typeface="Segoe UI Black" panose="020B0A02040204020203" pitchFamily="34" charset="0"/>
+                <a:cs typeface="Times New Roman" panose="02020603050405020304" pitchFamily="18" charset="0"/>
+              </a:rPr>
+              <a:t> </a:t>
+            </a:r>
+            <a:r>
+              <a:rPr lang="en-US" b="1" dirty="0" err="1">
+                <a:latin typeface="Segoe UI Black" panose="020B0A02040204020203" pitchFamily="34" charset="0"/>
+                <a:ea typeface="Segoe UI Black" panose="020B0A02040204020203" pitchFamily="34" charset="0"/>
+                <a:cs typeface="Times New Roman" panose="02020603050405020304" pitchFamily="18" charset="0"/>
+              </a:rPr>
+              <a:t>trả</a:t>
+            </a:r>
+            <a:r>
+              <a:rPr lang="en-US" b="1" dirty="0">
+                <a:latin typeface="Segoe UI Black" panose="020B0A02040204020203" pitchFamily="34" charset="0"/>
+                <a:ea typeface="Segoe UI Black" panose="020B0A02040204020203" pitchFamily="34" charset="0"/>
+                <a:cs typeface="Times New Roman" panose="02020603050405020304" pitchFamily="18" charset="0"/>
+              </a:rPr>
+              <a:t> </a:t>
+            </a:r>
+            <a:r>
+              <a:rPr lang="en-US" b="1" dirty="0" err="1">
+                <a:latin typeface="Segoe UI Black" panose="020B0A02040204020203" pitchFamily="34" charset="0"/>
+                <a:ea typeface="Segoe UI Black" panose="020B0A02040204020203" pitchFamily="34" charset="0"/>
+                <a:cs typeface="Times New Roman" panose="02020603050405020304" pitchFamily="18" charset="0"/>
+              </a:rPr>
+              <a:t>về</a:t>
+            </a:r>
+            <a:r>
+              <a:rPr lang="en-US" b="1" dirty="0">
+                <a:latin typeface="Segoe UI Black" panose="020B0A02040204020203" pitchFamily="34" charset="0"/>
+                <a:ea typeface="Segoe UI Black" panose="020B0A02040204020203" pitchFamily="34" charset="0"/>
+                <a:cs typeface="Times New Roman" panose="02020603050405020304" pitchFamily="18" charset="0"/>
+              </a:rPr>
+              <a:t> </a:t>
+            </a:r>
+            <a:r>
+              <a:rPr lang="fr-FR" dirty="0" err="1">
+                <a:latin typeface="Segoe UI Black" panose="020B0A02040204020203" pitchFamily="34" charset="0"/>
+                <a:ea typeface="Segoe UI Black" panose="020B0A02040204020203" pitchFamily="34" charset="0"/>
+                <a:cs typeface="Times New Roman" panose="02020603050405020304" pitchFamily="18" charset="0"/>
+              </a:rPr>
+              <a:t>sử</a:t>
+            </a:r>
+            <a:r>
+              <a:rPr lang="fr-FR" dirty="0">
+                <a:latin typeface="Segoe UI Black" panose="020B0A02040204020203" pitchFamily="34" charset="0"/>
+                <a:ea typeface="Segoe UI Black" panose="020B0A02040204020203" pitchFamily="34" charset="0"/>
+                <a:cs typeface="Times New Roman" panose="02020603050405020304" pitchFamily="18" charset="0"/>
+              </a:rPr>
+              <a:t> </a:t>
+            </a:r>
+            <a:r>
+              <a:rPr lang="fr-FR" dirty="0" err="1">
+                <a:latin typeface="Segoe UI Black" panose="020B0A02040204020203" pitchFamily="34" charset="0"/>
+                <a:ea typeface="Segoe UI Black" panose="020B0A02040204020203" pitchFamily="34" charset="0"/>
+                <a:cs typeface="Times New Roman" panose="02020603050405020304" pitchFamily="18" charset="0"/>
+              </a:rPr>
+              <a:t>dụng</a:t>
+            </a:r>
+            <a:r>
+              <a:rPr lang="fr-FR" dirty="0">
+                <a:latin typeface="Segoe UI Black" panose="020B0A02040204020203" pitchFamily="34" charset="0"/>
+                <a:ea typeface="Segoe UI Black" panose="020B0A02040204020203" pitchFamily="34" charset="0"/>
+                <a:cs typeface="Times New Roman" panose="02020603050405020304" pitchFamily="18" charset="0"/>
+              </a:rPr>
+              <a:t> </a:t>
+            </a:r>
+            <a:r>
+              <a:rPr lang="fr-FR" dirty="0" err="1">
+                <a:latin typeface="Segoe UI Black" panose="020B0A02040204020203" pitchFamily="34" charset="0"/>
+                <a:ea typeface="Segoe UI Black" panose="020B0A02040204020203" pitchFamily="34" charset="0"/>
+                <a:cs typeface="Times New Roman" panose="02020603050405020304" pitchFamily="18" charset="0"/>
+              </a:rPr>
+              <a:t>attribute</a:t>
+            </a:r>
+            <a:r>
+              <a:rPr lang="fr-FR" dirty="0">
+                <a:latin typeface="Segoe UI Black" panose="020B0A02040204020203" pitchFamily="34" charset="0"/>
+                <a:ea typeface="Segoe UI Black" panose="020B0A02040204020203" pitchFamily="34" charset="0"/>
+                <a:cs typeface="Times New Roman" panose="02020603050405020304" pitchFamily="18" charset="0"/>
+              </a:rPr>
+              <a:t> là “</a:t>
+            </a:r>
+            <a:r>
+              <a:rPr lang="fr-FR" dirty="0" err="1">
+                <a:latin typeface="Segoe UI Black" panose="020B0A02040204020203" pitchFamily="34" charset="0"/>
+                <a:ea typeface="Segoe UI Black" panose="020B0A02040204020203" pitchFamily="34" charset="0"/>
+                <a:cs typeface="Times New Roman" panose="02020603050405020304" pitchFamily="18" charset="0"/>
+              </a:rPr>
+              <a:t>field</a:t>
+            </a:r>
+            <a:r>
+              <a:rPr lang="fr-FR" dirty="0">
+                <a:latin typeface="Segoe UI Black" panose="020B0A02040204020203" pitchFamily="34" charset="0"/>
+                <a:ea typeface="Segoe UI Black" panose="020B0A02040204020203" pitchFamily="34" charset="0"/>
+                <a:cs typeface="Times New Roman" panose="02020603050405020304" pitchFamily="18" charset="0"/>
+              </a:rPr>
+              <a:t>”</a:t>
+            </a:r>
+            <a:endParaRPr lang="en-US" dirty="0">
+              <a:latin typeface="Segoe UI Black" panose="020B0A02040204020203" pitchFamily="34" charset="0"/>
+              <a:ea typeface="Segoe UI Black" panose="020B0A02040204020203" pitchFamily="34" charset="0"/>
               <a:cs typeface="Times New Roman" panose="02020603050405020304" pitchFamily="18" charset="0"/>
             </a:endParaRPr>
           </a:p>
           <a:p>
             <a:r>
-              <a:rPr lang="en-US" sz="2200">
-                <a:latin typeface="Times New Roman" panose="02020603050405020304" pitchFamily="18" charset="0"/>
-                <a:cs typeface="Times New Roman" panose="02020603050405020304" pitchFamily="18" charset="0"/>
-              </a:rPr>
-              <a:t>GET/user?field=id, name, address: lấy danh sách tất cả các user với các thông tin bao gồm id, name, address</a:t>
+              <a:rPr lang="en-US" dirty="0">
+                <a:latin typeface="Segoe UI Black" panose="020B0A02040204020203" pitchFamily="34" charset="0"/>
+                <a:ea typeface="Segoe UI Black" panose="020B0A02040204020203" pitchFamily="34" charset="0"/>
+                <a:cs typeface="Times New Roman" panose="02020603050405020304" pitchFamily="18" charset="0"/>
+              </a:rPr>
+              <a:t>GET/</a:t>
+            </a:r>
+            <a:r>
+              <a:rPr lang="en-US" dirty="0" err="1">
+                <a:latin typeface="Segoe UI Black" panose="020B0A02040204020203" pitchFamily="34" charset="0"/>
+                <a:ea typeface="Segoe UI Black" panose="020B0A02040204020203" pitchFamily="34" charset="0"/>
+                <a:cs typeface="Times New Roman" panose="02020603050405020304" pitchFamily="18" charset="0"/>
+              </a:rPr>
+              <a:t>user?field</a:t>
+            </a:r>
+            <a:r>
+              <a:rPr lang="en-US" dirty="0">
+                <a:latin typeface="Segoe UI Black" panose="020B0A02040204020203" pitchFamily="34" charset="0"/>
+                <a:ea typeface="Segoe UI Black" panose="020B0A02040204020203" pitchFamily="34" charset="0"/>
+                <a:cs typeface="Times New Roman" panose="02020603050405020304" pitchFamily="18" charset="0"/>
+              </a:rPr>
+              <a:t>=id, name, address: </a:t>
+            </a:r>
+            <a:r>
+              <a:rPr lang="en-US" dirty="0" err="1">
+                <a:latin typeface="Segoe UI Black" panose="020B0A02040204020203" pitchFamily="34" charset="0"/>
+                <a:ea typeface="Segoe UI Black" panose="020B0A02040204020203" pitchFamily="34" charset="0"/>
+                <a:cs typeface="Times New Roman" panose="02020603050405020304" pitchFamily="18" charset="0"/>
+              </a:rPr>
+              <a:t>lấy</a:t>
+            </a:r>
+            <a:r>
+              <a:rPr lang="en-US" dirty="0">
+                <a:latin typeface="Segoe UI Black" panose="020B0A02040204020203" pitchFamily="34" charset="0"/>
+                <a:ea typeface="Segoe UI Black" panose="020B0A02040204020203" pitchFamily="34" charset="0"/>
+                <a:cs typeface="Times New Roman" panose="02020603050405020304" pitchFamily="18" charset="0"/>
+              </a:rPr>
+              <a:t> </a:t>
+            </a:r>
+            <a:r>
+              <a:rPr lang="en-US" dirty="0" err="1">
+                <a:latin typeface="Segoe UI Black" panose="020B0A02040204020203" pitchFamily="34" charset="0"/>
+                <a:ea typeface="Segoe UI Black" panose="020B0A02040204020203" pitchFamily="34" charset="0"/>
+                <a:cs typeface="Times New Roman" panose="02020603050405020304" pitchFamily="18" charset="0"/>
+              </a:rPr>
+              <a:t>danh</a:t>
+            </a:r>
+            <a:r>
+              <a:rPr lang="en-US" dirty="0">
+                <a:latin typeface="Segoe UI Black" panose="020B0A02040204020203" pitchFamily="34" charset="0"/>
+                <a:ea typeface="Segoe UI Black" panose="020B0A02040204020203" pitchFamily="34" charset="0"/>
+                <a:cs typeface="Times New Roman" panose="02020603050405020304" pitchFamily="18" charset="0"/>
+              </a:rPr>
+              <a:t> </a:t>
+            </a:r>
+            <a:r>
+              <a:rPr lang="en-US" dirty="0" err="1">
+                <a:latin typeface="Segoe UI Black" panose="020B0A02040204020203" pitchFamily="34" charset="0"/>
+                <a:ea typeface="Segoe UI Black" panose="020B0A02040204020203" pitchFamily="34" charset="0"/>
+                <a:cs typeface="Times New Roman" panose="02020603050405020304" pitchFamily="18" charset="0"/>
+              </a:rPr>
+              <a:t>sách</a:t>
+            </a:r>
+            <a:r>
+              <a:rPr lang="en-US" dirty="0">
+                <a:latin typeface="Segoe UI Black" panose="020B0A02040204020203" pitchFamily="34" charset="0"/>
+                <a:ea typeface="Segoe UI Black" panose="020B0A02040204020203" pitchFamily="34" charset="0"/>
+                <a:cs typeface="Times New Roman" panose="02020603050405020304" pitchFamily="18" charset="0"/>
+              </a:rPr>
+              <a:t> </a:t>
+            </a:r>
+            <a:r>
+              <a:rPr lang="en-US" dirty="0" err="1">
+                <a:latin typeface="Segoe UI Black" panose="020B0A02040204020203" pitchFamily="34" charset="0"/>
+                <a:ea typeface="Segoe UI Black" panose="020B0A02040204020203" pitchFamily="34" charset="0"/>
+                <a:cs typeface="Times New Roman" panose="02020603050405020304" pitchFamily="18" charset="0"/>
+              </a:rPr>
+              <a:t>tất</a:t>
+            </a:r>
+            <a:r>
+              <a:rPr lang="en-US" dirty="0">
+                <a:latin typeface="Segoe UI Black" panose="020B0A02040204020203" pitchFamily="34" charset="0"/>
+                <a:ea typeface="Segoe UI Black" panose="020B0A02040204020203" pitchFamily="34" charset="0"/>
+                <a:cs typeface="Times New Roman" panose="02020603050405020304" pitchFamily="18" charset="0"/>
+              </a:rPr>
+              <a:t> </a:t>
+            </a:r>
+            <a:r>
+              <a:rPr lang="en-US" dirty="0" err="1">
+                <a:latin typeface="Segoe UI Black" panose="020B0A02040204020203" pitchFamily="34" charset="0"/>
+                <a:ea typeface="Segoe UI Black" panose="020B0A02040204020203" pitchFamily="34" charset="0"/>
+                <a:cs typeface="Times New Roman" panose="02020603050405020304" pitchFamily="18" charset="0"/>
+              </a:rPr>
+              <a:t>cả</a:t>
+            </a:r>
+            <a:r>
+              <a:rPr lang="en-US" dirty="0">
+                <a:latin typeface="Segoe UI Black" panose="020B0A02040204020203" pitchFamily="34" charset="0"/>
+                <a:ea typeface="Segoe UI Black" panose="020B0A02040204020203" pitchFamily="34" charset="0"/>
+                <a:cs typeface="Times New Roman" panose="02020603050405020304" pitchFamily="18" charset="0"/>
+              </a:rPr>
+              <a:t> </a:t>
+            </a:r>
+            <a:r>
+              <a:rPr lang="en-US" dirty="0" err="1">
+                <a:latin typeface="Segoe UI Black" panose="020B0A02040204020203" pitchFamily="34" charset="0"/>
+                <a:ea typeface="Segoe UI Black" panose="020B0A02040204020203" pitchFamily="34" charset="0"/>
+                <a:cs typeface="Times New Roman" panose="02020603050405020304" pitchFamily="18" charset="0"/>
+              </a:rPr>
+              <a:t>các</a:t>
+            </a:r>
+            <a:r>
+              <a:rPr lang="en-US" dirty="0">
+                <a:latin typeface="Segoe UI Black" panose="020B0A02040204020203" pitchFamily="34" charset="0"/>
+                <a:ea typeface="Segoe UI Black" panose="020B0A02040204020203" pitchFamily="34" charset="0"/>
+                <a:cs typeface="Times New Roman" panose="02020603050405020304" pitchFamily="18" charset="0"/>
+              </a:rPr>
+              <a:t> user </a:t>
+            </a:r>
+            <a:r>
+              <a:rPr lang="en-US" dirty="0" err="1">
+                <a:latin typeface="Segoe UI Black" panose="020B0A02040204020203" pitchFamily="34" charset="0"/>
+                <a:ea typeface="Segoe UI Black" panose="020B0A02040204020203" pitchFamily="34" charset="0"/>
+                <a:cs typeface="Times New Roman" panose="02020603050405020304" pitchFamily="18" charset="0"/>
+              </a:rPr>
+              <a:t>với</a:t>
+            </a:r>
+            <a:r>
+              <a:rPr lang="en-US" dirty="0">
+                <a:latin typeface="Segoe UI Black" panose="020B0A02040204020203" pitchFamily="34" charset="0"/>
+                <a:ea typeface="Segoe UI Black" panose="020B0A02040204020203" pitchFamily="34" charset="0"/>
+                <a:cs typeface="Times New Roman" panose="02020603050405020304" pitchFamily="18" charset="0"/>
+              </a:rPr>
+              <a:t> </a:t>
+            </a:r>
+            <a:r>
+              <a:rPr lang="en-US" dirty="0" err="1">
+                <a:latin typeface="Segoe UI Black" panose="020B0A02040204020203" pitchFamily="34" charset="0"/>
+                <a:ea typeface="Segoe UI Black" panose="020B0A02040204020203" pitchFamily="34" charset="0"/>
+                <a:cs typeface="Times New Roman" panose="02020603050405020304" pitchFamily="18" charset="0"/>
+              </a:rPr>
+              <a:t>các</a:t>
+            </a:r>
+            <a:r>
+              <a:rPr lang="en-US" dirty="0">
+                <a:latin typeface="Segoe UI Black" panose="020B0A02040204020203" pitchFamily="34" charset="0"/>
+                <a:ea typeface="Segoe UI Black" panose="020B0A02040204020203" pitchFamily="34" charset="0"/>
+                <a:cs typeface="Times New Roman" panose="02020603050405020304" pitchFamily="18" charset="0"/>
+              </a:rPr>
+              <a:t> </a:t>
+            </a:r>
+            <a:r>
+              <a:rPr lang="en-US" dirty="0" err="1">
+                <a:latin typeface="Segoe UI Black" panose="020B0A02040204020203" pitchFamily="34" charset="0"/>
+                <a:ea typeface="Segoe UI Black" panose="020B0A02040204020203" pitchFamily="34" charset="0"/>
+                <a:cs typeface="Times New Roman" panose="02020603050405020304" pitchFamily="18" charset="0"/>
+              </a:rPr>
+              <a:t>thông</a:t>
+            </a:r>
+            <a:r>
+              <a:rPr lang="en-US" dirty="0">
+                <a:latin typeface="Segoe UI Black" panose="020B0A02040204020203" pitchFamily="34" charset="0"/>
+                <a:ea typeface="Segoe UI Black" panose="020B0A02040204020203" pitchFamily="34" charset="0"/>
+                <a:cs typeface="Times New Roman" panose="02020603050405020304" pitchFamily="18" charset="0"/>
+              </a:rPr>
+              <a:t> tin bao </a:t>
+            </a:r>
+            <a:r>
+              <a:rPr lang="en-US" dirty="0" err="1">
+                <a:latin typeface="Segoe UI Black" panose="020B0A02040204020203" pitchFamily="34" charset="0"/>
+                <a:ea typeface="Segoe UI Black" panose="020B0A02040204020203" pitchFamily="34" charset="0"/>
+                <a:cs typeface="Times New Roman" panose="02020603050405020304" pitchFamily="18" charset="0"/>
+              </a:rPr>
+              <a:t>gồm</a:t>
+            </a:r>
+            <a:r>
+              <a:rPr lang="en-US" dirty="0">
+                <a:latin typeface="Segoe UI Black" panose="020B0A02040204020203" pitchFamily="34" charset="0"/>
+                <a:ea typeface="Segoe UI Black" panose="020B0A02040204020203" pitchFamily="34" charset="0"/>
+                <a:cs typeface="Times New Roman" panose="02020603050405020304" pitchFamily="18" charset="0"/>
+              </a:rPr>
+              <a:t> id, name, address</a:t>
             </a:r>
           </a:p>
           <a:p>
@@ -5205,8 +10305,9 @@
               <a:buChar char="•"/>
             </a:pPr>
             <a:r>
-              <a:rPr lang="en-US" sz="2200" b="1">
-                <a:latin typeface="Times New Roman" panose="02020603050405020304" pitchFamily="18" charset="0"/>
+              <a:rPr lang="en-US" b="1" dirty="0">
+                <a:latin typeface="Segoe UI Black" panose="020B0A02040204020203" pitchFamily="34" charset="0"/>
+                <a:ea typeface="Segoe UI Black" panose="020B0A02040204020203" pitchFamily="34" charset="0"/>
                 <a:cs typeface="Times New Roman" panose="02020603050405020304" pitchFamily="18" charset="0"/>
               </a:rPr>
               <a:t>HTTP status code</a:t>
@@ -5214,89 +10315,337 @@
           </a:p>
           <a:p>
             <a:r>
-              <a:rPr lang="en-US" sz="2200">
-                <a:latin typeface="Times New Roman" panose="02020603050405020304" pitchFamily="18" charset="0"/>
-                <a:cs typeface="Times New Roman" panose="02020603050405020304" pitchFamily="18" charset="0"/>
-              </a:rPr>
-              <a:t>200 OK: thực hiện hoạt động thành công</a:t>
-            </a:r>
-          </a:p>
-          <a:p>
-            <a:r>
-              <a:rPr lang="en-US" sz="2200">
-                <a:latin typeface="Times New Roman" panose="02020603050405020304" pitchFamily="18" charset="0"/>
-                <a:cs typeface="Times New Roman" panose="02020603050405020304" pitchFamily="18" charset="0"/>
-              </a:rPr>
-              <a:t>201 CREATED: khi bạn sử dụng phương thức post để tạo resource mới</a:t>
-            </a:r>
-          </a:p>
-          <a:p>
-            <a:r>
-              <a:rPr lang="vi-VN" sz="2200">
-                <a:latin typeface="+mj-lt"/>
+              <a:rPr lang="en-US" dirty="0">
+                <a:latin typeface="Segoe UI Black" panose="020B0A02040204020203" pitchFamily="34" charset="0"/>
+                <a:ea typeface="Segoe UI Black" panose="020B0A02040204020203" pitchFamily="34" charset="0"/>
+                <a:cs typeface="Times New Roman" panose="02020603050405020304" pitchFamily="18" charset="0"/>
+              </a:rPr>
+              <a:t>200 OK: </a:t>
+            </a:r>
+            <a:r>
+              <a:rPr lang="en-US" dirty="0" err="1">
+                <a:latin typeface="Segoe UI Black" panose="020B0A02040204020203" pitchFamily="34" charset="0"/>
+                <a:ea typeface="Segoe UI Black" panose="020B0A02040204020203" pitchFamily="34" charset="0"/>
+                <a:cs typeface="Times New Roman" panose="02020603050405020304" pitchFamily="18" charset="0"/>
+              </a:rPr>
+              <a:t>thực</a:t>
+            </a:r>
+            <a:r>
+              <a:rPr lang="en-US" dirty="0">
+                <a:latin typeface="Segoe UI Black" panose="020B0A02040204020203" pitchFamily="34" charset="0"/>
+                <a:ea typeface="Segoe UI Black" panose="020B0A02040204020203" pitchFamily="34" charset="0"/>
+                <a:cs typeface="Times New Roman" panose="02020603050405020304" pitchFamily="18" charset="0"/>
+              </a:rPr>
+              <a:t> </a:t>
+            </a:r>
+            <a:r>
+              <a:rPr lang="en-US" dirty="0" err="1">
+                <a:latin typeface="Segoe UI Black" panose="020B0A02040204020203" pitchFamily="34" charset="0"/>
+                <a:ea typeface="Segoe UI Black" panose="020B0A02040204020203" pitchFamily="34" charset="0"/>
+                <a:cs typeface="Times New Roman" panose="02020603050405020304" pitchFamily="18" charset="0"/>
+              </a:rPr>
+              <a:t>hiện</a:t>
+            </a:r>
+            <a:r>
+              <a:rPr lang="en-US" dirty="0">
+                <a:latin typeface="Segoe UI Black" panose="020B0A02040204020203" pitchFamily="34" charset="0"/>
+                <a:ea typeface="Segoe UI Black" panose="020B0A02040204020203" pitchFamily="34" charset="0"/>
+                <a:cs typeface="Times New Roman" panose="02020603050405020304" pitchFamily="18" charset="0"/>
+              </a:rPr>
+              <a:t> </a:t>
+            </a:r>
+            <a:r>
+              <a:rPr lang="en-US" dirty="0" err="1">
+                <a:latin typeface="Segoe UI Black" panose="020B0A02040204020203" pitchFamily="34" charset="0"/>
+                <a:ea typeface="Segoe UI Black" panose="020B0A02040204020203" pitchFamily="34" charset="0"/>
+                <a:cs typeface="Times New Roman" panose="02020603050405020304" pitchFamily="18" charset="0"/>
+              </a:rPr>
+              <a:t>hoạt</a:t>
+            </a:r>
+            <a:r>
+              <a:rPr lang="en-US" dirty="0">
+                <a:latin typeface="Segoe UI Black" panose="020B0A02040204020203" pitchFamily="34" charset="0"/>
+                <a:ea typeface="Segoe UI Black" panose="020B0A02040204020203" pitchFamily="34" charset="0"/>
+                <a:cs typeface="Times New Roman" panose="02020603050405020304" pitchFamily="18" charset="0"/>
+              </a:rPr>
+              <a:t> </a:t>
+            </a:r>
+            <a:r>
+              <a:rPr lang="en-US" dirty="0" err="1">
+                <a:latin typeface="Segoe UI Black" panose="020B0A02040204020203" pitchFamily="34" charset="0"/>
+                <a:ea typeface="Segoe UI Black" panose="020B0A02040204020203" pitchFamily="34" charset="0"/>
+                <a:cs typeface="Times New Roman" panose="02020603050405020304" pitchFamily="18" charset="0"/>
+              </a:rPr>
+              <a:t>động</a:t>
+            </a:r>
+            <a:r>
+              <a:rPr lang="en-US" dirty="0">
+                <a:latin typeface="Segoe UI Black" panose="020B0A02040204020203" pitchFamily="34" charset="0"/>
+                <a:ea typeface="Segoe UI Black" panose="020B0A02040204020203" pitchFamily="34" charset="0"/>
+                <a:cs typeface="Times New Roman" panose="02020603050405020304" pitchFamily="18" charset="0"/>
+              </a:rPr>
+              <a:t> </a:t>
+            </a:r>
+            <a:r>
+              <a:rPr lang="en-US" dirty="0" err="1">
+                <a:latin typeface="Segoe UI Black" panose="020B0A02040204020203" pitchFamily="34" charset="0"/>
+                <a:ea typeface="Segoe UI Black" panose="020B0A02040204020203" pitchFamily="34" charset="0"/>
+                <a:cs typeface="Times New Roman" panose="02020603050405020304" pitchFamily="18" charset="0"/>
+              </a:rPr>
+              <a:t>thành</a:t>
+            </a:r>
+            <a:r>
+              <a:rPr lang="en-US" dirty="0">
+                <a:latin typeface="Segoe UI Black" panose="020B0A02040204020203" pitchFamily="34" charset="0"/>
+                <a:ea typeface="Segoe UI Black" panose="020B0A02040204020203" pitchFamily="34" charset="0"/>
+                <a:cs typeface="Times New Roman" panose="02020603050405020304" pitchFamily="18" charset="0"/>
+              </a:rPr>
+              <a:t> </a:t>
+            </a:r>
+            <a:r>
+              <a:rPr lang="en-US" dirty="0" err="1">
+                <a:latin typeface="Segoe UI Black" panose="020B0A02040204020203" pitchFamily="34" charset="0"/>
+                <a:ea typeface="Segoe UI Black" panose="020B0A02040204020203" pitchFamily="34" charset="0"/>
+                <a:cs typeface="Times New Roman" panose="02020603050405020304" pitchFamily="18" charset="0"/>
+              </a:rPr>
+              <a:t>công</a:t>
+            </a:r>
+            <a:endParaRPr lang="en-US" dirty="0">
+              <a:latin typeface="Segoe UI Black" panose="020B0A02040204020203" pitchFamily="34" charset="0"/>
+              <a:ea typeface="Segoe UI Black" panose="020B0A02040204020203" pitchFamily="34" charset="0"/>
+              <a:cs typeface="Times New Roman" panose="02020603050405020304" pitchFamily="18" charset="0"/>
+            </a:endParaRPr>
+          </a:p>
+          <a:p>
+            <a:r>
+              <a:rPr lang="en-US" dirty="0">
+                <a:latin typeface="Segoe UI Black" panose="020B0A02040204020203" pitchFamily="34" charset="0"/>
+                <a:ea typeface="Segoe UI Black" panose="020B0A02040204020203" pitchFamily="34" charset="0"/>
+                <a:cs typeface="Times New Roman" panose="02020603050405020304" pitchFamily="18" charset="0"/>
+              </a:rPr>
+              <a:t>201 CREATED: </a:t>
+            </a:r>
+            <a:r>
+              <a:rPr lang="en-US" dirty="0" err="1">
+                <a:latin typeface="Segoe UI Black" panose="020B0A02040204020203" pitchFamily="34" charset="0"/>
+                <a:ea typeface="Segoe UI Black" panose="020B0A02040204020203" pitchFamily="34" charset="0"/>
+                <a:cs typeface="Times New Roman" panose="02020603050405020304" pitchFamily="18" charset="0"/>
+              </a:rPr>
+              <a:t>khi</a:t>
+            </a:r>
+            <a:r>
+              <a:rPr lang="en-US" dirty="0">
+                <a:latin typeface="Segoe UI Black" panose="020B0A02040204020203" pitchFamily="34" charset="0"/>
+                <a:ea typeface="Segoe UI Black" panose="020B0A02040204020203" pitchFamily="34" charset="0"/>
+                <a:cs typeface="Times New Roman" panose="02020603050405020304" pitchFamily="18" charset="0"/>
+              </a:rPr>
+              <a:t> </a:t>
+            </a:r>
+            <a:r>
+              <a:rPr lang="en-US" dirty="0" err="1">
+                <a:latin typeface="Segoe UI Black" panose="020B0A02040204020203" pitchFamily="34" charset="0"/>
+                <a:ea typeface="Segoe UI Black" panose="020B0A02040204020203" pitchFamily="34" charset="0"/>
+                <a:cs typeface="Times New Roman" panose="02020603050405020304" pitchFamily="18" charset="0"/>
+              </a:rPr>
+              <a:t>bạn</a:t>
+            </a:r>
+            <a:r>
+              <a:rPr lang="en-US" dirty="0">
+                <a:latin typeface="Segoe UI Black" panose="020B0A02040204020203" pitchFamily="34" charset="0"/>
+                <a:ea typeface="Segoe UI Black" panose="020B0A02040204020203" pitchFamily="34" charset="0"/>
+                <a:cs typeface="Times New Roman" panose="02020603050405020304" pitchFamily="18" charset="0"/>
+              </a:rPr>
+              <a:t> </a:t>
+            </a:r>
+            <a:r>
+              <a:rPr lang="en-US" dirty="0" err="1">
+                <a:latin typeface="Segoe UI Black" panose="020B0A02040204020203" pitchFamily="34" charset="0"/>
+                <a:ea typeface="Segoe UI Black" panose="020B0A02040204020203" pitchFamily="34" charset="0"/>
+                <a:cs typeface="Times New Roman" panose="02020603050405020304" pitchFamily="18" charset="0"/>
+              </a:rPr>
+              <a:t>sử</a:t>
+            </a:r>
+            <a:r>
+              <a:rPr lang="en-US" dirty="0">
+                <a:latin typeface="Segoe UI Black" panose="020B0A02040204020203" pitchFamily="34" charset="0"/>
+                <a:ea typeface="Segoe UI Black" panose="020B0A02040204020203" pitchFamily="34" charset="0"/>
+                <a:cs typeface="Times New Roman" panose="02020603050405020304" pitchFamily="18" charset="0"/>
+              </a:rPr>
+              <a:t> </a:t>
+            </a:r>
+            <a:r>
+              <a:rPr lang="en-US" dirty="0" err="1">
+                <a:latin typeface="Segoe UI Black" panose="020B0A02040204020203" pitchFamily="34" charset="0"/>
+                <a:ea typeface="Segoe UI Black" panose="020B0A02040204020203" pitchFamily="34" charset="0"/>
+                <a:cs typeface="Times New Roman" panose="02020603050405020304" pitchFamily="18" charset="0"/>
+              </a:rPr>
+              <a:t>dụng</a:t>
+            </a:r>
+            <a:r>
+              <a:rPr lang="en-US" dirty="0">
+                <a:latin typeface="Segoe UI Black" panose="020B0A02040204020203" pitchFamily="34" charset="0"/>
+                <a:ea typeface="Segoe UI Black" panose="020B0A02040204020203" pitchFamily="34" charset="0"/>
+                <a:cs typeface="Times New Roman" panose="02020603050405020304" pitchFamily="18" charset="0"/>
+              </a:rPr>
+              <a:t> </a:t>
+            </a:r>
+            <a:r>
+              <a:rPr lang="en-US" dirty="0" err="1">
+                <a:latin typeface="Segoe UI Black" panose="020B0A02040204020203" pitchFamily="34" charset="0"/>
+                <a:ea typeface="Segoe UI Black" panose="020B0A02040204020203" pitchFamily="34" charset="0"/>
+                <a:cs typeface="Times New Roman" panose="02020603050405020304" pitchFamily="18" charset="0"/>
+              </a:rPr>
+              <a:t>phương</a:t>
+            </a:r>
+            <a:r>
+              <a:rPr lang="en-US" dirty="0">
+                <a:latin typeface="Segoe UI Black" panose="020B0A02040204020203" pitchFamily="34" charset="0"/>
+                <a:ea typeface="Segoe UI Black" panose="020B0A02040204020203" pitchFamily="34" charset="0"/>
+                <a:cs typeface="Times New Roman" panose="02020603050405020304" pitchFamily="18" charset="0"/>
+              </a:rPr>
+              <a:t> </a:t>
+            </a:r>
+            <a:r>
+              <a:rPr lang="en-US" dirty="0" err="1">
+                <a:latin typeface="Segoe UI Black" panose="020B0A02040204020203" pitchFamily="34" charset="0"/>
+                <a:ea typeface="Segoe UI Black" panose="020B0A02040204020203" pitchFamily="34" charset="0"/>
+                <a:cs typeface="Times New Roman" panose="02020603050405020304" pitchFamily="18" charset="0"/>
+              </a:rPr>
+              <a:t>thức</a:t>
+            </a:r>
+            <a:r>
+              <a:rPr lang="en-US" dirty="0">
+                <a:latin typeface="Segoe UI Black" panose="020B0A02040204020203" pitchFamily="34" charset="0"/>
+                <a:ea typeface="Segoe UI Black" panose="020B0A02040204020203" pitchFamily="34" charset="0"/>
+                <a:cs typeface="Times New Roman" panose="02020603050405020304" pitchFamily="18" charset="0"/>
+              </a:rPr>
+              <a:t> post </a:t>
+            </a:r>
+            <a:r>
+              <a:rPr lang="en-US" dirty="0" err="1">
+                <a:latin typeface="Segoe UI Black" panose="020B0A02040204020203" pitchFamily="34" charset="0"/>
+                <a:ea typeface="Segoe UI Black" panose="020B0A02040204020203" pitchFamily="34" charset="0"/>
+                <a:cs typeface="Times New Roman" panose="02020603050405020304" pitchFamily="18" charset="0"/>
+              </a:rPr>
+              <a:t>để</a:t>
+            </a:r>
+            <a:r>
+              <a:rPr lang="en-US" dirty="0">
+                <a:latin typeface="Segoe UI Black" panose="020B0A02040204020203" pitchFamily="34" charset="0"/>
+                <a:ea typeface="Segoe UI Black" panose="020B0A02040204020203" pitchFamily="34" charset="0"/>
+                <a:cs typeface="Times New Roman" panose="02020603050405020304" pitchFamily="18" charset="0"/>
+              </a:rPr>
+              <a:t> </a:t>
+            </a:r>
+            <a:r>
+              <a:rPr lang="en-US" dirty="0" err="1">
+                <a:latin typeface="Segoe UI Black" panose="020B0A02040204020203" pitchFamily="34" charset="0"/>
+                <a:ea typeface="Segoe UI Black" panose="020B0A02040204020203" pitchFamily="34" charset="0"/>
+                <a:cs typeface="Times New Roman" panose="02020603050405020304" pitchFamily="18" charset="0"/>
+              </a:rPr>
+              <a:t>tạo</a:t>
+            </a:r>
+            <a:r>
+              <a:rPr lang="en-US" dirty="0">
+                <a:latin typeface="Segoe UI Black" panose="020B0A02040204020203" pitchFamily="34" charset="0"/>
+                <a:ea typeface="Segoe UI Black" panose="020B0A02040204020203" pitchFamily="34" charset="0"/>
+                <a:cs typeface="Times New Roman" panose="02020603050405020304" pitchFamily="18" charset="0"/>
+              </a:rPr>
+              <a:t> resource </a:t>
+            </a:r>
+            <a:r>
+              <a:rPr lang="en-US" dirty="0" err="1">
+                <a:latin typeface="Segoe UI Black" panose="020B0A02040204020203" pitchFamily="34" charset="0"/>
+                <a:ea typeface="Segoe UI Black" panose="020B0A02040204020203" pitchFamily="34" charset="0"/>
+                <a:cs typeface="Times New Roman" panose="02020603050405020304" pitchFamily="18" charset="0"/>
+              </a:rPr>
+              <a:t>mới</a:t>
+            </a:r>
+            <a:endParaRPr lang="en-US" dirty="0">
+              <a:latin typeface="Segoe UI Black" panose="020B0A02040204020203" pitchFamily="34" charset="0"/>
+              <a:ea typeface="Segoe UI Black" panose="020B0A02040204020203" pitchFamily="34" charset="0"/>
+              <a:cs typeface="Times New Roman" panose="02020603050405020304" pitchFamily="18" charset="0"/>
+            </a:endParaRPr>
+          </a:p>
+          <a:p>
+            <a:r>
+              <a:rPr lang="vi-VN" dirty="0">
+                <a:latin typeface="Segoe UI Black" panose="020B0A02040204020203" pitchFamily="34" charset="0"/>
+                <a:ea typeface="Segoe UI Black" panose="020B0A02040204020203" pitchFamily="34" charset="0"/>
               </a:rPr>
               <a:t>202 ACCEPTED</a:t>
             </a:r>
             <a:r>
-              <a:rPr lang="en-US" sz="2200">
-                <a:latin typeface="+mj-lt"/>
+              <a:rPr lang="en-US" dirty="0">
+                <a:latin typeface="Segoe UI Black" panose="020B0A02040204020203" pitchFamily="34" charset="0"/>
+                <a:ea typeface="Segoe UI Black" panose="020B0A02040204020203" pitchFamily="34" charset="0"/>
               </a:rPr>
               <a:t>: </a:t>
             </a:r>
             <a:r>
-              <a:rPr lang="vi-VN" sz="2200">
-                <a:latin typeface="+mj-lt"/>
+              <a:rPr lang="vi-VN" dirty="0">
+                <a:latin typeface="Segoe UI Black" panose="020B0A02040204020203" pitchFamily="34" charset="0"/>
+                <a:ea typeface="Segoe UI Black" panose="020B0A02040204020203" pitchFamily="34" charset="0"/>
               </a:rPr>
               <a:t>xác nhận yêu cầu được gửi đến máy chủ</a:t>
             </a:r>
-            <a:endParaRPr lang="en-US" sz="2200">
-              <a:latin typeface="+mj-lt"/>
+            <a:endParaRPr lang="en-US" dirty="0">
+              <a:latin typeface="Segoe UI Black" panose="020B0A02040204020203" pitchFamily="34" charset="0"/>
+              <a:ea typeface="Segoe UI Black" panose="020B0A02040204020203" pitchFamily="34" charset="0"/>
             </a:endParaRPr>
           </a:p>
           <a:p>
             <a:r>
-              <a:rPr lang="vi-VN" sz="2200">
-                <a:latin typeface="+mj-lt"/>
+              <a:rPr lang="vi-VN" dirty="0">
+                <a:latin typeface="Segoe UI Black" panose="020B0A02040204020203" pitchFamily="34" charset="0"/>
+                <a:ea typeface="Segoe UI Black" panose="020B0A02040204020203" pitchFamily="34" charset="0"/>
               </a:rPr>
               <a:t>400 BAD REQUEST</a:t>
             </a:r>
             <a:r>
-              <a:rPr lang="en-US" sz="2200">
-                <a:latin typeface="+mj-lt"/>
+              <a:rPr lang="en-US" dirty="0">
+                <a:latin typeface="Segoe UI Black" panose="020B0A02040204020203" pitchFamily="34" charset="0"/>
+                <a:ea typeface="Segoe UI Black" panose="020B0A02040204020203" pitchFamily="34" charset="0"/>
               </a:rPr>
               <a:t>: </a:t>
             </a:r>
             <a:r>
-              <a:rPr lang="vi-VN" sz="2200">
-                <a:latin typeface="+mj-lt"/>
+              <a:rPr lang="vi-VN" dirty="0">
+                <a:latin typeface="Segoe UI Black" panose="020B0A02040204020203" pitchFamily="34" charset="0"/>
+                <a:ea typeface="Segoe UI Black" panose="020B0A02040204020203" pitchFamily="34" charset="0"/>
               </a:rPr>
               <a:t>xác nhận đầu vào phía khách hàng không thành công</a:t>
             </a:r>
-            <a:endParaRPr lang="en-US" sz="2200">
-              <a:latin typeface="+mj-lt"/>
+            <a:endParaRPr lang="en-US" dirty="0">
+              <a:latin typeface="Segoe UI Black" panose="020B0A02040204020203" pitchFamily="34" charset="0"/>
+              <a:ea typeface="Segoe UI Black" panose="020B0A02040204020203" pitchFamily="34" charset="0"/>
             </a:endParaRPr>
           </a:p>
           <a:p>
             <a:r>
-              <a:rPr lang="vi-VN" sz="2200">
-                <a:latin typeface="+mj-lt"/>
+              <a:rPr lang="vi-VN" dirty="0">
+                <a:latin typeface="Segoe UI Black" panose="020B0A02040204020203" pitchFamily="34" charset="0"/>
+                <a:ea typeface="Segoe UI Black" panose="020B0A02040204020203" pitchFamily="34" charset="0"/>
               </a:rPr>
               <a:t>401 UNAUTHORIZED / 403 FORBIDDEN</a:t>
             </a:r>
             <a:r>
-              <a:rPr lang="en-US" sz="2200">
-                <a:latin typeface="+mj-lt"/>
+              <a:rPr lang="en-US" dirty="0">
+                <a:latin typeface="Segoe UI Black" panose="020B0A02040204020203" pitchFamily="34" charset="0"/>
+                <a:ea typeface="Segoe UI Black" panose="020B0A02040204020203" pitchFamily="34" charset="0"/>
               </a:rPr>
               <a:t>: </a:t>
             </a:r>
             <a:r>
-              <a:rPr lang="vi-VN" sz="2200">
-                <a:latin typeface="+mj-lt"/>
+              <a:rPr lang="vi-VN" dirty="0">
+                <a:latin typeface="Segoe UI Black" panose="020B0A02040204020203" pitchFamily="34" charset="0"/>
+                <a:ea typeface="Segoe UI Black" panose="020B0A02040204020203" pitchFamily="34" charset="0"/>
               </a:rPr>
               <a:t>người dùng hoặc hệ thống không được phép thực hiện một số thao tác nhất định.</a:t>
             </a:r>
-            <a:endParaRPr lang="en-US" sz="2200">
-              <a:latin typeface="+mj-lt"/>
+            <a:endParaRPr lang="en-US" dirty="0">
+              <a:latin typeface="Segoe UI Black" panose="020B0A02040204020203" pitchFamily="34" charset="0"/>
+              <a:ea typeface="Segoe UI Black" panose="020B0A02040204020203" pitchFamily="34" charset="0"/>
               <a:cs typeface="Times New Roman" panose="02020603050405020304" pitchFamily="18" charset="0"/>
             </a:endParaRPr>
           </a:p>
